--- a/e-Portfolio MySQL.pptx
+++ b/e-Portfolio MySQL.pptx
@@ -5,7 +5,7 @@
     <p:sldMasterId id="2147483840" r:id="rId1"/>
   </p:sldMasterIdLst>
   <p:notesMasterIdLst>
-    <p:notesMasterId r:id="rId21"/>
+    <p:notesMasterId r:id="rId22"/>
   </p:notesMasterIdLst>
   <p:sldIdLst>
     <p:sldId id="256" r:id="rId2"/>
@@ -15,18 +15,19 @@
     <p:sldId id="281" r:id="rId6"/>
     <p:sldId id="260" r:id="rId7"/>
     <p:sldId id="268" r:id="rId8"/>
-    <p:sldId id="283" r:id="rId9"/>
-    <p:sldId id="274" r:id="rId10"/>
-    <p:sldId id="284" r:id="rId11"/>
-    <p:sldId id="261" r:id="rId12"/>
-    <p:sldId id="266" r:id="rId13"/>
-    <p:sldId id="279" r:id="rId14"/>
-    <p:sldId id="280" r:id="rId15"/>
-    <p:sldId id="282" r:id="rId16"/>
-    <p:sldId id="262" r:id="rId17"/>
-    <p:sldId id="271" r:id="rId18"/>
-    <p:sldId id="263" r:id="rId19"/>
-    <p:sldId id="264" r:id="rId20"/>
+    <p:sldId id="285" r:id="rId9"/>
+    <p:sldId id="283" r:id="rId10"/>
+    <p:sldId id="274" r:id="rId11"/>
+    <p:sldId id="284" r:id="rId12"/>
+    <p:sldId id="261" r:id="rId13"/>
+    <p:sldId id="266" r:id="rId14"/>
+    <p:sldId id="279" r:id="rId15"/>
+    <p:sldId id="280" r:id="rId16"/>
+    <p:sldId id="282" r:id="rId17"/>
+    <p:sldId id="262" r:id="rId18"/>
+    <p:sldId id="271" r:id="rId19"/>
+    <p:sldId id="263" r:id="rId20"/>
+    <p:sldId id="264" r:id="rId21"/>
   </p:sldIdLst>
   <p:sldSz cx="12192000" cy="6858000"/>
   <p:notesSz cx="6858000" cy="9144000"/>
@@ -640,7 +641,7 @@
     </p:spTree>
     <p:extLst>
       <p:ext uri="{BB962C8B-B14F-4D97-AF65-F5344CB8AC3E}">
-        <p14:creationId xmlns:p14="http://schemas.microsoft.com/office/powerpoint/2010/main" val="1159704714"/>
+        <p14:creationId xmlns:p14="http://schemas.microsoft.com/office/powerpoint/2010/main" val="146422703"/>
       </p:ext>
     </p:extLst>
   </p:cSld>
@@ -724,7 +725,7 @@
     </p:spTree>
     <p:extLst>
       <p:ext uri="{BB962C8B-B14F-4D97-AF65-F5344CB8AC3E}">
-        <p14:creationId xmlns:p14="http://schemas.microsoft.com/office/powerpoint/2010/main" val="114857532"/>
+        <p14:creationId xmlns:p14="http://schemas.microsoft.com/office/powerpoint/2010/main" val="1159704714"/>
       </p:ext>
     </p:extLst>
   </p:cSld>
@@ -808,7 +809,7 @@
     </p:spTree>
     <p:extLst>
       <p:ext uri="{BB962C8B-B14F-4D97-AF65-F5344CB8AC3E}">
-        <p14:creationId xmlns:p14="http://schemas.microsoft.com/office/powerpoint/2010/main" val="3051351235"/>
+        <p14:creationId xmlns:p14="http://schemas.microsoft.com/office/powerpoint/2010/main" val="114857532"/>
       </p:ext>
     </p:extLst>
   </p:cSld>
@@ -892,7 +893,7 @@
     </p:spTree>
     <p:extLst>
       <p:ext uri="{BB962C8B-B14F-4D97-AF65-F5344CB8AC3E}">
-        <p14:creationId xmlns:p14="http://schemas.microsoft.com/office/powerpoint/2010/main" val="598952895"/>
+        <p14:creationId xmlns:p14="http://schemas.microsoft.com/office/powerpoint/2010/main" val="3051351235"/>
       </p:ext>
     </p:extLst>
   </p:cSld>
@@ -976,7 +977,7 @@
     </p:spTree>
     <p:extLst>
       <p:ext uri="{BB962C8B-B14F-4D97-AF65-F5344CB8AC3E}">
-        <p14:creationId xmlns:p14="http://schemas.microsoft.com/office/powerpoint/2010/main" val="4124340013"/>
+        <p14:creationId xmlns:p14="http://schemas.microsoft.com/office/powerpoint/2010/main" val="598952895"/>
       </p:ext>
     </p:extLst>
   </p:cSld>
@@ -1060,7 +1061,7 @@
     </p:spTree>
     <p:extLst>
       <p:ext uri="{BB962C8B-B14F-4D97-AF65-F5344CB8AC3E}">
-        <p14:creationId xmlns:p14="http://schemas.microsoft.com/office/powerpoint/2010/main" val="3177400058"/>
+        <p14:creationId xmlns:p14="http://schemas.microsoft.com/office/powerpoint/2010/main" val="4124340013"/>
       </p:ext>
     </p:extLst>
   </p:cSld>
@@ -1144,7 +1145,7 @@
     </p:spTree>
     <p:extLst>
       <p:ext uri="{BB962C8B-B14F-4D97-AF65-F5344CB8AC3E}">
-        <p14:creationId xmlns:p14="http://schemas.microsoft.com/office/powerpoint/2010/main" val="3593501258"/>
+        <p14:creationId xmlns:p14="http://schemas.microsoft.com/office/powerpoint/2010/main" val="3177400058"/>
       </p:ext>
     </p:extLst>
   </p:cSld>
@@ -1228,7 +1229,7 @@
     </p:spTree>
     <p:extLst>
       <p:ext uri="{BB962C8B-B14F-4D97-AF65-F5344CB8AC3E}">
-        <p14:creationId xmlns:p14="http://schemas.microsoft.com/office/powerpoint/2010/main" val="1901587230"/>
+        <p14:creationId xmlns:p14="http://schemas.microsoft.com/office/powerpoint/2010/main" val="3593501258"/>
       </p:ext>
     </p:extLst>
   </p:cSld>
@@ -1304,6 +1305,90 @@
             <a:fld id="{DCE88535-938B-4ACD-AA30-1B902628CE25}" type="slidenum">
               <a:rPr lang="de-DE"/>
               <a:t>19</a:t>
+            </a:fld>
+            <a:endParaRPr lang="de-DE"/>
+          </a:p>
+        </p:txBody>
+      </p:sp>
+    </p:spTree>
+    <p:extLst>
+      <p:ext uri="{BB962C8B-B14F-4D97-AF65-F5344CB8AC3E}">
+        <p14:creationId xmlns:p14="http://schemas.microsoft.com/office/powerpoint/2010/main" val="1901587230"/>
+      </p:ext>
+    </p:extLst>
+  </p:cSld>
+  <p:clrMapOvr>
+    <a:masterClrMapping/>
+  </p:clrMapOvr>
+</p:notes>
+</file>
+
+<file path=ppt/notesSlides/notesSlide19.xml><?xml version="1.0" encoding="utf-8"?>
+<p:notes xmlns:a="http://schemas.openxmlformats.org/drawingml/2006/main" xmlns:r="http://schemas.openxmlformats.org/officeDocument/2006/relationships" xmlns:p="http://schemas.openxmlformats.org/presentationml/2006/main">
+  <p:cSld>
+    <p:spTree>
+      <p:nvGrpSpPr>
+        <p:cNvPr id="1" name=""/>
+        <p:cNvGrpSpPr/>
+        <p:nvPr/>
+      </p:nvGrpSpPr>
+      <p:grpSpPr>
+        <a:xfrm>
+          <a:off x="0" y="0"/>
+          <a:ext cx="0" cy="0"/>
+          <a:chOff x="0" y="0"/>
+          <a:chExt cx="0" cy="0"/>
+        </a:xfrm>
+      </p:grpSpPr>
+      <p:sp>
+        <p:nvSpPr>
+          <p:cNvPr id="2" name="Folienbildplatzhalter 1"/>
+          <p:cNvSpPr>
+            <a:spLocks noGrp="1" noRot="1" noChangeAspect="1"/>
+          </p:cNvSpPr>
+          <p:nvPr>
+            <p:ph type="sldImg"/>
+          </p:nvPr>
+        </p:nvSpPr>
+        <p:spPr/>
+      </p:sp>
+      <p:sp>
+        <p:nvSpPr>
+          <p:cNvPr id="3" name="Notizenplatzhalter 2"/>
+          <p:cNvSpPr>
+            <a:spLocks noGrp="1"/>
+          </p:cNvSpPr>
+          <p:nvPr>
+            <p:ph type="body" idx="1"/>
+          </p:nvPr>
+        </p:nvSpPr>
+        <p:spPr/>
+        <p:txBody>
+          <a:bodyPr/>
+          <a:lstStyle/>
+          <a:p>
+            <a:endParaRPr lang="de-DE"/>
+          </a:p>
+        </p:txBody>
+      </p:sp>
+      <p:sp>
+        <p:nvSpPr>
+          <p:cNvPr id="4" name="Foliennummernplatzhalter 3"/>
+          <p:cNvSpPr>
+            <a:spLocks noGrp="1"/>
+          </p:cNvSpPr>
+          <p:nvPr>
+            <p:ph type="sldNum" sz="quarter" idx="10"/>
+          </p:nvPr>
+        </p:nvSpPr>
+        <p:spPr/>
+        <p:txBody>
+          <a:bodyPr/>
+          <a:lstStyle/>
+          <a:p>
+            <a:fld id="{DCE88535-938B-4ACD-AA30-1B902628CE25}" type="slidenum">
+              <a:rPr lang="de-DE"/>
+              <a:t>20</a:t>
             </a:fld>
             <a:endParaRPr lang="de-DE"/>
           </a:p>
@@ -1875,7 +1960,12 @@
           <a:bodyPr/>
           <a:lstStyle/>
           <a:p>
-            <a:endParaRPr lang="de-DE"/>
+            <a:r>
+              <a:rPr lang="de-DE">
+                <a:latin typeface="Calibri"/>
+              </a:rPr>
+              <a:t>https://en.wikipedia.org/wiki/Comparison_of_relational_database_management_systems</a:t>
+            </a:r>
           </a:p>
         </p:txBody>
       </p:sp>
@@ -1896,7 +1986,7 @@
           <a:p>
             <a:fld id="{DCE88535-938B-4ACD-AA30-1B902628CE25}" type="slidenum">
               <a:rPr lang="de-DE"/>
-              <a:t>9</a:t>
+              <a:t>8</a:t>
             </a:fld>
             <a:endParaRPr lang="de-DE"/>
           </a:p>
@@ -1905,7 +1995,7 @@
     </p:spTree>
     <p:extLst>
       <p:ext uri="{BB962C8B-B14F-4D97-AF65-F5344CB8AC3E}">
-        <p14:creationId xmlns:p14="http://schemas.microsoft.com/office/powerpoint/2010/main" val="2437524891"/>
+        <p14:creationId xmlns:p14="http://schemas.microsoft.com/office/powerpoint/2010/main" val="1609700608"/>
       </p:ext>
     </p:extLst>
   </p:cSld>
@@ -1989,7 +2079,7 @@
     </p:spTree>
     <p:extLst>
       <p:ext uri="{BB962C8B-B14F-4D97-AF65-F5344CB8AC3E}">
-        <p14:creationId xmlns:p14="http://schemas.microsoft.com/office/powerpoint/2010/main" val="146422703"/>
+        <p14:creationId xmlns:p14="http://schemas.microsoft.com/office/powerpoint/2010/main" val="2437524891"/>
       </p:ext>
     </p:extLst>
   </p:cSld>
@@ -5376,14 +5466,14 @@
           <a:p>
             <a:r>
               <a:rPr lang="de-DE" dirty="0" smtClean="0"/>
-              <a:t>3.Einbinden </a:t>
+              <a:t>3.Einbinden</a:t>
             </a:r>
             <a:br>
               <a:rPr lang="de-DE" dirty="0" smtClean="0"/>
             </a:br>
             <a:r>
               <a:rPr lang="de-DE" dirty="0" smtClean="0"/>
-              <a:t>mit JDBC</a:t>
+              <a:t>mit PHP</a:t>
             </a:r>
             <a:endParaRPr lang="de-DE" dirty="0"/>
           </a:p>
@@ -5402,907 +5492,1192 @@
         <p:spPr/>
         <p:txBody>
           <a:bodyPr>
-            <a:normAutofit fontScale="62500" lnSpcReduction="20000"/>
+            <a:normAutofit lnSpcReduction="10000"/>
           </a:bodyPr>
           <a:lstStyle/>
           <a:p>
             <a:r>
               <a:rPr lang="de-DE" dirty="0" smtClean="0"/>
-              <a:t>In Java Applikationen z.B. mit JDBC:</a:t>
-            </a:r>
-          </a:p>
-          <a:p>
-            <a:endParaRPr lang="de-DE" dirty="0" smtClean="0"/>
+              <a:t>In Websites z.B. </a:t>
+            </a:r>
+            <a:r>
+              <a:rPr lang="de-DE" dirty="0"/>
+              <a:t>über </a:t>
+            </a:r>
+            <a:r>
+              <a:rPr lang="de-DE" dirty="0" smtClean="0"/>
+              <a:t>PHP:</a:t>
+            </a:r>
           </a:p>
           <a:p>
             <a:pPr marL="502920" lvl="1" indent="0">
-              <a:lnSpc>
-                <a:spcPct val="120000"/>
-              </a:lnSpc>
-              <a:spcBef>
-                <a:spcPts val="0"/>
-              </a:spcBef>
               <a:buNone/>
             </a:pPr>
             <a:r>
+              <a:rPr lang="de-DE" dirty="0">
+                <a:solidFill>
+                  <a:srgbClr val="000000"/>
+                </a:solidFill>
+                <a:latin typeface="Corbel" charset="0"/>
+              </a:rPr>
+              <a:t>&lt;?</a:t>
+            </a:r>
+            <a:r>
               <a:rPr lang="de-DE" dirty="0" err="1">
                 <a:solidFill>
-                  <a:schemeClr val="accent3"/>
-                </a:solidFill>
-              </a:rPr>
-              <a:t>public</a:t>
-            </a:r>
-            <a:r>
-              <a:rPr lang="de-DE" dirty="0"/>
+                  <a:srgbClr val="000000"/>
+                </a:solidFill>
+                <a:latin typeface="Corbel" charset="0"/>
+              </a:rPr>
+              <a:t>php</a:t>
+            </a:r>
+            <a:r>
+              <a:rPr lang="de-DE" dirty="0">
+                <a:solidFill>
+                  <a:srgbClr val="000000"/>
+                </a:solidFill>
+                <a:latin typeface="Corbel" charset="0"/>
+              </a:rPr>
               <a:t> </a:t>
             </a:r>
+          </a:p>
+          <a:p>
+            <a:pPr marL="502920" lvl="1" indent="0">
+              <a:buNone/>
+            </a:pPr>
+            <a:r>
+              <a:rPr lang="de-DE" dirty="0">
+                <a:solidFill>
+                  <a:srgbClr val="000088"/>
+                </a:solidFill>
+                <a:latin typeface="Corbel" charset="0"/>
+              </a:rPr>
+              <a:t>$</a:t>
+            </a:r>
             <a:r>
               <a:rPr lang="de-DE" dirty="0" err="1">
                 <a:solidFill>
-                  <a:schemeClr val="accent3"/>
-                </a:solidFill>
-              </a:rPr>
-              <a:t>class</a:t>
-            </a:r>
-            <a:r>
-              <a:rPr lang="de-DE" dirty="0"/>
+                  <a:srgbClr val="000088"/>
+                </a:solidFill>
+                <a:latin typeface="Corbel" charset="0"/>
+              </a:rPr>
+              <a:t>db_link</a:t>
+            </a:r>
+            <a:r>
+              <a:rPr lang="de-DE" dirty="0">
+                <a:solidFill>
+                  <a:srgbClr val="000000"/>
+                </a:solidFill>
+                <a:latin typeface="Corbel" charset="0"/>
+              </a:rPr>
               <a:t> </a:t>
             </a:r>
             <a:r>
-              <a:rPr lang="de-DE" dirty="0" err="1"/>
-              <a:t>DatenbankZugriff</a:t>
-            </a:r>
-            <a:r>
-              <a:rPr lang="de-DE" dirty="0"/>
+              <a:rPr lang="de-DE" dirty="0">
+                <a:solidFill>
+                  <a:srgbClr val="339933"/>
+                </a:solidFill>
+                <a:latin typeface="Corbel" charset="0"/>
+              </a:rPr>
+              <a:t>=</a:t>
+            </a:r>
+            <a:r>
+              <a:rPr lang="de-DE" dirty="0">
+                <a:solidFill>
+                  <a:srgbClr val="000000"/>
+                </a:solidFill>
+                <a:latin typeface="Corbel" charset="0"/>
+              </a:rPr>
               <a:t> </a:t>
             </a:r>
             <a:r>
-              <a:rPr lang="de-DE" dirty="0" smtClean="0"/>
+              <a:rPr lang="de-DE" dirty="0" err="1">
+                <a:solidFill>
+                  <a:srgbClr val="990000"/>
+                </a:solidFill>
+                <a:latin typeface="Corbel" charset="0"/>
+              </a:rPr>
+              <a:t>mysqli_connect</a:t>
+            </a:r>
+            <a:r>
+              <a:rPr lang="de-DE" dirty="0">
+                <a:solidFill>
+                  <a:srgbClr val="000000"/>
+                </a:solidFill>
+                <a:latin typeface="Corbel" charset="0"/>
+              </a:rPr>
+              <a:t> </a:t>
+            </a:r>
+            <a:r>
+              <a:rPr lang="de-DE" dirty="0">
+                <a:solidFill>
+                  <a:srgbClr val="009900"/>
+                </a:solidFill>
+                <a:latin typeface="Corbel" charset="0"/>
+              </a:rPr>
+              <a:t>(</a:t>
+            </a:r>
+            <a:r>
+              <a:rPr lang="de-DE" dirty="0">
+                <a:solidFill>
+                  <a:srgbClr val="000000"/>
+                </a:solidFill>
+                <a:latin typeface="Corbel" charset="0"/>
+              </a:rPr>
+              <a:t> </a:t>
+            </a:r>
+          </a:p>
+          <a:p>
+            <a:pPr marL="502920" lvl="1" indent="0">
+              <a:buNone/>
+            </a:pPr>
+            <a:r>
+              <a:rPr lang="de-DE" dirty="0">
+                <a:solidFill>
+                  <a:srgbClr val="000000"/>
+                </a:solidFill>
+                <a:latin typeface="Corbel" charset="0"/>
+              </a:rPr>
+              <a:t>MYSQL_HOST</a:t>
+            </a:r>
+            <a:r>
+              <a:rPr lang="de-DE" dirty="0">
+                <a:solidFill>
+                  <a:srgbClr val="339933"/>
+                </a:solidFill>
+                <a:latin typeface="Corbel" charset="0"/>
+              </a:rPr>
+              <a:t>,</a:t>
+            </a:r>
+            <a:r>
+              <a:rPr lang="de-DE" dirty="0">
+                <a:solidFill>
+                  <a:srgbClr val="000000"/>
+                </a:solidFill>
+                <a:latin typeface="Corbel" charset="0"/>
+              </a:rPr>
+              <a:t> </a:t>
+            </a:r>
+          </a:p>
+          <a:p>
+            <a:pPr marL="502920" lvl="1" indent="0">
+              <a:buNone/>
+            </a:pPr>
+            <a:r>
+              <a:rPr lang="de-DE" dirty="0">
+                <a:solidFill>
+                  <a:srgbClr val="000000"/>
+                </a:solidFill>
+                <a:latin typeface="Corbel" charset="0"/>
+              </a:rPr>
+              <a:t>MYSQL_BENUTZER</a:t>
+            </a:r>
+            <a:r>
+              <a:rPr lang="de-DE" dirty="0">
+                <a:solidFill>
+                  <a:srgbClr val="339933"/>
+                </a:solidFill>
+                <a:latin typeface="Corbel" charset="0"/>
+              </a:rPr>
+              <a:t>,</a:t>
+            </a:r>
+            <a:r>
+              <a:rPr lang="de-DE" dirty="0">
+                <a:solidFill>
+                  <a:srgbClr val="000000"/>
+                </a:solidFill>
+                <a:latin typeface="Corbel" charset="0"/>
+              </a:rPr>
+              <a:t> </a:t>
+            </a:r>
+          </a:p>
+          <a:p>
+            <a:pPr marL="502920" lvl="1" indent="0">
+              <a:buNone/>
+            </a:pPr>
+            <a:r>
+              <a:rPr lang="de-DE" dirty="0">
+                <a:solidFill>
+                  <a:srgbClr val="000000"/>
+                </a:solidFill>
+                <a:latin typeface="Corbel" charset="0"/>
+              </a:rPr>
+              <a:t>MYSQL_KENNWORT</a:t>
+            </a:r>
+            <a:r>
+              <a:rPr lang="de-DE" dirty="0">
+                <a:solidFill>
+                  <a:srgbClr val="339933"/>
+                </a:solidFill>
+                <a:latin typeface="Corbel" charset="0"/>
+              </a:rPr>
+              <a:t>,</a:t>
+            </a:r>
+            <a:r>
+              <a:rPr lang="de-DE" dirty="0">
+                <a:solidFill>
+                  <a:srgbClr val="000000"/>
+                </a:solidFill>
+                <a:latin typeface="Corbel" charset="0"/>
+              </a:rPr>
+              <a:t> </a:t>
+            </a:r>
+          </a:p>
+          <a:p>
+            <a:pPr marL="502920" lvl="1" indent="0">
+              <a:buNone/>
+            </a:pPr>
+            <a:r>
+              <a:rPr lang="de-DE" dirty="0">
+                <a:solidFill>
+                  <a:srgbClr val="000000"/>
+                </a:solidFill>
+                <a:latin typeface="Corbel" charset="0"/>
+              </a:rPr>
+              <a:t>MYSQL_DATENBANK </a:t>
+            </a:r>
+            <a:r>
+              <a:rPr lang="de-DE" dirty="0">
+                <a:solidFill>
+                  <a:srgbClr val="009900"/>
+                </a:solidFill>
+                <a:latin typeface="Corbel" charset="0"/>
+              </a:rPr>
+              <a:t>)</a:t>
+            </a:r>
+            <a:r>
+              <a:rPr lang="de-DE" dirty="0">
+                <a:solidFill>
+                  <a:srgbClr val="339933"/>
+                </a:solidFill>
+                <a:latin typeface="Corbel" charset="0"/>
+              </a:rPr>
+              <a:t>;                       //Datenbankverbindung aufbauen</a:t>
+            </a:r>
+            <a:r>
+              <a:rPr lang="de-DE" dirty="0">
+                <a:solidFill>
+                  <a:srgbClr val="000000"/>
+                </a:solidFill>
+                <a:latin typeface="Corbel" charset="0"/>
+              </a:rPr>
+              <a:t> </a:t>
+            </a:r>
+          </a:p>
+          <a:p>
+            <a:pPr marL="502920" lvl="1" indent="0">
+              <a:buNone/>
+            </a:pPr>
+            <a:r>
+              <a:rPr lang="de-DE" dirty="0">
+                <a:solidFill>
+                  <a:srgbClr val="000088"/>
+                </a:solidFill>
+                <a:latin typeface="Corbel" charset="0"/>
+              </a:rPr>
+              <a:t>$</a:t>
+            </a:r>
+            <a:r>
+              <a:rPr lang="de-DE" dirty="0" err="1">
+                <a:solidFill>
+                  <a:srgbClr val="000088"/>
+                </a:solidFill>
+                <a:latin typeface="Corbel" charset="0"/>
+              </a:rPr>
+              <a:t>sql</a:t>
+            </a:r>
+            <a:r>
+              <a:rPr lang="de-DE" dirty="0">
+                <a:solidFill>
+                  <a:srgbClr val="000000"/>
+                </a:solidFill>
+                <a:latin typeface="Corbel" charset="0"/>
+              </a:rPr>
+              <a:t> </a:t>
+            </a:r>
+            <a:r>
+              <a:rPr lang="de-DE" dirty="0">
+                <a:solidFill>
+                  <a:srgbClr val="339933"/>
+                </a:solidFill>
+                <a:latin typeface="Corbel" charset="0"/>
+              </a:rPr>
+              <a:t>=</a:t>
+            </a:r>
+            <a:r>
+              <a:rPr lang="de-DE" dirty="0">
+                <a:solidFill>
+                  <a:srgbClr val="000000"/>
+                </a:solidFill>
+                <a:latin typeface="Corbel" charset="0"/>
+              </a:rPr>
+              <a:t> </a:t>
+            </a:r>
+            <a:r>
+              <a:rPr lang="de-DE" dirty="0">
+                <a:solidFill>
+                  <a:srgbClr val="0000FF"/>
+                </a:solidFill>
+                <a:latin typeface="Corbel" charset="0"/>
+              </a:rPr>
+              <a:t>"SELECT * FROM </a:t>
+            </a:r>
+            <a:r>
+              <a:rPr lang="de-DE" dirty="0" err="1">
+                <a:solidFill>
+                  <a:srgbClr val="0000FF"/>
+                </a:solidFill>
+                <a:latin typeface="Corbel" charset="0"/>
+              </a:rPr>
+              <a:t>users</a:t>
+            </a:r>
+            <a:r>
+              <a:rPr lang="de-DE" dirty="0">
+                <a:solidFill>
+                  <a:srgbClr val="0000FF"/>
+                </a:solidFill>
+                <a:latin typeface="Corbel" charset="0"/>
+              </a:rPr>
+              <a:t>"</a:t>
+            </a:r>
+            <a:r>
+              <a:rPr lang="de-DE" dirty="0">
+                <a:solidFill>
+                  <a:srgbClr val="339933"/>
+                </a:solidFill>
+                <a:latin typeface="Corbel" charset="0"/>
+              </a:rPr>
+              <a:t>;  </a:t>
+            </a:r>
+            <a:r>
+              <a:rPr lang="de-DE" dirty="0" smtClean="0">
+                <a:solidFill>
+                  <a:srgbClr val="339933"/>
+                </a:solidFill>
+                <a:latin typeface="Corbel" charset="0"/>
+              </a:rPr>
+              <a:t>       //</a:t>
+            </a:r>
+            <a:r>
+              <a:rPr lang="de-DE" dirty="0">
+                <a:solidFill>
+                  <a:srgbClr val="339933"/>
+                </a:solidFill>
+                <a:latin typeface="Corbel" charset="0"/>
+              </a:rPr>
+              <a:t>SQL-Query definieren</a:t>
+            </a:r>
+            <a:r>
+              <a:rPr lang="de-DE" dirty="0">
+                <a:solidFill>
+                  <a:srgbClr val="000000"/>
+                </a:solidFill>
+                <a:latin typeface="Corbel" charset="0"/>
+              </a:rPr>
+              <a:t> </a:t>
+            </a:r>
+          </a:p>
+          <a:p>
+            <a:pPr marL="502920" lvl="1" indent="0">
+              <a:buNone/>
+            </a:pPr>
+            <a:r>
+              <a:rPr lang="de-DE" dirty="0">
+                <a:solidFill>
+                  <a:srgbClr val="000088"/>
+                </a:solidFill>
+                <a:latin typeface="Corbel" charset="0"/>
+              </a:rPr>
+              <a:t>$</a:t>
+            </a:r>
+            <a:r>
+              <a:rPr lang="de-DE" dirty="0" err="1">
+                <a:solidFill>
+                  <a:srgbClr val="000088"/>
+                </a:solidFill>
+                <a:latin typeface="Corbel" charset="0"/>
+              </a:rPr>
+              <a:t>db_erg</a:t>
+            </a:r>
+            <a:r>
+              <a:rPr lang="de-DE" dirty="0">
+                <a:solidFill>
+                  <a:srgbClr val="000000"/>
+                </a:solidFill>
+                <a:latin typeface="Corbel" charset="0"/>
+              </a:rPr>
+              <a:t> </a:t>
+            </a:r>
+            <a:r>
+              <a:rPr lang="de-DE" dirty="0">
+                <a:solidFill>
+                  <a:srgbClr val="339933"/>
+                </a:solidFill>
+                <a:latin typeface="Corbel" charset="0"/>
+              </a:rPr>
+              <a:t>=</a:t>
+            </a:r>
+            <a:r>
+              <a:rPr lang="de-DE" dirty="0">
+                <a:solidFill>
+                  <a:srgbClr val="000000"/>
+                </a:solidFill>
+                <a:latin typeface="Corbel" charset="0"/>
+              </a:rPr>
+              <a:t> </a:t>
+            </a:r>
+            <a:r>
+              <a:rPr lang="de-DE" dirty="0" err="1">
+                <a:solidFill>
+                  <a:srgbClr val="990000"/>
+                </a:solidFill>
+                <a:latin typeface="Corbel" charset="0"/>
+              </a:rPr>
+              <a:t>mysqli_query</a:t>
+            </a:r>
+            <a:r>
+              <a:rPr lang="de-DE" dirty="0">
+                <a:solidFill>
+                  <a:srgbClr val="009900"/>
+                </a:solidFill>
+                <a:latin typeface="Corbel" charset="0"/>
+              </a:rPr>
+              <a:t>(</a:t>
+            </a:r>
+            <a:r>
+              <a:rPr lang="de-DE" dirty="0">
+                <a:solidFill>
+                  <a:srgbClr val="000000"/>
+                </a:solidFill>
+                <a:latin typeface="Corbel" charset="0"/>
+              </a:rPr>
+              <a:t> </a:t>
+            </a:r>
+            <a:r>
+              <a:rPr lang="de-DE" dirty="0">
+                <a:solidFill>
+                  <a:srgbClr val="000088"/>
+                </a:solidFill>
+                <a:latin typeface="Corbel" charset="0"/>
+              </a:rPr>
+              <a:t>$</a:t>
+            </a:r>
+            <a:r>
+              <a:rPr lang="de-DE" dirty="0" err="1">
+                <a:solidFill>
+                  <a:srgbClr val="000088"/>
+                </a:solidFill>
+                <a:latin typeface="Corbel" charset="0"/>
+              </a:rPr>
+              <a:t>db_link</a:t>
+            </a:r>
+            <a:r>
+              <a:rPr lang="de-DE" dirty="0">
+                <a:solidFill>
+                  <a:srgbClr val="000088"/>
+                </a:solidFill>
+                <a:latin typeface="Corbel" charset="0"/>
+              </a:rPr>
+              <a:t>, $</a:t>
+            </a:r>
+            <a:r>
+              <a:rPr lang="de-DE" dirty="0" err="1">
+                <a:solidFill>
+                  <a:srgbClr val="000088"/>
+                </a:solidFill>
+                <a:latin typeface="Corbel" charset="0"/>
+              </a:rPr>
+              <a:t>sql</a:t>
+            </a:r>
+            <a:r>
+              <a:rPr lang="de-DE" dirty="0">
+                <a:solidFill>
+                  <a:srgbClr val="000000"/>
+                </a:solidFill>
+                <a:latin typeface="Corbel" charset="0"/>
+              </a:rPr>
+              <a:t> </a:t>
+            </a:r>
+            <a:r>
+              <a:rPr lang="de-DE" dirty="0">
+                <a:solidFill>
+                  <a:srgbClr val="009900"/>
+                </a:solidFill>
+                <a:latin typeface="Corbel" charset="0"/>
+              </a:rPr>
+              <a:t>)</a:t>
+            </a:r>
+            <a:r>
+              <a:rPr lang="de-DE" dirty="0">
+                <a:solidFill>
+                  <a:srgbClr val="339933"/>
+                </a:solidFill>
+                <a:latin typeface="Corbel" charset="0"/>
+              </a:rPr>
+              <a:t>; //Query ausführen</a:t>
+            </a:r>
+            <a:r>
+              <a:rPr lang="de-DE" dirty="0">
+                <a:solidFill>
+                  <a:srgbClr val="000000"/>
+                </a:solidFill>
+                <a:latin typeface="Corbel" charset="0"/>
+              </a:rPr>
+              <a:t> </a:t>
+            </a:r>
+          </a:p>
+          <a:p>
+            <a:pPr marL="502920" lvl="1" indent="0">
+              <a:buNone/>
+            </a:pPr>
+            <a:r>
+              <a:rPr lang="de-DE" dirty="0" err="1">
+                <a:solidFill>
+                  <a:srgbClr val="B1B100"/>
+                </a:solidFill>
+                <a:latin typeface="Corbel" charset="0"/>
+              </a:rPr>
+              <a:t>if</a:t>
+            </a:r>
+            <a:r>
+              <a:rPr lang="de-DE" dirty="0">
+                <a:solidFill>
+                  <a:srgbClr val="000000"/>
+                </a:solidFill>
+                <a:latin typeface="Corbel" charset="0"/>
+              </a:rPr>
+              <a:t> </a:t>
+            </a:r>
+            <a:r>
+              <a:rPr lang="de-DE" dirty="0">
+                <a:solidFill>
+                  <a:srgbClr val="009900"/>
+                </a:solidFill>
+                <a:latin typeface="Corbel" charset="0"/>
+              </a:rPr>
+              <a:t>(</a:t>
+            </a:r>
+            <a:r>
+              <a:rPr lang="de-DE" dirty="0" err="1">
+                <a:solidFill>
+                  <a:srgbClr val="990000"/>
+                </a:solidFill>
+                <a:latin typeface="Corbel" charset="0"/>
+              </a:rPr>
+              <a:t>mysqli_connect_errno</a:t>
+            </a:r>
+            <a:r>
+              <a:rPr lang="de-DE" dirty="0">
+                <a:solidFill>
+                  <a:srgbClr val="990000"/>
+                </a:solidFill>
+                <a:latin typeface="Corbel" charset="0"/>
+              </a:rPr>
+              <a:t>()</a:t>
+            </a:r>
+            <a:r>
+              <a:rPr lang="de-DE" dirty="0">
+                <a:solidFill>
+                  <a:srgbClr val="000000"/>
+                </a:solidFill>
+                <a:latin typeface="Corbel" charset="0"/>
+              </a:rPr>
+              <a:t> </a:t>
+            </a:r>
+            <a:r>
+              <a:rPr lang="de-DE" dirty="0">
+                <a:solidFill>
+                  <a:srgbClr val="009900"/>
+                </a:solidFill>
+                <a:latin typeface="Corbel" charset="0"/>
+              </a:rPr>
+              <a:t>)</a:t>
+            </a:r>
+            <a:r>
+              <a:rPr lang="de-DE" dirty="0">
+                <a:solidFill>
+                  <a:srgbClr val="000000"/>
+                </a:solidFill>
+                <a:latin typeface="Corbel" charset="0"/>
+              </a:rPr>
+              <a:t> </a:t>
+            </a:r>
+            <a:r>
+              <a:rPr lang="de-DE" dirty="0">
+                <a:solidFill>
+                  <a:srgbClr val="009900"/>
+                </a:solidFill>
+                <a:latin typeface="Corbel" charset="0"/>
+              </a:rPr>
               <a:t>{</a:t>
             </a:r>
+            <a:r>
+              <a:rPr lang="de-DE" dirty="0">
+                <a:solidFill>
+                  <a:srgbClr val="000000"/>
+                </a:solidFill>
+                <a:latin typeface="Corbel" charset="0"/>
+              </a:rPr>
+              <a:t> </a:t>
+            </a:r>
+            <a:r>
+              <a:rPr lang="de-DE" dirty="0">
+                <a:solidFill>
+                  <a:srgbClr val="B1B100"/>
+                </a:solidFill>
+                <a:latin typeface="Corbel" charset="0"/>
+              </a:rPr>
+              <a:t>echo</a:t>
+            </a:r>
+            <a:r>
+              <a:rPr lang="de-DE" dirty="0">
+                <a:solidFill>
+                  <a:srgbClr val="000000"/>
+                </a:solidFill>
+                <a:latin typeface="Corbel" charset="0"/>
+              </a:rPr>
+              <a:t> </a:t>
+            </a:r>
+            <a:r>
+              <a:rPr lang="de-DE" dirty="0">
+                <a:solidFill>
+                  <a:srgbClr val="0000FF"/>
+                </a:solidFill>
+                <a:latin typeface="Corbel" charset="0"/>
+              </a:rPr>
+              <a:t>'Ungültige Abfrage: '</a:t>
+            </a:r>
+            <a:r>
+              <a:rPr lang="de-DE" dirty="0">
+                <a:solidFill>
+                  <a:srgbClr val="000000"/>
+                </a:solidFill>
+                <a:latin typeface="Corbel" charset="0"/>
+              </a:rPr>
+              <a:t> </a:t>
+            </a:r>
+            <a:r>
+              <a:rPr lang="de-DE" dirty="0">
+                <a:solidFill>
+                  <a:srgbClr val="339933"/>
+                </a:solidFill>
+                <a:latin typeface="Corbel" charset="0"/>
+              </a:rPr>
+              <a:t>.</a:t>
+            </a:r>
+            <a:r>
+              <a:rPr lang="de-DE" dirty="0">
+                <a:solidFill>
+                  <a:srgbClr val="000000"/>
+                </a:solidFill>
+                <a:latin typeface="Corbel" charset="0"/>
+              </a:rPr>
+              <a:t> </a:t>
+            </a:r>
+            <a:r>
+              <a:rPr lang="de-DE" dirty="0" err="1">
+                <a:solidFill>
+                  <a:srgbClr val="990000"/>
+                </a:solidFill>
+                <a:latin typeface="Corbel" charset="0"/>
+              </a:rPr>
+              <a:t>mysqli_error</a:t>
+            </a:r>
+            <a:r>
+              <a:rPr lang="de-DE" dirty="0">
+                <a:solidFill>
+                  <a:srgbClr val="009900"/>
+                </a:solidFill>
+                <a:latin typeface="Corbel" charset="0"/>
+              </a:rPr>
+              <a:t>())</a:t>
+            </a:r>
+            <a:r>
+              <a:rPr lang="de-DE" dirty="0">
+                <a:solidFill>
+                  <a:srgbClr val="339933"/>
+                </a:solidFill>
+                <a:latin typeface="Corbel" charset="0"/>
+              </a:rPr>
+              <a:t>;</a:t>
+            </a:r>
+            <a:r>
+              <a:rPr lang="de-DE" dirty="0">
+                <a:solidFill>
+                  <a:srgbClr val="000000"/>
+                </a:solidFill>
+                <a:latin typeface="Corbel" charset="0"/>
+              </a:rPr>
+              <a:t> </a:t>
+            </a:r>
+            <a:r>
+              <a:rPr lang="de-DE" dirty="0">
+                <a:solidFill>
+                  <a:srgbClr val="009900"/>
+                </a:solidFill>
+                <a:latin typeface="Corbel" charset="0"/>
+              </a:rPr>
+              <a:t>} //Query erfolgreich?</a:t>
+            </a:r>
+            <a:r>
+              <a:rPr lang="de-DE" dirty="0">
+                <a:solidFill>
+                  <a:srgbClr val="000000"/>
+                </a:solidFill>
+                <a:latin typeface="Corbel" charset="0"/>
+              </a:rPr>
+              <a:t>   </a:t>
+            </a:r>
           </a:p>
           <a:p>
             <a:pPr marL="502920" lvl="1" indent="0">
-              <a:lnSpc>
-                <a:spcPct val="120000"/>
-              </a:lnSpc>
-              <a:spcBef>
-                <a:spcPts val="0"/>
-              </a:spcBef>
               <a:buNone/>
             </a:pPr>
             <a:r>
-              <a:rPr lang="de-DE" dirty="0" smtClean="0">
-                <a:solidFill>
-                  <a:schemeClr val="accent3"/>
-                </a:solidFill>
-              </a:rPr>
-              <a:t>private</a:t>
-            </a:r>
-            <a:r>
-              <a:rPr lang="de-DE" dirty="0" smtClean="0"/>
+              <a:rPr lang="de-DE" dirty="0" err="1">
+                <a:solidFill>
+                  <a:srgbClr val="B1B100"/>
+                </a:solidFill>
+                <a:latin typeface="Corbel" charset="0"/>
+              </a:rPr>
+              <a:t>while</a:t>
+            </a:r>
+            <a:r>
+              <a:rPr lang="de-DE" dirty="0">
+                <a:solidFill>
+                  <a:srgbClr val="000000"/>
+                </a:solidFill>
+                <a:latin typeface="Corbel" charset="0"/>
+              </a:rPr>
               <a:t> </a:t>
             </a:r>
             <a:r>
-              <a:rPr lang="de-DE" dirty="0"/>
-              <a:t>Connection </a:t>
-            </a:r>
-            <a:r>
-              <a:rPr lang="de-DE" dirty="0" err="1"/>
-              <a:t>connect</a:t>
-            </a:r>
-            <a:r>
-              <a:rPr lang="de-DE" dirty="0"/>
-              <a:t> = </a:t>
-            </a:r>
-            <a:r>
-              <a:rPr lang="de-DE" dirty="0">
-                <a:solidFill>
-                  <a:schemeClr val="accent3"/>
-                </a:solidFill>
-              </a:rPr>
-              <a:t>null</a:t>
-            </a:r>
-            <a:r>
-              <a:rPr lang="de-DE" dirty="0"/>
+              <a:rPr lang="de-DE" dirty="0">
+                <a:solidFill>
+                  <a:srgbClr val="009900"/>
+                </a:solidFill>
+                <a:latin typeface="Corbel" charset="0"/>
+              </a:rPr>
+              <a:t>(</a:t>
+            </a:r>
+            <a:r>
+              <a:rPr lang="de-DE" dirty="0">
+                <a:solidFill>
+                  <a:srgbClr val="000088"/>
+                </a:solidFill>
+                <a:latin typeface="Corbel" charset="0"/>
+              </a:rPr>
+              <a:t>$</a:t>
+            </a:r>
+            <a:r>
+              <a:rPr lang="de-DE" dirty="0" err="1">
+                <a:solidFill>
+                  <a:srgbClr val="000088"/>
+                </a:solidFill>
+                <a:latin typeface="Corbel" charset="0"/>
+              </a:rPr>
+              <a:t>zeile</a:t>
+            </a:r>
+            <a:r>
+              <a:rPr lang="de-DE" dirty="0">
+                <a:solidFill>
+                  <a:srgbClr val="000000"/>
+                </a:solidFill>
+                <a:latin typeface="Corbel" charset="0"/>
+              </a:rPr>
+              <a:t> </a:t>
+            </a:r>
+            <a:r>
+              <a:rPr lang="de-DE" dirty="0">
+                <a:solidFill>
+                  <a:srgbClr val="339933"/>
+                </a:solidFill>
+                <a:latin typeface="Corbel" charset="0"/>
+              </a:rPr>
+              <a:t>=</a:t>
+            </a:r>
+            <a:r>
+              <a:rPr lang="de-DE" dirty="0">
+                <a:solidFill>
+                  <a:srgbClr val="000000"/>
+                </a:solidFill>
+                <a:latin typeface="Corbel" charset="0"/>
+              </a:rPr>
+              <a:t> </a:t>
+            </a:r>
+            <a:r>
+              <a:rPr lang="de-DE" dirty="0" err="1">
+                <a:solidFill>
+                  <a:srgbClr val="990000"/>
+                </a:solidFill>
+                <a:latin typeface="Corbel" charset="0"/>
+              </a:rPr>
+              <a:t>mysqli_fetch_array</a:t>
+            </a:r>
+            <a:r>
+              <a:rPr lang="de-DE" dirty="0">
+                <a:solidFill>
+                  <a:srgbClr val="009900"/>
+                </a:solidFill>
+                <a:latin typeface="Corbel" charset="0"/>
+              </a:rPr>
+              <a:t>(</a:t>
+            </a:r>
+            <a:r>
+              <a:rPr lang="de-DE" dirty="0">
+                <a:solidFill>
+                  <a:srgbClr val="000000"/>
+                </a:solidFill>
+                <a:latin typeface="Corbel" charset="0"/>
+              </a:rPr>
+              <a:t> </a:t>
+            </a:r>
+            <a:r>
+              <a:rPr lang="de-DE" dirty="0">
+                <a:solidFill>
+                  <a:srgbClr val="000088"/>
+                </a:solidFill>
+                <a:latin typeface="Corbel" charset="0"/>
+              </a:rPr>
+              <a:t>$</a:t>
+            </a:r>
+            <a:r>
+              <a:rPr lang="de-DE" dirty="0" err="1">
+                <a:solidFill>
+                  <a:srgbClr val="000088"/>
+                </a:solidFill>
+                <a:latin typeface="Corbel" charset="0"/>
+              </a:rPr>
+              <a:t>db_erg</a:t>
+            </a:r>
+            <a:r>
+              <a:rPr lang="de-DE" dirty="0">
+                <a:solidFill>
+                  <a:srgbClr val="339933"/>
+                </a:solidFill>
+                <a:latin typeface="Corbel" charset="0"/>
+              </a:rPr>
+              <a:t>,</a:t>
+            </a:r>
+            <a:r>
+              <a:rPr lang="de-DE" dirty="0">
+                <a:solidFill>
+                  <a:srgbClr val="000000"/>
+                </a:solidFill>
+                <a:latin typeface="Corbel" charset="0"/>
+              </a:rPr>
+              <a:t> MYSQLI_ASSOC</a:t>
+            </a:r>
+            <a:r>
+              <a:rPr lang="de-DE" dirty="0">
+                <a:solidFill>
+                  <a:srgbClr val="009900"/>
+                </a:solidFill>
+                <a:latin typeface="Corbel" charset="0"/>
+              </a:rPr>
+              <a:t>))</a:t>
+            </a:r>
+            <a:r>
+              <a:rPr lang="de-DE" dirty="0">
+                <a:solidFill>
+                  <a:srgbClr val="000000"/>
+                </a:solidFill>
+                <a:latin typeface="Corbel" charset="0"/>
+              </a:rPr>
+              <a:t> </a:t>
+            </a:r>
+            <a:r>
+              <a:rPr lang="de-DE" dirty="0">
+                <a:solidFill>
+                  <a:srgbClr val="009900"/>
+                </a:solidFill>
+                <a:latin typeface="Corbel" charset="0"/>
+              </a:rPr>
+              <a:t>{</a:t>
+            </a:r>
+            <a:r>
+              <a:rPr lang="de-DE" dirty="0">
+                <a:solidFill>
+                  <a:srgbClr val="000000"/>
+                </a:solidFill>
+                <a:latin typeface="Corbel" charset="0"/>
+              </a:rPr>
+              <a:t>  </a:t>
+            </a:r>
+          </a:p>
+          <a:p>
+            <a:pPr marL="502920" lvl="1" indent="0">
+              <a:buNone/>
+            </a:pPr>
+            <a:r>
+              <a:rPr lang="de-DE" dirty="0">
+                <a:solidFill>
+                  <a:srgbClr val="B1B100"/>
+                </a:solidFill>
+                <a:latin typeface="Corbel" charset="0"/>
+              </a:rPr>
+              <a:t>echo</a:t>
+            </a:r>
+            <a:r>
+              <a:rPr lang="de-DE" dirty="0">
+                <a:solidFill>
+                  <a:srgbClr val="000000"/>
+                </a:solidFill>
+                <a:latin typeface="Corbel" charset="0"/>
+              </a:rPr>
+              <a:t> </a:t>
+            </a:r>
+            <a:r>
+              <a:rPr lang="de-DE" dirty="0">
+                <a:solidFill>
+                  <a:srgbClr val="000088"/>
+                </a:solidFill>
+                <a:latin typeface="Corbel" charset="0"/>
+              </a:rPr>
+              <a:t>$</a:t>
+            </a:r>
+            <a:r>
+              <a:rPr lang="de-DE" dirty="0" err="1">
+                <a:solidFill>
+                  <a:srgbClr val="000088"/>
+                </a:solidFill>
+                <a:latin typeface="Corbel" charset="0"/>
+              </a:rPr>
+              <a:t>zeile</a:t>
+            </a:r>
+            <a:r>
+              <a:rPr lang="de-DE" dirty="0">
+                <a:solidFill>
+                  <a:srgbClr val="009900"/>
+                </a:solidFill>
+                <a:latin typeface="Corbel" charset="0"/>
+              </a:rPr>
+              <a:t>[</a:t>
+            </a:r>
+            <a:r>
+              <a:rPr lang="de-DE" dirty="0">
+                <a:solidFill>
+                  <a:srgbClr val="0000FF"/>
+                </a:solidFill>
+                <a:latin typeface="Corbel" charset="0"/>
+              </a:rPr>
+              <a:t>'SPALTENNAME'</a:t>
+            </a:r>
+            <a:r>
+              <a:rPr lang="de-DE" dirty="0">
+                <a:solidFill>
+                  <a:srgbClr val="009900"/>
+                </a:solidFill>
+                <a:latin typeface="Corbel" charset="0"/>
+              </a:rPr>
+              <a:t>]</a:t>
+            </a:r>
+            <a:r>
+              <a:rPr lang="de-DE" dirty="0">
+                <a:solidFill>
+                  <a:srgbClr val="000000"/>
+                </a:solidFill>
+                <a:latin typeface="Corbel" charset="0"/>
+              </a:rPr>
+              <a:t> </a:t>
+            </a:r>
+            <a:r>
+              <a:rPr lang="de-DE" dirty="0">
+                <a:solidFill>
+                  <a:srgbClr val="339933"/>
+                </a:solidFill>
+                <a:latin typeface="Corbel" charset="0"/>
+              </a:rPr>
               <a:t>;</a:t>
             </a:r>
+            <a:r>
+              <a:rPr lang="de-DE" dirty="0">
+                <a:solidFill>
+                  <a:srgbClr val="000000"/>
+                </a:solidFill>
+                <a:latin typeface="Corbel" charset="0"/>
+              </a:rPr>
+              <a:t>  </a:t>
+            </a:r>
           </a:p>
           <a:p>
             <a:pPr marL="502920" lvl="1" indent="0">
-              <a:lnSpc>
-                <a:spcPct val="120000"/>
-              </a:lnSpc>
-              <a:spcBef>
-                <a:spcPts val="0"/>
-              </a:spcBef>
               <a:buNone/>
             </a:pPr>
             <a:r>
-              <a:rPr lang="de-DE" dirty="0"/>
-              <a:t>    </a:t>
-            </a:r>
-            <a:r>
-              <a:rPr lang="de-DE" dirty="0">
-                <a:solidFill>
-                  <a:schemeClr val="accent3"/>
-                </a:solidFill>
-              </a:rPr>
-              <a:t>private</a:t>
-            </a:r>
-            <a:r>
-              <a:rPr lang="de-DE" dirty="0"/>
-              <a:t> Statement </a:t>
-            </a:r>
-            <a:r>
-              <a:rPr lang="de-DE" dirty="0" err="1"/>
-              <a:t>statement</a:t>
-            </a:r>
-            <a:r>
-              <a:rPr lang="de-DE" dirty="0"/>
-              <a:t> = </a:t>
-            </a:r>
-            <a:r>
-              <a:rPr lang="de-DE" dirty="0">
-                <a:solidFill>
-                  <a:schemeClr val="accent3"/>
-                </a:solidFill>
-              </a:rPr>
-              <a:t>null</a:t>
-            </a:r>
-            <a:r>
-              <a:rPr lang="de-DE" dirty="0"/>
-              <a:t>;</a:t>
+              <a:rPr lang="de-DE" dirty="0" err="1">
+                <a:solidFill>
+                  <a:srgbClr val="990000"/>
+                </a:solidFill>
+                <a:latin typeface="Corbel" charset="0"/>
+              </a:rPr>
+              <a:t>mysqli_free_result</a:t>
+            </a:r>
+            <a:r>
+              <a:rPr lang="de-DE" dirty="0">
+                <a:solidFill>
+                  <a:srgbClr val="009900"/>
+                </a:solidFill>
+                <a:latin typeface="Corbel" charset="0"/>
+              </a:rPr>
+              <a:t>(</a:t>
+            </a:r>
+            <a:r>
+              <a:rPr lang="de-DE" dirty="0">
+                <a:solidFill>
+                  <a:srgbClr val="000000"/>
+                </a:solidFill>
+                <a:latin typeface="Corbel" charset="0"/>
+              </a:rPr>
+              <a:t> </a:t>
+            </a:r>
+            <a:r>
+              <a:rPr lang="de-DE" dirty="0">
+                <a:solidFill>
+                  <a:srgbClr val="000088"/>
+                </a:solidFill>
+                <a:latin typeface="Corbel" charset="0"/>
+              </a:rPr>
+              <a:t>$</a:t>
+            </a:r>
+            <a:r>
+              <a:rPr lang="de-DE" dirty="0" err="1">
+                <a:solidFill>
+                  <a:srgbClr val="000088"/>
+                </a:solidFill>
+                <a:latin typeface="Corbel" charset="0"/>
+              </a:rPr>
+              <a:t>db_erg</a:t>
+            </a:r>
+            <a:r>
+              <a:rPr lang="de-DE" dirty="0">
+                <a:solidFill>
+                  <a:srgbClr val="000000"/>
+                </a:solidFill>
+                <a:latin typeface="Corbel" charset="0"/>
+              </a:rPr>
+              <a:t> </a:t>
+            </a:r>
+            <a:r>
+              <a:rPr lang="de-DE" dirty="0">
+                <a:solidFill>
+                  <a:srgbClr val="009900"/>
+                </a:solidFill>
+                <a:latin typeface="Corbel" charset="0"/>
+              </a:rPr>
+              <a:t>)</a:t>
+            </a:r>
+            <a:r>
+              <a:rPr lang="de-DE" dirty="0">
+                <a:solidFill>
+                  <a:srgbClr val="339933"/>
+                </a:solidFill>
+                <a:latin typeface="Corbel" charset="0"/>
+              </a:rPr>
+              <a:t>;            //Speicher freigeben</a:t>
             </a:r>
           </a:p>
           <a:p>
             <a:pPr marL="502920" lvl="1" indent="0">
-              <a:lnSpc>
-                <a:spcPct val="120000"/>
-              </a:lnSpc>
-              <a:spcBef>
-                <a:spcPts val="0"/>
-              </a:spcBef>
               <a:buNone/>
             </a:pPr>
             <a:r>
-              <a:rPr lang="de-DE" dirty="0"/>
-              <a:t>    </a:t>
-            </a:r>
-            <a:r>
-              <a:rPr lang="de-DE" dirty="0">
-                <a:solidFill>
-                  <a:schemeClr val="accent3"/>
-                </a:solidFill>
-              </a:rPr>
-              <a:t>private</a:t>
-            </a:r>
-            <a:r>
-              <a:rPr lang="de-DE" dirty="0"/>
+              <a:rPr lang="de-DE" dirty="0" err="1">
+                <a:solidFill>
+                  <a:srgbClr val="990000"/>
+                </a:solidFill>
+                <a:latin typeface="Corbel" charset="0"/>
+              </a:rPr>
+              <a:t>mysqli_close</a:t>
+            </a:r>
+            <a:r>
+              <a:rPr lang="de-DE" dirty="0">
+                <a:solidFill>
+                  <a:srgbClr val="009900"/>
+                </a:solidFill>
+                <a:latin typeface="Corbel" charset="0"/>
+              </a:rPr>
+              <a:t>(</a:t>
+            </a:r>
+            <a:r>
+              <a:rPr lang="de-DE" dirty="0">
+                <a:solidFill>
+                  <a:srgbClr val="990000"/>
+                </a:solidFill>
+                <a:latin typeface="Corbel" charset="0"/>
+              </a:rPr>
               <a:t> </a:t>
             </a:r>
             <a:r>
-              <a:rPr lang="de-DE" dirty="0" err="1"/>
-              <a:t>PreparedStatement</a:t>
-            </a:r>
-            <a:r>
-              <a:rPr lang="de-DE" dirty="0"/>
+              <a:rPr lang="de-DE" dirty="0">
+                <a:solidFill>
+                  <a:srgbClr val="000088"/>
+                </a:solidFill>
+                <a:latin typeface="Corbel" charset="0"/>
+              </a:rPr>
+              <a:t>$</a:t>
+            </a:r>
+            <a:r>
+              <a:rPr lang="de-DE" dirty="0" err="1">
+                <a:solidFill>
+                  <a:srgbClr val="000088"/>
+                </a:solidFill>
+                <a:latin typeface="Corbel" charset="0"/>
+              </a:rPr>
+              <a:t>db_link</a:t>
+            </a:r>
+            <a:r>
+              <a:rPr lang="de-DE" dirty="0">
+                <a:solidFill>
+                  <a:srgbClr val="000088"/>
+                </a:solidFill>
+                <a:latin typeface="Corbel" charset="0"/>
+              </a:rPr>
               <a:t> </a:t>
             </a:r>
             <a:r>
-              <a:rPr lang="de-DE" dirty="0" err="1"/>
-              <a:t>preparedStatement</a:t>
-            </a:r>
-            <a:r>
-              <a:rPr lang="de-DE" dirty="0"/>
-              <a:t> = </a:t>
-            </a:r>
-            <a:r>
-              <a:rPr lang="de-DE" dirty="0">
-                <a:solidFill>
-                  <a:schemeClr val="accent3"/>
-                </a:solidFill>
-              </a:rPr>
-              <a:t>null</a:t>
-            </a:r>
-            <a:r>
-              <a:rPr lang="de-DE" dirty="0"/>
-              <a:t>;</a:t>
+              <a:rPr lang="de-DE" dirty="0">
+                <a:solidFill>
+                  <a:srgbClr val="009900"/>
+                </a:solidFill>
+                <a:latin typeface="Corbel" charset="0"/>
+              </a:rPr>
+              <a:t>)</a:t>
+            </a:r>
+            <a:r>
+              <a:rPr lang="de-DE" dirty="0">
+                <a:solidFill>
+                  <a:srgbClr val="339933"/>
+                </a:solidFill>
+                <a:latin typeface="Corbel" charset="0"/>
+              </a:rPr>
+              <a:t>;                       //Datenbankverbindung schließen</a:t>
+            </a:r>
+            <a:r>
+              <a:rPr lang="de-DE" dirty="0">
+                <a:solidFill>
+                  <a:srgbClr val="000000"/>
+                </a:solidFill>
+                <a:latin typeface="Corbel" charset="0"/>
+              </a:rPr>
+              <a:t>  </a:t>
             </a:r>
           </a:p>
           <a:p>
             <a:pPr marL="502920" lvl="1" indent="0">
-              <a:lnSpc>
-                <a:spcPct val="120000"/>
-              </a:lnSpc>
-              <a:spcBef>
-                <a:spcPts val="0"/>
-              </a:spcBef>
               <a:buNone/>
             </a:pPr>
             <a:r>
-              <a:rPr lang="de-DE" dirty="0"/>
-              <a:t>    </a:t>
-            </a:r>
-            <a:r>
-              <a:rPr lang="de-DE" dirty="0">
-                <a:solidFill>
-                  <a:schemeClr val="accent3"/>
-                </a:solidFill>
-              </a:rPr>
-              <a:t>private</a:t>
-            </a:r>
-            <a:r>
-              <a:rPr lang="de-DE" dirty="0"/>
-              <a:t> </a:t>
-            </a:r>
-            <a:r>
-              <a:rPr lang="de-DE" dirty="0" err="1"/>
-              <a:t>ResultSet</a:t>
-            </a:r>
-            <a:r>
-              <a:rPr lang="de-DE" dirty="0"/>
-              <a:t> </a:t>
-            </a:r>
-            <a:r>
-              <a:rPr lang="de-DE" dirty="0" err="1"/>
-              <a:t>resultSet</a:t>
-            </a:r>
-            <a:r>
-              <a:rPr lang="de-DE" dirty="0"/>
-              <a:t> = </a:t>
-            </a:r>
-            <a:r>
-              <a:rPr lang="de-DE" dirty="0">
-                <a:solidFill>
-                  <a:schemeClr val="accent3"/>
-                </a:solidFill>
-              </a:rPr>
-              <a:t>null</a:t>
-            </a:r>
-            <a:r>
-              <a:rPr lang="de-DE" dirty="0" smtClean="0"/>
-              <a:t>;</a:t>
-            </a:r>
-            <a:endParaRPr lang="de-DE" dirty="0"/>
-          </a:p>
-          <a:p>
-            <a:pPr marL="502920" lvl="1" indent="0">
-              <a:lnSpc>
-                <a:spcPct val="120000"/>
-              </a:lnSpc>
-              <a:spcBef>
-                <a:spcPts val="0"/>
-              </a:spcBef>
-              <a:buNone/>
-            </a:pPr>
-            <a:r>
-              <a:rPr lang="de-DE" dirty="0"/>
-              <a:t>    </a:t>
-            </a:r>
-            <a:r>
-              <a:rPr lang="de-DE" dirty="0" err="1">
-                <a:solidFill>
-                  <a:schemeClr val="accent3"/>
-                </a:solidFill>
-              </a:rPr>
-              <a:t>public</a:t>
-            </a:r>
-            <a:r>
-              <a:rPr lang="de-DE" dirty="0"/>
-              <a:t> </a:t>
-            </a:r>
-            <a:r>
-              <a:rPr lang="de-DE" dirty="0" err="1">
-                <a:solidFill>
-                  <a:schemeClr val="accent3"/>
-                </a:solidFill>
-              </a:rPr>
-              <a:t>void</a:t>
-            </a:r>
-            <a:r>
-              <a:rPr lang="de-DE" dirty="0"/>
-              <a:t> </a:t>
-            </a:r>
-            <a:r>
-              <a:rPr lang="de-DE" dirty="0" err="1"/>
-              <a:t>readDataBase</a:t>
-            </a:r>
-            <a:r>
-              <a:rPr lang="de-DE" dirty="0"/>
-              <a:t>() </a:t>
-            </a:r>
-            <a:r>
-              <a:rPr lang="de-DE" dirty="0" err="1">
-                <a:solidFill>
-                  <a:schemeClr val="accent3"/>
-                </a:solidFill>
-              </a:rPr>
-              <a:t>throws</a:t>
-            </a:r>
-            <a:r>
-              <a:rPr lang="de-DE" dirty="0"/>
-              <a:t> </a:t>
-            </a:r>
-            <a:r>
-              <a:rPr lang="de-DE" dirty="0" err="1"/>
-              <a:t>Exception</a:t>
-            </a:r>
-            <a:r>
-              <a:rPr lang="de-DE" dirty="0"/>
-              <a:t> {</a:t>
-            </a:r>
-          </a:p>
-          <a:p>
-            <a:pPr marL="502920" lvl="1" indent="0">
-              <a:lnSpc>
-                <a:spcPct val="120000"/>
-              </a:lnSpc>
-              <a:spcBef>
-                <a:spcPts val="0"/>
-              </a:spcBef>
-              <a:buNone/>
-            </a:pPr>
-            <a:r>
-              <a:rPr lang="de-DE" dirty="0"/>
-              <a:t>        </a:t>
-            </a:r>
-            <a:r>
-              <a:rPr lang="de-DE" dirty="0" err="1">
-                <a:solidFill>
-                  <a:schemeClr val="accent3"/>
-                </a:solidFill>
-              </a:rPr>
-              <a:t>try</a:t>
-            </a:r>
-            <a:r>
-              <a:rPr lang="de-DE" dirty="0"/>
-              <a:t> {</a:t>
-            </a:r>
-          </a:p>
-          <a:p>
-            <a:pPr marL="502920" lvl="1" indent="0">
-              <a:lnSpc>
-                <a:spcPct val="120000"/>
-              </a:lnSpc>
-              <a:spcBef>
-                <a:spcPts val="0"/>
-              </a:spcBef>
-              <a:buNone/>
-            </a:pPr>
-            <a:r>
-              <a:rPr lang="de-DE" dirty="0"/>
-              <a:t>            </a:t>
-            </a:r>
-            <a:r>
-              <a:rPr lang="de-DE" dirty="0" err="1"/>
-              <a:t>Class.forName</a:t>
-            </a:r>
-            <a:r>
-              <a:rPr lang="de-DE" dirty="0"/>
-              <a:t>("</a:t>
-            </a:r>
-            <a:r>
-              <a:rPr lang="de-DE" dirty="0" err="1"/>
-              <a:t>com.mysql.jdbc.Driver</a:t>
-            </a:r>
-            <a:r>
-              <a:rPr lang="de-DE" dirty="0"/>
-              <a:t>");</a:t>
-            </a:r>
-          </a:p>
-          <a:p>
-            <a:pPr marL="502920" lvl="1" indent="0">
-              <a:lnSpc>
-                <a:spcPct val="120000"/>
-              </a:lnSpc>
-              <a:spcBef>
-                <a:spcPts val="0"/>
-              </a:spcBef>
-              <a:buNone/>
-            </a:pPr>
-            <a:r>
-              <a:rPr lang="de-DE" dirty="0"/>
-              <a:t>            </a:t>
-            </a:r>
-            <a:r>
-              <a:rPr lang="de-DE" dirty="0" err="1"/>
-              <a:t>connect</a:t>
-            </a:r>
-            <a:r>
-              <a:rPr lang="de-DE" dirty="0"/>
-              <a:t> </a:t>
-            </a:r>
-            <a:r>
-              <a:rPr lang="de-DE" dirty="0" smtClean="0"/>
-              <a:t>= </a:t>
-            </a:r>
-            <a:r>
-              <a:rPr lang="de-DE" dirty="0" err="1" smtClean="0"/>
-              <a:t>DriverManager.getConnection</a:t>
-            </a:r>
-            <a:r>
-              <a:rPr lang="de-DE" dirty="0"/>
-              <a:t>(</a:t>
-            </a:r>
-            <a:r>
-              <a:rPr lang="de-DE" dirty="0">
-                <a:solidFill>
-                  <a:srgbClr val="00B050"/>
-                </a:solidFill>
-              </a:rPr>
-              <a:t>"</a:t>
-            </a:r>
-            <a:r>
-              <a:rPr lang="de-DE" dirty="0" err="1">
-                <a:solidFill>
-                  <a:srgbClr val="00B050"/>
-                </a:solidFill>
-              </a:rPr>
-              <a:t>jdbc:mysql</a:t>
-            </a:r>
-            <a:r>
-              <a:rPr lang="de-DE" dirty="0">
-                <a:solidFill>
-                  <a:srgbClr val="00B050"/>
-                </a:solidFill>
-              </a:rPr>
-              <a:t>://</a:t>
-            </a:r>
-            <a:r>
-              <a:rPr lang="de-DE" dirty="0" err="1">
-                <a:solidFill>
-                  <a:srgbClr val="00B050"/>
-                </a:solidFill>
-              </a:rPr>
-              <a:t>localhost</a:t>
-            </a:r>
-            <a:r>
-              <a:rPr lang="de-DE" dirty="0">
-                <a:solidFill>
-                  <a:srgbClr val="00B050"/>
-                </a:solidFill>
-              </a:rPr>
-              <a:t>/</a:t>
-            </a:r>
-            <a:r>
-              <a:rPr lang="de-DE" dirty="0" err="1">
-                <a:solidFill>
-                  <a:srgbClr val="00B050"/>
-                </a:solidFill>
-              </a:rPr>
-              <a:t>feedback</a:t>
-            </a:r>
-            <a:r>
-              <a:rPr lang="de-DE" dirty="0" smtClean="0">
-                <a:solidFill>
-                  <a:srgbClr val="00B050"/>
-                </a:solidFill>
-              </a:rPr>
-              <a:t>?“                                                                                                                                                                                               + “</a:t>
-            </a:r>
-            <a:r>
-              <a:rPr lang="de-DE" dirty="0" err="1" smtClean="0">
-                <a:solidFill>
-                  <a:srgbClr val="00B050"/>
-                </a:solidFill>
-              </a:rPr>
-              <a:t>user</a:t>
-            </a:r>
-            <a:r>
-              <a:rPr lang="de-DE" dirty="0" smtClean="0">
-                <a:solidFill>
-                  <a:srgbClr val="00B050"/>
-                </a:solidFill>
-              </a:rPr>
-              <a:t>=</a:t>
-            </a:r>
-            <a:r>
-              <a:rPr lang="de-DE" dirty="0" err="1" smtClean="0">
-                <a:solidFill>
-                  <a:srgbClr val="00B050"/>
-                </a:solidFill>
-              </a:rPr>
-              <a:t>sqluser&amp;password</a:t>
-            </a:r>
-            <a:r>
-              <a:rPr lang="de-DE" dirty="0" smtClean="0">
-                <a:solidFill>
-                  <a:srgbClr val="00B050"/>
-                </a:solidFill>
-              </a:rPr>
-              <a:t>=</a:t>
-            </a:r>
-            <a:r>
-              <a:rPr lang="de-DE" dirty="0" err="1" smtClean="0">
-                <a:solidFill>
-                  <a:srgbClr val="00B050"/>
-                </a:solidFill>
-              </a:rPr>
-              <a:t>sqluserpw</a:t>
-            </a:r>
-            <a:r>
-              <a:rPr lang="de-DE" dirty="0">
-                <a:solidFill>
-                  <a:srgbClr val="00B050"/>
-                </a:solidFill>
-              </a:rPr>
-              <a:t>"</a:t>
-            </a:r>
-            <a:r>
-              <a:rPr lang="de-DE" dirty="0"/>
-              <a:t>);</a:t>
-            </a:r>
-          </a:p>
-          <a:p>
-            <a:pPr marL="502920" lvl="1" indent="0">
-              <a:lnSpc>
-                <a:spcPct val="120000"/>
-              </a:lnSpc>
-              <a:spcBef>
-                <a:spcPts val="0"/>
-              </a:spcBef>
-              <a:buNone/>
-            </a:pPr>
-            <a:r>
-              <a:rPr lang="de-DE" dirty="0"/>
-              <a:t>            </a:t>
-            </a:r>
-            <a:r>
-              <a:rPr lang="de-DE" dirty="0" err="1"/>
-              <a:t>statement</a:t>
-            </a:r>
-            <a:r>
-              <a:rPr lang="de-DE" dirty="0"/>
-              <a:t> = </a:t>
-            </a:r>
-            <a:r>
-              <a:rPr lang="de-DE" dirty="0" err="1"/>
-              <a:t>connect.createStatement</a:t>
-            </a:r>
-            <a:r>
-              <a:rPr lang="de-DE" dirty="0"/>
-              <a:t>();</a:t>
-            </a:r>
-          </a:p>
-          <a:p>
-            <a:pPr marL="502920" lvl="1" indent="0">
-              <a:lnSpc>
-                <a:spcPct val="120000"/>
-              </a:lnSpc>
-              <a:spcBef>
-                <a:spcPts val="0"/>
-              </a:spcBef>
-              <a:buNone/>
-            </a:pPr>
-            <a:r>
-              <a:rPr lang="de-DE" dirty="0"/>
-              <a:t>            </a:t>
-            </a:r>
-            <a:r>
-              <a:rPr lang="de-DE" dirty="0" err="1"/>
-              <a:t>resultSet</a:t>
-            </a:r>
-            <a:r>
-              <a:rPr lang="de-DE" dirty="0"/>
-              <a:t> = </a:t>
-            </a:r>
-            <a:r>
-              <a:rPr lang="de-DE" dirty="0" err="1"/>
-              <a:t>statement.executeQuery</a:t>
-            </a:r>
-            <a:r>
-              <a:rPr lang="de-DE" dirty="0"/>
-              <a:t>(</a:t>
-            </a:r>
-            <a:r>
-              <a:rPr lang="de-DE" dirty="0">
-                <a:solidFill>
-                  <a:srgbClr val="00B050"/>
-                </a:solidFill>
-              </a:rPr>
-              <a:t>"</a:t>
-            </a:r>
-            <a:r>
-              <a:rPr lang="de-DE" dirty="0" err="1">
-                <a:solidFill>
-                  <a:srgbClr val="00B050"/>
-                </a:solidFill>
-              </a:rPr>
-              <a:t>select</a:t>
-            </a:r>
-            <a:r>
-              <a:rPr lang="de-DE" dirty="0">
-                <a:solidFill>
-                  <a:srgbClr val="00B050"/>
-                </a:solidFill>
-              </a:rPr>
-              <a:t> * </a:t>
-            </a:r>
-            <a:r>
-              <a:rPr lang="de-DE" dirty="0" err="1">
-                <a:solidFill>
-                  <a:srgbClr val="00B050"/>
-                </a:solidFill>
-              </a:rPr>
-              <a:t>from</a:t>
-            </a:r>
-            <a:r>
-              <a:rPr lang="de-DE" dirty="0">
-                <a:solidFill>
-                  <a:srgbClr val="00B050"/>
-                </a:solidFill>
-              </a:rPr>
-              <a:t> </a:t>
-            </a:r>
-            <a:r>
-              <a:rPr lang="de-DE" dirty="0" err="1">
-                <a:solidFill>
-                  <a:srgbClr val="00B050"/>
-                </a:solidFill>
-              </a:rPr>
-              <a:t>users</a:t>
-            </a:r>
-            <a:r>
-              <a:rPr lang="de-DE" dirty="0" smtClean="0">
-                <a:solidFill>
-                  <a:srgbClr val="00B050"/>
-                </a:solidFill>
-              </a:rPr>
-              <a:t>"</a:t>
-            </a:r>
-            <a:r>
-              <a:rPr lang="de-DE" dirty="0" smtClean="0"/>
-              <a:t>);</a:t>
-            </a:r>
-          </a:p>
-          <a:p>
-            <a:pPr marL="502920" lvl="1" indent="0">
-              <a:lnSpc>
-                <a:spcPct val="120000"/>
-              </a:lnSpc>
-              <a:spcBef>
-                <a:spcPts val="0"/>
-              </a:spcBef>
-              <a:buNone/>
-            </a:pPr>
-            <a:r>
-              <a:rPr lang="de-DE" dirty="0" smtClean="0"/>
-              <a:t>            </a:t>
-            </a:r>
-            <a:r>
-              <a:rPr lang="de-DE" dirty="0"/>
-              <a:t>//Ausgabe von </a:t>
-            </a:r>
-            <a:r>
-              <a:rPr lang="de-DE" dirty="0" err="1"/>
-              <a:t>resultSet</a:t>
-            </a:r>
-            <a:r>
-              <a:rPr lang="de-DE" dirty="0"/>
-              <a:t> </a:t>
-            </a:r>
-            <a:r>
-              <a:rPr lang="de-DE" dirty="0" err="1"/>
-              <a:t>System.out.println</a:t>
-            </a:r>
-            <a:r>
-              <a:rPr lang="de-DE" dirty="0" smtClean="0"/>
-              <a:t>();</a:t>
-            </a:r>
-            <a:endParaRPr lang="de-DE" dirty="0"/>
-          </a:p>
-          <a:p>
-            <a:pPr marL="502920" lvl="1" indent="0">
-              <a:lnSpc>
-                <a:spcPct val="120000"/>
-              </a:lnSpc>
-              <a:spcBef>
-                <a:spcPts val="0"/>
-              </a:spcBef>
-              <a:buNone/>
-            </a:pPr>
-            <a:r>
-              <a:rPr lang="de-DE" dirty="0"/>
-              <a:t>        } </a:t>
-            </a:r>
-            <a:r>
-              <a:rPr lang="de-DE" dirty="0">
-                <a:solidFill>
-                  <a:schemeClr val="accent3"/>
-                </a:solidFill>
-              </a:rPr>
-              <a:t>catch</a:t>
-            </a:r>
-            <a:r>
-              <a:rPr lang="de-DE" dirty="0"/>
-              <a:t> (</a:t>
-            </a:r>
-            <a:r>
-              <a:rPr lang="de-DE" dirty="0" err="1"/>
-              <a:t>Exception</a:t>
-            </a:r>
-            <a:r>
-              <a:rPr lang="de-DE" dirty="0"/>
-              <a:t> e) {</a:t>
-            </a:r>
-          </a:p>
-          <a:p>
-            <a:pPr marL="502920" lvl="1" indent="0">
-              <a:lnSpc>
-                <a:spcPct val="120000"/>
-              </a:lnSpc>
-              <a:spcBef>
-                <a:spcPts val="0"/>
-              </a:spcBef>
-              <a:buNone/>
-            </a:pPr>
-            <a:r>
-              <a:rPr lang="de-DE" dirty="0"/>
-              <a:t>            </a:t>
-            </a:r>
-            <a:r>
-              <a:rPr lang="de-DE" dirty="0" err="1">
-                <a:solidFill>
-                  <a:schemeClr val="accent3"/>
-                </a:solidFill>
-              </a:rPr>
-              <a:t>throw</a:t>
-            </a:r>
-            <a:r>
-              <a:rPr lang="de-DE" dirty="0"/>
-              <a:t> e;</a:t>
-            </a:r>
-          </a:p>
-          <a:p>
-            <a:pPr marL="502920" lvl="1" indent="0">
-              <a:lnSpc>
-                <a:spcPct val="120000"/>
-              </a:lnSpc>
-              <a:spcBef>
-                <a:spcPts val="0"/>
-              </a:spcBef>
-              <a:buNone/>
-            </a:pPr>
-            <a:r>
-              <a:rPr lang="de-DE" dirty="0"/>
-              <a:t>        } </a:t>
-            </a:r>
-            <a:r>
-              <a:rPr lang="de-DE" dirty="0" err="1">
-                <a:solidFill>
-                  <a:schemeClr val="accent3"/>
-                </a:solidFill>
-              </a:rPr>
-              <a:t>finally</a:t>
-            </a:r>
-            <a:r>
-              <a:rPr lang="de-DE" dirty="0"/>
-              <a:t> {</a:t>
-            </a:r>
-          </a:p>
-          <a:p>
-            <a:pPr marL="502920" lvl="1" indent="0">
-              <a:lnSpc>
-                <a:spcPct val="120000"/>
-              </a:lnSpc>
-              <a:spcBef>
-                <a:spcPts val="0"/>
-              </a:spcBef>
-              <a:buNone/>
-            </a:pPr>
-            <a:r>
-              <a:rPr lang="de-DE" dirty="0"/>
-              <a:t>            </a:t>
-            </a:r>
-            <a:r>
-              <a:rPr lang="de-DE" dirty="0" err="1"/>
-              <a:t>resultSet.close</a:t>
-            </a:r>
-            <a:r>
-              <a:rPr lang="de-DE" dirty="0"/>
-              <a:t>();</a:t>
-            </a:r>
-          </a:p>
-          <a:p>
-            <a:pPr marL="502920" lvl="1" indent="0">
-              <a:lnSpc>
-                <a:spcPct val="120000"/>
-              </a:lnSpc>
-              <a:spcBef>
-                <a:spcPts val="0"/>
-              </a:spcBef>
-              <a:buNone/>
-            </a:pPr>
-            <a:r>
-              <a:rPr lang="de-DE" dirty="0"/>
-              <a:t>            </a:t>
-            </a:r>
-            <a:r>
-              <a:rPr lang="de-DE" dirty="0" err="1"/>
-              <a:t>statement.close</a:t>
-            </a:r>
-            <a:r>
-              <a:rPr lang="de-DE" dirty="0"/>
-              <a:t>();</a:t>
-            </a:r>
-          </a:p>
-          <a:p>
-            <a:pPr marL="502920" lvl="1" indent="0">
-              <a:lnSpc>
-                <a:spcPct val="120000"/>
-              </a:lnSpc>
-              <a:spcBef>
-                <a:spcPts val="0"/>
-              </a:spcBef>
-              <a:buNone/>
-            </a:pPr>
-            <a:r>
-              <a:rPr lang="de-DE" dirty="0"/>
-              <a:t>            </a:t>
-            </a:r>
-            <a:r>
-              <a:rPr lang="de-DE" dirty="0" err="1"/>
-              <a:t>connect.close</a:t>
-            </a:r>
-            <a:r>
-              <a:rPr lang="de-DE" dirty="0"/>
-              <a:t>();</a:t>
-            </a:r>
-          </a:p>
-          <a:p>
-            <a:pPr marL="502920" lvl="1" indent="0">
-              <a:lnSpc>
-                <a:spcPct val="120000"/>
-              </a:lnSpc>
-              <a:spcBef>
-                <a:spcPts val="0"/>
-              </a:spcBef>
-              <a:buNone/>
-            </a:pPr>
-            <a:r>
-              <a:rPr lang="de-DE" dirty="0"/>
-              <a:t>        }</a:t>
-            </a:r>
-          </a:p>
-          <a:p>
-            <a:pPr marL="502920" lvl="1" indent="0">
-              <a:lnSpc>
-                <a:spcPct val="120000"/>
-              </a:lnSpc>
-              <a:spcBef>
-                <a:spcPts val="0"/>
-              </a:spcBef>
-              <a:buNone/>
-            </a:pPr>
-            <a:r>
-              <a:rPr lang="de-DE" dirty="0"/>
-              <a:t>    }</a:t>
-            </a:r>
-          </a:p>
-          <a:p>
-            <a:pPr marL="502920" lvl="1" indent="0">
-              <a:lnSpc>
-                <a:spcPct val="120000"/>
-              </a:lnSpc>
-              <a:spcBef>
-                <a:spcPts val="0"/>
-              </a:spcBef>
-              <a:buNone/>
-            </a:pPr>
-            <a:r>
-              <a:rPr lang="de-DE" dirty="0"/>
-              <a:t>} </a:t>
-            </a:r>
-            <a:endParaRPr lang="de-DE" dirty="0" smtClean="0"/>
-          </a:p>
-          <a:p>
-            <a:pPr marL="502920" lvl="1" indent="0">
-              <a:spcBef>
-                <a:spcPts val="0"/>
-              </a:spcBef>
-              <a:buNone/>
-            </a:pPr>
+              <a:rPr lang="de-DE" dirty="0">
+                <a:solidFill>
+                  <a:srgbClr val="000000"/>
+                </a:solidFill>
+                <a:latin typeface="Corbel" charset="0"/>
+              </a:rPr>
+              <a:t>?&gt;</a:t>
+            </a:r>
+          </a:p>
+          <a:p>
             <a:endParaRPr lang="de-DE" dirty="0"/>
           </a:p>
         </p:txBody>
@@ -6310,7 +6685,7 @@
     </p:spTree>
     <p:extLst>
       <p:ext uri="{BB962C8B-B14F-4D97-AF65-F5344CB8AC3E}">
-        <p14:creationId xmlns:p14="http://schemas.microsoft.com/office/powerpoint/2010/main" val="2819354915"/>
+        <p14:creationId xmlns:p14="http://schemas.microsoft.com/office/powerpoint/2010/main" val="1567986222"/>
       </p:ext>
     </p:extLst>
   </p:cSld>
@@ -6354,61 +6729,953 @@
             <p:ph type="title"/>
           </p:nvPr>
         </p:nvSpPr>
-        <p:spPr/>
-        <p:txBody>
-          <a:bodyPr/>
-          <a:lstStyle/>
-          <a:p>
+        <p:spPr>
+          <a:xfrm>
+            <a:off x="-1373" y="1123950"/>
+            <a:ext cx="3412911" cy="4600575"/>
+          </a:xfrm>
+        </p:spPr>
+        <p:txBody>
+          <a:bodyPr/>
+          <a:lstStyle/>
+          <a:p>
+            <a:r>
+              <a:rPr lang="de-DE" dirty="0" smtClean="0"/>
+              <a:t>3.Einbinden </a:t>
+            </a:r>
+            <a:br>
+              <a:rPr lang="de-DE" dirty="0" smtClean="0"/>
+            </a:br>
+            <a:r>
+              <a:rPr lang="de-DE" dirty="0" smtClean="0"/>
+              <a:t>mit JDBC</a:t>
+            </a:r>
+            <a:endParaRPr lang="de-DE" dirty="0"/>
+          </a:p>
+        </p:txBody>
+      </p:sp>
+      <p:sp>
+        <p:nvSpPr>
+          <p:cNvPr id="3" name="Inhaltsplatzhalter 2"/>
+          <p:cNvSpPr>
+            <a:spLocks noGrp="1"/>
+          </p:cNvSpPr>
+          <p:nvPr>
+            <p:ph idx="1"/>
+          </p:nvPr>
+        </p:nvSpPr>
+        <p:spPr/>
+        <p:txBody>
+          <a:bodyPr>
+            <a:normAutofit fontScale="62500" lnSpcReduction="20000"/>
+          </a:bodyPr>
+          <a:lstStyle/>
+          <a:p>
+            <a:r>
+              <a:rPr lang="de-DE" dirty="0" smtClean="0"/>
+              <a:t>In Java Applikationen z.B. mit JDBC:</a:t>
+            </a:r>
+          </a:p>
+          <a:p>
+            <a:endParaRPr lang="de-DE" dirty="0" smtClean="0"/>
+          </a:p>
+          <a:p>
+            <a:pPr marL="502920" lvl="1" indent="0">
+              <a:lnSpc>
+                <a:spcPct val="120000"/>
+              </a:lnSpc>
+              <a:spcBef>
+                <a:spcPts val="0"/>
+              </a:spcBef>
+              <a:buNone/>
+            </a:pPr>
+            <a:r>
+              <a:rPr lang="de-DE" dirty="0" err="1">
+                <a:solidFill>
+                  <a:schemeClr val="accent3"/>
+                </a:solidFill>
+              </a:rPr>
+              <a:t>public</a:t>
+            </a:r>
             <a:r>
               <a:rPr lang="de-DE" dirty="0"/>
-              <a:t>4</a:t>
+              <a:t> </a:t>
+            </a:r>
+            <a:r>
+              <a:rPr lang="de-DE" dirty="0" err="1">
+                <a:solidFill>
+                  <a:schemeClr val="accent3"/>
+                </a:solidFill>
+              </a:rPr>
+              <a:t>class</a:t>
+            </a:r>
+            <a:r>
+              <a:rPr lang="de-DE" dirty="0"/>
+              <a:t> </a:t>
+            </a:r>
+            <a:r>
+              <a:rPr lang="de-DE" dirty="0" err="1"/>
+              <a:t>DatenbankZugriff</a:t>
+            </a:r>
+            <a:r>
+              <a:rPr lang="de-DE" dirty="0"/>
+              <a:t> </a:t>
             </a:r>
             <a:r>
               <a:rPr lang="de-DE" dirty="0" smtClean="0"/>
-              <a:t>. </a:t>
+              <a:t>{</a:t>
+            </a:r>
+          </a:p>
+          <a:p>
+            <a:pPr marL="502920" lvl="1" indent="0">
+              <a:lnSpc>
+                <a:spcPct val="120000"/>
+              </a:lnSpc>
+              <a:spcBef>
+                <a:spcPts val="0"/>
+              </a:spcBef>
+              <a:buNone/>
+            </a:pPr>
+            <a:r>
+              <a:rPr lang="de-DE" dirty="0" smtClean="0">
+                <a:solidFill>
+                  <a:schemeClr val="accent3"/>
+                </a:solidFill>
+              </a:rPr>
+              <a:t>private</a:t>
+            </a:r>
+            <a:r>
+              <a:rPr lang="de-DE" dirty="0" smtClean="0"/>
+              <a:t> </a:t>
             </a:r>
             <a:r>
               <a:rPr lang="de-DE" dirty="0"/>
-              <a:t>SQL-Befehle Syntax</a:t>
+              <a:t>Connection </a:t>
+            </a:r>
+            <a:r>
+              <a:rPr lang="de-DE" dirty="0" err="1"/>
+              <a:t>connect</a:t>
+            </a:r>
+            <a:r>
+              <a:rPr lang="de-DE" dirty="0"/>
+              <a:t> = </a:t>
+            </a:r>
+            <a:r>
+              <a:rPr lang="de-DE" dirty="0">
+                <a:solidFill>
+                  <a:schemeClr val="accent3"/>
+                </a:solidFill>
+              </a:rPr>
+              <a:t>null</a:t>
+            </a:r>
+            <a:r>
+              <a:rPr lang="de-DE" dirty="0"/>
+              <a:t>;</a:t>
+            </a:r>
+          </a:p>
+          <a:p>
+            <a:pPr marL="502920" lvl="1" indent="0">
+              <a:lnSpc>
+                <a:spcPct val="120000"/>
+              </a:lnSpc>
+              <a:spcBef>
+                <a:spcPts val="0"/>
+              </a:spcBef>
+              <a:buNone/>
+            </a:pPr>
+            <a:r>
+              <a:rPr lang="de-DE" dirty="0"/>
+              <a:t>    </a:t>
+            </a:r>
+            <a:r>
+              <a:rPr lang="de-DE" dirty="0">
+                <a:solidFill>
+                  <a:schemeClr val="accent3"/>
+                </a:solidFill>
+              </a:rPr>
+              <a:t>private</a:t>
+            </a:r>
+            <a:r>
+              <a:rPr lang="de-DE" dirty="0"/>
+              <a:t> Statement </a:t>
+            </a:r>
+            <a:r>
+              <a:rPr lang="de-DE" dirty="0" err="1"/>
+              <a:t>statement</a:t>
+            </a:r>
+            <a:r>
+              <a:rPr lang="de-DE" dirty="0"/>
+              <a:t> = </a:t>
+            </a:r>
+            <a:r>
+              <a:rPr lang="de-DE" dirty="0">
+                <a:solidFill>
+                  <a:schemeClr val="accent3"/>
+                </a:solidFill>
+              </a:rPr>
+              <a:t>null</a:t>
+            </a:r>
+            <a:r>
+              <a:rPr lang="de-DE" dirty="0"/>
+              <a:t>;</a:t>
+            </a:r>
+          </a:p>
+          <a:p>
+            <a:pPr marL="502920" lvl="1" indent="0">
+              <a:lnSpc>
+                <a:spcPct val="120000"/>
+              </a:lnSpc>
+              <a:spcBef>
+                <a:spcPts val="0"/>
+              </a:spcBef>
+              <a:buNone/>
+            </a:pPr>
+            <a:r>
+              <a:rPr lang="de-DE" dirty="0"/>
+              <a:t>    </a:t>
+            </a:r>
+            <a:r>
+              <a:rPr lang="de-DE" dirty="0">
+                <a:solidFill>
+                  <a:schemeClr val="accent3"/>
+                </a:solidFill>
+              </a:rPr>
+              <a:t>private</a:t>
+            </a:r>
+            <a:r>
+              <a:rPr lang="de-DE" dirty="0"/>
+              <a:t> </a:t>
+            </a:r>
+            <a:r>
+              <a:rPr lang="de-DE" dirty="0" err="1"/>
+              <a:t>PreparedStatement</a:t>
+            </a:r>
+            <a:r>
+              <a:rPr lang="de-DE" dirty="0"/>
+              <a:t> </a:t>
+            </a:r>
+            <a:r>
+              <a:rPr lang="de-DE" dirty="0" err="1"/>
+              <a:t>preparedStatement</a:t>
+            </a:r>
+            <a:r>
+              <a:rPr lang="de-DE" dirty="0"/>
+              <a:t> = </a:t>
+            </a:r>
+            <a:r>
+              <a:rPr lang="de-DE" dirty="0">
+                <a:solidFill>
+                  <a:schemeClr val="accent3"/>
+                </a:solidFill>
+              </a:rPr>
+              <a:t>null</a:t>
+            </a:r>
+            <a:r>
+              <a:rPr lang="de-DE" dirty="0"/>
+              <a:t>;</a:t>
+            </a:r>
+          </a:p>
+          <a:p>
+            <a:pPr marL="502920" lvl="1" indent="0">
+              <a:lnSpc>
+                <a:spcPct val="120000"/>
+              </a:lnSpc>
+              <a:spcBef>
+                <a:spcPts val="0"/>
+              </a:spcBef>
+              <a:buNone/>
+            </a:pPr>
+            <a:r>
+              <a:rPr lang="de-DE" dirty="0"/>
+              <a:t>    </a:t>
+            </a:r>
+            <a:r>
+              <a:rPr lang="de-DE" dirty="0">
+                <a:solidFill>
+                  <a:schemeClr val="accent3"/>
+                </a:solidFill>
+              </a:rPr>
+              <a:t>private</a:t>
+            </a:r>
+            <a:r>
+              <a:rPr lang="de-DE" dirty="0"/>
+              <a:t> </a:t>
+            </a:r>
+            <a:r>
+              <a:rPr lang="de-DE" dirty="0" err="1"/>
+              <a:t>ResultSet</a:t>
+            </a:r>
+            <a:r>
+              <a:rPr lang="de-DE" dirty="0"/>
+              <a:t> </a:t>
+            </a:r>
+            <a:r>
+              <a:rPr lang="de-DE" dirty="0" err="1"/>
+              <a:t>resultSet</a:t>
+            </a:r>
+            <a:r>
+              <a:rPr lang="de-DE" dirty="0"/>
+              <a:t> = </a:t>
+            </a:r>
+            <a:r>
+              <a:rPr lang="de-DE" dirty="0">
+                <a:solidFill>
+                  <a:schemeClr val="accent3"/>
+                </a:solidFill>
+              </a:rPr>
+              <a:t>null</a:t>
+            </a:r>
+            <a:r>
+              <a:rPr lang="de-DE" dirty="0" smtClean="0"/>
+              <a:t>;</a:t>
             </a:r>
             <a:endParaRPr lang="de-DE" dirty="0"/>
           </a:p>
-        </p:txBody>
-      </p:sp>
-      <p:sp>
-        <p:nvSpPr>
-          <p:cNvPr id="3" name="Textplatzhalter 2"/>
-          <p:cNvSpPr>
-            <a:spLocks noGrp="1"/>
-          </p:cNvSpPr>
-          <p:nvPr>
-            <p:ph type="body" idx="1"/>
-          </p:nvPr>
-        </p:nvSpPr>
-        <p:spPr/>
-        <p:txBody>
-          <a:bodyPr/>
-          <a:lstStyle/>
-          <a:p>
+          <a:p>
+            <a:pPr marL="502920" lvl="1" indent="0">
+              <a:lnSpc>
+                <a:spcPct val="120000"/>
+              </a:lnSpc>
+              <a:spcBef>
+                <a:spcPts val="0"/>
+              </a:spcBef>
+              <a:buNone/>
+            </a:pPr>
             <a:r>
               <a:rPr lang="de-DE" dirty="0"/>
-              <a:t>Zum </a:t>
+              <a:t>    </a:t>
+            </a:r>
+            <a:r>
+              <a:rPr lang="de-DE" dirty="0" err="1">
+                <a:solidFill>
+                  <a:schemeClr val="accent3"/>
+                </a:solidFill>
+              </a:rPr>
+              <a:t>public</a:t>
+            </a:r>
+            <a:r>
+              <a:rPr lang="de-DE" dirty="0"/>
+              <a:t> </a:t>
+            </a:r>
+            <a:r>
+              <a:rPr lang="de-DE" dirty="0" err="1">
+                <a:solidFill>
+                  <a:schemeClr val="accent3"/>
+                </a:solidFill>
+              </a:rPr>
+              <a:t>void</a:t>
+            </a:r>
+            <a:r>
+              <a:rPr lang="de-DE" dirty="0"/>
+              <a:t> </a:t>
+            </a:r>
+            <a:r>
+              <a:rPr lang="de-DE" dirty="0" err="1"/>
+              <a:t>readDataBase</a:t>
+            </a:r>
+            <a:r>
+              <a:rPr lang="de-DE" dirty="0"/>
+              <a:t>() </a:t>
+            </a:r>
+            <a:r>
+              <a:rPr lang="de-DE" dirty="0" err="1">
+                <a:solidFill>
+                  <a:schemeClr val="accent3"/>
+                </a:solidFill>
+              </a:rPr>
+              <a:t>throws</a:t>
+            </a:r>
+            <a:r>
+              <a:rPr lang="de-DE" dirty="0"/>
+              <a:t> </a:t>
+            </a:r>
+            <a:r>
+              <a:rPr lang="de-DE" dirty="0" err="1"/>
+              <a:t>Exception</a:t>
+            </a:r>
+            <a:r>
+              <a:rPr lang="de-DE" dirty="0"/>
+              <a:t> {</a:t>
+            </a:r>
+          </a:p>
+          <a:p>
+            <a:pPr marL="502920" lvl="1" indent="0">
+              <a:lnSpc>
+                <a:spcPct val="120000"/>
+              </a:lnSpc>
+              <a:spcBef>
+                <a:spcPts val="0"/>
+              </a:spcBef>
+              <a:buNone/>
+            </a:pPr>
+            <a:r>
+              <a:rPr lang="de-DE" dirty="0"/>
+              <a:t>        </a:t>
+            </a:r>
+            <a:r>
+              <a:rPr lang="de-DE" dirty="0" err="1">
+                <a:solidFill>
+                  <a:schemeClr val="accent3"/>
+                </a:solidFill>
+              </a:rPr>
+              <a:t>try</a:t>
+            </a:r>
+            <a:r>
+              <a:rPr lang="de-DE" dirty="0"/>
+              <a:t> {</a:t>
+            </a:r>
+          </a:p>
+          <a:p>
+            <a:pPr marL="502920" lvl="1" indent="0">
+              <a:lnSpc>
+                <a:spcPct val="120000"/>
+              </a:lnSpc>
+              <a:spcBef>
+                <a:spcPts val="0"/>
+              </a:spcBef>
+              <a:buNone/>
+            </a:pPr>
+            <a:r>
+              <a:rPr lang="de-DE" dirty="0"/>
+              <a:t>            </a:t>
+            </a:r>
+            <a:r>
+              <a:rPr lang="de-DE" dirty="0" err="1"/>
+              <a:t>Class.forName</a:t>
+            </a:r>
+            <a:r>
+              <a:rPr lang="de-DE" dirty="0"/>
+              <a:t>("</a:t>
+            </a:r>
+            <a:r>
+              <a:rPr lang="de-DE" dirty="0" err="1"/>
+              <a:t>com.mysql.jdbc.Driver</a:t>
+            </a:r>
+            <a:r>
+              <a:rPr lang="de-DE" dirty="0"/>
+              <a:t>");</a:t>
+            </a:r>
+          </a:p>
+          <a:p>
+            <a:pPr marL="502920" lvl="1" indent="0">
+              <a:lnSpc>
+                <a:spcPct val="120000"/>
+              </a:lnSpc>
+              <a:spcBef>
+                <a:spcPts val="0"/>
+              </a:spcBef>
+              <a:buNone/>
+            </a:pPr>
+            <a:r>
+              <a:rPr lang="de-DE" dirty="0"/>
+              <a:t>            </a:t>
+            </a:r>
+            <a:r>
+              <a:rPr lang="de-DE" dirty="0" err="1"/>
+              <a:t>connect</a:t>
+            </a:r>
+            <a:r>
+              <a:rPr lang="de-DE" dirty="0"/>
+              <a:t> </a:t>
             </a:r>
             <a:r>
               <a:rPr lang="de-DE" dirty="0" smtClean="0"/>
-              <a:t>Auslesen, Updaten, Löschen, … </a:t>
+              <a:t>= </a:t>
+            </a:r>
+            <a:r>
+              <a:rPr lang="de-DE" dirty="0" err="1" smtClean="0"/>
+              <a:t>DriverManager.getConnection</a:t>
             </a:r>
             <a:r>
               <a:rPr lang="de-DE" dirty="0"/>
-              <a:t>der Daten aus einer MySQL Datenbank</a:t>
-            </a:r>
+              <a:t>(</a:t>
+            </a:r>
+            <a:r>
+              <a:rPr lang="de-DE" dirty="0">
+                <a:solidFill>
+                  <a:srgbClr val="00B050"/>
+                </a:solidFill>
+              </a:rPr>
+              <a:t>"</a:t>
+            </a:r>
+            <a:r>
+              <a:rPr lang="de-DE" dirty="0" err="1">
+                <a:solidFill>
+                  <a:srgbClr val="00B050"/>
+                </a:solidFill>
+              </a:rPr>
+              <a:t>jdbc:mysql</a:t>
+            </a:r>
+            <a:r>
+              <a:rPr lang="de-DE" dirty="0">
+                <a:solidFill>
+                  <a:srgbClr val="00B050"/>
+                </a:solidFill>
+              </a:rPr>
+              <a:t>://</a:t>
+            </a:r>
+            <a:r>
+              <a:rPr lang="de-DE" dirty="0" err="1">
+                <a:solidFill>
+                  <a:srgbClr val="00B050"/>
+                </a:solidFill>
+              </a:rPr>
+              <a:t>localhost</a:t>
+            </a:r>
+            <a:r>
+              <a:rPr lang="de-DE" dirty="0">
+                <a:solidFill>
+                  <a:srgbClr val="00B050"/>
+                </a:solidFill>
+              </a:rPr>
+              <a:t>/</a:t>
+            </a:r>
+            <a:r>
+              <a:rPr lang="de-DE" dirty="0" err="1">
+                <a:solidFill>
+                  <a:srgbClr val="00B050"/>
+                </a:solidFill>
+              </a:rPr>
+              <a:t>feedback</a:t>
+            </a:r>
+            <a:r>
+              <a:rPr lang="de-DE" dirty="0" smtClean="0">
+                <a:solidFill>
+                  <a:srgbClr val="00B050"/>
+                </a:solidFill>
+              </a:rPr>
+              <a:t>?“                                                                                                                                                                                               + “</a:t>
+            </a:r>
+            <a:r>
+              <a:rPr lang="de-DE" dirty="0" err="1" smtClean="0">
+                <a:solidFill>
+                  <a:srgbClr val="00B050"/>
+                </a:solidFill>
+              </a:rPr>
+              <a:t>user</a:t>
+            </a:r>
+            <a:r>
+              <a:rPr lang="de-DE" dirty="0" smtClean="0">
+                <a:solidFill>
+                  <a:srgbClr val="00B050"/>
+                </a:solidFill>
+              </a:rPr>
+              <a:t>=</a:t>
+            </a:r>
+            <a:r>
+              <a:rPr lang="de-DE" dirty="0" err="1" smtClean="0">
+                <a:solidFill>
+                  <a:srgbClr val="00B050"/>
+                </a:solidFill>
+              </a:rPr>
+              <a:t>sqluser&amp;password</a:t>
+            </a:r>
+            <a:r>
+              <a:rPr lang="de-DE" dirty="0" smtClean="0">
+                <a:solidFill>
+                  <a:srgbClr val="00B050"/>
+                </a:solidFill>
+              </a:rPr>
+              <a:t>=</a:t>
+            </a:r>
+            <a:r>
+              <a:rPr lang="de-DE" dirty="0" err="1" smtClean="0">
+                <a:solidFill>
+                  <a:srgbClr val="00B050"/>
+                </a:solidFill>
+              </a:rPr>
+              <a:t>sqluserpw</a:t>
+            </a:r>
+            <a:r>
+              <a:rPr lang="de-DE" dirty="0">
+                <a:solidFill>
+                  <a:srgbClr val="00B050"/>
+                </a:solidFill>
+              </a:rPr>
+              <a:t>"</a:t>
+            </a:r>
+            <a:r>
+              <a:rPr lang="de-DE" dirty="0"/>
+              <a:t>);</a:t>
+            </a:r>
+          </a:p>
+          <a:p>
+            <a:pPr marL="502920" lvl="1" indent="0">
+              <a:lnSpc>
+                <a:spcPct val="120000"/>
+              </a:lnSpc>
+              <a:spcBef>
+                <a:spcPts val="0"/>
+              </a:spcBef>
+              <a:buNone/>
+            </a:pPr>
+            <a:r>
+              <a:rPr lang="de-DE" dirty="0"/>
+              <a:t>            </a:t>
+            </a:r>
+            <a:r>
+              <a:rPr lang="de-DE" dirty="0" err="1"/>
+              <a:t>statement</a:t>
+            </a:r>
+            <a:r>
+              <a:rPr lang="de-DE" dirty="0"/>
+              <a:t> = </a:t>
+            </a:r>
+            <a:r>
+              <a:rPr lang="de-DE" dirty="0" err="1"/>
+              <a:t>connect.createStatement</a:t>
+            </a:r>
+            <a:r>
+              <a:rPr lang="de-DE" dirty="0"/>
+              <a:t>();</a:t>
+            </a:r>
+          </a:p>
+          <a:p>
+            <a:pPr marL="502920" lvl="1" indent="0">
+              <a:lnSpc>
+                <a:spcPct val="120000"/>
+              </a:lnSpc>
+              <a:spcBef>
+                <a:spcPts val="0"/>
+              </a:spcBef>
+              <a:buNone/>
+            </a:pPr>
+            <a:r>
+              <a:rPr lang="de-DE" dirty="0"/>
+              <a:t>            </a:t>
+            </a:r>
+            <a:r>
+              <a:rPr lang="de-DE" dirty="0" err="1"/>
+              <a:t>resultSet</a:t>
+            </a:r>
+            <a:r>
+              <a:rPr lang="de-DE" dirty="0"/>
+              <a:t> = </a:t>
+            </a:r>
+            <a:r>
+              <a:rPr lang="de-DE" dirty="0" err="1"/>
+              <a:t>statement.executeQuery</a:t>
+            </a:r>
+            <a:r>
+              <a:rPr lang="de-DE" dirty="0"/>
+              <a:t>(</a:t>
+            </a:r>
+            <a:r>
+              <a:rPr lang="de-DE" dirty="0">
+                <a:solidFill>
+                  <a:srgbClr val="00B050"/>
+                </a:solidFill>
+              </a:rPr>
+              <a:t>"</a:t>
+            </a:r>
+            <a:r>
+              <a:rPr lang="de-DE" dirty="0" err="1">
+                <a:solidFill>
+                  <a:srgbClr val="00B050"/>
+                </a:solidFill>
+              </a:rPr>
+              <a:t>select</a:t>
+            </a:r>
+            <a:r>
+              <a:rPr lang="de-DE" dirty="0">
+                <a:solidFill>
+                  <a:srgbClr val="00B050"/>
+                </a:solidFill>
+              </a:rPr>
+              <a:t> * </a:t>
+            </a:r>
+            <a:r>
+              <a:rPr lang="de-DE" dirty="0" err="1">
+                <a:solidFill>
+                  <a:srgbClr val="00B050"/>
+                </a:solidFill>
+              </a:rPr>
+              <a:t>from</a:t>
+            </a:r>
+            <a:r>
+              <a:rPr lang="de-DE" dirty="0">
+                <a:solidFill>
+                  <a:srgbClr val="00B050"/>
+                </a:solidFill>
+              </a:rPr>
+              <a:t> </a:t>
+            </a:r>
+            <a:r>
+              <a:rPr lang="de-DE" dirty="0" err="1">
+                <a:solidFill>
+                  <a:srgbClr val="00B050"/>
+                </a:solidFill>
+              </a:rPr>
+              <a:t>users</a:t>
+            </a:r>
+            <a:r>
+              <a:rPr lang="de-DE" dirty="0" smtClean="0">
+                <a:solidFill>
+                  <a:srgbClr val="00B050"/>
+                </a:solidFill>
+              </a:rPr>
+              <a:t>"</a:t>
+            </a:r>
+            <a:r>
+              <a:rPr lang="de-DE" dirty="0" smtClean="0"/>
+              <a:t>);</a:t>
+            </a:r>
+          </a:p>
+          <a:p>
+            <a:pPr marL="502920" lvl="1" indent="0">
+              <a:lnSpc>
+                <a:spcPct val="120000"/>
+              </a:lnSpc>
+              <a:spcBef>
+                <a:spcPts val="0"/>
+              </a:spcBef>
+              <a:buNone/>
+            </a:pPr>
+            <a:r>
+              <a:rPr lang="de-DE" dirty="0" smtClean="0"/>
+              <a:t>            </a:t>
+            </a:r>
+            <a:r>
+              <a:rPr lang="de-DE" dirty="0"/>
+              <a:t>//Ausgabe von </a:t>
+            </a:r>
+            <a:r>
+              <a:rPr lang="de-DE" dirty="0" err="1"/>
+              <a:t>resultSet</a:t>
+            </a:r>
+            <a:r>
+              <a:rPr lang="de-DE" dirty="0"/>
+              <a:t> </a:t>
+            </a:r>
+            <a:r>
+              <a:rPr lang="de-DE" dirty="0" err="1"/>
+              <a:t>System.out.println</a:t>
+            </a:r>
+            <a:r>
+              <a:rPr lang="de-DE" dirty="0" smtClean="0"/>
+              <a:t>();</a:t>
+            </a:r>
+            <a:endParaRPr lang="de-DE" dirty="0"/>
+          </a:p>
+          <a:p>
+            <a:pPr marL="502920" lvl="1" indent="0">
+              <a:lnSpc>
+                <a:spcPct val="120000"/>
+              </a:lnSpc>
+              <a:spcBef>
+                <a:spcPts val="0"/>
+              </a:spcBef>
+              <a:buNone/>
+            </a:pPr>
+            <a:r>
+              <a:rPr lang="de-DE" dirty="0"/>
+              <a:t>        } </a:t>
+            </a:r>
+            <a:r>
+              <a:rPr lang="de-DE" dirty="0">
+                <a:solidFill>
+                  <a:schemeClr val="accent3"/>
+                </a:solidFill>
+              </a:rPr>
+              <a:t>catch</a:t>
+            </a:r>
+            <a:r>
+              <a:rPr lang="de-DE" dirty="0"/>
+              <a:t> (</a:t>
+            </a:r>
+            <a:r>
+              <a:rPr lang="de-DE" dirty="0" err="1"/>
+              <a:t>Exception</a:t>
+            </a:r>
+            <a:r>
+              <a:rPr lang="de-DE" dirty="0"/>
+              <a:t> e) {</a:t>
+            </a:r>
+          </a:p>
+          <a:p>
+            <a:pPr marL="502920" lvl="1" indent="0">
+              <a:lnSpc>
+                <a:spcPct val="120000"/>
+              </a:lnSpc>
+              <a:spcBef>
+                <a:spcPts val="0"/>
+              </a:spcBef>
+              <a:buNone/>
+            </a:pPr>
+            <a:r>
+              <a:rPr lang="de-DE" dirty="0"/>
+              <a:t>            </a:t>
+            </a:r>
+            <a:r>
+              <a:rPr lang="de-DE" dirty="0" err="1">
+                <a:solidFill>
+                  <a:schemeClr val="accent3"/>
+                </a:solidFill>
+              </a:rPr>
+              <a:t>throw</a:t>
+            </a:r>
+            <a:r>
+              <a:rPr lang="de-DE" dirty="0"/>
+              <a:t> e;</a:t>
+            </a:r>
+          </a:p>
+          <a:p>
+            <a:pPr marL="502920" lvl="1" indent="0">
+              <a:lnSpc>
+                <a:spcPct val="120000"/>
+              </a:lnSpc>
+              <a:spcBef>
+                <a:spcPts val="0"/>
+              </a:spcBef>
+              <a:buNone/>
+            </a:pPr>
+            <a:r>
+              <a:rPr lang="de-DE" dirty="0"/>
+              <a:t>        } </a:t>
+            </a:r>
+            <a:r>
+              <a:rPr lang="de-DE" dirty="0" err="1">
+                <a:solidFill>
+                  <a:schemeClr val="accent3"/>
+                </a:solidFill>
+              </a:rPr>
+              <a:t>finally</a:t>
+            </a:r>
+            <a:r>
+              <a:rPr lang="de-DE" dirty="0"/>
+              <a:t> {</a:t>
+            </a:r>
+          </a:p>
+          <a:p>
+            <a:pPr marL="502920" lvl="1" indent="0">
+              <a:lnSpc>
+                <a:spcPct val="120000"/>
+              </a:lnSpc>
+              <a:spcBef>
+                <a:spcPts val="0"/>
+              </a:spcBef>
+              <a:buNone/>
+            </a:pPr>
+            <a:r>
+              <a:rPr lang="de-DE" dirty="0"/>
+              <a:t>            </a:t>
+            </a:r>
+            <a:r>
+              <a:rPr lang="de-DE" dirty="0" err="1"/>
+              <a:t>resultSet.close</a:t>
+            </a:r>
+            <a:r>
+              <a:rPr lang="de-DE" dirty="0"/>
+              <a:t>();</a:t>
+            </a:r>
+          </a:p>
+          <a:p>
+            <a:pPr marL="502920" lvl="1" indent="0">
+              <a:lnSpc>
+                <a:spcPct val="120000"/>
+              </a:lnSpc>
+              <a:spcBef>
+                <a:spcPts val="0"/>
+              </a:spcBef>
+              <a:buNone/>
+            </a:pPr>
+            <a:r>
+              <a:rPr lang="de-DE" dirty="0"/>
+              <a:t>            </a:t>
+            </a:r>
+            <a:r>
+              <a:rPr lang="de-DE" dirty="0" err="1"/>
+              <a:t>statement.close</a:t>
+            </a:r>
+            <a:r>
+              <a:rPr lang="de-DE" dirty="0"/>
+              <a:t>();</a:t>
+            </a:r>
+          </a:p>
+          <a:p>
+            <a:pPr marL="502920" lvl="1" indent="0">
+              <a:lnSpc>
+                <a:spcPct val="120000"/>
+              </a:lnSpc>
+              <a:spcBef>
+                <a:spcPts val="0"/>
+              </a:spcBef>
+              <a:buNone/>
+            </a:pPr>
+            <a:r>
+              <a:rPr lang="de-DE" dirty="0"/>
+              <a:t>            </a:t>
+            </a:r>
+            <a:r>
+              <a:rPr lang="de-DE" dirty="0" err="1"/>
+              <a:t>connect.close</a:t>
+            </a:r>
+            <a:r>
+              <a:rPr lang="de-DE" dirty="0"/>
+              <a:t>();</a:t>
+            </a:r>
+          </a:p>
+          <a:p>
+            <a:pPr marL="502920" lvl="1" indent="0">
+              <a:lnSpc>
+                <a:spcPct val="120000"/>
+              </a:lnSpc>
+              <a:spcBef>
+                <a:spcPts val="0"/>
+              </a:spcBef>
+              <a:buNone/>
+            </a:pPr>
+            <a:r>
+              <a:rPr lang="de-DE" dirty="0"/>
+              <a:t>        }</a:t>
+            </a:r>
+          </a:p>
+          <a:p>
+            <a:pPr marL="502920" lvl="1" indent="0">
+              <a:lnSpc>
+                <a:spcPct val="120000"/>
+              </a:lnSpc>
+              <a:spcBef>
+                <a:spcPts val="0"/>
+              </a:spcBef>
+              <a:buNone/>
+            </a:pPr>
+            <a:r>
+              <a:rPr lang="de-DE" dirty="0"/>
+              <a:t>    }</a:t>
+            </a:r>
+          </a:p>
+          <a:p>
+            <a:pPr marL="502920" lvl="1" indent="0">
+              <a:lnSpc>
+                <a:spcPct val="120000"/>
+              </a:lnSpc>
+              <a:spcBef>
+                <a:spcPts val="0"/>
+              </a:spcBef>
+              <a:buNone/>
+            </a:pPr>
+            <a:r>
+              <a:rPr lang="de-DE" dirty="0"/>
+              <a:t>} </a:t>
+            </a:r>
+            <a:endParaRPr lang="de-DE" dirty="0" smtClean="0"/>
+          </a:p>
+          <a:p>
+            <a:pPr marL="502920" lvl="1" indent="0">
+              <a:spcBef>
+                <a:spcPts val="0"/>
+              </a:spcBef>
+              <a:buNone/>
+            </a:pPr>
+            <a:endParaRPr lang="de-DE" dirty="0"/>
           </a:p>
         </p:txBody>
       </p:sp>
     </p:spTree>
     <p:extLst>
       <p:ext uri="{BB962C8B-B14F-4D97-AF65-F5344CB8AC3E}">
-        <p14:creationId xmlns:p14="http://schemas.microsoft.com/office/powerpoint/2010/main" val="3961885630"/>
+        <p14:creationId xmlns:p14="http://schemas.microsoft.com/office/powerpoint/2010/main" val="2819354915"/>
       </p:ext>
     </p:extLst>
   </p:cSld>
@@ -6459,531 +7726,53 @@
           <a:p>
             <a:r>
               <a:rPr lang="de-DE" dirty="0"/>
-              <a:t>SQL-Befehle </a:t>
+              <a:t>4</a:t>
             </a:r>
             <a:r>
               <a:rPr lang="de-DE" dirty="0" smtClean="0"/>
-              <a:t>Syntax</a:t>
-            </a:r>
-            <a:r>
-              <a:rPr lang="en-US" dirty="0">
-                <a:latin typeface="Corbel"/>
-              </a:rPr>
-              <a:t/>
-            </a:r>
-            <a:br>
-              <a:rPr lang="en-US" dirty="0">
-                <a:latin typeface="Corbel"/>
-              </a:rPr>
-            </a:br>
-            <a:r>
-              <a:rPr lang="de-DE" dirty="0">
-                <a:latin typeface="Corbel"/>
-              </a:rPr>
-              <a:t>SELECT</a:t>
-            </a:r>
-            <a:endParaRPr lang="en-US" dirty="0">
-              <a:latin typeface="Corbel"/>
-            </a:endParaRPr>
-          </a:p>
-        </p:txBody>
-      </p:sp>
-      <p:sp>
-        <p:nvSpPr>
-          <p:cNvPr id="3" name="Inhaltsplatzhalter 2"/>
-          <p:cNvSpPr>
-            <a:spLocks noGrp="1"/>
-          </p:cNvSpPr>
-          <p:nvPr>
-            <p:ph idx="1"/>
-          </p:nvPr>
-        </p:nvSpPr>
-        <p:spPr/>
-        <p:txBody>
-          <a:bodyPr>
-            <a:normAutofit/>
-          </a:bodyPr>
-          <a:lstStyle/>
-          <a:p>
-            <a:pPr marL="0" indent="0">
-              <a:buNone/>
-            </a:pPr>
-            <a:r>
-              <a:rPr lang="en-US" dirty="0">
-                <a:solidFill>
-                  <a:srgbClr val="000000"/>
-                </a:solidFill>
-                <a:latin typeface="Corbel"/>
-              </a:rPr>
-              <a:t>SELECT </a:t>
-            </a:r>
-          </a:p>
-          <a:p>
-            <a:pPr marL="0" indent="0">
-              <a:buNone/>
-            </a:pPr>
-            <a:r>
-              <a:rPr lang="en-US" dirty="0">
-                <a:solidFill>
-                  <a:srgbClr val="000000"/>
-                </a:solidFill>
-                <a:latin typeface="Corbel"/>
-              </a:rPr>
-              <a:t>[ALL | DISTINCT | DISTINCTROW ] </a:t>
-            </a:r>
-            <a:r>
-              <a:rPr lang="de-DE" dirty="0">
-                <a:solidFill>
-                  <a:srgbClr val="000000"/>
-                </a:solidFill>
-                <a:latin typeface="Corbel"/>
-              </a:rPr>
-              <a:t> </a:t>
-            </a:r>
-            <a:endParaRPr lang="en-US" dirty="0">
-              <a:solidFill>
-                <a:srgbClr val="000000"/>
-              </a:solidFill>
-              <a:latin typeface="Corbel"/>
-            </a:endParaRPr>
-          </a:p>
-          <a:p>
-            <a:pPr marL="0" indent="0">
-              <a:buNone/>
-            </a:pPr>
-            <a:r>
-              <a:rPr lang="de-DE" b="1" i="1" dirty="0" err="1">
-                <a:solidFill>
-                  <a:srgbClr val="000000"/>
-                </a:solidFill>
-                <a:latin typeface="Corbel"/>
-              </a:rPr>
-              <a:t>select_expr</a:t>
-            </a:r>
-            <a:r>
-              <a:rPr lang="de-DE" dirty="0">
-                <a:solidFill>
-                  <a:srgbClr val="000000"/>
-                </a:solidFill>
-                <a:latin typeface="Corbel"/>
-              </a:rPr>
-              <a:t> [, </a:t>
-            </a:r>
-            <a:r>
-              <a:rPr lang="de-DE" b="1" i="1" dirty="0" err="1">
-                <a:solidFill>
-                  <a:srgbClr val="000000"/>
-                </a:solidFill>
-                <a:latin typeface="Corbel"/>
-              </a:rPr>
-              <a:t>select_expr</a:t>
-            </a:r>
-            <a:r>
-              <a:rPr lang="de-DE" dirty="0">
-                <a:solidFill>
-                  <a:srgbClr val="000000"/>
-                </a:solidFill>
-                <a:latin typeface="Corbel"/>
-              </a:rPr>
-              <a:t> ...] </a:t>
-            </a:r>
-            <a:endParaRPr lang="en-US" dirty="0">
-              <a:solidFill>
-                <a:srgbClr val="000000"/>
-              </a:solidFill>
-              <a:latin typeface="Corbel"/>
-            </a:endParaRPr>
-          </a:p>
-          <a:p>
-            <a:pPr marL="0" indent="0">
-              <a:buNone/>
-            </a:pPr>
-            <a:r>
-              <a:rPr lang="de-DE" dirty="0">
-                <a:solidFill>
-                  <a:srgbClr val="000000"/>
-                </a:solidFill>
-                <a:latin typeface="Corbel"/>
-              </a:rPr>
-              <a:t>FROM </a:t>
-            </a:r>
-            <a:r>
-              <a:rPr lang="de-DE" b="1" i="1" dirty="0" err="1">
-                <a:solidFill>
-                  <a:srgbClr val="000000"/>
-                </a:solidFill>
-                <a:latin typeface="Corbel"/>
-              </a:rPr>
-              <a:t>table_references</a:t>
-            </a:r>
-            <a:r>
-              <a:rPr lang="de-DE" b="1" i="1" dirty="0">
-                <a:solidFill>
-                  <a:srgbClr val="000000"/>
-                </a:solidFill>
-                <a:latin typeface="Corbel"/>
-              </a:rPr>
-              <a:t> </a:t>
-            </a:r>
-            <a:r>
-              <a:rPr lang="de-DE" b="1" i="1" dirty="0">
-                <a:solidFill>
-                  <a:srgbClr val="000000"/>
-                </a:solidFill>
-                <a:latin typeface="Corbel" charset="0"/>
-              </a:rPr>
-              <a:t>[, </a:t>
-            </a:r>
-            <a:r>
-              <a:rPr lang="de-DE" b="1" i="1" dirty="0" err="1">
-                <a:solidFill>
-                  <a:srgbClr val="000000"/>
-                </a:solidFill>
-                <a:latin typeface="Corbel" charset="0"/>
-              </a:rPr>
-              <a:t>table_expr</a:t>
-            </a:r>
-            <a:r>
-              <a:rPr lang="de-DE" b="1" i="1" dirty="0">
-                <a:solidFill>
-                  <a:srgbClr val="000000"/>
-                </a:solidFill>
-                <a:latin typeface="Corbel" charset="0"/>
-              </a:rPr>
-              <a:t> ...] </a:t>
-            </a:r>
-            <a:r>
-              <a:rPr lang="de-DE" dirty="0">
-                <a:solidFill>
-                  <a:srgbClr val="000000"/>
-                </a:solidFill>
-                <a:latin typeface="Corbel"/>
-              </a:rPr>
-              <a:t> </a:t>
-            </a:r>
-            <a:endParaRPr lang="en-US" dirty="0">
-              <a:solidFill>
-                <a:srgbClr val="000000"/>
-              </a:solidFill>
-              <a:latin typeface="Corbel"/>
-            </a:endParaRPr>
-          </a:p>
-          <a:p>
-            <a:pPr marL="0" indent="0">
-              <a:buNone/>
-            </a:pPr>
-            <a:r>
-              <a:rPr lang="de-DE" dirty="0">
-                <a:solidFill>
-                  <a:srgbClr val="000000"/>
-                </a:solidFill>
-                <a:latin typeface="Corbel"/>
-              </a:rPr>
-              <a:t>[WHERE </a:t>
-            </a:r>
-            <a:r>
-              <a:rPr lang="de-DE" b="1" i="1" dirty="0" err="1">
-                <a:solidFill>
-                  <a:srgbClr val="000000"/>
-                </a:solidFill>
-                <a:latin typeface="Corbel"/>
-              </a:rPr>
-              <a:t>where_condition</a:t>
-            </a:r>
-            <a:r>
-              <a:rPr lang="de-DE" dirty="0">
-                <a:solidFill>
-                  <a:srgbClr val="000000"/>
-                </a:solidFill>
-                <a:latin typeface="Corbel"/>
-              </a:rPr>
-              <a:t>] </a:t>
-            </a:r>
-            <a:endParaRPr lang="en-US" dirty="0">
-              <a:solidFill>
-                <a:srgbClr val="000000"/>
-              </a:solidFill>
-              <a:latin typeface="Corbel"/>
-            </a:endParaRPr>
-          </a:p>
-          <a:p>
-            <a:pPr marL="0" indent="0">
-              <a:buNone/>
-            </a:pPr>
-            <a:r>
-              <a:rPr lang="de-DE" dirty="0">
-                <a:solidFill>
-                  <a:srgbClr val="000000"/>
-                </a:solidFill>
-                <a:latin typeface="Corbel"/>
-              </a:rPr>
-              <a:t>[GROUP BY {</a:t>
-            </a:r>
-            <a:r>
-              <a:rPr lang="de-DE" b="1" i="1" dirty="0">
-                <a:solidFill>
-                  <a:srgbClr val="000000"/>
-                </a:solidFill>
-                <a:latin typeface="Corbel"/>
-              </a:rPr>
-              <a:t>col_name</a:t>
-            </a:r>
-            <a:r>
-              <a:rPr lang="de-DE" dirty="0">
-                <a:solidFill>
-                  <a:srgbClr val="000000"/>
-                </a:solidFill>
-                <a:latin typeface="Corbel"/>
-              </a:rPr>
-              <a:t> | </a:t>
-            </a:r>
-            <a:r>
-              <a:rPr lang="de-DE" b="1" i="1" dirty="0">
-                <a:solidFill>
-                  <a:srgbClr val="000000"/>
-                </a:solidFill>
-                <a:latin typeface="Corbel"/>
-              </a:rPr>
-              <a:t>expr</a:t>
-            </a:r>
-            <a:r>
-              <a:rPr lang="de-DE" dirty="0">
-                <a:solidFill>
-                  <a:srgbClr val="000000"/>
-                </a:solidFill>
-                <a:latin typeface="Corbel"/>
-              </a:rPr>
-              <a:t> | </a:t>
-            </a:r>
-            <a:r>
-              <a:rPr lang="de-DE" b="1" i="1" dirty="0">
-                <a:solidFill>
-                  <a:srgbClr val="000000"/>
-                </a:solidFill>
-                <a:latin typeface="Corbel"/>
-              </a:rPr>
-              <a:t>position</a:t>
-            </a:r>
-            <a:r>
-              <a:rPr lang="en-US" dirty="0">
-                <a:solidFill>
-                  <a:srgbClr val="000000"/>
-                </a:solidFill>
-                <a:latin typeface="Corbel"/>
-              </a:rPr>
-              <a:t>} [ASC | DESC], ...] </a:t>
-            </a:r>
-          </a:p>
-          <a:p>
-            <a:pPr marL="0" indent="0">
-              <a:buNone/>
-            </a:pPr>
-            <a:r>
-              <a:rPr lang="en-US" dirty="0">
-                <a:solidFill>
-                  <a:srgbClr val="000000"/>
-                </a:solidFill>
-                <a:latin typeface="Corbel"/>
-              </a:rPr>
-              <a:t>[HAVING </a:t>
-            </a:r>
-            <a:r>
-              <a:rPr lang="de-DE" b="1" i="1" dirty="0" err="1">
-                <a:solidFill>
-                  <a:srgbClr val="000000"/>
-                </a:solidFill>
-                <a:latin typeface="Corbel"/>
-              </a:rPr>
-              <a:t>where_condition</a:t>
-            </a:r>
-            <a:r>
-              <a:rPr lang="de-DE" dirty="0">
-                <a:solidFill>
-                  <a:srgbClr val="000000"/>
-                </a:solidFill>
-                <a:latin typeface="Corbel"/>
-              </a:rPr>
-              <a:t>] </a:t>
-            </a:r>
-            <a:endParaRPr lang="en-US" dirty="0">
-              <a:solidFill>
-                <a:srgbClr val="000000"/>
-              </a:solidFill>
-              <a:latin typeface="Corbel"/>
-            </a:endParaRPr>
-          </a:p>
-          <a:p>
-            <a:pPr marL="0" indent="0">
-              <a:buNone/>
-            </a:pPr>
-            <a:r>
-              <a:rPr lang="de-DE" dirty="0">
-                <a:solidFill>
-                  <a:srgbClr val="000000"/>
-                </a:solidFill>
-                <a:latin typeface="Corbel"/>
-              </a:rPr>
-              <a:t>[ORDER BY {</a:t>
-            </a:r>
-            <a:r>
-              <a:rPr lang="de-DE" b="1" i="1" dirty="0" err="1">
-                <a:solidFill>
-                  <a:srgbClr val="000000"/>
-                </a:solidFill>
-                <a:latin typeface="Corbel"/>
-              </a:rPr>
-              <a:t>col_name</a:t>
-            </a:r>
-            <a:r>
-              <a:rPr lang="de-DE" dirty="0">
-                <a:solidFill>
-                  <a:srgbClr val="000000"/>
-                </a:solidFill>
-                <a:latin typeface="Corbel"/>
-              </a:rPr>
-              <a:t> | </a:t>
-            </a:r>
-            <a:r>
-              <a:rPr lang="de-DE" b="1" i="1" dirty="0" err="1">
-                <a:solidFill>
-                  <a:srgbClr val="000000"/>
-                </a:solidFill>
-                <a:latin typeface="Corbel"/>
-              </a:rPr>
-              <a:t>expr</a:t>
-            </a:r>
-            <a:r>
-              <a:rPr lang="de-DE" dirty="0">
-                <a:solidFill>
-                  <a:srgbClr val="000000"/>
-                </a:solidFill>
-                <a:latin typeface="Corbel"/>
-              </a:rPr>
-              <a:t> | </a:t>
-            </a:r>
-            <a:r>
-              <a:rPr lang="de-DE" b="1" i="1" dirty="0">
-                <a:solidFill>
-                  <a:srgbClr val="000000"/>
-                </a:solidFill>
-                <a:latin typeface="Corbel"/>
-              </a:rPr>
-              <a:t>position</a:t>
-            </a:r>
-            <a:r>
-              <a:rPr lang="de-DE" dirty="0">
-                <a:solidFill>
-                  <a:srgbClr val="000000"/>
-                </a:solidFill>
-                <a:latin typeface="Corbel"/>
-              </a:rPr>
-              <a:t>} [ASC | DESC], ...] </a:t>
-            </a:r>
-            <a:endParaRPr lang="en-US" dirty="0">
-              <a:solidFill>
-                <a:srgbClr val="000000"/>
-              </a:solidFill>
-              <a:latin typeface="Corbel"/>
-            </a:endParaRPr>
-          </a:p>
-          <a:p>
-            <a:pPr marL="0" indent="0">
-              <a:buNone/>
-            </a:pPr>
-            <a:r>
-              <a:rPr lang="de-DE" dirty="0">
-                <a:solidFill>
-                  <a:srgbClr val="000000"/>
-                </a:solidFill>
-                <a:latin typeface="Corbel"/>
-              </a:rPr>
-              <a:t>[LIMIT {[</a:t>
-            </a:r>
-            <a:r>
-              <a:rPr lang="de-DE" b="1" i="1" dirty="0" err="1">
-                <a:solidFill>
-                  <a:srgbClr val="000000"/>
-                </a:solidFill>
-                <a:latin typeface="Corbel"/>
-              </a:rPr>
-              <a:t>offset</a:t>
-            </a:r>
-            <a:r>
-              <a:rPr lang="de-DE" dirty="0">
-                <a:solidFill>
-                  <a:srgbClr val="000000"/>
-                </a:solidFill>
-                <a:latin typeface="Corbel"/>
-              </a:rPr>
-              <a:t>,] </a:t>
-            </a:r>
-            <a:r>
-              <a:rPr lang="de-DE" b="1" i="1" dirty="0" err="1">
-                <a:solidFill>
-                  <a:srgbClr val="000000"/>
-                </a:solidFill>
-                <a:latin typeface="Corbel"/>
-              </a:rPr>
-              <a:t>row_count</a:t>
-            </a:r>
-            <a:r>
-              <a:rPr lang="de-DE" dirty="0">
-                <a:solidFill>
-                  <a:srgbClr val="000000"/>
-                </a:solidFill>
-                <a:latin typeface="Corbel"/>
-              </a:rPr>
-              <a:t> | </a:t>
-            </a:r>
-            <a:r>
-              <a:rPr lang="de-DE" b="1" i="1" dirty="0" err="1">
-                <a:solidFill>
-                  <a:srgbClr val="000000"/>
-                </a:solidFill>
-                <a:latin typeface="Corbel"/>
-              </a:rPr>
-              <a:t>row_count</a:t>
-            </a:r>
-            <a:r>
-              <a:rPr lang="de-DE" dirty="0">
-                <a:solidFill>
-                  <a:srgbClr val="000000"/>
-                </a:solidFill>
-                <a:latin typeface="Corbel"/>
-              </a:rPr>
-              <a:t> OFFSET </a:t>
-            </a:r>
-            <a:r>
-              <a:rPr lang="de-DE" b="1" i="1" dirty="0" err="1">
-                <a:solidFill>
-                  <a:srgbClr val="000000"/>
-                </a:solidFill>
-                <a:latin typeface="Corbel"/>
-              </a:rPr>
-              <a:t>offset</a:t>
-            </a:r>
-            <a:r>
-              <a:rPr lang="de-DE" dirty="0">
-                <a:solidFill>
-                  <a:srgbClr val="000000"/>
-                </a:solidFill>
-                <a:latin typeface="Corbel"/>
-              </a:rPr>
-              <a:t>}] </a:t>
-            </a:r>
-            <a:endParaRPr lang="de-DE" dirty="0">
-              <a:solidFill>
-                <a:srgbClr val="000000"/>
-              </a:solidFill>
-              <a:latin typeface="Courier New" charset="0"/>
-            </a:endParaRPr>
+              <a:t>. </a:t>
+            </a:r>
+            <a:r>
+              <a:rPr lang="de-DE" dirty="0"/>
+              <a:t>SQL-Befehle Syntax</a:t>
+            </a:r>
+          </a:p>
+        </p:txBody>
+      </p:sp>
+      <p:sp>
+        <p:nvSpPr>
+          <p:cNvPr id="3" name="Textplatzhalter 2"/>
+          <p:cNvSpPr>
+            <a:spLocks noGrp="1"/>
+          </p:cNvSpPr>
+          <p:nvPr>
+            <p:ph type="body" idx="1"/>
+          </p:nvPr>
+        </p:nvSpPr>
+        <p:spPr/>
+        <p:txBody>
+          <a:bodyPr/>
+          <a:lstStyle/>
+          <a:p>
+            <a:r>
+              <a:rPr lang="de-DE" dirty="0"/>
+              <a:t>Zum </a:t>
+            </a:r>
+            <a:r>
+              <a:rPr lang="de-DE" dirty="0" smtClean="0"/>
+              <a:t>Auslesen, Updaten, Löschen, … </a:t>
+            </a:r>
+            <a:r>
+              <a:rPr lang="de-DE" dirty="0"/>
+              <a:t>der Daten aus einer MySQL Datenbank</a:t>
+            </a:r>
           </a:p>
         </p:txBody>
       </p:sp>
     </p:spTree>
     <p:extLst>
       <p:ext uri="{BB962C8B-B14F-4D97-AF65-F5344CB8AC3E}">
-        <p14:creationId xmlns:p14="http://schemas.microsoft.com/office/powerpoint/2010/main" val="3276058738"/>
+        <p14:creationId xmlns:p14="http://schemas.microsoft.com/office/powerpoint/2010/main" val="3961885630"/>
       </p:ext>
     </p:extLst>
   </p:cSld>
@@ -7055,7 +7844,7 @@
               <a:rPr lang="de-DE" dirty="0">
                 <a:latin typeface="Corbel"/>
               </a:rPr>
-              <a:t>UPDATE</a:t>
+              <a:t>SELECT</a:t>
             </a:r>
             <a:endParaRPr lang="en-US" dirty="0">
               <a:latin typeface="Corbel"/>
@@ -7088,9 +7877,9 @@
                 <a:solidFill>
                   <a:srgbClr val="000000"/>
                 </a:solidFill>
-                <a:latin typeface="Corbel" charset="0"/>
-              </a:rPr>
-              <a:t>UPDATE  </a:t>
+                <a:latin typeface="Corbel"/>
+              </a:rPr>
+              <a:t>SELECT </a:t>
             </a:r>
           </a:p>
           <a:p>
@@ -7098,165 +7887,28 @@
               <a:buNone/>
             </a:pPr>
             <a:r>
-              <a:rPr lang="en-US" b="1" i="1" dirty="0">
-                <a:solidFill>
-                  <a:srgbClr val="000000"/>
-                </a:solidFill>
-                <a:latin typeface="Corbel" charset="0"/>
-              </a:rPr>
-              <a:t>table_reference</a:t>
-            </a:r>
-            <a:r>
               <a:rPr lang="en-US" dirty="0">
                 <a:solidFill>
                   <a:srgbClr val="000000"/>
                 </a:solidFill>
-                <a:latin typeface="Corbel" charset="0"/>
+                <a:latin typeface="Corbel"/>
+              </a:rPr>
+              <a:t>[ALL | DISTINCT | DISTINCTROW ] </a:t>
+            </a:r>
+            <a:r>
+              <a:rPr lang="de-DE" dirty="0">
+                <a:solidFill>
+                  <a:srgbClr val="000000"/>
+                </a:solidFill>
+                <a:latin typeface="Corbel"/>
               </a:rPr>
               <a:t> </a:t>
-            </a:r>
-          </a:p>
-          <a:p>
-            <a:pPr marL="0" indent="0">
-              <a:buNone/>
-            </a:pPr>
-            <a:r>
-              <a:rPr lang="en-US" dirty="0">
-                <a:solidFill>
-                  <a:srgbClr val="000000"/>
-                </a:solidFill>
-                <a:latin typeface="Corbel" charset="0"/>
-              </a:rPr>
-              <a:t>SET </a:t>
-            </a:r>
-          </a:p>
-          <a:p>
-            <a:pPr marL="0" indent="0">
-              <a:buNone/>
-            </a:pPr>
-            <a:r>
-              <a:rPr lang="en-US" b="1" i="1" dirty="0">
-                <a:solidFill>
-                  <a:srgbClr val="000000"/>
-                </a:solidFill>
-                <a:latin typeface="Corbel" charset="0"/>
-              </a:rPr>
-              <a:t>col_name1</a:t>
-            </a:r>
-            <a:r>
-              <a:rPr lang="en-US" dirty="0">
-                <a:solidFill>
-                  <a:srgbClr val="000000"/>
-                </a:solidFill>
-                <a:latin typeface="Corbel" charset="0"/>
-              </a:rPr>
-              <a:t>={</a:t>
-            </a:r>
-            <a:r>
-              <a:rPr lang="en-US" b="1" i="1" dirty="0">
-                <a:solidFill>
-                  <a:srgbClr val="000000"/>
-                </a:solidFill>
-                <a:latin typeface="Corbel" charset="0"/>
-              </a:rPr>
-              <a:t>expr1</a:t>
-            </a:r>
-            <a:r>
-              <a:rPr lang="en-US" dirty="0">
-                <a:solidFill>
-                  <a:srgbClr val="000000"/>
-                </a:solidFill>
-                <a:latin typeface="Corbel" charset="0"/>
-              </a:rPr>
-              <a:t>|DEFAULT} </a:t>
-            </a:r>
-          </a:p>
-          <a:p>
-            <a:pPr marL="0" indent="0">
-              <a:buNone/>
-            </a:pPr>
-            <a:r>
-              <a:rPr lang="en-US" dirty="0">
-                <a:solidFill>
-                  <a:srgbClr val="000000"/>
-                </a:solidFill>
-                <a:latin typeface="Corbel" charset="0"/>
-              </a:rPr>
-              <a:t>[, </a:t>
-            </a:r>
-            <a:r>
-              <a:rPr lang="en-US" b="1" i="1" dirty="0">
-                <a:solidFill>
-                  <a:srgbClr val="000000"/>
-                </a:solidFill>
-                <a:latin typeface="Corbel" charset="0"/>
-              </a:rPr>
-              <a:t>col_name2</a:t>
-            </a:r>
-            <a:r>
-              <a:rPr lang="en-US" dirty="0">
-                <a:solidFill>
-                  <a:srgbClr val="000000"/>
-                </a:solidFill>
-                <a:latin typeface="Corbel" charset="0"/>
-              </a:rPr>
-              <a:t>={</a:t>
-            </a:r>
-            <a:r>
-              <a:rPr lang="en-US" b="1" i="1" dirty="0">
-                <a:solidFill>
-                  <a:srgbClr val="000000"/>
-                </a:solidFill>
-                <a:latin typeface="Corbel" charset="0"/>
-              </a:rPr>
-              <a:t>expr2</a:t>
-            </a:r>
-            <a:r>
-              <a:rPr lang="en-US" dirty="0">
-                <a:solidFill>
-                  <a:srgbClr val="000000"/>
-                </a:solidFill>
-                <a:latin typeface="Corbel" charset="0"/>
-              </a:rPr>
-              <a:t>|DEFAULT} ... ]</a:t>
-            </a:r>
-          </a:p>
-          <a:p>
-            <a:pPr marL="0" indent="0">
-              <a:buNone/>
-            </a:pPr>
-            <a:r>
-              <a:rPr lang="en-US" dirty="0">
-                <a:solidFill>
-                  <a:srgbClr val="000000"/>
-                </a:solidFill>
-                <a:latin typeface="Corbel" charset="0"/>
-              </a:rPr>
-              <a:t>[WHERE </a:t>
-            </a:r>
-            <a:r>
-              <a:rPr lang="de-DE" b="1" i="1" dirty="0" err="1">
-                <a:solidFill>
-                  <a:srgbClr val="000000"/>
-                </a:solidFill>
-                <a:latin typeface="Corbel" charset="0"/>
-              </a:rPr>
-              <a:t>where_condition</a:t>
-            </a:r>
-            <a:r>
-              <a:rPr lang="de-DE" dirty="0">
-                <a:solidFill>
-                  <a:srgbClr val="000000"/>
-                </a:solidFill>
-                <a:latin typeface="Corbel" charset="0"/>
-              </a:rPr>
-              <a:t>] </a:t>
             </a:r>
             <a:endParaRPr lang="en-US" dirty="0">
               <a:solidFill>
                 <a:srgbClr val="000000"/>
               </a:solidFill>
-              <a:latin typeface="Corbel" charset="0"/>
+              <a:latin typeface="Corbel"/>
             </a:endParaRPr>
           </a:p>
           <a:p>
@@ -7264,19 +7916,46 @@
               <a:buNone/>
             </a:pPr>
             <a:r>
-              <a:rPr lang="de-DE" dirty="0">
-                <a:solidFill>
-                  <a:srgbClr val="000000"/>
-                </a:solidFill>
-                <a:latin typeface="Corbel" charset="0"/>
-              </a:rPr>
-              <a:t>[ORDER BY ...] </a:t>
+              <a:rPr lang="de-DE" b="1" i="1" dirty="0" err="1">
+                <a:solidFill>
+                  <a:srgbClr val="000000"/>
+                </a:solidFill>
+                <a:latin typeface="Corbel"/>
+              </a:rPr>
+              <a:t>select_expr</a:t>
+            </a:r>
+            <a:r>
+              <a:rPr lang="de-DE" dirty="0">
+                <a:solidFill>
+                  <a:srgbClr val="000000"/>
+                </a:solidFill>
+                <a:latin typeface="Corbel"/>
+              </a:rPr>
+              <a:t> [, </a:t>
+            </a:r>
+            <a:r>
+              <a:rPr lang="de-DE" b="1" i="1" dirty="0" err="1">
+                <a:solidFill>
+                  <a:srgbClr val="000000"/>
+                </a:solidFill>
+                <a:latin typeface="Corbel"/>
+              </a:rPr>
+              <a:t>select_expr</a:t>
+            </a:r>
+            <a:r>
+              <a:rPr lang="de-DE" dirty="0">
+                <a:solidFill>
+                  <a:srgbClr val="000000"/>
+                </a:solidFill>
+                <a:latin typeface="Corbel"/>
+              </a:rPr>
+              <a:t> ...] </a:t>
             </a:r>
             <a:endParaRPr lang="en-US" dirty="0">
               <a:solidFill>
                 <a:srgbClr val="000000"/>
               </a:solidFill>
-              <a:latin typeface="Corbel" charset="0"/>
+              <a:latin typeface="Corbel"/>
             </a:endParaRPr>
           </a:p>
           <a:p>
@@ -7288,33 +7967,374 @@
                 <a:solidFill>
                   <a:srgbClr val="000000"/>
                 </a:solidFill>
-                <a:latin typeface="Corbel" charset="0"/>
-              </a:rPr>
-              <a:t>[LIMIT </a:t>
+                <a:latin typeface="Corbel"/>
+              </a:rPr>
+              <a:t>FROM </a:t>
             </a:r>
             <a:r>
               <a:rPr lang="de-DE" b="1" i="1" dirty="0" err="1">
                 <a:solidFill>
                   <a:srgbClr val="000000"/>
                 </a:solidFill>
-                <a:latin typeface="Corbel" charset="0"/>
+                <a:latin typeface="Corbel"/>
+              </a:rPr>
+              <a:t>table_references</a:t>
+            </a:r>
+            <a:r>
+              <a:rPr lang="de-DE" b="1" i="1" dirty="0">
+                <a:solidFill>
+                  <a:srgbClr val="000000"/>
+                </a:solidFill>
+                <a:latin typeface="Corbel"/>
+              </a:rPr>
+              <a:t> </a:t>
+            </a:r>
+            <a:r>
+              <a:rPr lang="de-DE" b="1" i="1" dirty="0">
+                <a:solidFill>
+                  <a:srgbClr val="000000"/>
+                </a:solidFill>
+                <a:latin typeface="Corbel" charset="0"/>
+              </a:rPr>
+              <a:t>[, </a:t>
+            </a:r>
+            <a:r>
+              <a:rPr lang="de-DE" b="1" i="1" dirty="0" err="1">
+                <a:solidFill>
+                  <a:srgbClr val="000000"/>
+                </a:solidFill>
+                <a:latin typeface="Corbel" charset="0"/>
+              </a:rPr>
+              <a:t>table_expr</a:t>
+            </a:r>
+            <a:r>
+              <a:rPr lang="de-DE" b="1" i="1" dirty="0">
+                <a:solidFill>
+                  <a:srgbClr val="000000"/>
+                </a:solidFill>
+                <a:latin typeface="Corbel" charset="0"/>
+              </a:rPr>
+              <a:t> ...] </a:t>
+            </a:r>
+            <a:r>
+              <a:rPr lang="de-DE" dirty="0">
+                <a:solidFill>
+                  <a:srgbClr val="000000"/>
+                </a:solidFill>
+                <a:latin typeface="Corbel"/>
+              </a:rPr>
+              <a:t> </a:t>
+            </a:r>
+            <a:endParaRPr lang="en-US" dirty="0">
+              <a:solidFill>
+                <a:srgbClr val="000000"/>
+              </a:solidFill>
+              <a:latin typeface="Corbel"/>
+            </a:endParaRPr>
+          </a:p>
+          <a:p>
+            <a:pPr marL="0" indent="0">
+              <a:buNone/>
+            </a:pPr>
+            <a:r>
+              <a:rPr lang="de-DE" dirty="0">
+                <a:solidFill>
+                  <a:srgbClr val="000000"/>
+                </a:solidFill>
+                <a:latin typeface="Corbel"/>
+              </a:rPr>
+              <a:t>[WHERE </a:t>
+            </a:r>
+            <a:r>
+              <a:rPr lang="de-DE" b="1" i="1" dirty="0" err="1">
+                <a:solidFill>
+                  <a:srgbClr val="000000"/>
+                </a:solidFill>
+                <a:latin typeface="Corbel"/>
+              </a:rPr>
+              <a:t>where_condition</a:t>
+            </a:r>
+            <a:r>
+              <a:rPr lang="de-DE" dirty="0">
+                <a:solidFill>
+                  <a:srgbClr val="000000"/>
+                </a:solidFill>
+                <a:latin typeface="Corbel"/>
+              </a:rPr>
+              <a:t>] </a:t>
+            </a:r>
+            <a:endParaRPr lang="en-US" dirty="0">
+              <a:solidFill>
+                <a:srgbClr val="000000"/>
+              </a:solidFill>
+              <a:latin typeface="Corbel"/>
+            </a:endParaRPr>
+          </a:p>
+          <a:p>
+            <a:pPr marL="0" indent="0">
+              <a:buNone/>
+            </a:pPr>
+            <a:r>
+              <a:rPr lang="de-DE" dirty="0">
+                <a:solidFill>
+                  <a:srgbClr val="000000"/>
+                </a:solidFill>
+                <a:latin typeface="Corbel"/>
+              </a:rPr>
+              <a:t>[GROUP BY {</a:t>
+            </a:r>
+            <a:r>
+              <a:rPr lang="de-DE" b="1" i="1" dirty="0">
+                <a:solidFill>
+                  <a:srgbClr val="000000"/>
+                </a:solidFill>
+                <a:latin typeface="Corbel"/>
+              </a:rPr>
+              <a:t>col_name</a:t>
+            </a:r>
+            <a:r>
+              <a:rPr lang="de-DE" dirty="0">
+                <a:solidFill>
+                  <a:srgbClr val="000000"/>
+                </a:solidFill>
+                <a:latin typeface="Corbel"/>
+              </a:rPr>
+              <a:t> | </a:t>
+            </a:r>
+            <a:r>
+              <a:rPr lang="de-DE" b="1" i="1" dirty="0">
+                <a:solidFill>
+                  <a:srgbClr val="000000"/>
+                </a:solidFill>
+                <a:latin typeface="Corbel"/>
+              </a:rPr>
+              <a:t>expr</a:t>
+            </a:r>
+            <a:r>
+              <a:rPr lang="de-DE" dirty="0">
+                <a:solidFill>
+                  <a:srgbClr val="000000"/>
+                </a:solidFill>
+                <a:latin typeface="Corbel"/>
+              </a:rPr>
+              <a:t> | </a:t>
+            </a:r>
+            <a:r>
+              <a:rPr lang="de-DE" b="1" i="1" dirty="0">
+                <a:solidFill>
+                  <a:srgbClr val="000000"/>
+                </a:solidFill>
+                <a:latin typeface="Corbel"/>
+              </a:rPr>
+              <a:t>position</a:t>
+            </a:r>
+            <a:r>
+              <a:rPr lang="en-US" dirty="0">
+                <a:solidFill>
+                  <a:srgbClr val="000000"/>
+                </a:solidFill>
+                <a:latin typeface="Corbel"/>
+              </a:rPr>
+              <a:t>} [ASC | DESC], ...] </a:t>
+            </a:r>
+          </a:p>
+          <a:p>
+            <a:pPr marL="0" indent="0">
+              <a:buNone/>
+            </a:pPr>
+            <a:r>
+              <a:rPr lang="en-US" dirty="0">
+                <a:solidFill>
+                  <a:srgbClr val="000000"/>
+                </a:solidFill>
+                <a:latin typeface="Corbel"/>
+              </a:rPr>
+              <a:t>[HAVING </a:t>
+            </a:r>
+            <a:r>
+              <a:rPr lang="de-DE" b="1" i="1" dirty="0" err="1">
+                <a:solidFill>
+                  <a:srgbClr val="000000"/>
+                </a:solidFill>
+                <a:latin typeface="Corbel"/>
+              </a:rPr>
+              <a:t>where_condition</a:t>
+            </a:r>
+            <a:r>
+              <a:rPr lang="de-DE" dirty="0">
+                <a:solidFill>
+                  <a:srgbClr val="000000"/>
+                </a:solidFill>
+                <a:latin typeface="Corbel"/>
+              </a:rPr>
+              <a:t>] </a:t>
+            </a:r>
+            <a:endParaRPr lang="en-US" dirty="0">
+              <a:solidFill>
+                <a:srgbClr val="000000"/>
+              </a:solidFill>
+              <a:latin typeface="Corbel"/>
+            </a:endParaRPr>
+          </a:p>
+          <a:p>
+            <a:pPr marL="0" indent="0">
+              <a:buNone/>
+            </a:pPr>
+            <a:r>
+              <a:rPr lang="de-DE" dirty="0">
+                <a:solidFill>
+                  <a:srgbClr val="000000"/>
+                </a:solidFill>
+                <a:latin typeface="Corbel"/>
+              </a:rPr>
+              <a:t>[ORDER BY {</a:t>
+            </a:r>
+            <a:r>
+              <a:rPr lang="de-DE" b="1" i="1" dirty="0" err="1">
+                <a:solidFill>
+                  <a:srgbClr val="000000"/>
+                </a:solidFill>
+                <a:latin typeface="Corbel"/>
+              </a:rPr>
+              <a:t>col_name</a:t>
+            </a:r>
+            <a:r>
+              <a:rPr lang="de-DE" dirty="0">
+                <a:solidFill>
+                  <a:srgbClr val="000000"/>
+                </a:solidFill>
+                <a:latin typeface="Corbel"/>
+              </a:rPr>
+              <a:t> | </a:t>
+            </a:r>
+            <a:r>
+              <a:rPr lang="de-DE" b="1" i="1" dirty="0" err="1">
+                <a:solidFill>
+                  <a:srgbClr val="000000"/>
+                </a:solidFill>
+                <a:latin typeface="Corbel"/>
+              </a:rPr>
+              <a:t>expr</a:t>
+            </a:r>
+            <a:r>
+              <a:rPr lang="de-DE" dirty="0">
+                <a:solidFill>
+                  <a:srgbClr val="000000"/>
+                </a:solidFill>
+                <a:latin typeface="Corbel"/>
+              </a:rPr>
+              <a:t> | </a:t>
+            </a:r>
+            <a:r>
+              <a:rPr lang="de-DE" b="1" i="1" dirty="0">
+                <a:solidFill>
+                  <a:srgbClr val="000000"/>
+                </a:solidFill>
+                <a:latin typeface="Corbel"/>
+              </a:rPr>
+              <a:t>position</a:t>
+            </a:r>
+            <a:r>
+              <a:rPr lang="de-DE" dirty="0">
+                <a:solidFill>
+                  <a:srgbClr val="000000"/>
+                </a:solidFill>
+                <a:latin typeface="Corbel"/>
+              </a:rPr>
+              <a:t>} [ASC | DESC], ...] </a:t>
+            </a:r>
+            <a:endParaRPr lang="en-US" dirty="0">
+              <a:solidFill>
+                <a:srgbClr val="000000"/>
+              </a:solidFill>
+              <a:latin typeface="Corbel"/>
+            </a:endParaRPr>
+          </a:p>
+          <a:p>
+            <a:pPr marL="0" indent="0">
+              <a:buNone/>
+            </a:pPr>
+            <a:r>
+              <a:rPr lang="de-DE" dirty="0">
+                <a:solidFill>
+                  <a:srgbClr val="000000"/>
+                </a:solidFill>
+                <a:latin typeface="Corbel"/>
+              </a:rPr>
+              <a:t>[LIMIT {[</a:t>
+            </a:r>
+            <a:r>
+              <a:rPr lang="de-DE" b="1" i="1" dirty="0" err="1">
+                <a:solidFill>
+                  <a:srgbClr val="000000"/>
+                </a:solidFill>
+                <a:latin typeface="Corbel"/>
+              </a:rPr>
+              <a:t>offset</a:t>
+            </a:r>
+            <a:r>
+              <a:rPr lang="de-DE" dirty="0">
+                <a:solidFill>
+                  <a:srgbClr val="000000"/>
+                </a:solidFill>
+                <a:latin typeface="Corbel"/>
+              </a:rPr>
+              <a:t>,] </a:t>
+            </a:r>
+            <a:r>
+              <a:rPr lang="de-DE" b="1" i="1" dirty="0" err="1">
+                <a:solidFill>
+                  <a:srgbClr val="000000"/>
+                </a:solidFill>
+                <a:latin typeface="Corbel"/>
               </a:rPr>
               <a:t>row_count</a:t>
             </a:r>
             <a:r>
-              <a:rPr lang="en-US" b="1" i="1" dirty="0">
-                <a:solidFill>
-                  <a:srgbClr val="000000"/>
-                </a:solidFill>
-                <a:latin typeface="Corbel" charset="0"/>
-              </a:rPr>
-              <a:t>]</a:t>
-            </a:r>
-          </a:p>
-          <a:p>
-            <a:pPr marL="0" indent="0">
-              <a:buNone/>
-            </a:pPr>
+              <a:rPr lang="de-DE" dirty="0">
+                <a:solidFill>
+                  <a:srgbClr val="000000"/>
+                </a:solidFill>
+                <a:latin typeface="Corbel"/>
+              </a:rPr>
+              <a:t> | </a:t>
+            </a:r>
+            <a:r>
+              <a:rPr lang="de-DE" b="1" i="1" dirty="0" err="1">
+                <a:solidFill>
+                  <a:srgbClr val="000000"/>
+                </a:solidFill>
+                <a:latin typeface="Corbel"/>
+              </a:rPr>
+              <a:t>row_count</a:t>
+            </a:r>
+            <a:r>
+              <a:rPr lang="de-DE" dirty="0">
+                <a:solidFill>
+                  <a:srgbClr val="000000"/>
+                </a:solidFill>
+                <a:latin typeface="Corbel"/>
+              </a:rPr>
+              <a:t> OFFSET </a:t>
+            </a:r>
+            <a:r>
+              <a:rPr lang="de-DE" b="1" i="1" dirty="0" err="1">
+                <a:solidFill>
+                  <a:srgbClr val="000000"/>
+                </a:solidFill>
+                <a:latin typeface="Corbel"/>
+              </a:rPr>
+              <a:t>offset</a:t>
+            </a:r>
+            <a:r>
+              <a:rPr lang="de-DE" dirty="0">
+                <a:solidFill>
+                  <a:srgbClr val="000000"/>
+                </a:solidFill>
+                <a:latin typeface="Corbel"/>
+              </a:rPr>
+              <a:t>}] </a:t>
+            </a:r>
             <a:endParaRPr lang="de-DE" dirty="0">
               <a:solidFill>
                 <a:srgbClr val="000000"/>
@@ -7327,7 +8347,7 @@
     </p:spTree>
     <p:extLst>
       <p:ext uri="{BB962C8B-B14F-4D97-AF65-F5344CB8AC3E}">
-        <p14:creationId xmlns:p14="http://schemas.microsoft.com/office/powerpoint/2010/main" val="163622005"/>
+        <p14:creationId xmlns:p14="http://schemas.microsoft.com/office/powerpoint/2010/main" val="3276058738"/>
       </p:ext>
     </p:extLst>
   </p:cSld>
@@ -7381,22 +8401,25 @@
               <a:t>SQL-Befehle </a:t>
             </a:r>
             <a:r>
-              <a:rPr lang="de-DE" dirty="0" smtClean="0">
+              <a:rPr lang="de-DE" dirty="0" smtClean="0"/>
+              <a:t>Syntax</a:t>
+            </a:r>
+            <a:r>
+              <a:rPr lang="en-US" dirty="0">
                 <a:latin typeface="Corbel"/>
               </a:rPr>
-              <a:t>Syntax</a:t>
-            </a:r>
-            <a:r>
-              <a:rPr lang="en-US" dirty="0" smtClean="0">
+              <a:t/>
+            </a:r>
+            <a:br>
+              <a:rPr lang="en-US" dirty="0">
                 <a:latin typeface="Corbel"/>
               </a:rPr>
-              <a:t> </a:t>
-            </a:r>
-            <a:r>
-              <a:rPr lang="de-DE" dirty="0" smtClean="0">
+            </a:br>
+            <a:r>
+              <a:rPr lang="de-DE" dirty="0">
                 <a:latin typeface="Corbel"/>
               </a:rPr>
-              <a:t>DELETE</a:t>
+              <a:t>UPDATE</a:t>
             </a:r>
             <a:endParaRPr lang="en-US" dirty="0">
               <a:latin typeface="Corbel"/>
@@ -7425,13 +8448,13 @@
               <a:buNone/>
             </a:pPr>
             <a:r>
-              <a:rPr lang="en-US" i="1" dirty="0">
-                <a:solidFill>
-                  <a:srgbClr val="000000"/>
-                </a:solidFill>
-                <a:latin typeface="Corbel" charset="0"/>
-              </a:rPr>
-              <a:t>DELETE </a:t>
+              <a:rPr lang="en-US" dirty="0">
+                <a:solidFill>
+                  <a:srgbClr val="000000"/>
+                </a:solidFill>
+                <a:latin typeface="Corbel" charset="0"/>
+              </a:rPr>
+              <a:t>UPDATE  </a:t>
             </a:r>
           </a:p>
           <a:p>
@@ -7439,13 +8462,22 @@
               <a:buNone/>
             </a:pPr>
             <a:r>
-              <a:rPr lang="en-US" i="1" dirty="0">
-                <a:solidFill>
-                  <a:srgbClr val="000000"/>
-                </a:solidFill>
-                <a:latin typeface="Corbel" charset="0"/>
-              </a:rPr>
-              <a:t>FROM </a:t>
+              <a:rPr lang="en-US" b="1" i="1" dirty="0">
+                <a:solidFill>
+                  <a:srgbClr val="000000"/>
+                </a:solidFill>
+                <a:latin typeface="Corbel" charset="0"/>
+              </a:rPr>
+              <a:t>table_reference</a:t>
+            </a:r>
+            <a:r>
+              <a:rPr lang="en-US" dirty="0">
+                <a:solidFill>
+                  <a:srgbClr val="000000"/>
+                </a:solidFill>
+                <a:latin typeface="Corbel" charset="0"/>
+              </a:rPr>
+              <a:t> </a:t>
             </a:r>
           </a:p>
           <a:p>
@@ -7453,13 +8485,54 @@
               <a:buNone/>
             </a:pPr>
             <a:r>
+              <a:rPr lang="en-US" dirty="0">
+                <a:solidFill>
+                  <a:srgbClr val="000000"/>
+                </a:solidFill>
+                <a:latin typeface="Corbel" charset="0"/>
+              </a:rPr>
+              <a:t>SET </a:t>
+            </a:r>
+          </a:p>
+          <a:p>
+            <a:pPr marL="0" indent="0">
+              <a:buNone/>
+            </a:pPr>
+            <a:r>
               <a:rPr lang="en-US" b="1" i="1" dirty="0">
                 <a:solidFill>
                   <a:srgbClr val="000000"/>
                 </a:solidFill>
                 <a:latin typeface="Corbel" charset="0"/>
               </a:rPr>
-              <a:t>tbl_name</a:t>
+              <a:t>col_name1</a:t>
+            </a:r>
+            <a:r>
+              <a:rPr lang="en-US" dirty="0">
+                <a:solidFill>
+                  <a:srgbClr val="000000"/>
+                </a:solidFill>
+                <a:latin typeface="Corbel" charset="0"/>
+              </a:rPr>
+              <a:t>={</a:t>
+            </a:r>
+            <a:r>
+              <a:rPr lang="en-US" b="1" i="1" dirty="0">
+                <a:solidFill>
+                  <a:srgbClr val="000000"/>
+                </a:solidFill>
+                <a:latin typeface="Corbel" charset="0"/>
+              </a:rPr>
+              <a:t>expr1</a:t>
+            </a:r>
+            <a:r>
+              <a:rPr lang="en-US" dirty="0">
+                <a:solidFill>
+                  <a:srgbClr val="000000"/>
+                </a:solidFill>
+                <a:latin typeface="Corbel" charset="0"/>
+              </a:rPr>
+              <a:t>|DEFAULT} </a:t>
             </a:r>
           </a:p>
           <a:p>
@@ -7467,7 +8540,57 @@
               <a:buNone/>
             </a:pPr>
             <a:r>
-              <a:rPr lang="en-US" i="1" dirty="0">
+              <a:rPr lang="en-US" dirty="0">
+                <a:solidFill>
+                  <a:srgbClr val="000000"/>
+                </a:solidFill>
+                <a:latin typeface="Corbel" charset="0"/>
+              </a:rPr>
+              <a:t>[, </a:t>
+            </a:r>
+            <a:r>
+              <a:rPr lang="en-US" b="1" i="1" dirty="0">
+                <a:solidFill>
+                  <a:srgbClr val="000000"/>
+                </a:solidFill>
+                <a:latin typeface="Corbel" charset="0"/>
+              </a:rPr>
+              <a:t>col_name2</a:t>
+            </a:r>
+            <a:r>
+              <a:rPr lang="en-US" dirty="0">
+                <a:solidFill>
+                  <a:srgbClr val="000000"/>
+                </a:solidFill>
+                <a:latin typeface="Corbel" charset="0"/>
+              </a:rPr>
+              <a:t>={</a:t>
+            </a:r>
+            <a:r>
+              <a:rPr lang="en-US" b="1" i="1" dirty="0">
+                <a:solidFill>
+                  <a:srgbClr val="000000"/>
+                </a:solidFill>
+                <a:latin typeface="Corbel" charset="0"/>
+              </a:rPr>
+              <a:t>expr2</a:t>
+            </a:r>
+            <a:r>
+              <a:rPr lang="en-US" dirty="0">
+                <a:solidFill>
+                  <a:srgbClr val="000000"/>
+                </a:solidFill>
+                <a:latin typeface="Corbel" charset="0"/>
+              </a:rPr>
+              <a:t>|DEFAULT} ... ]</a:t>
+            </a:r>
+          </a:p>
+          <a:p>
+            <a:pPr marL="0" indent="0">
+              <a:buNone/>
+            </a:pPr>
+            <a:r>
+              <a:rPr lang="en-US" dirty="0">
                 <a:solidFill>
                   <a:srgbClr val="000000"/>
                 </a:solidFill>
@@ -7476,13 +8599,71 @@
               <a:t>[WHERE </a:t>
             </a:r>
             <a:r>
-              <a:rPr lang="en-US" b="1" i="1" dirty="0" err="1">
-                <a:solidFill>
-                  <a:srgbClr val="000000"/>
-                </a:solidFill>
-                <a:latin typeface="Corbel" charset="0"/>
-              </a:rPr>
-              <a:t>where</a:t>
+              <a:rPr lang="de-DE" b="1" i="1" dirty="0" err="1">
+                <a:solidFill>
+                  <a:srgbClr val="000000"/>
+                </a:solidFill>
+                <a:latin typeface="Corbel" charset="0"/>
+              </a:rPr>
+              <a:t>where_condition</a:t>
+            </a:r>
+            <a:r>
+              <a:rPr lang="de-DE" dirty="0">
+                <a:solidFill>
+                  <a:srgbClr val="000000"/>
+                </a:solidFill>
+                <a:latin typeface="Corbel" charset="0"/>
+              </a:rPr>
+              <a:t>] </a:t>
+            </a:r>
+            <a:endParaRPr lang="en-US" dirty="0">
+              <a:solidFill>
+                <a:srgbClr val="000000"/>
+              </a:solidFill>
+              <a:latin typeface="Corbel" charset="0"/>
+            </a:endParaRPr>
+          </a:p>
+          <a:p>
+            <a:pPr marL="0" indent="0">
+              <a:buNone/>
+            </a:pPr>
+            <a:r>
+              <a:rPr lang="de-DE" dirty="0">
+                <a:solidFill>
+                  <a:srgbClr val="000000"/>
+                </a:solidFill>
+                <a:latin typeface="Corbel" charset="0"/>
+              </a:rPr>
+              <a:t>[ORDER BY ...] </a:t>
+            </a:r>
+            <a:endParaRPr lang="en-US" dirty="0">
+              <a:solidFill>
+                <a:srgbClr val="000000"/>
+              </a:solidFill>
+              <a:latin typeface="Corbel" charset="0"/>
+            </a:endParaRPr>
+          </a:p>
+          <a:p>
+            <a:pPr marL="0" indent="0">
+              <a:buNone/>
+            </a:pPr>
+            <a:r>
+              <a:rPr lang="de-DE" dirty="0">
+                <a:solidFill>
+                  <a:srgbClr val="000000"/>
+                </a:solidFill>
+                <a:latin typeface="Corbel" charset="0"/>
+              </a:rPr>
+              <a:t>[LIMIT </a:t>
+            </a:r>
+            <a:r>
+              <a:rPr lang="de-DE" b="1" i="1" dirty="0" err="1">
+                <a:solidFill>
+                  <a:srgbClr val="000000"/>
+                </a:solidFill>
+                <a:latin typeface="Corbel" charset="0"/>
+              </a:rPr>
+              <a:t>row_count</a:t>
             </a:r>
             <a:r>
               <a:rPr lang="en-US" b="1" i="1" dirty="0">
@@ -7491,69 +8672,14 @@
                 </a:solidFill>
                 <a:latin typeface="Corbel" charset="0"/>
               </a:rPr>
-              <a:t>_condition</a:t>
-            </a:r>
-            <a:r>
-              <a:rPr lang="en-US" i="1" dirty="0">
-                <a:solidFill>
-                  <a:srgbClr val="000000"/>
-                </a:solidFill>
-                <a:latin typeface="Corbel" charset="0"/>
-              </a:rPr>
-              <a:t>] </a:t>
+              <a:t>]</a:t>
             </a:r>
           </a:p>
           <a:p>
             <a:pPr marL="0" indent="0">
               <a:buNone/>
             </a:pPr>
-            <a:r>
-              <a:rPr lang="en-US" i="1" dirty="0">
-                <a:solidFill>
-                  <a:srgbClr val="000000"/>
-                </a:solidFill>
-                <a:latin typeface="Corbel" charset="0"/>
-              </a:rPr>
-              <a:t>[ORDER BY ...] </a:t>
-            </a:r>
-          </a:p>
-          <a:p>
-            <a:pPr marL="0" indent="0">
-              <a:buNone/>
-            </a:pPr>
-            <a:r>
-              <a:rPr lang="en-US" i="1" dirty="0">
-                <a:solidFill>
-                  <a:srgbClr val="000000"/>
-                </a:solidFill>
-                <a:latin typeface="Corbel" charset="0"/>
-              </a:rPr>
-              <a:t>[LIMIT </a:t>
-            </a:r>
-            <a:r>
-              <a:rPr lang="en-US" b="1" i="1" dirty="0">
-                <a:solidFill>
-                  <a:srgbClr val="000000"/>
-                </a:solidFill>
-                <a:latin typeface="Corbel" charset="0"/>
-              </a:rPr>
-              <a:t>row_count</a:t>
-            </a:r>
-            <a:r>
-              <a:rPr lang="en-US" dirty="0">
-                <a:solidFill>
-                  <a:srgbClr val="000000"/>
-                </a:solidFill>
-                <a:latin typeface="Corbel" charset="0"/>
-              </a:rPr>
-              <a:t>]</a:t>
-            </a:r>
-          </a:p>
-          <a:p>
-            <a:pPr marL="0" indent="0">
-              <a:buNone/>
-            </a:pPr>
-            <a:endParaRPr lang="en-US" dirty="0">
+            <a:endParaRPr lang="de-DE" dirty="0">
               <a:solidFill>
                 <a:srgbClr val="000000"/>
               </a:solidFill>
@@ -7565,7 +8691,7 @@
     </p:spTree>
     <p:extLst>
       <p:ext uri="{BB962C8B-B14F-4D97-AF65-F5344CB8AC3E}">
-        <p14:creationId xmlns:p14="http://schemas.microsoft.com/office/powerpoint/2010/main" val="881333775"/>
+        <p14:creationId xmlns:p14="http://schemas.microsoft.com/office/powerpoint/2010/main" val="163622005"/>
       </p:ext>
     </p:extLst>
   </p:cSld>
@@ -7616,16 +8742,25 @@
           <a:p>
             <a:r>
               <a:rPr lang="de-DE" dirty="0"/>
-              <a:t>SQL-Befehle</a:t>
-            </a:r>
-            <a:br>
-              <a:rPr lang="de-DE" dirty="0"/>
-            </a:br>
+              <a:t>SQL-Befehle </a:t>
+            </a:r>
             <a:r>
               <a:rPr lang="de-DE" dirty="0" smtClean="0">
                 <a:latin typeface="Corbel"/>
               </a:rPr>
               <a:t>Syntax</a:t>
+            </a:r>
+            <a:r>
+              <a:rPr lang="en-US" dirty="0" smtClean="0">
+                <a:latin typeface="Corbel"/>
+              </a:rPr>
+              <a:t> </a:t>
+            </a:r>
+            <a:r>
+              <a:rPr lang="de-DE" dirty="0" smtClean="0">
+                <a:latin typeface="Corbel"/>
+              </a:rPr>
+              <a:t>DELETE</a:t>
             </a:r>
             <a:endParaRPr lang="en-US" dirty="0">
               <a:latin typeface="Corbel"/>
@@ -7635,7 +8770,7 @@
       </p:sp>
       <p:sp>
         <p:nvSpPr>
-          <p:cNvPr id="4" name="Inhaltsplatzhalter 3"/>
+          <p:cNvPr id="3" name="Inhaltsplatzhalter 2"/>
           <p:cNvSpPr>
             <a:spLocks noGrp="1"/>
           </p:cNvSpPr>
@@ -7645,35 +8780,156 @@
         </p:nvSpPr>
         <p:spPr/>
         <p:txBody>
-          <a:bodyPr/>
-          <a:lstStyle/>
-          <a:p>
-            <a:r>
-              <a:rPr lang="de-DE" dirty="0" smtClean="0"/>
-              <a:t>Für weitere MySQL-</a:t>
-            </a:r>
-            <a:r>
-              <a:rPr lang="de-DE" dirty="0" err="1"/>
-              <a:t>Syntaxen</a:t>
-            </a:r>
-            <a:r>
-              <a:rPr lang="de-DE" dirty="0" smtClean="0"/>
-              <a:t>:</a:t>
-            </a:r>
-          </a:p>
-          <a:p>
-            <a:pPr lvl="1"/>
-            <a:r>
-              <a:rPr lang="de-DE" dirty="0"/>
-              <a:t>http://dev.mysql.com/doc/refman/5.7/en/sql-syntax.html</a:t>
-            </a:r>
+          <a:bodyPr>
+            <a:normAutofit/>
+          </a:bodyPr>
+          <a:lstStyle/>
+          <a:p>
+            <a:pPr marL="0" indent="0">
+              <a:buNone/>
+            </a:pPr>
+            <a:r>
+              <a:rPr lang="en-US" i="1" dirty="0">
+                <a:solidFill>
+                  <a:srgbClr val="000000"/>
+                </a:solidFill>
+                <a:latin typeface="Corbel" charset="0"/>
+              </a:rPr>
+              <a:t>DELETE </a:t>
+            </a:r>
+          </a:p>
+          <a:p>
+            <a:pPr marL="0" indent="0">
+              <a:buNone/>
+            </a:pPr>
+            <a:r>
+              <a:rPr lang="en-US" i="1" dirty="0">
+                <a:solidFill>
+                  <a:srgbClr val="000000"/>
+                </a:solidFill>
+                <a:latin typeface="Corbel" charset="0"/>
+              </a:rPr>
+              <a:t>FROM </a:t>
+            </a:r>
+          </a:p>
+          <a:p>
+            <a:pPr marL="0" indent="0">
+              <a:buNone/>
+            </a:pPr>
+            <a:r>
+              <a:rPr lang="en-US" b="1" i="1" dirty="0">
+                <a:solidFill>
+                  <a:srgbClr val="000000"/>
+                </a:solidFill>
+                <a:latin typeface="Corbel" charset="0"/>
+              </a:rPr>
+              <a:t>tbl_name</a:t>
+            </a:r>
+          </a:p>
+          <a:p>
+            <a:pPr marL="0" indent="0">
+              <a:buNone/>
+            </a:pPr>
+            <a:r>
+              <a:rPr lang="en-US" i="1" dirty="0">
+                <a:solidFill>
+                  <a:srgbClr val="000000"/>
+                </a:solidFill>
+                <a:latin typeface="Corbel" charset="0"/>
+              </a:rPr>
+              <a:t>[WHERE </a:t>
+            </a:r>
+            <a:r>
+              <a:rPr lang="en-US" b="1" i="1" dirty="0" err="1">
+                <a:solidFill>
+                  <a:srgbClr val="000000"/>
+                </a:solidFill>
+                <a:latin typeface="Corbel" charset="0"/>
+              </a:rPr>
+              <a:t>where</a:t>
+            </a:r>
+            <a:r>
+              <a:rPr lang="en-US" b="1" i="1" dirty="0">
+                <a:solidFill>
+                  <a:srgbClr val="000000"/>
+                </a:solidFill>
+                <a:latin typeface="Corbel" charset="0"/>
+              </a:rPr>
+              <a:t>_condition</a:t>
+            </a:r>
+            <a:r>
+              <a:rPr lang="en-US" i="1" dirty="0">
+                <a:solidFill>
+                  <a:srgbClr val="000000"/>
+                </a:solidFill>
+                <a:latin typeface="Corbel" charset="0"/>
+              </a:rPr>
+              <a:t>] </a:t>
+            </a:r>
+          </a:p>
+          <a:p>
+            <a:pPr marL="0" indent="0">
+              <a:buNone/>
+            </a:pPr>
+            <a:r>
+              <a:rPr lang="en-US" i="1" dirty="0">
+                <a:solidFill>
+                  <a:srgbClr val="000000"/>
+                </a:solidFill>
+                <a:latin typeface="Corbel" charset="0"/>
+              </a:rPr>
+              <a:t>[ORDER BY ...] </a:t>
+            </a:r>
+          </a:p>
+          <a:p>
+            <a:pPr marL="0" indent="0">
+              <a:buNone/>
+            </a:pPr>
+            <a:r>
+              <a:rPr lang="en-US" i="1" dirty="0">
+                <a:solidFill>
+                  <a:srgbClr val="000000"/>
+                </a:solidFill>
+                <a:latin typeface="Corbel" charset="0"/>
+              </a:rPr>
+              <a:t>[LIMIT </a:t>
+            </a:r>
+            <a:r>
+              <a:rPr lang="en-US" b="1" i="1" dirty="0">
+                <a:solidFill>
+                  <a:srgbClr val="000000"/>
+                </a:solidFill>
+                <a:latin typeface="Corbel" charset="0"/>
+              </a:rPr>
+              <a:t>row_count</a:t>
+            </a:r>
+            <a:r>
+              <a:rPr lang="en-US" dirty="0">
+                <a:solidFill>
+                  <a:srgbClr val="000000"/>
+                </a:solidFill>
+                <a:latin typeface="Corbel" charset="0"/>
+              </a:rPr>
+              <a:t>]</a:t>
+            </a:r>
+          </a:p>
+          <a:p>
+            <a:pPr marL="0" indent="0">
+              <a:buNone/>
+            </a:pPr>
+            <a:endParaRPr lang="en-US" dirty="0">
+              <a:solidFill>
+                <a:srgbClr val="000000"/>
+              </a:solidFill>
+              <a:latin typeface="Courier New" charset="0"/>
+            </a:endParaRPr>
           </a:p>
         </p:txBody>
       </p:sp>
     </p:spTree>
     <p:extLst>
       <p:ext uri="{BB962C8B-B14F-4D97-AF65-F5344CB8AC3E}">
-        <p14:creationId xmlns:p14="http://schemas.microsoft.com/office/powerpoint/2010/main" val="1898795127"/>
+        <p14:creationId xmlns:p14="http://schemas.microsoft.com/office/powerpoint/2010/main" val="881333775"/>
       </p:ext>
     </p:extLst>
   </p:cSld>
@@ -7723,31 +8979,57 @@
           <a:lstStyle/>
           <a:p>
             <a:r>
+              <a:rPr lang="de-DE" dirty="0"/>
+              <a:t>SQL-Befehle</a:t>
+            </a:r>
+            <a:br>
+              <a:rPr lang="de-DE" dirty="0"/>
+            </a:br>
+            <a:r>
+              <a:rPr lang="de-DE" dirty="0" smtClean="0">
+                <a:latin typeface="Corbel"/>
+              </a:rPr>
+              <a:t>Syntax</a:t>
+            </a:r>
+            <a:endParaRPr lang="en-US" dirty="0">
+              <a:latin typeface="Corbel"/>
+            </a:endParaRPr>
+          </a:p>
+        </p:txBody>
+      </p:sp>
+      <p:sp>
+        <p:nvSpPr>
+          <p:cNvPr id="4" name="Inhaltsplatzhalter 3"/>
+          <p:cNvSpPr>
+            <a:spLocks noGrp="1"/>
+          </p:cNvSpPr>
+          <p:nvPr>
+            <p:ph idx="1"/>
+          </p:nvPr>
+        </p:nvSpPr>
+        <p:spPr/>
+        <p:txBody>
+          <a:bodyPr/>
+          <a:lstStyle/>
+          <a:p>
+            <a:r>
               <a:rPr lang="de-DE" dirty="0" smtClean="0"/>
-              <a:t>5.Praxisübung</a:t>
-            </a:r>
-            <a:endParaRPr lang="de-DE" dirty="0"/>
-          </a:p>
-        </p:txBody>
-      </p:sp>
-      <p:sp>
-        <p:nvSpPr>
-          <p:cNvPr id="3" name="Textplatzhalter 2"/>
-          <p:cNvSpPr>
-            <a:spLocks noGrp="1"/>
-          </p:cNvSpPr>
-          <p:nvPr>
-            <p:ph type="body" idx="1"/>
-          </p:nvPr>
-        </p:nvSpPr>
-        <p:spPr/>
-        <p:txBody>
-          <a:bodyPr/>
-          <a:lstStyle/>
-          <a:p>
+              <a:t>Für weitere MySQL-</a:t>
+            </a:r>
+            <a:r>
+              <a:rPr lang="de-DE" dirty="0" err="1"/>
+              <a:t>Syntaxen</a:t>
+            </a:r>
+            <a:r>
+              <a:rPr lang="de-DE" dirty="0" smtClean="0"/>
+              <a:t>:</a:t>
+            </a:r>
+          </a:p>
+          <a:p>
+            <a:pPr lvl="1"/>
             <a:r>
               <a:rPr lang="de-DE" dirty="0"/>
-              <a:t>Jetzt seid ihr dran !</a:t>
+              <a:t>http://dev.mysql.com/doc/refman/5.7/en/sql-syntax.html</a:t>
             </a:r>
           </a:p>
         </p:txBody>
@@ -7755,7 +9037,7 @@
     </p:spTree>
     <p:extLst>
       <p:ext uri="{BB962C8B-B14F-4D97-AF65-F5344CB8AC3E}">
-        <p14:creationId xmlns:p14="http://schemas.microsoft.com/office/powerpoint/2010/main" val="704242288"/>
+        <p14:creationId xmlns:p14="http://schemas.microsoft.com/office/powerpoint/2010/main" val="1898795127"/>
       </p:ext>
     </p:extLst>
   </p:cSld>
@@ -7805,42 +9087,39 @@
           <a:lstStyle/>
           <a:p>
             <a:r>
+              <a:rPr lang="de-DE" dirty="0" smtClean="0"/>
+              <a:t>5.Praxisübung</a:t>
+            </a:r>
+            <a:endParaRPr lang="de-DE" dirty="0"/>
+          </a:p>
+        </p:txBody>
+      </p:sp>
+      <p:sp>
+        <p:nvSpPr>
+          <p:cNvPr id="3" name="Textplatzhalter 2"/>
+          <p:cNvSpPr>
+            <a:spLocks noGrp="1"/>
+          </p:cNvSpPr>
+          <p:nvPr>
+            <p:ph type="body" idx="1"/>
+          </p:nvPr>
+        </p:nvSpPr>
+        <p:spPr/>
+        <p:txBody>
+          <a:bodyPr/>
+          <a:lstStyle/>
+          <a:p>
+            <a:r>
               <a:rPr lang="de-DE" dirty="0"/>
-              <a:t>5.Praxisübung</a:t>
-            </a:r>
-          </a:p>
-        </p:txBody>
-      </p:sp>
-      <p:sp>
-        <p:nvSpPr>
-          <p:cNvPr id="3" name="Inhaltsplatzhalter 2"/>
-          <p:cNvSpPr>
-            <a:spLocks noGrp="1"/>
-          </p:cNvSpPr>
-          <p:nvPr>
-            <p:ph idx="1"/>
-          </p:nvPr>
-        </p:nvSpPr>
-        <p:spPr/>
-        <p:txBody>
-          <a:bodyPr/>
-          <a:lstStyle/>
-          <a:p>
-            <a:pPr marL="502920" lvl="1" indent="0">
-              <a:buNone/>
-            </a:pPr>
-            <a:r>
-              <a:rPr lang="de-DE" sz="13800" b="1" dirty="0" smtClean="0"/>
-              <a:t>DEMO</a:t>
-            </a:r>
-            <a:endParaRPr lang="de-DE" b="1" dirty="0"/>
+              <a:t>Jetzt seid ihr dran !</a:t>
+            </a:r>
           </a:p>
         </p:txBody>
       </p:sp>
     </p:spTree>
     <p:extLst>
       <p:ext uri="{BB962C8B-B14F-4D97-AF65-F5344CB8AC3E}">
-        <p14:creationId xmlns:p14="http://schemas.microsoft.com/office/powerpoint/2010/main" val="3667470782"/>
+        <p14:creationId xmlns:p14="http://schemas.microsoft.com/office/powerpoint/2010/main" val="704242288"/>
       </p:ext>
     </p:extLst>
   </p:cSld>
@@ -7881,7 +9160,7 @@
             <a:spLocks noGrp="1"/>
           </p:cNvSpPr>
           <p:nvPr>
-            <p:ph type="ctrTitle"/>
+            <p:ph type="title"/>
           </p:nvPr>
         </p:nvSpPr>
         <p:spPr/>
@@ -7891,37 +9170,41 @@
           <a:p>
             <a:r>
               <a:rPr lang="de-DE" dirty="0"/>
-              <a:t>Ende</a:t>
-            </a:r>
-          </a:p>
-        </p:txBody>
-      </p:sp>
-      <p:sp>
-        <p:nvSpPr>
-          <p:cNvPr id="3" name="Untertitel 2"/>
-          <p:cNvSpPr>
-            <a:spLocks noGrp="1"/>
-          </p:cNvSpPr>
-          <p:nvPr>
-            <p:ph type="subTitle" idx="1"/>
-          </p:nvPr>
-        </p:nvSpPr>
-        <p:spPr/>
-        <p:txBody>
-          <a:bodyPr/>
-          <a:lstStyle/>
-          <a:p>
-            <a:r>
-              <a:rPr lang="de-DE" dirty="0"/>
-              <a:t>Vielen Dank für eure Aufmerksamkeit !</a:t>
-            </a:r>
+              <a:t>5.Praxisübung</a:t>
+            </a:r>
+          </a:p>
+        </p:txBody>
+      </p:sp>
+      <p:sp>
+        <p:nvSpPr>
+          <p:cNvPr id="3" name="Inhaltsplatzhalter 2"/>
+          <p:cNvSpPr>
+            <a:spLocks noGrp="1"/>
+          </p:cNvSpPr>
+          <p:nvPr>
+            <p:ph idx="1"/>
+          </p:nvPr>
+        </p:nvSpPr>
+        <p:spPr/>
+        <p:txBody>
+          <a:bodyPr/>
+          <a:lstStyle/>
+          <a:p>
+            <a:pPr marL="502920" lvl="1" indent="0">
+              <a:buNone/>
+            </a:pPr>
+            <a:r>
+              <a:rPr lang="de-DE" sz="13800" b="1" dirty="0" smtClean="0"/>
+              <a:t>DEMO</a:t>
+            </a:r>
+            <a:endParaRPr lang="de-DE" b="1" dirty="0"/>
           </a:p>
         </p:txBody>
       </p:sp>
     </p:spTree>
     <p:extLst>
       <p:ext uri="{BB962C8B-B14F-4D97-AF65-F5344CB8AC3E}">
-        <p14:creationId xmlns:p14="http://schemas.microsoft.com/office/powerpoint/2010/main" val="1308629769"/>
+        <p14:creationId xmlns:p14="http://schemas.microsoft.com/office/powerpoint/2010/main" val="3667470782"/>
       </p:ext>
     </p:extLst>
   </p:cSld>
@@ -7962,7 +9245,7 @@
             <a:spLocks noGrp="1"/>
           </p:cNvSpPr>
           <p:nvPr>
-            <p:ph type="title"/>
+            <p:ph type="ctrTitle"/>
           </p:nvPr>
         </p:nvSpPr>
         <p:spPr/>
@@ -7972,96 +9255,29 @@
           <a:p>
             <a:r>
               <a:rPr lang="de-DE" dirty="0"/>
-              <a:t>Quellen</a:t>
-            </a:r>
-          </a:p>
-        </p:txBody>
-      </p:sp>
-      <p:sp>
-        <p:nvSpPr>
-          <p:cNvPr id="3" name="Inhaltsplatzhalter 2"/>
-          <p:cNvSpPr>
-            <a:spLocks noGrp="1"/>
-          </p:cNvSpPr>
-          <p:nvPr>
-            <p:ph idx="1"/>
-          </p:nvPr>
-        </p:nvSpPr>
-        <p:spPr/>
-        <p:txBody>
-          <a:bodyPr/>
-          <a:lstStyle/>
-          <a:p>
-            <a:r>
-              <a:rPr lang="de-DE" dirty="0">
-                <a:latin typeface="Corbel" charset="0"/>
-              </a:rPr>
-              <a:t>http://dev.mysql.com/doc/refman/5.7/en/select.html</a:t>
-            </a:r>
-            <a:endParaRPr lang="en-US" dirty="0">
-              <a:latin typeface="Corbel" charset="0"/>
-            </a:endParaRPr>
-          </a:p>
-          <a:p>
-            <a:r>
-              <a:rPr lang="de-DE" dirty="0">
-                <a:latin typeface="Corbel" charset="0"/>
-              </a:rPr>
-              <a:t>http://dev.mysql.com/doc/refman/5.7/en/update.html</a:t>
-            </a:r>
-          </a:p>
-          <a:p>
-            <a:r>
-              <a:rPr lang="de-DE" dirty="0">
-                <a:latin typeface="Corbel" charset="0"/>
-              </a:rPr>
-              <a:t>http://</a:t>
-            </a:r>
-            <a:r>
-              <a:rPr lang="de-DE" dirty="0" smtClean="0">
-                <a:latin typeface="Corbel" charset="0"/>
-              </a:rPr>
-              <a:t>database-management.softwareinsider.com/l/30/MySQL</a:t>
-            </a:r>
-          </a:p>
-          <a:p>
-            <a:r>
-              <a:rPr lang="de-DE" dirty="0" smtClean="0"/>
-              <a:t>http</a:t>
-            </a:r>
-            <a:r>
-              <a:rPr lang="de-DE" dirty="0">
-                <a:latin typeface="Corbel" charset="0"/>
-              </a:rPr>
-              <a:t>://www.w3schools.com/php/func_mysqli_free_result.asp</a:t>
-            </a:r>
-          </a:p>
-          <a:p>
-            <a:r>
-              <a:rPr lang="de-DE" dirty="0">
-                <a:latin typeface="Corbel" charset="0"/>
-              </a:rPr>
-              <a:t>https://</a:t>
-            </a:r>
-            <a:r>
-              <a:rPr lang="de-DE" dirty="0" smtClean="0">
-                <a:latin typeface="Corbel" charset="0"/>
-              </a:rPr>
-              <a:t>de.wikipedia.org/wiki/MySQL</a:t>
-            </a:r>
-          </a:p>
-          <a:p>
-            <a:r>
-              <a:rPr lang="de-DE" dirty="0">
-                <a:latin typeface="Corbel" charset="0"/>
-              </a:rPr>
-              <a:t>https://</a:t>
-            </a:r>
-            <a:r>
-              <a:rPr lang="de-DE" dirty="0" smtClean="0">
-                <a:latin typeface="Corbel" charset="0"/>
-              </a:rPr>
-              <a:t>dev.mysql.com/doc/connector-j/en/connector-j-overview.html</a:t>
+              <a:t>Ende</a:t>
+            </a:r>
+          </a:p>
+        </p:txBody>
+      </p:sp>
+      <p:sp>
+        <p:nvSpPr>
+          <p:cNvPr id="3" name="Untertitel 2"/>
+          <p:cNvSpPr>
+            <a:spLocks noGrp="1"/>
+          </p:cNvSpPr>
+          <p:nvPr>
+            <p:ph type="subTitle" idx="1"/>
+          </p:nvPr>
+        </p:nvSpPr>
+        <p:spPr/>
+        <p:txBody>
+          <a:bodyPr/>
+          <a:lstStyle/>
+          <a:p>
+            <a:r>
+              <a:rPr lang="de-DE" dirty="0"/>
+              <a:t>Vielen Dank für eure Aufmerksamkeit !</a:t>
             </a:r>
           </a:p>
         </p:txBody>
@@ -8069,7 +9285,7 @@
     </p:spTree>
     <p:extLst>
       <p:ext uri="{BB962C8B-B14F-4D97-AF65-F5344CB8AC3E}">
-        <p14:creationId xmlns:p14="http://schemas.microsoft.com/office/powerpoint/2010/main" val="1742665002"/>
+        <p14:creationId xmlns:p14="http://schemas.microsoft.com/office/powerpoint/2010/main" val="1308629769"/>
       </p:ext>
     </p:extLst>
   </p:cSld>
@@ -8187,7 +9403,6 @@
               <a:rPr lang="de-DE" dirty="0"/>
               <a:t>Syntax</a:t>
             </a:r>
-            <a:endParaRPr lang="de-DE" dirty="0"/>
           </a:p>
           <a:p>
             <a:pPr marL="457200" indent="-457200">
@@ -8206,6 +9421,154 @@
     <p:extLst>
       <p:ext uri="{BB962C8B-B14F-4D97-AF65-F5344CB8AC3E}">
         <p14:creationId xmlns:p14="http://schemas.microsoft.com/office/powerpoint/2010/main" val="1516833465"/>
+      </p:ext>
+    </p:extLst>
+  </p:cSld>
+  <p:clrMapOvr>
+    <a:masterClrMapping/>
+  </p:clrMapOvr>
+  <p:timing>
+    <p:tnLst>
+      <p:par>
+        <p:cTn id="1" dur="indefinite" restart="never" nodeType="tmRoot"/>
+      </p:par>
+    </p:tnLst>
+  </p:timing>
+</p:sld>
+</file>
+
+<file path=ppt/slides/slide20.xml><?xml version="1.0" encoding="utf-8"?>
+<p:sld xmlns:a="http://schemas.openxmlformats.org/drawingml/2006/main" xmlns:r="http://schemas.openxmlformats.org/officeDocument/2006/relationships" xmlns:p="http://schemas.openxmlformats.org/presentationml/2006/main">
+  <p:cSld>
+    <p:spTree>
+      <p:nvGrpSpPr>
+        <p:cNvPr id="1" name=""/>
+        <p:cNvGrpSpPr/>
+        <p:nvPr/>
+      </p:nvGrpSpPr>
+      <p:grpSpPr>
+        <a:xfrm>
+          <a:off x="0" y="0"/>
+          <a:ext cx="0" cy="0"/>
+          <a:chOff x="0" y="0"/>
+          <a:chExt cx="0" cy="0"/>
+        </a:xfrm>
+      </p:grpSpPr>
+      <p:sp>
+        <p:nvSpPr>
+          <p:cNvPr id="2" name="Titel 1"/>
+          <p:cNvSpPr>
+            <a:spLocks noGrp="1"/>
+          </p:cNvSpPr>
+          <p:nvPr>
+            <p:ph type="title"/>
+          </p:nvPr>
+        </p:nvSpPr>
+        <p:spPr/>
+        <p:txBody>
+          <a:bodyPr/>
+          <a:lstStyle/>
+          <a:p>
+            <a:r>
+              <a:rPr lang="de-DE" dirty="0"/>
+              <a:t>Quellen</a:t>
+            </a:r>
+          </a:p>
+        </p:txBody>
+      </p:sp>
+      <p:sp>
+        <p:nvSpPr>
+          <p:cNvPr id="3" name="Inhaltsplatzhalter 2"/>
+          <p:cNvSpPr>
+            <a:spLocks noGrp="1"/>
+          </p:cNvSpPr>
+          <p:nvPr>
+            <p:ph idx="1"/>
+          </p:nvPr>
+        </p:nvSpPr>
+        <p:spPr/>
+        <p:txBody>
+          <a:bodyPr/>
+          <a:lstStyle/>
+          <a:p>
+            <a:r>
+              <a:rPr lang="de-DE" dirty="0">
+                <a:latin typeface="Corbel" charset="0"/>
+              </a:rPr>
+              <a:t>http://dev.mysql.com/doc/refman/5.7/en/select.html</a:t>
+            </a:r>
+            <a:endParaRPr lang="en-US" dirty="0">
+              <a:latin typeface="Corbel" charset="0"/>
+            </a:endParaRPr>
+          </a:p>
+          <a:p>
+            <a:r>
+              <a:rPr lang="de-DE" dirty="0">
+                <a:latin typeface="Corbel" charset="0"/>
+              </a:rPr>
+              <a:t>http://dev.mysql.com/doc/refman/5.7/en/update.html</a:t>
+            </a:r>
+          </a:p>
+          <a:p>
+            <a:r>
+              <a:rPr lang="de-DE" dirty="0">
+                <a:latin typeface="Corbel" charset="0"/>
+              </a:rPr>
+              <a:t>http://</a:t>
+            </a:r>
+            <a:r>
+              <a:rPr lang="de-DE" dirty="0" smtClean="0">
+                <a:latin typeface="Corbel" charset="0"/>
+              </a:rPr>
+              <a:t>database-management.softwareinsider.com/l/30/MySQL</a:t>
+            </a:r>
+          </a:p>
+          <a:p>
+            <a:r>
+              <a:rPr lang="de-DE" dirty="0" smtClean="0"/>
+              <a:t>http</a:t>
+            </a:r>
+            <a:r>
+              <a:rPr lang="de-DE" dirty="0">
+                <a:latin typeface="Corbel" charset="0"/>
+              </a:rPr>
+              <a:t>://www.w3schools.com/php/func_mysqli_free_result.asp</a:t>
+            </a:r>
+          </a:p>
+          <a:p>
+            <a:r>
+              <a:rPr lang="de-DE" dirty="0">
+                <a:latin typeface="Corbel" charset="0"/>
+              </a:rPr>
+              <a:t>https://</a:t>
+            </a:r>
+            <a:r>
+              <a:rPr lang="de-DE" dirty="0" smtClean="0">
+                <a:latin typeface="Corbel" charset="0"/>
+              </a:rPr>
+              <a:t>de.wikipedia.org/wiki/MySQL</a:t>
+            </a:r>
+          </a:p>
+          <a:p>
+            <a:r>
+              <a:rPr lang="de-DE" dirty="0">
+                <a:latin typeface="Corbel" charset="0"/>
+              </a:rPr>
+              <a:t>https://</a:t>
+            </a:r>
+            <a:r>
+              <a:rPr lang="de-DE" dirty="0" smtClean="0">
+                <a:latin typeface="Corbel" charset="0"/>
+              </a:rPr>
+              <a:t>dev.mysql.com/doc/connector-j/en/connector-j-overview.html</a:t>
+            </a:r>
+          </a:p>
+        </p:txBody>
+      </p:sp>
+    </p:spTree>
+    <p:extLst>
+      <p:ext uri="{BB962C8B-B14F-4D97-AF65-F5344CB8AC3E}">
+        <p14:creationId xmlns:p14="http://schemas.microsoft.com/office/powerpoint/2010/main" val="1742665002"/>
       </p:ext>
     </p:extLst>
   </p:cSld>
@@ -8894,11 +10257,7 @@
             </a:r>
             <a:r>
               <a:rPr lang="en-US" dirty="0"/>
-              <a:t>,</a:t>
-            </a:r>
-            <a:r>
-              <a:rPr lang="en-US" dirty="0"/>
-              <a:t> </a:t>
+              <a:t>, </a:t>
             </a:r>
             <a:r>
               <a:rPr lang="en-US" i="1" dirty="0" smtClean="0"/>
@@ -8981,7 +10340,7 @@
       </p:grpSpPr>
       <p:sp>
         <p:nvSpPr>
-          <p:cNvPr id="5" name="Titel 4"/>
+          <p:cNvPr id="2" name="Titel 1"/>
           <p:cNvSpPr>
             <a:spLocks noGrp="1"/>
           </p:cNvSpPr>
@@ -8995,31 +10354,230 @@
           <a:lstStyle/>
           <a:p>
             <a:r>
+              <a:rPr lang="de-DE" dirty="0"/>
+              <a:t>2</a:t>
+            </a:r>
+            <a:r>
               <a:rPr lang="de-DE" dirty="0" smtClean="0"/>
-              <a:t>3.Einbinden</a:t>
-            </a:r>
-            <a:endParaRPr lang="de-DE" dirty="0"/>
-          </a:p>
-        </p:txBody>
-      </p:sp>
-      <p:sp>
-        <p:nvSpPr>
-          <p:cNvPr id="6" name="Textplatzhalter 5"/>
-          <p:cNvSpPr>
-            <a:spLocks noGrp="1"/>
-          </p:cNvSpPr>
-          <p:nvPr>
-            <p:ph type="body" idx="1"/>
-          </p:nvPr>
-        </p:nvSpPr>
-        <p:spPr/>
-        <p:txBody>
-          <a:bodyPr/>
-          <a:lstStyle/>
-          <a:p>
+              <a:t>. </a:t>
+            </a:r>
             <a:r>
               <a:rPr lang="de-DE" dirty="0" smtClean="0"/>
-              <a:t>In ein Softwareprojekt</a:t>
+              <a:t>Features</a:t>
+            </a:r>
+            <a:br>
+              <a:rPr lang="de-DE" dirty="0" smtClean="0"/>
+            </a:br>
+            <a:r>
+              <a:rPr lang="de-DE" dirty="0" smtClean="0"/>
+              <a:t>Eigene Funktionen</a:t>
+            </a:r>
+            <a:endParaRPr lang="de-DE" dirty="0">
+              <a:latin typeface="Corbel"/>
+            </a:endParaRPr>
+          </a:p>
+        </p:txBody>
+      </p:sp>
+      <p:sp>
+        <p:nvSpPr>
+          <p:cNvPr id="4" name="Inhaltsplatzhalter 3"/>
+          <p:cNvSpPr>
+            <a:spLocks noGrp="1"/>
+          </p:cNvSpPr>
+          <p:nvPr>
+            <p:ph idx="1"/>
+          </p:nvPr>
+        </p:nvSpPr>
+        <p:spPr/>
+        <p:txBody>
+          <a:bodyPr/>
+          <a:lstStyle/>
+          <a:p>
+            <a:pPr marL="0" indent="0">
+              <a:lnSpc>
+                <a:spcPct val="100000"/>
+              </a:lnSpc>
+              <a:spcBef>
+                <a:spcPts val="0"/>
+              </a:spcBef>
+              <a:buNone/>
+            </a:pPr>
+            <a:r>
+              <a:rPr lang="en-US" dirty="0"/>
+              <a:t>CREATE FUNCTION Hello (s VARCHAR(255))</a:t>
+            </a:r>
+          </a:p>
+          <a:p>
+            <a:pPr marL="0" indent="0">
+              <a:lnSpc>
+                <a:spcPct val="100000"/>
+              </a:lnSpc>
+              <a:spcBef>
+                <a:spcPts val="0"/>
+              </a:spcBef>
+              <a:buNone/>
+            </a:pPr>
+            <a:r>
+              <a:rPr lang="en-US" dirty="0"/>
+              <a:t>  RETURNS VARCHAR(255)</a:t>
+            </a:r>
+          </a:p>
+          <a:p>
+            <a:pPr marL="0" indent="0">
+              <a:lnSpc>
+                <a:spcPct val="100000"/>
+              </a:lnSpc>
+              <a:spcBef>
+                <a:spcPts val="0"/>
+              </a:spcBef>
+              <a:buNone/>
+            </a:pPr>
+            <a:r>
+              <a:rPr lang="en-US" dirty="0"/>
+              <a:t>  BEGIN</a:t>
+            </a:r>
+          </a:p>
+          <a:p>
+            <a:pPr marL="0" indent="0">
+              <a:lnSpc>
+                <a:spcPct val="100000"/>
+              </a:lnSpc>
+              <a:spcBef>
+                <a:spcPts val="0"/>
+              </a:spcBef>
+              <a:buNone/>
+            </a:pPr>
+            <a:r>
+              <a:rPr lang="en-US" dirty="0"/>
+              <a:t>    select name</a:t>
+            </a:r>
+          </a:p>
+          <a:p>
+            <a:pPr marL="0" indent="0">
+              <a:lnSpc>
+                <a:spcPct val="100000"/>
+              </a:lnSpc>
+              <a:spcBef>
+                <a:spcPts val="0"/>
+              </a:spcBef>
+              <a:buNone/>
+            </a:pPr>
+            <a:r>
+              <a:rPr lang="en-US" dirty="0"/>
+              <a:t>    from users </a:t>
+            </a:r>
+          </a:p>
+          <a:p>
+            <a:pPr marL="0" indent="0">
+              <a:lnSpc>
+                <a:spcPct val="100000"/>
+              </a:lnSpc>
+              <a:spcBef>
+                <a:spcPts val="0"/>
+              </a:spcBef>
+              <a:buNone/>
+            </a:pPr>
+            <a:r>
+              <a:rPr lang="en-US" dirty="0"/>
+              <a:t>    where users.name = s;</a:t>
+            </a:r>
+          </a:p>
+          <a:p>
+            <a:pPr marL="0" indent="0">
+              <a:lnSpc>
+                <a:spcPct val="100000"/>
+              </a:lnSpc>
+              <a:spcBef>
+                <a:spcPts val="0"/>
+              </a:spcBef>
+              <a:buNone/>
+            </a:pPr>
+            <a:r>
+              <a:rPr lang="en-US" dirty="0"/>
+              <a:t>    RETURN 'My name is ' + name;</a:t>
+            </a:r>
+          </a:p>
+          <a:p>
+            <a:pPr marL="0" indent="0">
+              <a:lnSpc>
+                <a:spcPct val="100000"/>
+              </a:lnSpc>
+              <a:spcBef>
+                <a:spcPts val="0"/>
+              </a:spcBef>
+              <a:buNone/>
+            </a:pPr>
+            <a:r>
+              <a:rPr lang="en-US" dirty="0"/>
+              <a:t>  </a:t>
+            </a:r>
+            <a:r>
+              <a:rPr lang="en-US" dirty="0" smtClean="0"/>
+              <a:t>END</a:t>
+            </a:r>
+          </a:p>
+          <a:p>
+            <a:pPr marL="0" indent="0">
+              <a:lnSpc>
+                <a:spcPct val="100000"/>
+              </a:lnSpc>
+              <a:spcBef>
+                <a:spcPts val="0"/>
+              </a:spcBef>
+              <a:buNone/>
+            </a:pPr>
+            <a:endParaRPr lang="en-US" dirty="0"/>
+          </a:p>
+          <a:p>
+            <a:pPr>
+              <a:lnSpc>
+                <a:spcPct val="100000"/>
+              </a:lnSpc>
+              <a:spcBef>
+                <a:spcPts val="0"/>
+              </a:spcBef>
+            </a:pPr>
+            <a:r>
+              <a:rPr lang="en-US" dirty="0" err="1" smtClean="0"/>
+              <a:t>Einschränkung</a:t>
+            </a:r>
+            <a:r>
+              <a:rPr lang="en-US" dirty="0" smtClean="0"/>
+              <a:t>:</a:t>
+            </a:r>
+          </a:p>
+          <a:p>
+            <a:pPr lvl="1">
+              <a:lnSpc>
+                <a:spcPct val="100000"/>
+              </a:lnSpc>
+              <a:spcBef>
+                <a:spcPts val="0"/>
+              </a:spcBef>
+            </a:pPr>
+            <a:r>
+              <a:rPr lang="en-US" dirty="0" smtClean="0"/>
+              <a:t>Maximal </a:t>
+            </a:r>
+            <a:r>
+              <a:rPr lang="en-US" dirty="0" err="1" smtClean="0"/>
+              <a:t>ein</a:t>
+            </a:r>
+            <a:r>
+              <a:rPr lang="en-US" dirty="0" smtClean="0"/>
+              <a:t> </a:t>
+            </a:r>
+            <a:r>
+              <a:rPr lang="en-US" dirty="0" err="1"/>
+              <a:t>R</a:t>
+            </a:r>
+            <a:r>
+              <a:rPr lang="en-US" dirty="0" err="1" smtClean="0"/>
+              <a:t>ückgabewert</a:t>
+            </a:r>
+            <a:r>
+              <a:rPr lang="en-US" dirty="0" smtClean="0"/>
+              <a:t>!</a:t>
             </a:r>
             <a:endParaRPr lang="de-DE" dirty="0"/>
           </a:p>
@@ -9028,7 +10586,7 @@
     </p:spTree>
     <p:extLst>
       <p:ext uri="{BB962C8B-B14F-4D97-AF65-F5344CB8AC3E}">
-        <p14:creationId xmlns:p14="http://schemas.microsoft.com/office/powerpoint/2010/main" val="3061392107"/>
+        <p14:creationId xmlns:p14="http://schemas.microsoft.com/office/powerpoint/2010/main" val="2673824928"/>
       </p:ext>
     </p:extLst>
   </p:cSld>
@@ -9064,7 +10622,7 @@
       </p:grpSpPr>
       <p:sp>
         <p:nvSpPr>
-          <p:cNvPr id="2" name="Titel 1"/>
+          <p:cNvPr id="5" name="Titel 4"/>
           <p:cNvSpPr>
             <a:spLocks noGrp="1"/>
           </p:cNvSpPr>
@@ -9072,12 +10630,7 @@
             <p:ph type="title"/>
           </p:nvPr>
         </p:nvSpPr>
-        <p:spPr>
-          <a:xfrm>
-            <a:off x="-1373" y="1123950"/>
-            <a:ext cx="3412911" cy="4600575"/>
-          </a:xfrm>
-        </p:spPr>
+        <p:spPr/>
         <p:txBody>
           <a:bodyPr/>
           <a:lstStyle/>
@@ -9086,1216 +10639,29 @@
               <a:rPr lang="de-DE" dirty="0" smtClean="0"/>
               <a:t>3.Einbinden</a:t>
             </a:r>
-            <a:br>
+            <a:endParaRPr lang="de-DE" dirty="0"/>
+          </a:p>
+        </p:txBody>
+      </p:sp>
+      <p:sp>
+        <p:nvSpPr>
+          <p:cNvPr id="6" name="Textplatzhalter 5"/>
+          <p:cNvSpPr>
+            <a:spLocks noGrp="1"/>
+          </p:cNvSpPr>
+          <p:nvPr>
+            <p:ph type="body" idx="1"/>
+          </p:nvPr>
+        </p:nvSpPr>
+        <p:spPr/>
+        <p:txBody>
+          <a:bodyPr/>
+          <a:lstStyle/>
+          <a:p>
+            <a:r>
               <a:rPr lang="de-DE" dirty="0" smtClean="0"/>
-            </a:br>
-            <a:r>
-              <a:rPr lang="de-DE" dirty="0" smtClean="0"/>
-              <a:t>mit PHP</a:t>
-            </a:r>
-            <a:endParaRPr lang="de-DE" dirty="0"/>
-          </a:p>
-        </p:txBody>
-      </p:sp>
-      <p:sp>
-        <p:nvSpPr>
-          <p:cNvPr id="3" name="Inhaltsplatzhalter 2"/>
-          <p:cNvSpPr>
-            <a:spLocks noGrp="1"/>
-          </p:cNvSpPr>
-          <p:nvPr>
-            <p:ph idx="1"/>
-          </p:nvPr>
-        </p:nvSpPr>
-        <p:spPr/>
-        <p:txBody>
-          <a:bodyPr>
-            <a:normAutofit lnSpcReduction="10000"/>
-          </a:bodyPr>
-          <a:lstStyle/>
-          <a:p>
-            <a:r>
-              <a:rPr lang="de-DE" dirty="0" smtClean="0"/>
-              <a:t>In Websites z.B. </a:t>
-            </a:r>
-            <a:r>
-              <a:rPr lang="de-DE" dirty="0"/>
-              <a:t>über </a:t>
-            </a:r>
-            <a:r>
-              <a:rPr lang="de-DE" dirty="0" smtClean="0"/>
-              <a:t>PHP:</a:t>
-            </a:r>
-          </a:p>
-          <a:p>
-            <a:pPr marL="502920" lvl="1" indent="0">
-              <a:buNone/>
-            </a:pPr>
-            <a:r>
-              <a:rPr lang="de-DE" dirty="0">
-                <a:solidFill>
-                  <a:srgbClr val="000000"/>
-                </a:solidFill>
-                <a:latin typeface="Corbel" charset="0"/>
-              </a:rPr>
-              <a:t>&lt;?</a:t>
-            </a:r>
-            <a:r>
-              <a:rPr lang="de-DE" dirty="0" err="1">
-                <a:solidFill>
-                  <a:srgbClr val="000000"/>
-                </a:solidFill>
-                <a:latin typeface="Corbel" charset="0"/>
-              </a:rPr>
-              <a:t>php</a:t>
-            </a:r>
-            <a:r>
-              <a:rPr lang="de-DE" dirty="0">
-                <a:solidFill>
-                  <a:srgbClr val="000000"/>
-                </a:solidFill>
-                <a:latin typeface="Corbel" charset="0"/>
-              </a:rPr>
-              <a:t> </a:t>
-            </a:r>
-          </a:p>
-          <a:p>
-            <a:pPr marL="502920" lvl="1" indent="0">
-              <a:buNone/>
-            </a:pPr>
-            <a:r>
-              <a:rPr lang="de-DE" dirty="0">
-                <a:solidFill>
-                  <a:srgbClr val="000088"/>
-                </a:solidFill>
-                <a:latin typeface="Corbel" charset="0"/>
-              </a:rPr>
-              <a:t>$</a:t>
-            </a:r>
-            <a:r>
-              <a:rPr lang="de-DE" dirty="0" err="1">
-                <a:solidFill>
-                  <a:srgbClr val="000088"/>
-                </a:solidFill>
-                <a:latin typeface="Corbel" charset="0"/>
-              </a:rPr>
-              <a:t>db_link</a:t>
-            </a:r>
-            <a:r>
-              <a:rPr lang="de-DE" dirty="0">
-                <a:solidFill>
-                  <a:srgbClr val="000000"/>
-                </a:solidFill>
-                <a:latin typeface="Corbel" charset="0"/>
-              </a:rPr>
-              <a:t> </a:t>
-            </a:r>
-            <a:r>
-              <a:rPr lang="de-DE" dirty="0">
-                <a:solidFill>
-                  <a:srgbClr val="339933"/>
-                </a:solidFill>
-                <a:latin typeface="Corbel" charset="0"/>
-              </a:rPr>
-              <a:t>=</a:t>
-            </a:r>
-            <a:r>
-              <a:rPr lang="de-DE" dirty="0">
-                <a:solidFill>
-                  <a:srgbClr val="000000"/>
-                </a:solidFill>
-                <a:latin typeface="Corbel" charset="0"/>
-              </a:rPr>
-              <a:t> </a:t>
-            </a:r>
-            <a:r>
-              <a:rPr lang="de-DE" dirty="0" err="1">
-                <a:solidFill>
-                  <a:srgbClr val="990000"/>
-                </a:solidFill>
-                <a:latin typeface="Corbel" charset="0"/>
-              </a:rPr>
-              <a:t>mysqli_connect</a:t>
-            </a:r>
-            <a:r>
-              <a:rPr lang="de-DE" dirty="0">
-                <a:solidFill>
-                  <a:srgbClr val="000000"/>
-                </a:solidFill>
-                <a:latin typeface="Corbel" charset="0"/>
-              </a:rPr>
-              <a:t> </a:t>
-            </a:r>
-            <a:r>
-              <a:rPr lang="de-DE" dirty="0">
-                <a:solidFill>
-                  <a:srgbClr val="009900"/>
-                </a:solidFill>
-                <a:latin typeface="Corbel" charset="0"/>
-              </a:rPr>
-              <a:t>(</a:t>
-            </a:r>
-            <a:r>
-              <a:rPr lang="de-DE" dirty="0">
-                <a:solidFill>
-                  <a:srgbClr val="000000"/>
-                </a:solidFill>
-                <a:latin typeface="Corbel" charset="0"/>
-              </a:rPr>
-              <a:t> </a:t>
-            </a:r>
-          </a:p>
-          <a:p>
-            <a:pPr marL="502920" lvl="1" indent="0">
-              <a:buNone/>
-            </a:pPr>
-            <a:r>
-              <a:rPr lang="de-DE" dirty="0">
-                <a:solidFill>
-                  <a:srgbClr val="000000"/>
-                </a:solidFill>
-                <a:latin typeface="Corbel" charset="0"/>
-              </a:rPr>
-              <a:t>MYSQL_HOST</a:t>
-            </a:r>
-            <a:r>
-              <a:rPr lang="de-DE" dirty="0">
-                <a:solidFill>
-                  <a:srgbClr val="339933"/>
-                </a:solidFill>
-                <a:latin typeface="Corbel" charset="0"/>
-              </a:rPr>
-              <a:t>,</a:t>
-            </a:r>
-            <a:r>
-              <a:rPr lang="de-DE" dirty="0">
-                <a:solidFill>
-                  <a:srgbClr val="000000"/>
-                </a:solidFill>
-                <a:latin typeface="Corbel" charset="0"/>
-              </a:rPr>
-              <a:t> </a:t>
-            </a:r>
-          </a:p>
-          <a:p>
-            <a:pPr marL="502920" lvl="1" indent="0">
-              <a:buNone/>
-            </a:pPr>
-            <a:r>
-              <a:rPr lang="de-DE" dirty="0">
-                <a:solidFill>
-                  <a:srgbClr val="000000"/>
-                </a:solidFill>
-                <a:latin typeface="Corbel" charset="0"/>
-              </a:rPr>
-              <a:t>MYSQL_BENUTZER</a:t>
-            </a:r>
-            <a:r>
-              <a:rPr lang="de-DE" dirty="0">
-                <a:solidFill>
-                  <a:srgbClr val="339933"/>
-                </a:solidFill>
-                <a:latin typeface="Corbel" charset="0"/>
-              </a:rPr>
-              <a:t>,</a:t>
-            </a:r>
-            <a:r>
-              <a:rPr lang="de-DE" dirty="0">
-                <a:solidFill>
-                  <a:srgbClr val="000000"/>
-                </a:solidFill>
-                <a:latin typeface="Corbel" charset="0"/>
-              </a:rPr>
-              <a:t> </a:t>
-            </a:r>
-          </a:p>
-          <a:p>
-            <a:pPr marL="502920" lvl="1" indent="0">
-              <a:buNone/>
-            </a:pPr>
-            <a:r>
-              <a:rPr lang="de-DE" dirty="0">
-                <a:solidFill>
-                  <a:srgbClr val="000000"/>
-                </a:solidFill>
-                <a:latin typeface="Corbel" charset="0"/>
-              </a:rPr>
-              <a:t>MYSQL_KENNWORT</a:t>
-            </a:r>
-            <a:r>
-              <a:rPr lang="de-DE" dirty="0">
-                <a:solidFill>
-                  <a:srgbClr val="339933"/>
-                </a:solidFill>
-                <a:latin typeface="Corbel" charset="0"/>
-              </a:rPr>
-              <a:t>,</a:t>
-            </a:r>
-            <a:r>
-              <a:rPr lang="de-DE" dirty="0">
-                <a:solidFill>
-                  <a:srgbClr val="000000"/>
-                </a:solidFill>
-                <a:latin typeface="Corbel" charset="0"/>
-              </a:rPr>
-              <a:t> </a:t>
-            </a:r>
-          </a:p>
-          <a:p>
-            <a:pPr marL="502920" lvl="1" indent="0">
-              <a:buNone/>
-            </a:pPr>
-            <a:r>
-              <a:rPr lang="de-DE" dirty="0">
-                <a:solidFill>
-                  <a:srgbClr val="000000"/>
-                </a:solidFill>
-                <a:latin typeface="Corbel" charset="0"/>
-              </a:rPr>
-              <a:t>MYSQL_DATENBANK </a:t>
-            </a:r>
-            <a:r>
-              <a:rPr lang="de-DE" dirty="0">
-                <a:solidFill>
-                  <a:srgbClr val="009900"/>
-                </a:solidFill>
-                <a:latin typeface="Corbel" charset="0"/>
-              </a:rPr>
-              <a:t>)</a:t>
-            </a:r>
-            <a:r>
-              <a:rPr lang="de-DE" dirty="0">
-                <a:solidFill>
-                  <a:srgbClr val="339933"/>
-                </a:solidFill>
-                <a:latin typeface="Corbel" charset="0"/>
-              </a:rPr>
-              <a:t>;                       //Datenbankverbindung aufbauen</a:t>
-            </a:r>
-            <a:r>
-              <a:rPr lang="de-DE" dirty="0">
-                <a:solidFill>
-                  <a:srgbClr val="000000"/>
-                </a:solidFill>
-                <a:latin typeface="Corbel" charset="0"/>
-              </a:rPr>
-              <a:t> </a:t>
-            </a:r>
-          </a:p>
-          <a:p>
-            <a:pPr marL="502920" lvl="1" indent="0">
-              <a:buNone/>
-            </a:pPr>
-            <a:r>
-              <a:rPr lang="de-DE" dirty="0">
-                <a:solidFill>
-                  <a:srgbClr val="000088"/>
-                </a:solidFill>
-                <a:latin typeface="Corbel" charset="0"/>
-              </a:rPr>
-              <a:t>$</a:t>
-            </a:r>
-            <a:r>
-              <a:rPr lang="de-DE" dirty="0" err="1">
-                <a:solidFill>
-                  <a:srgbClr val="000088"/>
-                </a:solidFill>
-                <a:latin typeface="Corbel" charset="0"/>
-              </a:rPr>
-              <a:t>sql</a:t>
-            </a:r>
-            <a:r>
-              <a:rPr lang="de-DE" dirty="0">
-                <a:solidFill>
-                  <a:srgbClr val="000000"/>
-                </a:solidFill>
-                <a:latin typeface="Corbel" charset="0"/>
-              </a:rPr>
-              <a:t> </a:t>
-            </a:r>
-            <a:r>
-              <a:rPr lang="de-DE" dirty="0">
-                <a:solidFill>
-                  <a:srgbClr val="339933"/>
-                </a:solidFill>
-                <a:latin typeface="Corbel" charset="0"/>
-              </a:rPr>
-              <a:t>=</a:t>
-            </a:r>
-            <a:r>
-              <a:rPr lang="de-DE" dirty="0">
-                <a:solidFill>
-                  <a:srgbClr val="000000"/>
-                </a:solidFill>
-                <a:latin typeface="Corbel" charset="0"/>
-              </a:rPr>
-              <a:t> </a:t>
-            </a:r>
-            <a:r>
-              <a:rPr lang="de-DE" dirty="0">
-                <a:solidFill>
-                  <a:srgbClr val="0000FF"/>
-                </a:solidFill>
-                <a:latin typeface="Corbel" charset="0"/>
-              </a:rPr>
-              <a:t>"SELECT * FROM </a:t>
-            </a:r>
-            <a:r>
-              <a:rPr lang="de-DE" dirty="0" err="1">
-                <a:solidFill>
-                  <a:srgbClr val="0000FF"/>
-                </a:solidFill>
-                <a:latin typeface="Corbel" charset="0"/>
-              </a:rPr>
-              <a:t>users</a:t>
-            </a:r>
-            <a:r>
-              <a:rPr lang="de-DE" dirty="0">
-                <a:solidFill>
-                  <a:srgbClr val="0000FF"/>
-                </a:solidFill>
-                <a:latin typeface="Corbel" charset="0"/>
-              </a:rPr>
-              <a:t>"</a:t>
-            </a:r>
-            <a:r>
-              <a:rPr lang="de-DE" dirty="0">
-                <a:solidFill>
-                  <a:srgbClr val="339933"/>
-                </a:solidFill>
-                <a:latin typeface="Corbel" charset="0"/>
-              </a:rPr>
-              <a:t>;  </a:t>
-            </a:r>
-            <a:r>
-              <a:rPr lang="de-DE" dirty="0" smtClean="0">
-                <a:solidFill>
-                  <a:srgbClr val="339933"/>
-                </a:solidFill>
-                <a:latin typeface="Corbel" charset="0"/>
-              </a:rPr>
-              <a:t>       //</a:t>
-            </a:r>
-            <a:r>
-              <a:rPr lang="de-DE" dirty="0">
-                <a:solidFill>
-                  <a:srgbClr val="339933"/>
-                </a:solidFill>
-                <a:latin typeface="Corbel" charset="0"/>
-              </a:rPr>
-              <a:t>SQL-Query definieren</a:t>
-            </a:r>
-            <a:r>
-              <a:rPr lang="de-DE" dirty="0">
-                <a:solidFill>
-                  <a:srgbClr val="000000"/>
-                </a:solidFill>
-                <a:latin typeface="Corbel" charset="0"/>
-              </a:rPr>
-              <a:t> </a:t>
-            </a:r>
-          </a:p>
-          <a:p>
-            <a:pPr marL="502920" lvl="1" indent="0">
-              <a:buNone/>
-            </a:pPr>
-            <a:r>
-              <a:rPr lang="de-DE" dirty="0">
-                <a:solidFill>
-                  <a:srgbClr val="000088"/>
-                </a:solidFill>
-                <a:latin typeface="Corbel" charset="0"/>
-              </a:rPr>
-              <a:t>$</a:t>
-            </a:r>
-            <a:r>
-              <a:rPr lang="de-DE" dirty="0" err="1">
-                <a:solidFill>
-                  <a:srgbClr val="000088"/>
-                </a:solidFill>
-                <a:latin typeface="Corbel" charset="0"/>
-              </a:rPr>
-              <a:t>db_erg</a:t>
-            </a:r>
-            <a:r>
-              <a:rPr lang="de-DE" dirty="0">
-                <a:solidFill>
-                  <a:srgbClr val="000000"/>
-                </a:solidFill>
-                <a:latin typeface="Corbel" charset="0"/>
-              </a:rPr>
-              <a:t> </a:t>
-            </a:r>
-            <a:r>
-              <a:rPr lang="de-DE" dirty="0">
-                <a:solidFill>
-                  <a:srgbClr val="339933"/>
-                </a:solidFill>
-                <a:latin typeface="Corbel" charset="0"/>
-              </a:rPr>
-              <a:t>=</a:t>
-            </a:r>
-            <a:r>
-              <a:rPr lang="de-DE" dirty="0">
-                <a:solidFill>
-                  <a:srgbClr val="000000"/>
-                </a:solidFill>
-                <a:latin typeface="Corbel" charset="0"/>
-              </a:rPr>
-              <a:t> </a:t>
-            </a:r>
-            <a:r>
-              <a:rPr lang="de-DE" dirty="0" err="1">
-                <a:solidFill>
-                  <a:srgbClr val="990000"/>
-                </a:solidFill>
-                <a:latin typeface="Corbel" charset="0"/>
-              </a:rPr>
-              <a:t>mysqli_query</a:t>
-            </a:r>
-            <a:r>
-              <a:rPr lang="de-DE" dirty="0">
-                <a:solidFill>
-                  <a:srgbClr val="009900"/>
-                </a:solidFill>
-                <a:latin typeface="Corbel" charset="0"/>
-              </a:rPr>
-              <a:t>(</a:t>
-            </a:r>
-            <a:r>
-              <a:rPr lang="de-DE" dirty="0">
-                <a:solidFill>
-                  <a:srgbClr val="000000"/>
-                </a:solidFill>
-                <a:latin typeface="Corbel" charset="0"/>
-              </a:rPr>
-              <a:t> </a:t>
-            </a:r>
-            <a:r>
-              <a:rPr lang="de-DE" dirty="0">
-                <a:solidFill>
-                  <a:srgbClr val="000088"/>
-                </a:solidFill>
-                <a:latin typeface="Corbel" charset="0"/>
-              </a:rPr>
-              <a:t>$</a:t>
-            </a:r>
-            <a:r>
-              <a:rPr lang="de-DE" dirty="0" err="1">
-                <a:solidFill>
-                  <a:srgbClr val="000088"/>
-                </a:solidFill>
-                <a:latin typeface="Corbel" charset="0"/>
-              </a:rPr>
-              <a:t>db_link</a:t>
-            </a:r>
-            <a:r>
-              <a:rPr lang="de-DE" dirty="0">
-                <a:solidFill>
-                  <a:srgbClr val="000088"/>
-                </a:solidFill>
-                <a:latin typeface="Corbel" charset="0"/>
-              </a:rPr>
-              <a:t>, $</a:t>
-            </a:r>
-            <a:r>
-              <a:rPr lang="de-DE" dirty="0" err="1">
-                <a:solidFill>
-                  <a:srgbClr val="000088"/>
-                </a:solidFill>
-                <a:latin typeface="Corbel" charset="0"/>
-              </a:rPr>
-              <a:t>sql</a:t>
-            </a:r>
-            <a:r>
-              <a:rPr lang="de-DE" dirty="0">
-                <a:solidFill>
-                  <a:srgbClr val="000000"/>
-                </a:solidFill>
-                <a:latin typeface="Corbel" charset="0"/>
-              </a:rPr>
-              <a:t> </a:t>
-            </a:r>
-            <a:r>
-              <a:rPr lang="de-DE" dirty="0">
-                <a:solidFill>
-                  <a:srgbClr val="009900"/>
-                </a:solidFill>
-                <a:latin typeface="Corbel" charset="0"/>
-              </a:rPr>
-              <a:t>)</a:t>
-            </a:r>
-            <a:r>
-              <a:rPr lang="de-DE" dirty="0">
-                <a:solidFill>
-                  <a:srgbClr val="339933"/>
-                </a:solidFill>
-                <a:latin typeface="Corbel" charset="0"/>
-              </a:rPr>
-              <a:t>; //Query ausführen</a:t>
-            </a:r>
-            <a:r>
-              <a:rPr lang="de-DE" dirty="0">
-                <a:solidFill>
-                  <a:srgbClr val="000000"/>
-                </a:solidFill>
-                <a:latin typeface="Corbel" charset="0"/>
-              </a:rPr>
-              <a:t> </a:t>
-            </a:r>
-          </a:p>
-          <a:p>
-            <a:pPr marL="502920" lvl="1" indent="0">
-              <a:buNone/>
-            </a:pPr>
-            <a:r>
-              <a:rPr lang="de-DE" dirty="0" err="1">
-                <a:solidFill>
-                  <a:srgbClr val="B1B100"/>
-                </a:solidFill>
-                <a:latin typeface="Corbel" charset="0"/>
-              </a:rPr>
-              <a:t>if</a:t>
-            </a:r>
-            <a:r>
-              <a:rPr lang="de-DE" dirty="0">
-                <a:solidFill>
-                  <a:srgbClr val="000000"/>
-                </a:solidFill>
-                <a:latin typeface="Corbel" charset="0"/>
-              </a:rPr>
-              <a:t> </a:t>
-            </a:r>
-            <a:r>
-              <a:rPr lang="de-DE" dirty="0">
-                <a:solidFill>
-                  <a:srgbClr val="009900"/>
-                </a:solidFill>
-                <a:latin typeface="Corbel" charset="0"/>
-              </a:rPr>
-              <a:t>(</a:t>
-            </a:r>
-            <a:r>
-              <a:rPr lang="de-DE" dirty="0" err="1">
-                <a:solidFill>
-                  <a:srgbClr val="990000"/>
-                </a:solidFill>
-                <a:latin typeface="Corbel" charset="0"/>
-              </a:rPr>
-              <a:t>mysqli_connect_errno</a:t>
-            </a:r>
-            <a:r>
-              <a:rPr lang="de-DE" dirty="0">
-                <a:solidFill>
-                  <a:srgbClr val="990000"/>
-                </a:solidFill>
-                <a:latin typeface="Corbel" charset="0"/>
-              </a:rPr>
-              <a:t>()</a:t>
-            </a:r>
-            <a:r>
-              <a:rPr lang="de-DE" dirty="0">
-                <a:solidFill>
-                  <a:srgbClr val="000000"/>
-                </a:solidFill>
-                <a:latin typeface="Corbel" charset="0"/>
-              </a:rPr>
-              <a:t> </a:t>
-            </a:r>
-            <a:r>
-              <a:rPr lang="de-DE" dirty="0">
-                <a:solidFill>
-                  <a:srgbClr val="009900"/>
-                </a:solidFill>
-                <a:latin typeface="Corbel" charset="0"/>
-              </a:rPr>
-              <a:t>)</a:t>
-            </a:r>
-            <a:r>
-              <a:rPr lang="de-DE" dirty="0">
-                <a:solidFill>
-                  <a:srgbClr val="000000"/>
-                </a:solidFill>
-                <a:latin typeface="Corbel" charset="0"/>
-              </a:rPr>
-              <a:t> </a:t>
-            </a:r>
-            <a:r>
-              <a:rPr lang="de-DE" dirty="0">
-                <a:solidFill>
-                  <a:srgbClr val="009900"/>
-                </a:solidFill>
-                <a:latin typeface="Corbel" charset="0"/>
-              </a:rPr>
-              <a:t>{</a:t>
-            </a:r>
-            <a:r>
-              <a:rPr lang="de-DE" dirty="0">
-                <a:solidFill>
-                  <a:srgbClr val="000000"/>
-                </a:solidFill>
-                <a:latin typeface="Corbel" charset="0"/>
-              </a:rPr>
-              <a:t> </a:t>
-            </a:r>
-            <a:r>
-              <a:rPr lang="de-DE" dirty="0">
-                <a:solidFill>
-                  <a:srgbClr val="B1B100"/>
-                </a:solidFill>
-                <a:latin typeface="Corbel" charset="0"/>
-              </a:rPr>
-              <a:t>echo</a:t>
-            </a:r>
-            <a:r>
-              <a:rPr lang="de-DE" dirty="0">
-                <a:solidFill>
-                  <a:srgbClr val="000000"/>
-                </a:solidFill>
-                <a:latin typeface="Corbel" charset="0"/>
-              </a:rPr>
-              <a:t> </a:t>
-            </a:r>
-            <a:r>
-              <a:rPr lang="de-DE" dirty="0">
-                <a:solidFill>
-                  <a:srgbClr val="0000FF"/>
-                </a:solidFill>
-                <a:latin typeface="Corbel" charset="0"/>
-              </a:rPr>
-              <a:t>'Ungültige Abfrage: '</a:t>
-            </a:r>
-            <a:r>
-              <a:rPr lang="de-DE" dirty="0">
-                <a:solidFill>
-                  <a:srgbClr val="000000"/>
-                </a:solidFill>
-                <a:latin typeface="Corbel" charset="0"/>
-              </a:rPr>
-              <a:t> </a:t>
-            </a:r>
-            <a:r>
-              <a:rPr lang="de-DE" dirty="0">
-                <a:solidFill>
-                  <a:srgbClr val="339933"/>
-                </a:solidFill>
-                <a:latin typeface="Corbel" charset="0"/>
-              </a:rPr>
-              <a:t>.</a:t>
-            </a:r>
-            <a:r>
-              <a:rPr lang="de-DE" dirty="0">
-                <a:solidFill>
-                  <a:srgbClr val="000000"/>
-                </a:solidFill>
-                <a:latin typeface="Corbel" charset="0"/>
-              </a:rPr>
-              <a:t> </a:t>
-            </a:r>
-            <a:r>
-              <a:rPr lang="de-DE" dirty="0" err="1">
-                <a:solidFill>
-                  <a:srgbClr val="990000"/>
-                </a:solidFill>
-                <a:latin typeface="Corbel" charset="0"/>
-              </a:rPr>
-              <a:t>mysqli_error</a:t>
-            </a:r>
-            <a:r>
-              <a:rPr lang="de-DE" dirty="0">
-                <a:solidFill>
-                  <a:srgbClr val="009900"/>
-                </a:solidFill>
-                <a:latin typeface="Corbel" charset="0"/>
-              </a:rPr>
-              <a:t>())</a:t>
-            </a:r>
-            <a:r>
-              <a:rPr lang="de-DE" dirty="0">
-                <a:solidFill>
-                  <a:srgbClr val="339933"/>
-                </a:solidFill>
-                <a:latin typeface="Corbel" charset="0"/>
-              </a:rPr>
-              <a:t>;</a:t>
-            </a:r>
-            <a:r>
-              <a:rPr lang="de-DE" dirty="0">
-                <a:solidFill>
-                  <a:srgbClr val="000000"/>
-                </a:solidFill>
-                <a:latin typeface="Corbel" charset="0"/>
-              </a:rPr>
-              <a:t> </a:t>
-            </a:r>
-            <a:r>
-              <a:rPr lang="de-DE" dirty="0">
-                <a:solidFill>
-                  <a:srgbClr val="009900"/>
-                </a:solidFill>
-                <a:latin typeface="Corbel" charset="0"/>
-              </a:rPr>
-              <a:t>} //Query erfolgreich?</a:t>
-            </a:r>
-            <a:r>
-              <a:rPr lang="de-DE" dirty="0">
-                <a:solidFill>
-                  <a:srgbClr val="000000"/>
-                </a:solidFill>
-                <a:latin typeface="Corbel" charset="0"/>
-              </a:rPr>
-              <a:t>   </a:t>
-            </a:r>
-          </a:p>
-          <a:p>
-            <a:pPr marL="502920" lvl="1" indent="0">
-              <a:buNone/>
-            </a:pPr>
-            <a:r>
-              <a:rPr lang="de-DE" dirty="0" err="1">
-                <a:solidFill>
-                  <a:srgbClr val="B1B100"/>
-                </a:solidFill>
-                <a:latin typeface="Corbel" charset="0"/>
-              </a:rPr>
-              <a:t>while</a:t>
-            </a:r>
-            <a:r>
-              <a:rPr lang="de-DE" dirty="0">
-                <a:solidFill>
-                  <a:srgbClr val="000000"/>
-                </a:solidFill>
-                <a:latin typeface="Corbel" charset="0"/>
-              </a:rPr>
-              <a:t> </a:t>
-            </a:r>
-            <a:r>
-              <a:rPr lang="de-DE" dirty="0">
-                <a:solidFill>
-                  <a:srgbClr val="009900"/>
-                </a:solidFill>
-                <a:latin typeface="Corbel" charset="0"/>
-              </a:rPr>
-              <a:t>(</a:t>
-            </a:r>
-            <a:r>
-              <a:rPr lang="de-DE" dirty="0">
-                <a:solidFill>
-                  <a:srgbClr val="000088"/>
-                </a:solidFill>
-                <a:latin typeface="Corbel" charset="0"/>
-              </a:rPr>
-              <a:t>$</a:t>
-            </a:r>
-            <a:r>
-              <a:rPr lang="de-DE" dirty="0" err="1">
-                <a:solidFill>
-                  <a:srgbClr val="000088"/>
-                </a:solidFill>
-                <a:latin typeface="Corbel" charset="0"/>
-              </a:rPr>
-              <a:t>zeile</a:t>
-            </a:r>
-            <a:r>
-              <a:rPr lang="de-DE" dirty="0">
-                <a:solidFill>
-                  <a:srgbClr val="000000"/>
-                </a:solidFill>
-                <a:latin typeface="Corbel" charset="0"/>
-              </a:rPr>
-              <a:t> </a:t>
-            </a:r>
-            <a:r>
-              <a:rPr lang="de-DE" dirty="0">
-                <a:solidFill>
-                  <a:srgbClr val="339933"/>
-                </a:solidFill>
-                <a:latin typeface="Corbel" charset="0"/>
-              </a:rPr>
-              <a:t>=</a:t>
-            </a:r>
-            <a:r>
-              <a:rPr lang="de-DE" dirty="0">
-                <a:solidFill>
-                  <a:srgbClr val="000000"/>
-                </a:solidFill>
-                <a:latin typeface="Corbel" charset="0"/>
-              </a:rPr>
-              <a:t> </a:t>
-            </a:r>
-            <a:r>
-              <a:rPr lang="de-DE" dirty="0" err="1">
-                <a:solidFill>
-                  <a:srgbClr val="990000"/>
-                </a:solidFill>
-                <a:latin typeface="Corbel" charset="0"/>
-              </a:rPr>
-              <a:t>mysqli_fetch_array</a:t>
-            </a:r>
-            <a:r>
-              <a:rPr lang="de-DE" dirty="0">
-                <a:solidFill>
-                  <a:srgbClr val="009900"/>
-                </a:solidFill>
-                <a:latin typeface="Corbel" charset="0"/>
-              </a:rPr>
-              <a:t>(</a:t>
-            </a:r>
-            <a:r>
-              <a:rPr lang="de-DE" dirty="0">
-                <a:solidFill>
-                  <a:srgbClr val="000000"/>
-                </a:solidFill>
-                <a:latin typeface="Corbel" charset="0"/>
-              </a:rPr>
-              <a:t> </a:t>
-            </a:r>
-            <a:r>
-              <a:rPr lang="de-DE" dirty="0">
-                <a:solidFill>
-                  <a:srgbClr val="000088"/>
-                </a:solidFill>
-                <a:latin typeface="Corbel" charset="0"/>
-              </a:rPr>
-              <a:t>$</a:t>
-            </a:r>
-            <a:r>
-              <a:rPr lang="de-DE" dirty="0" err="1">
-                <a:solidFill>
-                  <a:srgbClr val="000088"/>
-                </a:solidFill>
-                <a:latin typeface="Corbel" charset="0"/>
-              </a:rPr>
-              <a:t>db_erg</a:t>
-            </a:r>
-            <a:r>
-              <a:rPr lang="de-DE" dirty="0">
-                <a:solidFill>
-                  <a:srgbClr val="339933"/>
-                </a:solidFill>
-                <a:latin typeface="Corbel" charset="0"/>
-              </a:rPr>
-              <a:t>,</a:t>
-            </a:r>
-            <a:r>
-              <a:rPr lang="de-DE" dirty="0">
-                <a:solidFill>
-                  <a:srgbClr val="000000"/>
-                </a:solidFill>
-                <a:latin typeface="Corbel" charset="0"/>
-              </a:rPr>
-              <a:t> MYSQLI_ASSOC</a:t>
-            </a:r>
-            <a:r>
-              <a:rPr lang="de-DE" dirty="0">
-                <a:solidFill>
-                  <a:srgbClr val="009900"/>
-                </a:solidFill>
-                <a:latin typeface="Corbel" charset="0"/>
-              </a:rPr>
-              <a:t>))</a:t>
-            </a:r>
-            <a:r>
-              <a:rPr lang="de-DE" dirty="0">
-                <a:solidFill>
-                  <a:srgbClr val="000000"/>
-                </a:solidFill>
-                <a:latin typeface="Corbel" charset="0"/>
-              </a:rPr>
-              <a:t> </a:t>
-            </a:r>
-            <a:r>
-              <a:rPr lang="de-DE" dirty="0">
-                <a:solidFill>
-                  <a:srgbClr val="009900"/>
-                </a:solidFill>
-                <a:latin typeface="Corbel" charset="0"/>
-              </a:rPr>
-              <a:t>{</a:t>
-            </a:r>
-            <a:r>
-              <a:rPr lang="de-DE" dirty="0">
-                <a:solidFill>
-                  <a:srgbClr val="000000"/>
-                </a:solidFill>
-                <a:latin typeface="Corbel" charset="0"/>
-              </a:rPr>
-              <a:t>  </a:t>
-            </a:r>
-          </a:p>
-          <a:p>
-            <a:pPr marL="502920" lvl="1" indent="0">
-              <a:buNone/>
-            </a:pPr>
-            <a:r>
-              <a:rPr lang="de-DE" dirty="0">
-                <a:solidFill>
-                  <a:srgbClr val="B1B100"/>
-                </a:solidFill>
-                <a:latin typeface="Corbel" charset="0"/>
-              </a:rPr>
-              <a:t>echo</a:t>
-            </a:r>
-            <a:r>
-              <a:rPr lang="de-DE" dirty="0">
-                <a:solidFill>
-                  <a:srgbClr val="000000"/>
-                </a:solidFill>
-                <a:latin typeface="Corbel" charset="0"/>
-              </a:rPr>
-              <a:t> </a:t>
-            </a:r>
-            <a:r>
-              <a:rPr lang="de-DE" dirty="0">
-                <a:solidFill>
-                  <a:srgbClr val="000088"/>
-                </a:solidFill>
-                <a:latin typeface="Corbel" charset="0"/>
-              </a:rPr>
-              <a:t>$</a:t>
-            </a:r>
-            <a:r>
-              <a:rPr lang="de-DE" dirty="0" err="1">
-                <a:solidFill>
-                  <a:srgbClr val="000088"/>
-                </a:solidFill>
-                <a:latin typeface="Corbel" charset="0"/>
-              </a:rPr>
-              <a:t>zeile</a:t>
-            </a:r>
-            <a:r>
-              <a:rPr lang="de-DE" dirty="0">
-                <a:solidFill>
-                  <a:srgbClr val="009900"/>
-                </a:solidFill>
-                <a:latin typeface="Corbel" charset="0"/>
-              </a:rPr>
-              <a:t>[</a:t>
-            </a:r>
-            <a:r>
-              <a:rPr lang="de-DE" dirty="0">
-                <a:solidFill>
-                  <a:srgbClr val="0000FF"/>
-                </a:solidFill>
-                <a:latin typeface="Corbel" charset="0"/>
-              </a:rPr>
-              <a:t>'SPALTENNAME'</a:t>
-            </a:r>
-            <a:r>
-              <a:rPr lang="de-DE" dirty="0">
-                <a:solidFill>
-                  <a:srgbClr val="009900"/>
-                </a:solidFill>
-                <a:latin typeface="Corbel" charset="0"/>
-              </a:rPr>
-              <a:t>]</a:t>
-            </a:r>
-            <a:r>
-              <a:rPr lang="de-DE" dirty="0">
-                <a:solidFill>
-                  <a:srgbClr val="000000"/>
-                </a:solidFill>
-                <a:latin typeface="Corbel" charset="0"/>
-              </a:rPr>
-              <a:t> </a:t>
-            </a:r>
-            <a:r>
-              <a:rPr lang="de-DE" dirty="0">
-                <a:solidFill>
-                  <a:srgbClr val="339933"/>
-                </a:solidFill>
-                <a:latin typeface="Corbel" charset="0"/>
-              </a:rPr>
-              <a:t>;</a:t>
-            </a:r>
-            <a:r>
-              <a:rPr lang="de-DE" dirty="0">
-                <a:solidFill>
-                  <a:srgbClr val="000000"/>
-                </a:solidFill>
-                <a:latin typeface="Corbel" charset="0"/>
-              </a:rPr>
-              <a:t>  </a:t>
-            </a:r>
-          </a:p>
-          <a:p>
-            <a:pPr marL="502920" lvl="1" indent="0">
-              <a:buNone/>
-            </a:pPr>
-            <a:r>
-              <a:rPr lang="de-DE" dirty="0" err="1">
-                <a:solidFill>
-                  <a:srgbClr val="990000"/>
-                </a:solidFill>
-                <a:latin typeface="Corbel" charset="0"/>
-              </a:rPr>
-              <a:t>mysqli_free_result</a:t>
-            </a:r>
-            <a:r>
-              <a:rPr lang="de-DE" dirty="0">
-                <a:solidFill>
-                  <a:srgbClr val="009900"/>
-                </a:solidFill>
-                <a:latin typeface="Corbel" charset="0"/>
-              </a:rPr>
-              <a:t>(</a:t>
-            </a:r>
-            <a:r>
-              <a:rPr lang="de-DE" dirty="0">
-                <a:solidFill>
-                  <a:srgbClr val="000000"/>
-                </a:solidFill>
-                <a:latin typeface="Corbel" charset="0"/>
-              </a:rPr>
-              <a:t> </a:t>
-            </a:r>
-            <a:r>
-              <a:rPr lang="de-DE" dirty="0">
-                <a:solidFill>
-                  <a:srgbClr val="000088"/>
-                </a:solidFill>
-                <a:latin typeface="Corbel" charset="0"/>
-              </a:rPr>
-              <a:t>$</a:t>
-            </a:r>
-            <a:r>
-              <a:rPr lang="de-DE" dirty="0" err="1">
-                <a:solidFill>
-                  <a:srgbClr val="000088"/>
-                </a:solidFill>
-                <a:latin typeface="Corbel" charset="0"/>
-              </a:rPr>
-              <a:t>db_erg</a:t>
-            </a:r>
-            <a:r>
-              <a:rPr lang="de-DE" dirty="0">
-                <a:solidFill>
-                  <a:srgbClr val="000000"/>
-                </a:solidFill>
-                <a:latin typeface="Corbel" charset="0"/>
-              </a:rPr>
-              <a:t> </a:t>
-            </a:r>
-            <a:r>
-              <a:rPr lang="de-DE" dirty="0">
-                <a:solidFill>
-                  <a:srgbClr val="009900"/>
-                </a:solidFill>
-                <a:latin typeface="Corbel" charset="0"/>
-              </a:rPr>
-              <a:t>)</a:t>
-            </a:r>
-            <a:r>
-              <a:rPr lang="de-DE" dirty="0">
-                <a:solidFill>
-                  <a:srgbClr val="339933"/>
-                </a:solidFill>
-                <a:latin typeface="Corbel" charset="0"/>
-              </a:rPr>
-              <a:t>;            //Speicher freigeben</a:t>
-            </a:r>
-          </a:p>
-          <a:p>
-            <a:pPr marL="502920" lvl="1" indent="0">
-              <a:buNone/>
-            </a:pPr>
-            <a:r>
-              <a:rPr lang="de-DE" dirty="0" err="1">
-                <a:solidFill>
-                  <a:srgbClr val="990000"/>
-                </a:solidFill>
-                <a:latin typeface="Corbel" charset="0"/>
-              </a:rPr>
-              <a:t>mysqli_close</a:t>
-            </a:r>
-            <a:r>
-              <a:rPr lang="de-DE" dirty="0">
-                <a:solidFill>
-                  <a:srgbClr val="009900"/>
-                </a:solidFill>
-                <a:latin typeface="Corbel" charset="0"/>
-              </a:rPr>
-              <a:t>(</a:t>
-            </a:r>
-            <a:r>
-              <a:rPr lang="de-DE" dirty="0">
-                <a:solidFill>
-                  <a:srgbClr val="990000"/>
-                </a:solidFill>
-                <a:latin typeface="Corbel" charset="0"/>
-              </a:rPr>
-              <a:t> </a:t>
-            </a:r>
-            <a:r>
-              <a:rPr lang="de-DE" dirty="0">
-                <a:solidFill>
-                  <a:srgbClr val="000088"/>
-                </a:solidFill>
-                <a:latin typeface="Corbel" charset="0"/>
-              </a:rPr>
-              <a:t>$</a:t>
-            </a:r>
-            <a:r>
-              <a:rPr lang="de-DE" dirty="0" err="1">
-                <a:solidFill>
-                  <a:srgbClr val="000088"/>
-                </a:solidFill>
-                <a:latin typeface="Corbel" charset="0"/>
-              </a:rPr>
-              <a:t>db_link</a:t>
-            </a:r>
-            <a:r>
-              <a:rPr lang="de-DE" dirty="0">
-                <a:solidFill>
-                  <a:srgbClr val="000088"/>
-                </a:solidFill>
-                <a:latin typeface="Corbel" charset="0"/>
-              </a:rPr>
-              <a:t> </a:t>
-            </a:r>
-            <a:r>
-              <a:rPr lang="de-DE" dirty="0">
-                <a:solidFill>
-                  <a:srgbClr val="009900"/>
-                </a:solidFill>
-                <a:latin typeface="Corbel" charset="0"/>
-              </a:rPr>
-              <a:t>)</a:t>
-            </a:r>
-            <a:r>
-              <a:rPr lang="de-DE" dirty="0">
-                <a:solidFill>
-                  <a:srgbClr val="339933"/>
-                </a:solidFill>
-                <a:latin typeface="Corbel" charset="0"/>
-              </a:rPr>
-              <a:t>;                       //Datenbankverbindung schließen</a:t>
-            </a:r>
-            <a:r>
-              <a:rPr lang="de-DE" dirty="0">
-                <a:solidFill>
-                  <a:srgbClr val="000000"/>
-                </a:solidFill>
-                <a:latin typeface="Corbel" charset="0"/>
-              </a:rPr>
-              <a:t>  </a:t>
-            </a:r>
-          </a:p>
-          <a:p>
-            <a:pPr marL="502920" lvl="1" indent="0">
-              <a:buNone/>
-            </a:pPr>
-            <a:r>
-              <a:rPr lang="de-DE" dirty="0">
-                <a:solidFill>
-                  <a:srgbClr val="000000"/>
-                </a:solidFill>
-                <a:latin typeface="Corbel" charset="0"/>
-              </a:rPr>
-              <a:t>?&gt;</a:t>
-            </a:r>
-          </a:p>
-          <a:p>
+              <a:t>In ein Softwareprojekt</a:t>
+            </a:r>
             <a:endParaRPr lang="de-DE" dirty="0"/>
           </a:p>
         </p:txBody>
@@ -10303,7 +10669,7 @@
     </p:spTree>
     <p:extLst>
       <p:ext uri="{BB962C8B-B14F-4D97-AF65-F5344CB8AC3E}">
-        <p14:creationId xmlns:p14="http://schemas.microsoft.com/office/powerpoint/2010/main" val="1567986222"/>
+        <p14:creationId xmlns:p14="http://schemas.microsoft.com/office/powerpoint/2010/main" val="3061392107"/>
       </p:ext>
     </p:extLst>
   </p:cSld>

--- a/e-Portfolio MySQL.pptx
+++ b/e-Portfolio MySQL.pptx
@@ -15,14 +15,14 @@
     <p:sldId id="281" r:id="rId6"/>
     <p:sldId id="260" r:id="rId7"/>
     <p:sldId id="268" r:id="rId8"/>
-    <p:sldId id="285" r:id="rId9"/>
-    <p:sldId id="283" r:id="rId10"/>
-    <p:sldId id="274" r:id="rId11"/>
-    <p:sldId id="284" r:id="rId12"/>
-    <p:sldId id="261" r:id="rId13"/>
-    <p:sldId id="266" r:id="rId14"/>
-    <p:sldId id="279" r:id="rId15"/>
-    <p:sldId id="280" r:id="rId16"/>
+    <p:sldId id="283" r:id="rId9"/>
+    <p:sldId id="274" r:id="rId10"/>
+    <p:sldId id="284" r:id="rId11"/>
+    <p:sldId id="261" r:id="rId12"/>
+    <p:sldId id="266" r:id="rId13"/>
+    <p:sldId id="279" r:id="rId14"/>
+    <p:sldId id="280" r:id="rId15"/>
+    <p:sldId id="285" r:id="rId16"/>
     <p:sldId id="282" r:id="rId17"/>
     <p:sldId id="262" r:id="rId18"/>
     <p:sldId id="271" r:id="rId19"/>
@@ -216,7 +216,7 @@
           <a:p>
             <a:fld id="{6CED5C05-12C7-4818-9E4A-B3CBC7D4D1A5}" type="datetimeFigureOut">
               <a:rPr lang="de-DE"/>
-              <a:t>29.11.2015</a:t>
+              <a:t>30.11.2015</a:t>
             </a:fld>
             <a:endParaRPr lang="de-DE"/>
           </a:p>
@@ -641,7 +641,7 @@
     </p:spTree>
     <p:extLst>
       <p:ext uri="{BB962C8B-B14F-4D97-AF65-F5344CB8AC3E}">
-        <p14:creationId xmlns:p14="http://schemas.microsoft.com/office/powerpoint/2010/main" val="146422703"/>
+        <p14:creationId xmlns:p14="http://schemas.microsoft.com/office/powerpoint/2010/main" val="1159704714"/>
       </p:ext>
     </p:extLst>
   </p:cSld>
@@ -725,7 +725,7 @@
     </p:spTree>
     <p:extLst>
       <p:ext uri="{BB962C8B-B14F-4D97-AF65-F5344CB8AC3E}">
-        <p14:creationId xmlns:p14="http://schemas.microsoft.com/office/powerpoint/2010/main" val="1159704714"/>
+        <p14:creationId xmlns:p14="http://schemas.microsoft.com/office/powerpoint/2010/main" val="114857532"/>
       </p:ext>
     </p:extLst>
   </p:cSld>
@@ -809,7 +809,7 @@
     </p:spTree>
     <p:extLst>
       <p:ext uri="{BB962C8B-B14F-4D97-AF65-F5344CB8AC3E}">
-        <p14:creationId xmlns:p14="http://schemas.microsoft.com/office/powerpoint/2010/main" val="114857532"/>
+        <p14:creationId xmlns:p14="http://schemas.microsoft.com/office/powerpoint/2010/main" val="3051351235"/>
       </p:ext>
     </p:extLst>
   </p:cSld>
@@ -893,7 +893,7 @@
     </p:spTree>
     <p:extLst>
       <p:ext uri="{BB962C8B-B14F-4D97-AF65-F5344CB8AC3E}">
-        <p14:creationId xmlns:p14="http://schemas.microsoft.com/office/powerpoint/2010/main" val="3051351235"/>
+        <p14:creationId xmlns:p14="http://schemas.microsoft.com/office/powerpoint/2010/main" val="598952895"/>
       </p:ext>
     </p:extLst>
   </p:cSld>
@@ -947,7 +947,12 @@
           <a:bodyPr/>
           <a:lstStyle/>
           <a:p>
-            <a:endParaRPr lang="de-DE"/>
+            <a:r>
+              <a:rPr lang="de-DE">
+                <a:latin typeface="Calibri"/>
+              </a:rPr>
+              <a:t>https://en.wikipedia.org/wiki/Comparison_of_relational_database_management_systems</a:t>
+            </a:r>
           </a:p>
         </p:txBody>
       </p:sp>
@@ -977,7 +982,7 @@
     </p:spTree>
     <p:extLst>
       <p:ext uri="{BB962C8B-B14F-4D97-AF65-F5344CB8AC3E}">
-        <p14:creationId xmlns:p14="http://schemas.microsoft.com/office/powerpoint/2010/main" val="598952895"/>
+        <p14:creationId xmlns:p14="http://schemas.microsoft.com/office/powerpoint/2010/main" val="1609700608"/>
       </p:ext>
     </p:extLst>
   </p:cSld>
@@ -1960,12 +1965,7 @@
           <a:bodyPr/>
           <a:lstStyle/>
           <a:p>
-            <a:r>
-              <a:rPr lang="de-DE">
-                <a:latin typeface="Calibri"/>
-              </a:rPr>
-              <a:t>https://en.wikipedia.org/wiki/Comparison_of_relational_database_management_systems</a:t>
-            </a:r>
+            <a:endParaRPr lang="de-DE"/>
           </a:p>
         </p:txBody>
       </p:sp>
@@ -1986,7 +1986,7 @@
           <a:p>
             <a:fld id="{DCE88535-938B-4ACD-AA30-1B902628CE25}" type="slidenum">
               <a:rPr lang="de-DE"/>
-              <a:t>8</a:t>
+              <a:t>9</a:t>
             </a:fld>
             <a:endParaRPr lang="de-DE"/>
           </a:p>
@@ -1995,7 +1995,7 @@
     </p:spTree>
     <p:extLst>
       <p:ext uri="{BB962C8B-B14F-4D97-AF65-F5344CB8AC3E}">
-        <p14:creationId xmlns:p14="http://schemas.microsoft.com/office/powerpoint/2010/main" val="1609700608"/>
+        <p14:creationId xmlns:p14="http://schemas.microsoft.com/office/powerpoint/2010/main" val="2437524891"/>
       </p:ext>
     </p:extLst>
   </p:cSld>
@@ -2079,7 +2079,7 @@
     </p:spTree>
     <p:extLst>
       <p:ext uri="{BB962C8B-B14F-4D97-AF65-F5344CB8AC3E}">
-        <p14:creationId xmlns:p14="http://schemas.microsoft.com/office/powerpoint/2010/main" val="2437524891"/>
+        <p14:creationId xmlns:p14="http://schemas.microsoft.com/office/powerpoint/2010/main" val="146422703"/>
       </p:ext>
     </p:extLst>
   </p:cSld>
@@ -2314,7 +2314,7 @@
             <a:fld id="{5586B75A-687E-405C-8A0B-8D00578BA2C3}" type="datetimeFigureOut">
               <a:rPr lang="en-US" dirty="0"/>
               <a:pPr/>
-              <a:t>11/29/2015</a:t>
+              <a:t>11/30/2015</a:t>
             </a:fld>
             <a:endParaRPr lang="en-US" dirty="0"/>
           </a:p>
@@ -2481,7 +2481,7 @@
             <a:fld id="{5586B75A-687E-405C-8A0B-8D00578BA2C3}" type="datetimeFigureOut">
               <a:rPr lang="en-US" dirty="0"/>
               <a:pPr/>
-              <a:t>11/29/2015</a:t>
+              <a:t>11/30/2015</a:t>
             </a:fld>
             <a:endParaRPr lang="en-US" dirty="0"/>
           </a:p>
@@ -2658,7 +2658,7 @@
             <a:fld id="{5586B75A-687E-405C-8A0B-8D00578BA2C3}" type="datetimeFigureOut">
               <a:rPr lang="en-US" dirty="0"/>
               <a:pPr/>
-              <a:t>11/29/2015</a:t>
+              <a:t>11/30/2015</a:t>
             </a:fld>
             <a:endParaRPr lang="en-US" dirty="0"/>
           </a:p>
@@ -2825,7 +2825,7 @@
             <a:fld id="{5586B75A-687E-405C-8A0B-8D00578BA2C3}" type="datetimeFigureOut">
               <a:rPr lang="en-US" dirty="0"/>
               <a:pPr/>
-              <a:t>11/29/2015</a:t>
+              <a:t>11/30/2015</a:t>
             </a:fld>
             <a:endParaRPr lang="en-US" dirty="0"/>
           </a:p>
@@ -3080,7 +3080,7 @@
             <a:fld id="{5586B75A-687E-405C-8A0B-8D00578BA2C3}" type="datetimeFigureOut">
               <a:rPr lang="en-US" dirty="0"/>
               <a:pPr/>
-              <a:t>11/29/2015</a:t>
+              <a:t>11/30/2015</a:t>
             </a:fld>
             <a:endParaRPr lang="en-US" dirty="0"/>
           </a:p>
@@ -3365,7 +3365,7 @@
             <a:fld id="{5586B75A-687E-405C-8A0B-8D00578BA2C3}" type="datetimeFigureOut">
               <a:rPr lang="en-US" dirty="0"/>
               <a:pPr/>
-              <a:t>11/29/2015</a:t>
+              <a:t>11/30/2015</a:t>
             </a:fld>
             <a:endParaRPr lang="en-US" dirty="0"/>
           </a:p>
@@ -3804,7 +3804,7 @@
             <a:fld id="{5586B75A-687E-405C-8A0B-8D00578BA2C3}" type="datetimeFigureOut">
               <a:rPr lang="en-US" dirty="0"/>
               <a:pPr/>
-              <a:t>11/29/2015</a:t>
+              <a:t>11/30/2015</a:t>
             </a:fld>
             <a:endParaRPr lang="en-US" dirty="0"/>
           </a:p>
@@ -3919,7 +3919,7 @@
             <a:fld id="{5586B75A-687E-405C-8A0B-8D00578BA2C3}" type="datetimeFigureOut">
               <a:rPr lang="en-US" dirty="0"/>
               <a:pPr/>
-              <a:t>11/29/2015</a:t>
+              <a:t>11/30/2015</a:t>
             </a:fld>
             <a:endParaRPr lang="en-US" dirty="0"/>
           </a:p>
@@ -4011,7 +4011,7 @@
             <a:fld id="{5586B75A-687E-405C-8A0B-8D00578BA2C3}" type="datetimeFigureOut">
               <a:rPr lang="en-US" dirty="0"/>
               <a:pPr/>
-              <a:t>11/29/2015</a:t>
+              <a:t>11/30/2015</a:t>
             </a:fld>
             <a:endParaRPr lang="en-US" dirty="0"/>
           </a:p>
@@ -4296,7 +4296,7 @@
             <a:fld id="{5586B75A-687E-405C-8A0B-8D00578BA2C3}" type="datetimeFigureOut">
               <a:rPr lang="en-US" dirty="0"/>
               <a:pPr/>
-              <a:t>11/29/2015</a:t>
+              <a:t>11/30/2015</a:t>
             </a:fld>
             <a:endParaRPr lang="en-US" dirty="0"/>
           </a:p>
@@ -4566,7 +4566,7 @@
             <a:fld id="{5586B75A-687E-405C-8A0B-8D00578BA2C3}" type="datetimeFigureOut">
               <a:rPr lang="en-US" dirty="0"/>
               <a:pPr/>
-              <a:t>11/29/2015</a:t>
+              <a:t>11/30/2015</a:t>
             </a:fld>
             <a:endParaRPr lang="en-US" dirty="0"/>
           </a:p>
@@ -4860,7 +4860,7 @@
             <a:fld id="{5586B75A-687E-405C-8A0B-8D00578BA2C3}" type="datetimeFigureOut">
               <a:rPr lang="en-US" dirty="0"/>
               <a:pPr/>
-              <a:t>11/29/2015</a:t>
+              <a:t>11/30/2015</a:t>
             </a:fld>
             <a:endParaRPr lang="en-US" dirty="0"/>
           </a:p>
@@ -5466,14 +5466,14 @@
           <a:p>
             <a:r>
               <a:rPr lang="de-DE" dirty="0" smtClean="0"/>
-              <a:t>3.Einbinden</a:t>
+              <a:t>3.Einbinden </a:t>
             </a:r>
             <a:br>
               <a:rPr lang="de-DE" dirty="0" smtClean="0"/>
             </a:br>
             <a:r>
               <a:rPr lang="de-DE" dirty="0" smtClean="0"/>
-              <a:t>mit PHP</a:t>
+              <a:t>mit JDBC</a:t>
             </a:r>
             <a:endParaRPr lang="de-DE" dirty="0"/>
           </a:p>
@@ -5492,1192 +5492,907 @@
         <p:spPr/>
         <p:txBody>
           <a:bodyPr>
-            <a:normAutofit lnSpcReduction="10000"/>
+            <a:normAutofit fontScale="62500" lnSpcReduction="20000"/>
           </a:bodyPr>
           <a:lstStyle/>
           <a:p>
             <a:r>
               <a:rPr lang="de-DE" dirty="0" smtClean="0"/>
-              <a:t>In Websites z.B. </a:t>
+              <a:t>In Java Applikationen z.B. mit JDBC:</a:t>
+            </a:r>
+          </a:p>
+          <a:p>
+            <a:endParaRPr lang="de-DE" dirty="0" smtClean="0"/>
+          </a:p>
+          <a:p>
+            <a:pPr marL="502920" lvl="1" indent="0">
+              <a:lnSpc>
+                <a:spcPct val="120000"/>
+              </a:lnSpc>
+              <a:spcBef>
+                <a:spcPts val="0"/>
+              </a:spcBef>
+              <a:buNone/>
+            </a:pPr>
+            <a:r>
+              <a:rPr lang="de-DE" dirty="0" err="1">
+                <a:solidFill>
+                  <a:schemeClr val="accent3"/>
+                </a:solidFill>
+              </a:rPr>
+              <a:t>public</a:t>
             </a:r>
             <a:r>
               <a:rPr lang="de-DE" dirty="0"/>
-              <a:t>über </a:t>
+              <a:t> </a:t>
+            </a:r>
+            <a:r>
+              <a:rPr lang="de-DE" dirty="0" err="1">
+                <a:solidFill>
+                  <a:schemeClr val="accent3"/>
+                </a:solidFill>
+              </a:rPr>
+              <a:t>class</a:t>
+            </a:r>
+            <a:r>
+              <a:rPr lang="de-DE" dirty="0"/>
+              <a:t> </a:t>
+            </a:r>
+            <a:r>
+              <a:rPr lang="de-DE" dirty="0" err="1"/>
+              <a:t>DatenbankZugriff</a:t>
+            </a:r>
+            <a:r>
+              <a:rPr lang="de-DE" dirty="0"/>
+              <a:t> </a:t>
             </a:r>
             <a:r>
               <a:rPr lang="de-DE" dirty="0" smtClean="0"/>
-              <a:t>PHP:</a:t>
+              <a:t>{</a:t>
             </a:r>
           </a:p>
           <a:p>
             <a:pPr marL="502920" lvl="1" indent="0">
+              <a:lnSpc>
+                <a:spcPct val="120000"/>
+              </a:lnSpc>
+              <a:spcBef>
+                <a:spcPts val="0"/>
+              </a:spcBef>
               <a:buNone/>
             </a:pPr>
             <a:r>
-              <a:rPr lang="de-DE" dirty="0">
-                <a:solidFill>
-                  <a:srgbClr val="000000"/>
-                </a:solidFill>
-                <a:latin typeface="Corbel" charset="0"/>
-              </a:rPr>
-              <a:t>&lt;?</a:t>
+              <a:rPr lang="de-DE" dirty="0" smtClean="0">
+                <a:solidFill>
+                  <a:schemeClr val="accent3"/>
+                </a:solidFill>
+              </a:rPr>
+              <a:t>private</a:t>
+            </a:r>
+            <a:r>
+              <a:rPr lang="de-DE" dirty="0" smtClean="0"/>
+              <a:t> </a:t>
+            </a:r>
+            <a:r>
+              <a:rPr lang="de-DE" dirty="0"/>
+              <a:t>Connection </a:t>
+            </a:r>
+            <a:r>
+              <a:rPr lang="de-DE" dirty="0" err="1"/>
+              <a:t>connect</a:t>
+            </a:r>
+            <a:r>
+              <a:rPr lang="de-DE" dirty="0"/>
+              <a:t> = </a:t>
+            </a:r>
+            <a:r>
+              <a:rPr lang="de-DE" dirty="0">
+                <a:solidFill>
+                  <a:schemeClr val="accent3"/>
+                </a:solidFill>
+              </a:rPr>
+              <a:t>null</a:t>
+            </a:r>
+            <a:r>
+              <a:rPr lang="de-DE" dirty="0"/>
+              <a:t>;</a:t>
+            </a:r>
+          </a:p>
+          <a:p>
+            <a:pPr marL="502920" lvl="1" indent="0">
+              <a:lnSpc>
+                <a:spcPct val="120000"/>
+              </a:lnSpc>
+              <a:spcBef>
+                <a:spcPts val="0"/>
+              </a:spcBef>
+              <a:buNone/>
+            </a:pPr>
+            <a:r>
+              <a:rPr lang="de-DE" dirty="0"/>
+              <a:t>    </a:t>
+            </a:r>
+            <a:r>
+              <a:rPr lang="de-DE" dirty="0">
+                <a:solidFill>
+                  <a:schemeClr val="accent3"/>
+                </a:solidFill>
+              </a:rPr>
+              <a:t>private</a:t>
+            </a:r>
+            <a:r>
+              <a:rPr lang="de-DE" dirty="0"/>
+              <a:t> Statement </a:t>
+            </a:r>
+            <a:r>
+              <a:rPr lang="de-DE" dirty="0" err="1"/>
+              <a:t>statement</a:t>
+            </a:r>
+            <a:r>
+              <a:rPr lang="de-DE" dirty="0"/>
+              <a:t> = </a:t>
+            </a:r>
+            <a:r>
+              <a:rPr lang="de-DE" dirty="0">
+                <a:solidFill>
+                  <a:schemeClr val="accent3"/>
+                </a:solidFill>
+              </a:rPr>
+              <a:t>null</a:t>
+            </a:r>
+            <a:r>
+              <a:rPr lang="de-DE" dirty="0"/>
+              <a:t>;</a:t>
+            </a:r>
+          </a:p>
+          <a:p>
+            <a:pPr marL="502920" lvl="1" indent="0">
+              <a:lnSpc>
+                <a:spcPct val="120000"/>
+              </a:lnSpc>
+              <a:spcBef>
+                <a:spcPts val="0"/>
+              </a:spcBef>
+              <a:buNone/>
+            </a:pPr>
+            <a:r>
+              <a:rPr lang="de-DE" dirty="0"/>
+              <a:t>    </a:t>
+            </a:r>
+            <a:r>
+              <a:rPr lang="de-DE" dirty="0">
+                <a:solidFill>
+                  <a:schemeClr val="accent3"/>
+                </a:solidFill>
+              </a:rPr>
+              <a:t>private</a:t>
+            </a:r>
+            <a:r>
+              <a:rPr lang="de-DE" dirty="0"/>
+              <a:t> </a:t>
+            </a:r>
+            <a:r>
+              <a:rPr lang="de-DE" dirty="0" err="1"/>
+              <a:t>PreparedStatement</a:t>
+            </a:r>
+            <a:r>
+              <a:rPr lang="de-DE" dirty="0"/>
+              <a:t> </a:t>
+            </a:r>
+            <a:r>
+              <a:rPr lang="de-DE" dirty="0" err="1"/>
+              <a:t>preparedStatement</a:t>
+            </a:r>
+            <a:r>
+              <a:rPr lang="de-DE" dirty="0"/>
+              <a:t> = </a:t>
+            </a:r>
+            <a:r>
+              <a:rPr lang="de-DE" dirty="0">
+                <a:solidFill>
+                  <a:schemeClr val="accent3"/>
+                </a:solidFill>
+              </a:rPr>
+              <a:t>null</a:t>
+            </a:r>
+            <a:r>
+              <a:rPr lang="de-DE" dirty="0"/>
+              <a:t>;</a:t>
+            </a:r>
+          </a:p>
+          <a:p>
+            <a:pPr marL="502920" lvl="1" indent="0">
+              <a:lnSpc>
+                <a:spcPct val="120000"/>
+              </a:lnSpc>
+              <a:spcBef>
+                <a:spcPts val="0"/>
+              </a:spcBef>
+              <a:buNone/>
+            </a:pPr>
+            <a:r>
+              <a:rPr lang="de-DE" dirty="0"/>
+              <a:t>    </a:t>
+            </a:r>
+            <a:r>
+              <a:rPr lang="de-DE" dirty="0">
+                <a:solidFill>
+                  <a:schemeClr val="accent3"/>
+                </a:solidFill>
+              </a:rPr>
+              <a:t>private</a:t>
+            </a:r>
+            <a:r>
+              <a:rPr lang="de-DE" dirty="0"/>
+              <a:t> </a:t>
+            </a:r>
+            <a:r>
+              <a:rPr lang="de-DE" dirty="0" err="1"/>
+              <a:t>ResultSet</a:t>
+            </a:r>
+            <a:r>
+              <a:rPr lang="de-DE" dirty="0"/>
+              <a:t> </a:t>
+            </a:r>
+            <a:r>
+              <a:rPr lang="de-DE" dirty="0" err="1"/>
+              <a:t>resultSet</a:t>
+            </a:r>
+            <a:r>
+              <a:rPr lang="de-DE" dirty="0"/>
+              <a:t> = </a:t>
+            </a:r>
+            <a:r>
+              <a:rPr lang="de-DE" dirty="0">
+                <a:solidFill>
+                  <a:schemeClr val="accent3"/>
+                </a:solidFill>
+              </a:rPr>
+              <a:t>null</a:t>
+            </a:r>
+            <a:r>
+              <a:rPr lang="de-DE" dirty="0" smtClean="0"/>
+              <a:t>;</a:t>
+            </a:r>
+            <a:endParaRPr lang="de-DE" dirty="0"/>
+          </a:p>
+          <a:p>
+            <a:pPr marL="502920" lvl="1" indent="0">
+              <a:lnSpc>
+                <a:spcPct val="120000"/>
+              </a:lnSpc>
+              <a:spcBef>
+                <a:spcPts val="0"/>
+              </a:spcBef>
+              <a:buNone/>
+            </a:pPr>
+            <a:r>
+              <a:rPr lang="de-DE" dirty="0"/>
+              <a:t>    </a:t>
             </a:r>
             <a:r>
               <a:rPr lang="de-DE" dirty="0" err="1">
                 <a:solidFill>
-                  <a:srgbClr val="000000"/>
-                </a:solidFill>
-                <a:latin typeface="Corbel" charset="0"/>
-              </a:rPr>
-              <a:t>php</a:t>
-            </a:r>
-            <a:r>
-              <a:rPr lang="de-DE" dirty="0">
-                <a:solidFill>
-                  <a:srgbClr val="000000"/>
-                </a:solidFill>
-                <a:latin typeface="Corbel" charset="0"/>
-              </a:rPr>
+                  <a:schemeClr val="accent3"/>
+                </a:solidFill>
+              </a:rPr>
+              <a:t>public</a:t>
+            </a:r>
+            <a:r>
+              <a:rPr lang="de-DE" dirty="0"/>
               <a:t> </a:t>
             </a:r>
+            <a:r>
+              <a:rPr lang="de-DE" dirty="0" err="1">
+                <a:solidFill>
+                  <a:schemeClr val="accent3"/>
+                </a:solidFill>
+              </a:rPr>
+              <a:t>void</a:t>
+            </a:r>
+            <a:r>
+              <a:rPr lang="de-DE" dirty="0"/>
+              <a:t> </a:t>
+            </a:r>
+            <a:r>
+              <a:rPr lang="de-DE" dirty="0" err="1"/>
+              <a:t>readDataBase</a:t>
+            </a:r>
+            <a:r>
+              <a:rPr lang="de-DE" dirty="0"/>
+              <a:t>() </a:t>
+            </a:r>
+            <a:r>
+              <a:rPr lang="de-DE" dirty="0" err="1">
+                <a:solidFill>
+                  <a:schemeClr val="accent3"/>
+                </a:solidFill>
+              </a:rPr>
+              <a:t>throws</a:t>
+            </a:r>
+            <a:r>
+              <a:rPr lang="de-DE" dirty="0"/>
+              <a:t> </a:t>
+            </a:r>
+            <a:r>
+              <a:rPr lang="de-DE" dirty="0" err="1"/>
+              <a:t>Exception</a:t>
+            </a:r>
+            <a:r>
+              <a:rPr lang="de-DE" dirty="0"/>
+              <a:t> {</a:t>
+            </a:r>
           </a:p>
           <a:p>
             <a:pPr marL="502920" lvl="1" indent="0">
+              <a:lnSpc>
+                <a:spcPct val="120000"/>
+              </a:lnSpc>
+              <a:spcBef>
+                <a:spcPts val="0"/>
+              </a:spcBef>
               <a:buNone/>
             </a:pPr>
             <a:r>
-              <a:rPr lang="de-DE" dirty="0">
-                <a:solidFill>
-                  <a:srgbClr val="000088"/>
-                </a:solidFill>
-                <a:latin typeface="Corbel" charset="0"/>
-              </a:rPr>
-              <a:t>$</a:t>
+              <a:rPr lang="de-DE" dirty="0"/>
+              <a:t>        </a:t>
             </a:r>
             <a:r>
               <a:rPr lang="de-DE" dirty="0" err="1">
                 <a:solidFill>
-                  <a:srgbClr val="000088"/>
-                </a:solidFill>
-                <a:latin typeface="Corbel" charset="0"/>
-              </a:rPr>
-              <a:t>db_link</a:t>
-            </a:r>
-            <a:r>
-              <a:rPr lang="de-DE" dirty="0">
-                <a:solidFill>
-                  <a:srgbClr val="000000"/>
-                </a:solidFill>
-                <a:latin typeface="Corbel" charset="0"/>
-              </a:rPr>
+                  <a:schemeClr val="accent3"/>
+                </a:solidFill>
+              </a:rPr>
+              <a:t>try</a:t>
+            </a:r>
+            <a:r>
+              <a:rPr lang="de-DE" dirty="0"/>
+              <a:t> {</a:t>
+            </a:r>
+          </a:p>
+          <a:p>
+            <a:pPr marL="502920" lvl="1" indent="0">
+              <a:lnSpc>
+                <a:spcPct val="120000"/>
+              </a:lnSpc>
+              <a:spcBef>
+                <a:spcPts val="0"/>
+              </a:spcBef>
+              <a:buNone/>
+            </a:pPr>
+            <a:r>
+              <a:rPr lang="de-DE" dirty="0"/>
+              <a:t>            </a:t>
+            </a:r>
+            <a:r>
+              <a:rPr lang="de-DE" dirty="0" err="1"/>
+              <a:t>Class.forName</a:t>
+            </a:r>
+            <a:r>
+              <a:rPr lang="de-DE" dirty="0"/>
+              <a:t>("</a:t>
+            </a:r>
+            <a:r>
+              <a:rPr lang="de-DE" dirty="0" err="1"/>
+              <a:t>com.mysql.jdbc.Driver</a:t>
+            </a:r>
+            <a:r>
+              <a:rPr lang="de-DE" dirty="0"/>
+              <a:t>");</a:t>
+            </a:r>
+          </a:p>
+          <a:p>
+            <a:pPr marL="502920" lvl="1" indent="0">
+              <a:lnSpc>
+                <a:spcPct val="120000"/>
+              </a:lnSpc>
+              <a:spcBef>
+                <a:spcPts val="0"/>
+              </a:spcBef>
+              <a:buNone/>
+            </a:pPr>
+            <a:r>
+              <a:rPr lang="de-DE" dirty="0"/>
+              <a:t>            </a:t>
+            </a:r>
+            <a:r>
+              <a:rPr lang="de-DE" dirty="0" err="1"/>
+              <a:t>connect</a:t>
+            </a:r>
+            <a:r>
+              <a:rPr lang="de-DE" dirty="0"/>
               <a:t> </a:t>
             </a:r>
             <a:r>
-              <a:rPr lang="de-DE" dirty="0">
-                <a:solidFill>
-                  <a:srgbClr val="339933"/>
-                </a:solidFill>
-                <a:latin typeface="Corbel" charset="0"/>
+              <a:rPr lang="de-DE" dirty="0" smtClean="0"/>
+              <a:t>= </a:t>
+            </a:r>
+            <a:r>
+              <a:rPr lang="de-DE" dirty="0" err="1" smtClean="0"/>
+              <a:t>DriverManager.getConnection</a:t>
+            </a:r>
+            <a:r>
+              <a:rPr lang="de-DE" dirty="0"/>
+              <a:t>(</a:t>
+            </a:r>
+            <a:r>
+              <a:rPr lang="de-DE" dirty="0">
+                <a:solidFill>
+                  <a:srgbClr val="00B050"/>
+                </a:solidFill>
+              </a:rPr>
+              <a:t>"</a:t>
+            </a:r>
+            <a:r>
+              <a:rPr lang="de-DE" dirty="0" err="1">
+                <a:solidFill>
+                  <a:srgbClr val="00B050"/>
+                </a:solidFill>
+              </a:rPr>
+              <a:t>jdbc:mysql</a:t>
+            </a:r>
+            <a:r>
+              <a:rPr lang="de-DE" dirty="0">
+                <a:solidFill>
+                  <a:srgbClr val="00B050"/>
+                </a:solidFill>
+              </a:rPr>
+              <a:t>://</a:t>
+            </a:r>
+            <a:r>
+              <a:rPr lang="de-DE" dirty="0" err="1">
+                <a:solidFill>
+                  <a:srgbClr val="00B050"/>
+                </a:solidFill>
+              </a:rPr>
+              <a:t>localhost</a:t>
+            </a:r>
+            <a:r>
+              <a:rPr lang="de-DE" dirty="0">
+                <a:solidFill>
+                  <a:srgbClr val="00B050"/>
+                </a:solidFill>
+              </a:rPr>
+              <a:t>/</a:t>
+            </a:r>
+            <a:r>
+              <a:rPr lang="de-DE" dirty="0" err="1">
+                <a:solidFill>
+                  <a:srgbClr val="00B050"/>
+                </a:solidFill>
+              </a:rPr>
+              <a:t>feedback</a:t>
+            </a:r>
+            <a:r>
+              <a:rPr lang="de-DE" dirty="0" smtClean="0">
+                <a:solidFill>
+                  <a:srgbClr val="00B050"/>
+                </a:solidFill>
+              </a:rPr>
+              <a:t>?“                                                                                                                                                                                               + “</a:t>
+            </a:r>
+            <a:r>
+              <a:rPr lang="de-DE" dirty="0" err="1" smtClean="0">
+                <a:solidFill>
+                  <a:srgbClr val="00B050"/>
+                </a:solidFill>
+              </a:rPr>
+              <a:t>user</a:t>
+            </a:r>
+            <a:r>
+              <a:rPr lang="de-DE" dirty="0" smtClean="0">
+                <a:solidFill>
+                  <a:srgbClr val="00B050"/>
+                </a:solidFill>
               </a:rPr>
               <a:t>=</a:t>
             </a:r>
             <a:r>
-              <a:rPr lang="de-DE" dirty="0">
-                <a:solidFill>
-                  <a:srgbClr val="000000"/>
-                </a:solidFill>
-                <a:latin typeface="Corbel" charset="0"/>
+              <a:rPr lang="de-DE" dirty="0" err="1" smtClean="0">
+                <a:solidFill>
+                  <a:srgbClr val="00B050"/>
+                </a:solidFill>
+              </a:rPr>
+              <a:t>sqluser&amp;password</a:t>
+            </a:r>
+            <a:r>
+              <a:rPr lang="de-DE" dirty="0" smtClean="0">
+                <a:solidFill>
+                  <a:srgbClr val="00B050"/>
+                </a:solidFill>
+              </a:rPr>
+              <a:t>=</a:t>
+            </a:r>
+            <a:r>
+              <a:rPr lang="de-DE" dirty="0" err="1" smtClean="0">
+                <a:solidFill>
+                  <a:srgbClr val="00B050"/>
+                </a:solidFill>
+              </a:rPr>
+              <a:t>sqluserpw</a:t>
+            </a:r>
+            <a:r>
+              <a:rPr lang="de-DE" dirty="0">
+                <a:solidFill>
+                  <a:srgbClr val="00B050"/>
+                </a:solidFill>
+              </a:rPr>
+              <a:t>"</a:t>
+            </a:r>
+            <a:r>
+              <a:rPr lang="de-DE" dirty="0"/>
+              <a:t>);</a:t>
+            </a:r>
+          </a:p>
+          <a:p>
+            <a:pPr marL="502920" lvl="1" indent="0">
+              <a:lnSpc>
+                <a:spcPct val="120000"/>
+              </a:lnSpc>
+              <a:spcBef>
+                <a:spcPts val="0"/>
+              </a:spcBef>
+              <a:buNone/>
+            </a:pPr>
+            <a:r>
+              <a:rPr lang="de-DE" dirty="0"/>
+              <a:t>            </a:t>
+            </a:r>
+            <a:r>
+              <a:rPr lang="de-DE" dirty="0" err="1"/>
+              <a:t>statement</a:t>
+            </a:r>
+            <a:r>
+              <a:rPr lang="de-DE" dirty="0"/>
+              <a:t> = </a:t>
+            </a:r>
+            <a:r>
+              <a:rPr lang="de-DE" dirty="0" err="1"/>
+              <a:t>connect.createStatement</a:t>
+            </a:r>
+            <a:r>
+              <a:rPr lang="de-DE" dirty="0"/>
+              <a:t>();</a:t>
+            </a:r>
+          </a:p>
+          <a:p>
+            <a:pPr marL="502920" lvl="1" indent="0">
+              <a:lnSpc>
+                <a:spcPct val="120000"/>
+              </a:lnSpc>
+              <a:spcBef>
+                <a:spcPts val="0"/>
+              </a:spcBef>
+              <a:buNone/>
+            </a:pPr>
+            <a:r>
+              <a:rPr lang="de-DE" dirty="0"/>
+              <a:t>            </a:t>
+            </a:r>
+            <a:r>
+              <a:rPr lang="de-DE" dirty="0" err="1"/>
+              <a:t>resultSet</a:t>
+            </a:r>
+            <a:r>
+              <a:rPr lang="de-DE" dirty="0"/>
+              <a:t> = </a:t>
+            </a:r>
+            <a:r>
+              <a:rPr lang="de-DE" dirty="0" err="1"/>
+              <a:t>statement.executeQuery</a:t>
+            </a:r>
+            <a:r>
+              <a:rPr lang="de-DE" dirty="0"/>
+              <a:t>(</a:t>
+            </a:r>
+            <a:r>
+              <a:rPr lang="de-DE" dirty="0">
+                <a:solidFill>
+                  <a:srgbClr val="00B050"/>
+                </a:solidFill>
+              </a:rPr>
+              <a:t>"</a:t>
+            </a:r>
+            <a:r>
+              <a:rPr lang="de-DE" dirty="0" err="1">
+                <a:solidFill>
+                  <a:srgbClr val="00B050"/>
+                </a:solidFill>
+              </a:rPr>
+              <a:t>select</a:t>
+            </a:r>
+            <a:r>
+              <a:rPr lang="de-DE" dirty="0">
+                <a:solidFill>
+                  <a:srgbClr val="00B050"/>
+                </a:solidFill>
+              </a:rPr>
+              <a:t> * </a:t>
+            </a:r>
+            <a:r>
+              <a:rPr lang="de-DE" dirty="0" err="1">
+                <a:solidFill>
+                  <a:srgbClr val="00B050"/>
+                </a:solidFill>
+              </a:rPr>
+              <a:t>from</a:t>
+            </a:r>
+            <a:r>
+              <a:rPr lang="de-DE" dirty="0">
+                <a:solidFill>
+                  <a:srgbClr val="00B050"/>
+                </a:solidFill>
               </a:rPr>
               <a:t> </a:t>
             </a:r>
             <a:r>
               <a:rPr lang="de-DE" dirty="0" err="1">
                 <a:solidFill>
-                  <a:srgbClr val="990000"/>
-                </a:solidFill>
-                <a:latin typeface="Corbel" charset="0"/>
-              </a:rPr>
-              <a:t>mysqli_connect</a:t>
-            </a:r>
-            <a:r>
-              <a:rPr lang="de-DE" dirty="0">
-                <a:solidFill>
-                  <a:srgbClr val="000000"/>
-                </a:solidFill>
-                <a:latin typeface="Corbel" charset="0"/>
-              </a:rPr>
+                  <a:srgbClr val="00B050"/>
+                </a:solidFill>
+              </a:rPr>
+              <a:t>users</a:t>
+            </a:r>
+            <a:r>
+              <a:rPr lang="de-DE" dirty="0" smtClean="0">
+                <a:solidFill>
+                  <a:srgbClr val="00B050"/>
+                </a:solidFill>
+              </a:rPr>
+              <a:t>"</a:t>
+            </a:r>
+            <a:r>
+              <a:rPr lang="de-DE" dirty="0" smtClean="0"/>
+              <a:t>);</a:t>
+            </a:r>
+          </a:p>
+          <a:p>
+            <a:pPr marL="502920" lvl="1" indent="0">
+              <a:lnSpc>
+                <a:spcPct val="120000"/>
+              </a:lnSpc>
+              <a:spcBef>
+                <a:spcPts val="0"/>
+              </a:spcBef>
+              <a:buNone/>
+            </a:pPr>
+            <a:r>
+              <a:rPr lang="de-DE" dirty="0" smtClean="0"/>
+              <a:t>            </a:t>
+            </a:r>
+            <a:r>
+              <a:rPr lang="de-DE" dirty="0"/>
+              <a:t>//Ausgabe von </a:t>
+            </a:r>
+            <a:r>
+              <a:rPr lang="de-DE" dirty="0" err="1"/>
+              <a:t>resultSet</a:t>
+            </a:r>
+            <a:r>
+              <a:rPr lang="de-DE" dirty="0"/>
               <a:t> </a:t>
             </a:r>
             <a:r>
-              <a:rPr lang="de-DE" dirty="0">
-                <a:solidFill>
-                  <a:srgbClr val="009900"/>
-                </a:solidFill>
-                <a:latin typeface="Corbel" charset="0"/>
-              </a:rPr>
-              <a:t>(</a:t>
-            </a:r>
-            <a:r>
-              <a:rPr lang="de-DE" dirty="0">
-                <a:solidFill>
-                  <a:srgbClr val="000000"/>
-                </a:solidFill>
-                <a:latin typeface="Corbel" charset="0"/>
-              </a:rPr>
-              <a:t> </a:t>
-            </a:r>
+              <a:rPr lang="de-DE" dirty="0" err="1"/>
+              <a:t>System.out.println</a:t>
+            </a:r>
+            <a:r>
+              <a:rPr lang="de-DE" dirty="0" smtClean="0"/>
+              <a:t>();</a:t>
+            </a:r>
+            <a:endParaRPr lang="de-DE" dirty="0"/>
           </a:p>
           <a:p>
             <a:pPr marL="502920" lvl="1" indent="0">
+              <a:lnSpc>
+                <a:spcPct val="120000"/>
+              </a:lnSpc>
+              <a:spcBef>
+                <a:spcPts val="0"/>
+              </a:spcBef>
               <a:buNone/>
             </a:pPr>
             <a:r>
-              <a:rPr lang="de-DE" dirty="0">
-                <a:solidFill>
-                  <a:srgbClr val="000000"/>
-                </a:solidFill>
-                <a:latin typeface="Corbel" charset="0"/>
-              </a:rPr>
-              <a:t>MYSQL_HOST</a:t>
-            </a:r>
-            <a:r>
-              <a:rPr lang="de-DE" dirty="0">
-                <a:solidFill>
-                  <a:srgbClr val="339933"/>
-                </a:solidFill>
-                <a:latin typeface="Corbel" charset="0"/>
-              </a:rPr>
-              <a:t>,</a:t>
-            </a:r>
-            <a:r>
-              <a:rPr lang="de-DE" dirty="0">
-                <a:solidFill>
-                  <a:srgbClr val="000000"/>
-                </a:solidFill>
-                <a:latin typeface="Corbel" charset="0"/>
-              </a:rPr>
-              <a:t> </a:t>
+              <a:rPr lang="de-DE" dirty="0"/>
+              <a:t>        } </a:t>
+            </a:r>
+            <a:r>
+              <a:rPr lang="de-DE" dirty="0">
+                <a:solidFill>
+                  <a:schemeClr val="accent3"/>
+                </a:solidFill>
+              </a:rPr>
+              <a:t>catch</a:t>
+            </a:r>
+            <a:r>
+              <a:rPr lang="de-DE" dirty="0"/>
+              <a:t> (</a:t>
+            </a:r>
+            <a:r>
+              <a:rPr lang="de-DE" dirty="0" err="1"/>
+              <a:t>Exception</a:t>
+            </a:r>
+            <a:r>
+              <a:rPr lang="de-DE" dirty="0"/>
+              <a:t> e) {</a:t>
             </a:r>
           </a:p>
           <a:p>
             <a:pPr marL="502920" lvl="1" indent="0">
+              <a:lnSpc>
+                <a:spcPct val="120000"/>
+              </a:lnSpc>
+              <a:spcBef>
+                <a:spcPts val="0"/>
+              </a:spcBef>
               <a:buNone/>
             </a:pPr>
             <a:r>
-              <a:rPr lang="de-DE" dirty="0">
-                <a:solidFill>
-                  <a:srgbClr val="000000"/>
-                </a:solidFill>
-                <a:latin typeface="Corbel" charset="0"/>
-              </a:rPr>
-              <a:t>MYSQL_BENUTZER</a:t>
-            </a:r>
-            <a:r>
-              <a:rPr lang="de-DE" dirty="0">
-                <a:solidFill>
-                  <a:srgbClr val="339933"/>
-                </a:solidFill>
-                <a:latin typeface="Corbel" charset="0"/>
-              </a:rPr>
-              <a:t>,</a:t>
-            </a:r>
-            <a:r>
-              <a:rPr lang="de-DE" dirty="0">
-                <a:solidFill>
-                  <a:srgbClr val="000000"/>
-                </a:solidFill>
-                <a:latin typeface="Corbel" charset="0"/>
-              </a:rPr>
-              <a:t> </a:t>
+              <a:rPr lang="de-DE" dirty="0"/>
+              <a:t>            </a:t>
+            </a:r>
+            <a:r>
+              <a:rPr lang="de-DE" dirty="0" err="1">
+                <a:solidFill>
+                  <a:schemeClr val="accent3"/>
+                </a:solidFill>
+              </a:rPr>
+              <a:t>throw</a:t>
+            </a:r>
+            <a:r>
+              <a:rPr lang="de-DE" dirty="0"/>
+              <a:t> e;</a:t>
             </a:r>
           </a:p>
           <a:p>
             <a:pPr marL="502920" lvl="1" indent="0">
+              <a:lnSpc>
+                <a:spcPct val="120000"/>
+              </a:lnSpc>
+              <a:spcBef>
+                <a:spcPts val="0"/>
+              </a:spcBef>
               <a:buNone/>
             </a:pPr>
             <a:r>
-              <a:rPr lang="de-DE" dirty="0">
-                <a:solidFill>
-                  <a:srgbClr val="000000"/>
-                </a:solidFill>
-                <a:latin typeface="Corbel" charset="0"/>
-              </a:rPr>
-              <a:t>MYSQL_KENNWORT</a:t>
-            </a:r>
-            <a:r>
-              <a:rPr lang="de-DE" dirty="0">
-                <a:solidFill>
-                  <a:srgbClr val="339933"/>
-                </a:solidFill>
-                <a:latin typeface="Corbel" charset="0"/>
-              </a:rPr>
-              <a:t>,</a:t>
-            </a:r>
-            <a:r>
-              <a:rPr lang="de-DE" dirty="0">
-                <a:solidFill>
-                  <a:srgbClr val="000000"/>
-                </a:solidFill>
-                <a:latin typeface="Corbel" charset="0"/>
-              </a:rPr>
-              <a:t> </a:t>
+              <a:rPr lang="de-DE" dirty="0"/>
+              <a:t>        } </a:t>
+            </a:r>
+            <a:r>
+              <a:rPr lang="de-DE" dirty="0" err="1">
+                <a:solidFill>
+                  <a:schemeClr val="accent3"/>
+                </a:solidFill>
+              </a:rPr>
+              <a:t>finally</a:t>
+            </a:r>
+            <a:r>
+              <a:rPr lang="de-DE" dirty="0"/>
+              <a:t> {</a:t>
             </a:r>
           </a:p>
           <a:p>
             <a:pPr marL="502920" lvl="1" indent="0">
+              <a:lnSpc>
+                <a:spcPct val="120000"/>
+              </a:lnSpc>
+              <a:spcBef>
+                <a:spcPts val="0"/>
+              </a:spcBef>
               <a:buNone/>
             </a:pPr>
             <a:r>
-              <a:rPr lang="de-DE" dirty="0">
-                <a:solidFill>
-                  <a:srgbClr val="000000"/>
-                </a:solidFill>
-                <a:latin typeface="Corbel" charset="0"/>
-              </a:rPr>
-              <a:t>MYSQL_DATENBANK </a:t>
-            </a:r>
-            <a:r>
-              <a:rPr lang="de-DE" dirty="0">
-                <a:solidFill>
-                  <a:srgbClr val="009900"/>
-                </a:solidFill>
-                <a:latin typeface="Corbel" charset="0"/>
-              </a:rPr>
-              <a:t>)</a:t>
-            </a:r>
-            <a:r>
-              <a:rPr lang="de-DE" dirty="0">
-                <a:solidFill>
-                  <a:srgbClr val="339933"/>
-                </a:solidFill>
-                <a:latin typeface="Corbel" charset="0"/>
-              </a:rPr>
-              <a:t>;                       //Datenbankverbindung aufbauen</a:t>
-            </a:r>
-            <a:r>
-              <a:rPr lang="de-DE" dirty="0">
-                <a:solidFill>
-                  <a:srgbClr val="000000"/>
-                </a:solidFill>
-                <a:latin typeface="Corbel" charset="0"/>
-              </a:rPr>
-              <a:t> </a:t>
+              <a:rPr lang="de-DE" dirty="0"/>
+              <a:t>            </a:t>
+            </a:r>
+            <a:r>
+              <a:rPr lang="de-DE" dirty="0" err="1"/>
+              <a:t>resultSet.close</a:t>
+            </a:r>
+            <a:r>
+              <a:rPr lang="de-DE" dirty="0"/>
+              <a:t>();</a:t>
             </a:r>
           </a:p>
           <a:p>
             <a:pPr marL="502920" lvl="1" indent="0">
+              <a:lnSpc>
+                <a:spcPct val="120000"/>
+              </a:lnSpc>
+              <a:spcBef>
+                <a:spcPts val="0"/>
+              </a:spcBef>
               <a:buNone/>
             </a:pPr>
             <a:r>
-              <a:rPr lang="de-DE" dirty="0">
-                <a:solidFill>
-                  <a:srgbClr val="000088"/>
-                </a:solidFill>
-                <a:latin typeface="Corbel" charset="0"/>
-              </a:rPr>
-              <a:t>$</a:t>
-            </a:r>
-            <a:r>
-              <a:rPr lang="de-DE" dirty="0" err="1">
-                <a:solidFill>
-                  <a:srgbClr val="000088"/>
-                </a:solidFill>
-                <a:latin typeface="Corbel" charset="0"/>
-              </a:rPr>
-              <a:t>sql</a:t>
-            </a:r>
-            <a:r>
-              <a:rPr lang="de-DE" dirty="0">
-                <a:solidFill>
-                  <a:srgbClr val="000000"/>
-                </a:solidFill>
-                <a:latin typeface="Corbel" charset="0"/>
-              </a:rPr>
-              <a:t> </a:t>
-            </a:r>
-            <a:r>
-              <a:rPr lang="de-DE" dirty="0">
-                <a:solidFill>
-                  <a:srgbClr val="339933"/>
-                </a:solidFill>
-                <a:latin typeface="Corbel" charset="0"/>
-              </a:rPr>
-              <a:t>=</a:t>
-            </a:r>
-            <a:r>
-              <a:rPr lang="de-DE" dirty="0">
-                <a:solidFill>
-                  <a:srgbClr val="000000"/>
-                </a:solidFill>
-                <a:latin typeface="Corbel" charset="0"/>
-              </a:rPr>
-              <a:t> </a:t>
-            </a:r>
-            <a:r>
-              <a:rPr lang="de-DE" dirty="0">
-                <a:solidFill>
-                  <a:srgbClr val="0000FF"/>
-                </a:solidFill>
-                <a:latin typeface="Corbel" charset="0"/>
-              </a:rPr>
-              <a:t>"SELECT * FROM </a:t>
-            </a:r>
-            <a:r>
-              <a:rPr lang="de-DE" dirty="0" err="1">
-                <a:solidFill>
-                  <a:srgbClr val="0000FF"/>
-                </a:solidFill>
-                <a:latin typeface="Corbel" charset="0"/>
-              </a:rPr>
-              <a:t>users</a:t>
-            </a:r>
-            <a:r>
-              <a:rPr lang="de-DE" dirty="0">
-                <a:solidFill>
-                  <a:srgbClr val="0000FF"/>
-                </a:solidFill>
-                <a:latin typeface="Corbel" charset="0"/>
-              </a:rPr>
-              <a:t>"</a:t>
-            </a:r>
-            <a:r>
-              <a:rPr lang="de-DE" dirty="0">
-                <a:solidFill>
-                  <a:srgbClr val="339933"/>
-                </a:solidFill>
-                <a:latin typeface="Corbel" charset="0"/>
-              </a:rPr>
-              <a:t>;  </a:t>
-            </a:r>
-            <a:r>
-              <a:rPr lang="de-DE" dirty="0" smtClean="0">
-                <a:solidFill>
-                  <a:srgbClr val="339933"/>
-                </a:solidFill>
-                <a:latin typeface="Corbel" charset="0"/>
-              </a:rPr>
-              <a:t>       //</a:t>
-            </a:r>
-            <a:r>
-              <a:rPr lang="de-DE" dirty="0">
-                <a:solidFill>
-                  <a:srgbClr val="339933"/>
-                </a:solidFill>
-                <a:latin typeface="Corbel" charset="0"/>
-              </a:rPr>
-              <a:t>SQL-Query definieren</a:t>
-            </a:r>
-            <a:r>
-              <a:rPr lang="de-DE" dirty="0">
-                <a:solidFill>
-                  <a:srgbClr val="000000"/>
-                </a:solidFill>
-                <a:latin typeface="Corbel" charset="0"/>
-              </a:rPr>
-              <a:t> </a:t>
+              <a:rPr lang="de-DE" dirty="0"/>
+              <a:t>            </a:t>
+            </a:r>
+            <a:r>
+              <a:rPr lang="de-DE" dirty="0" err="1"/>
+              <a:t>statement.close</a:t>
+            </a:r>
+            <a:r>
+              <a:rPr lang="de-DE" dirty="0"/>
+              <a:t>();</a:t>
             </a:r>
           </a:p>
           <a:p>
             <a:pPr marL="502920" lvl="1" indent="0">
+              <a:lnSpc>
+                <a:spcPct val="120000"/>
+              </a:lnSpc>
+              <a:spcBef>
+                <a:spcPts val="0"/>
+              </a:spcBef>
               <a:buNone/>
             </a:pPr>
             <a:r>
-              <a:rPr lang="de-DE" dirty="0">
-                <a:solidFill>
-                  <a:srgbClr val="000088"/>
-                </a:solidFill>
-                <a:latin typeface="Corbel" charset="0"/>
-              </a:rPr>
-              <a:t>$</a:t>
-            </a:r>
-            <a:r>
-              <a:rPr lang="de-DE" dirty="0" err="1">
-                <a:solidFill>
-                  <a:srgbClr val="000088"/>
-                </a:solidFill>
-                <a:latin typeface="Corbel" charset="0"/>
-              </a:rPr>
-              <a:t>db_erg</a:t>
-            </a:r>
-            <a:r>
-              <a:rPr lang="de-DE" dirty="0">
-                <a:solidFill>
-                  <a:srgbClr val="000000"/>
-                </a:solidFill>
-                <a:latin typeface="Corbel" charset="0"/>
-              </a:rPr>
-              <a:t> </a:t>
-            </a:r>
-            <a:r>
-              <a:rPr lang="de-DE" dirty="0">
-                <a:solidFill>
-                  <a:srgbClr val="339933"/>
-                </a:solidFill>
-                <a:latin typeface="Corbel" charset="0"/>
-              </a:rPr>
-              <a:t>=</a:t>
-            </a:r>
-            <a:r>
-              <a:rPr lang="de-DE" dirty="0">
-                <a:solidFill>
-                  <a:srgbClr val="000000"/>
-                </a:solidFill>
-                <a:latin typeface="Corbel" charset="0"/>
-              </a:rPr>
-              <a:t> </a:t>
-            </a:r>
-            <a:r>
-              <a:rPr lang="de-DE" dirty="0" err="1">
-                <a:solidFill>
-                  <a:srgbClr val="990000"/>
-                </a:solidFill>
-                <a:latin typeface="Corbel" charset="0"/>
-              </a:rPr>
-              <a:t>mysqli_query</a:t>
-            </a:r>
-            <a:r>
-              <a:rPr lang="de-DE" dirty="0">
-                <a:solidFill>
-                  <a:srgbClr val="009900"/>
-                </a:solidFill>
-                <a:latin typeface="Corbel" charset="0"/>
-              </a:rPr>
-              <a:t>(</a:t>
-            </a:r>
-            <a:r>
-              <a:rPr lang="de-DE" dirty="0">
-                <a:solidFill>
-                  <a:srgbClr val="000000"/>
-                </a:solidFill>
-                <a:latin typeface="Corbel" charset="0"/>
-              </a:rPr>
-              <a:t> </a:t>
-            </a:r>
-            <a:r>
-              <a:rPr lang="de-DE" dirty="0">
-                <a:solidFill>
-                  <a:srgbClr val="000088"/>
-                </a:solidFill>
-                <a:latin typeface="Corbel" charset="0"/>
-              </a:rPr>
-              <a:t>$</a:t>
-            </a:r>
-            <a:r>
-              <a:rPr lang="de-DE" dirty="0" err="1">
-                <a:solidFill>
-                  <a:srgbClr val="000088"/>
-                </a:solidFill>
-                <a:latin typeface="Corbel" charset="0"/>
-              </a:rPr>
-              <a:t>db_link</a:t>
-            </a:r>
-            <a:r>
-              <a:rPr lang="de-DE" dirty="0">
-                <a:solidFill>
-                  <a:srgbClr val="000088"/>
-                </a:solidFill>
-                <a:latin typeface="Corbel" charset="0"/>
-              </a:rPr>
-              <a:t>, $</a:t>
-            </a:r>
-            <a:r>
-              <a:rPr lang="de-DE" dirty="0" err="1">
-                <a:solidFill>
-                  <a:srgbClr val="000088"/>
-                </a:solidFill>
-                <a:latin typeface="Corbel" charset="0"/>
-              </a:rPr>
-              <a:t>sql</a:t>
-            </a:r>
-            <a:r>
-              <a:rPr lang="de-DE" dirty="0">
-                <a:solidFill>
-                  <a:srgbClr val="000000"/>
-                </a:solidFill>
-                <a:latin typeface="Corbel" charset="0"/>
-              </a:rPr>
-              <a:t> </a:t>
-            </a:r>
-            <a:r>
-              <a:rPr lang="de-DE" dirty="0">
-                <a:solidFill>
-                  <a:srgbClr val="009900"/>
-                </a:solidFill>
-                <a:latin typeface="Corbel" charset="0"/>
-              </a:rPr>
-              <a:t>)</a:t>
-            </a:r>
-            <a:r>
-              <a:rPr lang="de-DE" dirty="0">
-                <a:solidFill>
-                  <a:srgbClr val="339933"/>
-                </a:solidFill>
-                <a:latin typeface="Corbel" charset="0"/>
-              </a:rPr>
-              <a:t>; //Query ausführen</a:t>
-            </a:r>
-            <a:r>
-              <a:rPr lang="de-DE" dirty="0">
-                <a:solidFill>
-                  <a:srgbClr val="000000"/>
-                </a:solidFill>
-                <a:latin typeface="Corbel" charset="0"/>
-              </a:rPr>
-              <a:t> </a:t>
+              <a:rPr lang="de-DE" dirty="0"/>
+              <a:t>            </a:t>
+            </a:r>
+            <a:r>
+              <a:rPr lang="de-DE" dirty="0" err="1"/>
+              <a:t>connect.close</a:t>
+            </a:r>
+            <a:r>
+              <a:rPr lang="de-DE" dirty="0"/>
+              <a:t>();</a:t>
             </a:r>
           </a:p>
           <a:p>
             <a:pPr marL="502920" lvl="1" indent="0">
+              <a:lnSpc>
+                <a:spcPct val="120000"/>
+              </a:lnSpc>
+              <a:spcBef>
+                <a:spcPts val="0"/>
+              </a:spcBef>
               <a:buNone/>
             </a:pPr>
             <a:r>
-              <a:rPr lang="de-DE" dirty="0" err="1">
-                <a:solidFill>
-                  <a:srgbClr val="B1B100"/>
-                </a:solidFill>
-                <a:latin typeface="Corbel" charset="0"/>
-              </a:rPr>
-              <a:t>if</a:t>
-            </a:r>
-            <a:r>
-              <a:rPr lang="de-DE" dirty="0">
-                <a:solidFill>
-                  <a:srgbClr val="000000"/>
-                </a:solidFill>
-                <a:latin typeface="Corbel" charset="0"/>
-              </a:rPr>
-              <a:t> </a:t>
-            </a:r>
-            <a:r>
-              <a:rPr lang="de-DE" dirty="0">
-                <a:solidFill>
-                  <a:srgbClr val="009900"/>
-                </a:solidFill>
-                <a:latin typeface="Corbel" charset="0"/>
-              </a:rPr>
-              <a:t>(</a:t>
-            </a:r>
-            <a:r>
-              <a:rPr lang="de-DE" dirty="0" err="1">
-                <a:solidFill>
-                  <a:srgbClr val="990000"/>
-                </a:solidFill>
-                <a:latin typeface="Corbel" charset="0"/>
-              </a:rPr>
-              <a:t>mysqli_connect_errno</a:t>
-            </a:r>
-            <a:r>
-              <a:rPr lang="de-DE" dirty="0">
-                <a:solidFill>
-                  <a:srgbClr val="990000"/>
-                </a:solidFill>
-                <a:latin typeface="Corbel" charset="0"/>
-              </a:rPr>
-              <a:t>()</a:t>
-            </a:r>
-            <a:r>
-              <a:rPr lang="de-DE" dirty="0">
-                <a:solidFill>
-                  <a:srgbClr val="000000"/>
-                </a:solidFill>
-                <a:latin typeface="Corbel" charset="0"/>
-              </a:rPr>
-              <a:t> </a:t>
-            </a:r>
-            <a:r>
-              <a:rPr lang="de-DE" dirty="0">
-                <a:solidFill>
-                  <a:srgbClr val="009900"/>
-                </a:solidFill>
-                <a:latin typeface="Corbel" charset="0"/>
-              </a:rPr>
-              <a:t>)</a:t>
-            </a:r>
-            <a:r>
-              <a:rPr lang="de-DE" dirty="0">
-                <a:solidFill>
-                  <a:srgbClr val="000000"/>
-                </a:solidFill>
-                <a:latin typeface="Corbel" charset="0"/>
-              </a:rPr>
-              <a:t> </a:t>
-            </a:r>
-            <a:r>
-              <a:rPr lang="de-DE" dirty="0">
-                <a:solidFill>
-                  <a:srgbClr val="009900"/>
-                </a:solidFill>
-                <a:latin typeface="Corbel" charset="0"/>
-              </a:rPr>
-              <a:t>{</a:t>
-            </a:r>
-            <a:r>
-              <a:rPr lang="de-DE" dirty="0">
-                <a:solidFill>
-                  <a:srgbClr val="000000"/>
-                </a:solidFill>
-                <a:latin typeface="Corbel" charset="0"/>
-              </a:rPr>
-              <a:t> </a:t>
-            </a:r>
-            <a:r>
-              <a:rPr lang="de-DE" dirty="0">
-                <a:solidFill>
-                  <a:srgbClr val="B1B100"/>
-                </a:solidFill>
-                <a:latin typeface="Corbel" charset="0"/>
-              </a:rPr>
-              <a:t>echo</a:t>
-            </a:r>
-            <a:r>
-              <a:rPr lang="de-DE" dirty="0">
-                <a:solidFill>
-                  <a:srgbClr val="000000"/>
-                </a:solidFill>
-                <a:latin typeface="Corbel" charset="0"/>
-              </a:rPr>
-              <a:t> </a:t>
-            </a:r>
-            <a:r>
-              <a:rPr lang="de-DE" dirty="0">
-                <a:solidFill>
-                  <a:srgbClr val="0000FF"/>
-                </a:solidFill>
-                <a:latin typeface="Corbel" charset="0"/>
-              </a:rPr>
-              <a:t>'Ungültige Abfrage: '</a:t>
-            </a:r>
-            <a:r>
-              <a:rPr lang="de-DE" dirty="0">
-                <a:solidFill>
-                  <a:srgbClr val="000000"/>
-                </a:solidFill>
-                <a:latin typeface="Corbel" charset="0"/>
-              </a:rPr>
-              <a:t> </a:t>
-            </a:r>
-            <a:r>
-              <a:rPr lang="de-DE" dirty="0">
-                <a:solidFill>
-                  <a:srgbClr val="339933"/>
-                </a:solidFill>
-                <a:latin typeface="Corbel" charset="0"/>
-              </a:rPr>
-              <a:t>.</a:t>
-            </a:r>
-            <a:r>
-              <a:rPr lang="de-DE" dirty="0">
-                <a:solidFill>
-                  <a:srgbClr val="000000"/>
-                </a:solidFill>
-                <a:latin typeface="Corbel" charset="0"/>
-              </a:rPr>
-              <a:t> </a:t>
-            </a:r>
-            <a:r>
-              <a:rPr lang="de-DE" dirty="0" err="1">
-                <a:solidFill>
-                  <a:srgbClr val="990000"/>
-                </a:solidFill>
-                <a:latin typeface="Corbel" charset="0"/>
-              </a:rPr>
-              <a:t>mysqli_error</a:t>
-            </a:r>
-            <a:r>
-              <a:rPr lang="de-DE" dirty="0">
-                <a:solidFill>
-                  <a:srgbClr val="009900"/>
-                </a:solidFill>
-                <a:latin typeface="Corbel" charset="0"/>
-              </a:rPr>
-              <a:t>())</a:t>
-            </a:r>
-            <a:r>
-              <a:rPr lang="de-DE" dirty="0">
-                <a:solidFill>
-                  <a:srgbClr val="339933"/>
-                </a:solidFill>
-                <a:latin typeface="Corbel" charset="0"/>
-              </a:rPr>
-              <a:t>;</a:t>
-            </a:r>
-            <a:r>
-              <a:rPr lang="de-DE" dirty="0">
-                <a:solidFill>
-                  <a:srgbClr val="000000"/>
-                </a:solidFill>
-                <a:latin typeface="Corbel" charset="0"/>
-              </a:rPr>
-              <a:t> </a:t>
-            </a:r>
-            <a:r>
-              <a:rPr lang="de-DE" dirty="0">
-                <a:solidFill>
-                  <a:srgbClr val="009900"/>
-                </a:solidFill>
-                <a:latin typeface="Corbel" charset="0"/>
-              </a:rPr>
-              <a:t>} //Query erfolgreich?</a:t>
-            </a:r>
-            <a:r>
-              <a:rPr lang="de-DE" dirty="0">
-                <a:solidFill>
-                  <a:srgbClr val="000000"/>
-                </a:solidFill>
-                <a:latin typeface="Corbel" charset="0"/>
-              </a:rPr>
-              <a:t>   </a:t>
+              <a:rPr lang="de-DE" dirty="0"/>
+              <a:t>        }</a:t>
             </a:r>
           </a:p>
           <a:p>
             <a:pPr marL="502920" lvl="1" indent="0">
+              <a:lnSpc>
+                <a:spcPct val="120000"/>
+              </a:lnSpc>
+              <a:spcBef>
+                <a:spcPts val="0"/>
+              </a:spcBef>
               <a:buNone/>
             </a:pPr>
             <a:r>
-              <a:rPr lang="de-DE" dirty="0" err="1">
-                <a:solidFill>
-                  <a:srgbClr val="B1B100"/>
-                </a:solidFill>
-                <a:latin typeface="Corbel" charset="0"/>
-              </a:rPr>
-              <a:t>while</a:t>
-            </a:r>
-            <a:r>
-              <a:rPr lang="de-DE" dirty="0">
-                <a:solidFill>
-                  <a:srgbClr val="000000"/>
-                </a:solidFill>
-                <a:latin typeface="Corbel" charset="0"/>
-              </a:rPr>
-              <a:t> </a:t>
-            </a:r>
-            <a:r>
-              <a:rPr lang="de-DE" dirty="0">
-                <a:solidFill>
-                  <a:srgbClr val="009900"/>
-                </a:solidFill>
-                <a:latin typeface="Corbel" charset="0"/>
-              </a:rPr>
-              <a:t>(</a:t>
-            </a:r>
-            <a:r>
-              <a:rPr lang="de-DE" dirty="0">
-                <a:solidFill>
-                  <a:srgbClr val="000088"/>
-                </a:solidFill>
-                <a:latin typeface="Corbel" charset="0"/>
-              </a:rPr>
-              <a:t>$</a:t>
-            </a:r>
-            <a:r>
-              <a:rPr lang="de-DE" dirty="0" err="1">
-                <a:solidFill>
-                  <a:srgbClr val="000088"/>
-                </a:solidFill>
-                <a:latin typeface="Corbel" charset="0"/>
-              </a:rPr>
-              <a:t>zeile</a:t>
-            </a:r>
-            <a:r>
-              <a:rPr lang="de-DE" dirty="0">
-                <a:solidFill>
-                  <a:srgbClr val="000000"/>
-                </a:solidFill>
-                <a:latin typeface="Corbel" charset="0"/>
-              </a:rPr>
-              <a:t> </a:t>
-            </a:r>
-            <a:r>
-              <a:rPr lang="de-DE" dirty="0">
-                <a:solidFill>
-                  <a:srgbClr val="339933"/>
-                </a:solidFill>
-                <a:latin typeface="Corbel" charset="0"/>
-              </a:rPr>
-              <a:t>=</a:t>
-            </a:r>
-            <a:r>
-              <a:rPr lang="de-DE" dirty="0">
-                <a:solidFill>
-                  <a:srgbClr val="000000"/>
-                </a:solidFill>
-                <a:latin typeface="Corbel" charset="0"/>
-              </a:rPr>
-              <a:t> </a:t>
-            </a:r>
-            <a:r>
-              <a:rPr lang="de-DE" dirty="0" err="1">
-                <a:solidFill>
-                  <a:srgbClr val="990000"/>
-                </a:solidFill>
-                <a:latin typeface="Corbel" charset="0"/>
-              </a:rPr>
-              <a:t>mysqli_fetch_array</a:t>
-            </a:r>
-            <a:r>
-              <a:rPr lang="de-DE" dirty="0">
-                <a:solidFill>
-                  <a:srgbClr val="009900"/>
-                </a:solidFill>
-                <a:latin typeface="Corbel" charset="0"/>
-              </a:rPr>
-              <a:t>(</a:t>
-            </a:r>
-            <a:r>
-              <a:rPr lang="de-DE" dirty="0">
-                <a:solidFill>
-                  <a:srgbClr val="000000"/>
-                </a:solidFill>
-                <a:latin typeface="Corbel" charset="0"/>
-              </a:rPr>
-              <a:t> </a:t>
-            </a:r>
-            <a:r>
-              <a:rPr lang="de-DE" dirty="0">
-                <a:solidFill>
-                  <a:srgbClr val="000088"/>
-                </a:solidFill>
-                <a:latin typeface="Corbel" charset="0"/>
-              </a:rPr>
-              <a:t>$</a:t>
-            </a:r>
-            <a:r>
-              <a:rPr lang="de-DE" dirty="0" err="1">
-                <a:solidFill>
-                  <a:srgbClr val="000088"/>
-                </a:solidFill>
-                <a:latin typeface="Corbel" charset="0"/>
-              </a:rPr>
-              <a:t>db_erg</a:t>
-            </a:r>
-            <a:r>
-              <a:rPr lang="de-DE" dirty="0">
-                <a:solidFill>
-                  <a:srgbClr val="339933"/>
-                </a:solidFill>
-                <a:latin typeface="Corbel" charset="0"/>
-              </a:rPr>
-              <a:t>,</a:t>
-            </a:r>
-            <a:r>
-              <a:rPr lang="de-DE" dirty="0">
-                <a:solidFill>
-                  <a:srgbClr val="000000"/>
-                </a:solidFill>
-                <a:latin typeface="Corbel" charset="0"/>
-              </a:rPr>
-              <a:t> MYSQLI_ASSOC</a:t>
-            </a:r>
-            <a:r>
-              <a:rPr lang="de-DE" dirty="0">
-                <a:solidFill>
-                  <a:srgbClr val="009900"/>
-                </a:solidFill>
-                <a:latin typeface="Corbel" charset="0"/>
-              </a:rPr>
-              <a:t>))</a:t>
-            </a:r>
-            <a:r>
-              <a:rPr lang="de-DE" dirty="0">
-                <a:solidFill>
-                  <a:srgbClr val="000000"/>
-                </a:solidFill>
-                <a:latin typeface="Corbel" charset="0"/>
-              </a:rPr>
-              <a:t> </a:t>
-            </a:r>
-            <a:r>
-              <a:rPr lang="de-DE" dirty="0">
-                <a:solidFill>
-                  <a:srgbClr val="009900"/>
-                </a:solidFill>
-                <a:latin typeface="Corbel" charset="0"/>
-              </a:rPr>
-              <a:t>{</a:t>
-            </a:r>
-            <a:r>
-              <a:rPr lang="de-DE" dirty="0">
-                <a:solidFill>
-                  <a:srgbClr val="000000"/>
-                </a:solidFill>
-                <a:latin typeface="Corbel" charset="0"/>
-              </a:rPr>
-              <a:t>  </a:t>
+              <a:rPr lang="de-DE" dirty="0"/>
+              <a:t>    }</a:t>
             </a:r>
           </a:p>
           <a:p>
             <a:pPr marL="502920" lvl="1" indent="0">
+              <a:lnSpc>
+                <a:spcPct val="120000"/>
+              </a:lnSpc>
+              <a:spcBef>
+                <a:spcPts val="0"/>
+              </a:spcBef>
               <a:buNone/>
             </a:pPr>
             <a:r>
-              <a:rPr lang="de-DE" dirty="0">
-                <a:solidFill>
-                  <a:srgbClr val="B1B100"/>
-                </a:solidFill>
-                <a:latin typeface="Corbel" charset="0"/>
-              </a:rPr>
-              <a:t>echo</a:t>
-            </a:r>
-            <a:r>
-              <a:rPr lang="de-DE" dirty="0">
-                <a:solidFill>
-                  <a:srgbClr val="000000"/>
-                </a:solidFill>
-                <a:latin typeface="Corbel" charset="0"/>
-              </a:rPr>
-              <a:t> </a:t>
-            </a:r>
-            <a:r>
-              <a:rPr lang="de-DE" dirty="0">
-                <a:solidFill>
-                  <a:srgbClr val="000088"/>
-                </a:solidFill>
-                <a:latin typeface="Corbel" charset="0"/>
-              </a:rPr>
-              <a:t>$</a:t>
-            </a:r>
-            <a:r>
-              <a:rPr lang="de-DE" dirty="0" err="1">
-                <a:solidFill>
-                  <a:srgbClr val="000088"/>
-                </a:solidFill>
-                <a:latin typeface="Corbel" charset="0"/>
-              </a:rPr>
-              <a:t>zeile</a:t>
-            </a:r>
-            <a:r>
-              <a:rPr lang="de-DE" dirty="0">
-                <a:solidFill>
-                  <a:srgbClr val="009900"/>
-                </a:solidFill>
-                <a:latin typeface="Corbel" charset="0"/>
-              </a:rPr>
-              <a:t>[</a:t>
-            </a:r>
-            <a:r>
-              <a:rPr lang="de-DE" dirty="0">
-                <a:solidFill>
-                  <a:srgbClr val="0000FF"/>
-                </a:solidFill>
-                <a:latin typeface="Corbel" charset="0"/>
-              </a:rPr>
-              <a:t>'SPALTENNAME'</a:t>
-            </a:r>
-            <a:r>
-              <a:rPr lang="de-DE" dirty="0">
-                <a:solidFill>
-                  <a:srgbClr val="009900"/>
-                </a:solidFill>
-                <a:latin typeface="Corbel" charset="0"/>
-              </a:rPr>
-              <a:t>]</a:t>
-            </a:r>
-            <a:r>
-              <a:rPr lang="de-DE" dirty="0">
-                <a:solidFill>
-                  <a:srgbClr val="000000"/>
-                </a:solidFill>
-                <a:latin typeface="Corbel" charset="0"/>
-              </a:rPr>
-              <a:t> </a:t>
-            </a:r>
-            <a:r>
-              <a:rPr lang="de-DE" dirty="0">
-                <a:solidFill>
-                  <a:srgbClr val="339933"/>
-                </a:solidFill>
-                <a:latin typeface="Corbel" charset="0"/>
-              </a:rPr>
-              <a:t>;</a:t>
-            </a:r>
-            <a:r>
-              <a:rPr lang="de-DE" dirty="0">
-                <a:solidFill>
-                  <a:srgbClr val="000000"/>
-                </a:solidFill>
-                <a:latin typeface="Corbel" charset="0"/>
-              </a:rPr>
-              <a:t>  </a:t>
-            </a:r>
+              <a:rPr lang="de-DE" dirty="0"/>
+              <a:t>} </a:t>
+            </a:r>
+            <a:endParaRPr lang="de-DE" dirty="0" smtClean="0"/>
           </a:p>
           <a:p>
             <a:pPr marL="502920" lvl="1" indent="0">
+              <a:spcBef>
+                <a:spcPts val="0"/>
+              </a:spcBef>
               <a:buNone/>
             </a:pPr>
-            <a:r>
-              <a:rPr lang="de-DE" dirty="0" err="1">
-                <a:solidFill>
-                  <a:srgbClr val="990000"/>
-                </a:solidFill>
-                <a:latin typeface="Corbel" charset="0"/>
-              </a:rPr>
-              <a:t>mysqli_free_result</a:t>
-            </a:r>
-            <a:r>
-              <a:rPr lang="de-DE" dirty="0">
-                <a:solidFill>
-                  <a:srgbClr val="009900"/>
-                </a:solidFill>
-                <a:latin typeface="Corbel" charset="0"/>
-              </a:rPr>
-              <a:t>(</a:t>
-            </a:r>
-            <a:r>
-              <a:rPr lang="de-DE" dirty="0">
-                <a:solidFill>
-                  <a:srgbClr val="000000"/>
-                </a:solidFill>
-                <a:latin typeface="Corbel" charset="0"/>
-              </a:rPr>
-              <a:t> </a:t>
-            </a:r>
-            <a:r>
-              <a:rPr lang="de-DE" dirty="0">
-                <a:solidFill>
-                  <a:srgbClr val="000088"/>
-                </a:solidFill>
-                <a:latin typeface="Corbel" charset="0"/>
-              </a:rPr>
-              <a:t>$</a:t>
-            </a:r>
-            <a:r>
-              <a:rPr lang="de-DE" dirty="0" err="1">
-                <a:solidFill>
-                  <a:srgbClr val="000088"/>
-                </a:solidFill>
-                <a:latin typeface="Corbel" charset="0"/>
-              </a:rPr>
-              <a:t>db_erg</a:t>
-            </a:r>
-            <a:r>
-              <a:rPr lang="de-DE" dirty="0">
-                <a:solidFill>
-                  <a:srgbClr val="000000"/>
-                </a:solidFill>
-                <a:latin typeface="Corbel" charset="0"/>
-              </a:rPr>
-              <a:t> </a:t>
-            </a:r>
-            <a:r>
-              <a:rPr lang="de-DE" dirty="0">
-                <a:solidFill>
-                  <a:srgbClr val="009900"/>
-                </a:solidFill>
-                <a:latin typeface="Corbel" charset="0"/>
-              </a:rPr>
-              <a:t>)</a:t>
-            </a:r>
-            <a:r>
-              <a:rPr lang="de-DE" dirty="0">
-                <a:solidFill>
-                  <a:srgbClr val="339933"/>
-                </a:solidFill>
-                <a:latin typeface="Corbel" charset="0"/>
-              </a:rPr>
-              <a:t>;            //Speicher freigeben</a:t>
-            </a:r>
-          </a:p>
-          <a:p>
-            <a:pPr marL="502920" lvl="1" indent="0">
-              <a:buNone/>
-            </a:pPr>
-            <a:r>
-              <a:rPr lang="de-DE" dirty="0" err="1">
-                <a:solidFill>
-                  <a:srgbClr val="990000"/>
-                </a:solidFill>
-                <a:latin typeface="Corbel" charset="0"/>
-              </a:rPr>
-              <a:t>mysqli_close</a:t>
-            </a:r>
-            <a:r>
-              <a:rPr lang="de-DE" dirty="0">
-                <a:solidFill>
-                  <a:srgbClr val="009900"/>
-                </a:solidFill>
-                <a:latin typeface="Corbel" charset="0"/>
-              </a:rPr>
-              <a:t>(</a:t>
-            </a:r>
-            <a:r>
-              <a:rPr lang="de-DE" dirty="0">
-                <a:solidFill>
-                  <a:srgbClr val="990000"/>
-                </a:solidFill>
-                <a:latin typeface="Corbel" charset="0"/>
-              </a:rPr>
-              <a:t> </a:t>
-            </a:r>
-            <a:r>
-              <a:rPr lang="de-DE" dirty="0">
-                <a:solidFill>
-                  <a:srgbClr val="000088"/>
-                </a:solidFill>
-                <a:latin typeface="Corbel" charset="0"/>
-              </a:rPr>
-              <a:t>$</a:t>
-            </a:r>
-            <a:r>
-              <a:rPr lang="de-DE" dirty="0" err="1">
-                <a:solidFill>
-                  <a:srgbClr val="000088"/>
-                </a:solidFill>
-                <a:latin typeface="Corbel" charset="0"/>
-              </a:rPr>
-              <a:t>db_link</a:t>
-            </a:r>
-            <a:r>
-              <a:rPr lang="de-DE" dirty="0">
-                <a:solidFill>
-                  <a:srgbClr val="000088"/>
-                </a:solidFill>
-                <a:latin typeface="Corbel" charset="0"/>
-              </a:rPr>
-              <a:t> </a:t>
-            </a:r>
-            <a:r>
-              <a:rPr lang="de-DE" dirty="0">
-                <a:solidFill>
-                  <a:srgbClr val="009900"/>
-                </a:solidFill>
-                <a:latin typeface="Corbel" charset="0"/>
-              </a:rPr>
-              <a:t>)</a:t>
-            </a:r>
-            <a:r>
-              <a:rPr lang="de-DE" dirty="0">
-                <a:solidFill>
-                  <a:srgbClr val="339933"/>
-                </a:solidFill>
-                <a:latin typeface="Corbel" charset="0"/>
-              </a:rPr>
-              <a:t>;                       //Datenbankverbindung schließen</a:t>
-            </a:r>
-            <a:r>
-              <a:rPr lang="de-DE" dirty="0">
-                <a:solidFill>
-                  <a:srgbClr val="000000"/>
-                </a:solidFill>
-                <a:latin typeface="Corbel" charset="0"/>
-              </a:rPr>
-              <a:t>  </a:t>
-            </a:r>
-          </a:p>
-          <a:p>
-            <a:pPr marL="502920" lvl="1" indent="0">
-              <a:buNone/>
-            </a:pPr>
-            <a:r>
-              <a:rPr lang="de-DE" dirty="0">
-                <a:solidFill>
-                  <a:srgbClr val="000000"/>
-                </a:solidFill>
-                <a:latin typeface="Corbel" charset="0"/>
-              </a:rPr>
-              <a:t>?&gt;</a:t>
-            </a:r>
-          </a:p>
-          <a:p>
             <a:endParaRPr lang="de-DE" dirty="0"/>
           </a:p>
         </p:txBody>
@@ -6685,7 +6400,7 @@
     </p:spTree>
     <p:extLst>
       <p:ext uri="{BB962C8B-B14F-4D97-AF65-F5344CB8AC3E}">
-        <p14:creationId xmlns:p14="http://schemas.microsoft.com/office/powerpoint/2010/main" val="1567986222"/>
+        <p14:creationId xmlns:p14="http://schemas.microsoft.com/office/powerpoint/2010/main" val="2819354915"/>
       </p:ext>
     </p:extLst>
   </p:cSld>
@@ -6729,953 +6444,65 @@
             <p:ph type="title"/>
           </p:nvPr>
         </p:nvSpPr>
-        <p:spPr>
-          <a:xfrm>
-            <a:off x="-1373" y="1123950"/>
-            <a:ext cx="3412911" cy="4600575"/>
-          </a:xfrm>
-        </p:spPr>
-        <p:txBody>
-          <a:bodyPr/>
-          <a:lstStyle/>
-          <a:p>
+        <p:spPr/>
+        <p:txBody>
+          <a:bodyPr/>
+          <a:lstStyle/>
+          <a:p>
+            <a:r>
+              <a:rPr lang="de-DE" dirty="0"/>
+              <a:t>4</a:t>
+            </a:r>
             <a:r>
               <a:rPr lang="de-DE" dirty="0" smtClean="0"/>
-              <a:t>3.Einbinden </a:t>
-            </a:r>
-            <a:br>
+              <a:t>. </a:t>
+            </a:r>
+            <a:r>
+              <a:rPr lang="de-DE" dirty="0"/>
+              <a:t>Syntax </a:t>
+            </a:r>
+            <a:r>
               <a:rPr lang="de-DE" dirty="0" smtClean="0"/>
-            </a:br>
+              <a:t> SQL-Befehle</a:t>
+            </a:r>
+            <a:endParaRPr lang="de-DE" dirty="0"/>
+          </a:p>
+        </p:txBody>
+      </p:sp>
+      <p:sp>
+        <p:nvSpPr>
+          <p:cNvPr id="3" name="Textplatzhalter 2"/>
+          <p:cNvSpPr>
+            <a:spLocks noGrp="1"/>
+          </p:cNvSpPr>
+          <p:nvPr>
+            <p:ph type="body" idx="1"/>
+          </p:nvPr>
+        </p:nvSpPr>
+        <p:spPr/>
+        <p:txBody>
+          <a:bodyPr/>
+          <a:lstStyle/>
+          <a:p>
+            <a:r>
+              <a:rPr lang="de-DE" dirty="0"/>
+              <a:t>Zum </a:t>
+            </a:r>
             <a:r>
               <a:rPr lang="de-DE" dirty="0" smtClean="0"/>
-              <a:t>mit JDBC</a:t>
-            </a:r>
-            <a:endParaRPr lang="de-DE" dirty="0"/>
-          </a:p>
-        </p:txBody>
-      </p:sp>
-      <p:sp>
-        <p:nvSpPr>
-          <p:cNvPr id="3" name="Inhaltsplatzhalter 2"/>
-          <p:cNvSpPr>
-            <a:spLocks noGrp="1"/>
-          </p:cNvSpPr>
-          <p:nvPr>
-            <p:ph idx="1"/>
-          </p:nvPr>
-        </p:nvSpPr>
-        <p:spPr/>
-        <p:txBody>
-          <a:bodyPr>
-            <a:normAutofit fontScale="62500" lnSpcReduction="20000"/>
-          </a:bodyPr>
-          <a:lstStyle/>
-          <a:p>
-            <a:r>
-              <a:rPr lang="de-DE" dirty="0" smtClean="0"/>
-              <a:t>In Java Applikationen z.B. mit JDBC:</a:t>
-            </a:r>
-          </a:p>
-          <a:p>
-            <a:endParaRPr lang="de-DE" dirty="0" smtClean="0"/>
-          </a:p>
-          <a:p>
-            <a:pPr marL="502920" lvl="1" indent="0">
-              <a:lnSpc>
-                <a:spcPct val="120000"/>
-              </a:lnSpc>
-              <a:spcBef>
-                <a:spcPts val="0"/>
-              </a:spcBef>
-              <a:buNone/>
-            </a:pPr>
-            <a:r>
-              <a:rPr lang="de-DE" dirty="0" err="1">
-                <a:solidFill>
-                  <a:schemeClr val="accent3"/>
-                </a:solidFill>
-              </a:rPr>
-              <a:t>public</a:t>
+              <a:t>Auslesen, Updaten, Löschen, … </a:t>
             </a:r>
             <a:r>
               <a:rPr lang="de-DE" dirty="0"/>
-              <a:t> </a:t>
-            </a:r>
-            <a:r>
-              <a:rPr lang="de-DE" dirty="0" err="1">
-                <a:solidFill>
-                  <a:schemeClr val="accent3"/>
-                </a:solidFill>
-              </a:rPr>
-              <a:t>class</a:t>
-            </a:r>
-            <a:r>
-              <a:rPr lang="de-DE" dirty="0"/>
-              <a:t> </a:t>
-            </a:r>
-            <a:r>
-              <a:rPr lang="de-DE" dirty="0" err="1"/>
-              <a:t>DatenbankZugriff</a:t>
-            </a:r>
-            <a:r>
-              <a:rPr lang="de-DE" dirty="0"/>
-              <a:t> </a:t>
-            </a:r>
-            <a:r>
-              <a:rPr lang="de-DE" dirty="0" smtClean="0"/>
-              <a:t>{</a:t>
-            </a:r>
-          </a:p>
-          <a:p>
-            <a:pPr marL="502920" lvl="1" indent="0">
-              <a:lnSpc>
-                <a:spcPct val="120000"/>
-              </a:lnSpc>
-              <a:spcBef>
-                <a:spcPts val="0"/>
-              </a:spcBef>
-              <a:buNone/>
-            </a:pPr>
-            <a:r>
-              <a:rPr lang="de-DE" dirty="0" smtClean="0">
-                <a:solidFill>
-                  <a:schemeClr val="accent3"/>
-                </a:solidFill>
-              </a:rPr>
-              <a:t>private</a:t>
-            </a:r>
-            <a:r>
-              <a:rPr lang="de-DE" dirty="0" smtClean="0"/>
-              <a:t> </a:t>
-            </a:r>
-            <a:r>
-              <a:rPr lang="de-DE" dirty="0"/>
-              <a:t>Connection </a:t>
-            </a:r>
-            <a:r>
-              <a:rPr lang="de-DE" dirty="0" err="1"/>
-              <a:t>connect</a:t>
-            </a:r>
-            <a:r>
-              <a:rPr lang="de-DE" dirty="0"/>
-              <a:t> = </a:t>
-            </a:r>
-            <a:r>
-              <a:rPr lang="de-DE" dirty="0">
-                <a:solidFill>
-                  <a:schemeClr val="accent3"/>
-                </a:solidFill>
-              </a:rPr>
-              <a:t>null</a:t>
-            </a:r>
-            <a:r>
-              <a:rPr lang="de-DE" dirty="0"/>
-              <a:t>;</a:t>
-            </a:r>
-          </a:p>
-          <a:p>
-            <a:pPr marL="502920" lvl="1" indent="0">
-              <a:lnSpc>
-                <a:spcPct val="120000"/>
-              </a:lnSpc>
-              <a:spcBef>
-                <a:spcPts val="0"/>
-              </a:spcBef>
-              <a:buNone/>
-            </a:pPr>
-            <a:r>
-              <a:rPr lang="de-DE" dirty="0"/>
-              <a:t>    </a:t>
-            </a:r>
-            <a:r>
-              <a:rPr lang="de-DE" dirty="0">
-                <a:solidFill>
-                  <a:schemeClr val="accent3"/>
-                </a:solidFill>
-              </a:rPr>
-              <a:t>private</a:t>
-            </a:r>
-            <a:r>
-              <a:rPr lang="de-DE" dirty="0"/>
-              <a:t> Statement </a:t>
-            </a:r>
-            <a:r>
-              <a:rPr lang="de-DE" dirty="0" err="1"/>
-              <a:t>statement</a:t>
-            </a:r>
-            <a:r>
-              <a:rPr lang="de-DE" dirty="0"/>
-              <a:t> = </a:t>
-            </a:r>
-            <a:r>
-              <a:rPr lang="de-DE" dirty="0">
-                <a:solidFill>
-                  <a:schemeClr val="accent3"/>
-                </a:solidFill>
-              </a:rPr>
-              <a:t>null</a:t>
-            </a:r>
-            <a:r>
-              <a:rPr lang="de-DE" dirty="0"/>
-              <a:t>;</a:t>
-            </a:r>
-          </a:p>
-          <a:p>
-            <a:pPr marL="502920" lvl="1" indent="0">
-              <a:lnSpc>
-                <a:spcPct val="120000"/>
-              </a:lnSpc>
-              <a:spcBef>
-                <a:spcPts val="0"/>
-              </a:spcBef>
-              <a:buNone/>
-            </a:pPr>
-            <a:r>
-              <a:rPr lang="de-DE" dirty="0"/>
-              <a:t>    </a:t>
-            </a:r>
-            <a:r>
-              <a:rPr lang="de-DE" dirty="0">
-                <a:solidFill>
-                  <a:schemeClr val="accent3"/>
-                </a:solidFill>
-              </a:rPr>
-              <a:t>private</a:t>
-            </a:r>
-            <a:r>
-              <a:rPr lang="de-DE" dirty="0"/>
-              <a:t> </a:t>
-            </a:r>
-            <a:r>
-              <a:rPr lang="de-DE" dirty="0" err="1"/>
-              <a:t>PreparedStatement</a:t>
-            </a:r>
-            <a:r>
-              <a:rPr lang="de-DE" dirty="0"/>
-              <a:t> </a:t>
-            </a:r>
-            <a:r>
-              <a:rPr lang="de-DE" dirty="0" err="1"/>
-              <a:t>preparedStatement</a:t>
-            </a:r>
-            <a:r>
-              <a:rPr lang="de-DE" dirty="0"/>
-              <a:t> = </a:t>
-            </a:r>
-            <a:r>
-              <a:rPr lang="de-DE" dirty="0">
-                <a:solidFill>
-                  <a:schemeClr val="accent3"/>
-                </a:solidFill>
-              </a:rPr>
-              <a:t>null</a:t>
-            </a:r>
-            <a:r>
-              <a:rPr lang="de-DE" dirty="0"/>
-              <a:t>;</a:t>
-            </a:r>
-          </a:p>
-          <a:p>
-            <a:pPr marL="502920" lvl="1" indent="0">
-              <a:lnSpc>
-                <a:spcPct val="120000"/>
-              </a:lnSpc>
-              <a:spcBef>
-                <a:spcPts val="0"/>
-              </a:spcBef>
-              <a:buNone/>
-            </a:pPr>
-            <a:r>
-              <a:rPr lang="de-DE" dirty="0"/>
-              <a:t>    </a:t>
-            </a:r>
-            <a:r>
-              <a:rPr lang="de-DE" dirty="0">
-                <a:solidFill>
-                  <a:schemeClr val="accent3"/>
-                </a:solidFill>
-              </a:rPr>
-              <a:t>private</a:t>
-            </a:r>
-            <a:r>
-              <a:rPr lang="de-DE" dirty="0"/>
-              <a:t> </a:t>
-            </a:r>
-            <a:r>
-              <a:rPr lang="de-DE" dirty="0" err="1"/>
-              <a:t>ResultSet</a:t>
-            </a:r>
-            <a:r>
-              <a:rPr lang="de-DE" dirty="0"/>
-              <a:t> </a:t>
-            </a:r>
-            <a:r>
-              <a:rPr lang="de-DE" dirty="0" err="1"/>
-              <a:t>resultSet</a:t>
-            </a:r>
-            <a:r>
-              <a:rPr lang="de-DE" dirty="0"/>
-              <a:t> = </a:t>
-            </a:r>
-            <a:r>
-              <a:rPr lang="de-DE" dirty="0">
-                <a:solidFill>
-                  <a:schemeClr val="accent3"/>
-                </a:solidFill>
-              </a:rPr>
-              <a:t>null</a:t>
-            </a:r>
-            <a:r>
-              <a:rPr lang="de-DE" dirty="0" smtClean="0"/>
-              <a:t>;</a:t>
-            </a:r>
-            <a:endParaRPr lang="de-DE" dirty="0"/>
-          </a:p>
-          <a:p>
-            <a:pPr marL="502920" lvl="1" indent="0">
-              <a:lnSpc>
-                <a:spcPct val="120000"/>
-              </a:lnSpc>
-              <a:spcBef>
-                <a:spcPts val="0"/>
-              </a:spcBef>
-              <a:buNone/>
-            </a:pPr>
-            <a:r>
-              <a:rPr lang="de-DE" dirty="0"/>
-              <a:t>    </a:t>
-            </a:r>
-            <a:r>
-              <a:rPr lang="de-DE" dirty="0" err="1">
-                <a:solidFill>
-                  <a:schemeClr val="accent3"/>
-                </a:solidFill>
-              </a:rPr>
-              <a:t>public</a:t>
-            </a:r>
-            <a:r>
-              <a:rPr lang="de-DE" dirty="0"/>
-              <a:t> </a:t>
-            </a:r>
-            <a:r>
-              <a:rPr lang="de-DE" dirty="0" err="1">
-                <a:solidFill>
-                  <a:schemeClr val="accent3"/>
-                </a:solidFill>
-              </a:rPr>
-              <a:t>void</a:t>
-            </a:r>
-            <a:r>
-              <a:rPr lang="de-DE" dirty="0"/>
-              <a:t> </a:t>
-            </a:r>
-            <a:r>
-              <a:rPr lang="de-DE" dirty="0" err="1"/>
-              <a:t>readDataBase</a:t>
-            </a:r>
-            <a:r>
-              <a:rPr lang="de-DE" dirty="0"/>
-              <a:t>() </a:t>
-            </a:r>
-            <a:r>
-              <a:rPr lang="de-DE" dirty="0" err="1">
-                <a:solidFill>
-                  <a:schemeClr val="accent3"/>
-                </a:solidFill>
-              </a:rPr>
-              <a:t>throws</a:t>
-            </a:r>
-            <a:r>
-              <a:rPr lang="de-DE" dirty="0"/>
-              <a:t> </a:t>
-            </a:r>
-            <a:r>
-              <a:rPr lang="de-DE" dirty="0" err="1"/>
-              <a:t>Exception</a:t>
-            </a:r>
-            <a:r>
-              <a:rPr lang="de-DE" dirty="0"/>
-              <a:t> {</a:t>
-            </a:r>
-          </a:p>
-          <a:p>
-            <a:pPr marL="502920" lvl="1" indent="0">
-              <a:lnSpc>
-                <a:spcPct val="120000"/>
-              </a:lnSpc>
-              <a:spcBef>
-                <a:spcPts val="0"/>
-              </a:spcBef>
-              <a:buNone/>
-            </a:pPr>
-            <a:r>
-              <a:rPr lang="de-DE" dirty="0"/>
-              <a:t>        </a:t>
-            </a:r>
-            <a:r>
-              <a:rPr lang="de-DE" dirty="0" err="1">
-                <a:solidFill>
-                  <a:schemeClr val="accent3"/>
-                </a:solidFill>
-              </a:rPr>
-              <a:t>try</a:t>
-            </a:r>
-            <a:r>
-              <a:rPr lang="de-DE" dirty="0"/>
-              <a:t> {</a:t>
-            </a:r>
-          </a:p>
-          <a:p>
-            <a:pPr marL="502920" lvl="1" indent="0">
-              <a:lnSpc>
-                <a:spcPct val="120000"/>
-              </a:lnSpc>
-              <a:spcBef>
-                <a:spcPts val="0"/>
-              </a:spcBef>
-              <a:buNone/>
-            </a:pPr>
-            <a:r>
-              <a:rPr lang="de-DE" dirty="0"/>
-              <a:t>            </a:t>
-            </a:r>
-            <a:r>
-              <a:rPr lang="de-DE" dirty="0" err="1"/>
-              <a:t>Class.forName</a:t>
-            </a:r>
-            <a:r>
-              <a:rPr lang="de-DE" dirty="0"/>
-              <a:t>("</a:t>
-            </a:r>
-            <a:r>
-              <a:rPr lang="de-DE" dirty="0" err="1"/>
-              <a:t>com.mysql.jdbc.Driver</a:t>
-            </a:r>
-            <a:r>
-              <a:rPr lang="de-DE" dirty="0"/>
-              <a:t>");</a:t>
-            </a:r>
-          </a:p>
-          <a:p>
-            <a:pPr marL="502920" lvl="1" indent="0">
-              <a:lnSpc>
-                <a:spcPct val="120000"/>
-              </a:lnSpc>
-              <a:spcBef>
-                <a:spcPts val="0"/>
-              </a:spcBef>
-              <a:buNone/>
-            </a:pPr>
-            <a:r>
-              <a:rPr lang="de-DE" dirty="0"/>
-              <a:t>            </a:t>
-            </a:r>
-            <a:r>
-              <a:rPr lang="de-DE" dirty="0" err="1"/>
-              <a:t>connect</a:t>
-            </a:r>
-            <a:r>
-              <a:rPr lang="de-DE" dirty="0"/>
-              <a:t> </a:t>
-            </a:r>
-            <a:r>
-              <a:rPr lang="de-DE" dirty="0" smtClean="0"/>
-              <a:t>= </a:t>
-            </a:r>
-            <a:r>
-              <a:rPr lang="de-DE" dirty="0" err="1" smtClean="0"/>
-              <a:t>DriverManager.getConnection</a:t>
-            </a:r>
-            <a:r>
-              <a:rPr lang="de-DE" dirty="0"/>
-              <a:t>(</a:t>
-            </a:r>
-            <a:r>
-              <a:rPr lang="de-DE" dirty="0">
-                <a:solidFill>
-                  <a:srgbClr val="00B050"/>
-                </a:solidFill>
-              </a:rPr>
-              <a:t>"</a:t>
-            </a:r>
-            <a:r>
-              <a:rPr lang="de-DE" dirty="0" err="1">
-                <a:solidFill>
-                  <a:srgbClr val="00B050"/>
-                </a:solidFill>
-              </a:rPr>
-              <a:t>jdbc:mysql</a:t>
-            </a:r>
-            <a:r>
-              <a:rPr lang="de-DE" dirty="0">
-                <a:solidFill>
-                  <a:srgbClr val="00B050"/>
-                </a:solidFill>
-              </a:rPr>
-              <a:t>://</a:t>
-            </a:r>
-            <a:r>
-              <a:rPr lang="de-DE" dirty="0" err="1">
-                <a:solidFill>
-                  <a:srgbClr val="00B050"/>
-                </a:solidFill>
-              </a:rPr>
-              <a:t>localhost</a:t>
-            </a:r>
-            <a:r>
-              <a:rPr lang="de-DE" dirty="0">
-                <a:solidFill>
-                  <a:srgbClr val="00B050"/>
-                </a:solidFill>
-              </a:rPr>
-              <a:t>/</a:t>
-            </a:r>
-            <a:r>
-              <a:rPr lang="de-DE" dirty="0" err="1">
-                <a:solidFill>
-                  <a:srgbClr val="00B050"/>
-                </a:solidFill>
-              </a:rPr>
-              <a:t>feedback</a:t>
-            </a:r>
-            <a:r>
-              <a:rPr lang="de-DE" dirty="0" smtClean="0">
-                <a:solidFill>
-                  <a:srgbClr val="00B050"/>
-                </a:solidFill>
-              </a:rPr>
-              <a:t>?“                                                                                                                                                                                               + “</a:t>
-            </a:r>
-            <a:r>
-              <a:rPr lang="de-DE" dirty="0" err="1" smtClean="0">
-                <a:solidFill>
-                  <a:srgbClr val="00B050"/>
-                </a:solidFill>
-              </a:rPr>
-              <a:t>user</a:t>
-            </a:r>
-            <a:r>
-              <a:rPr lang="de-DE" dirty="0" smtClean="0">
-                <a:solidFill>
-                  <a:srgbClr val="00B050"/>
-                </a:solidFill>
-              </a:rPr>
-              <a:t>=</a:t>
-            </a:r>
-            <a:r>
-              <a:rPr lang="de-DE" dirty="0" err="1" smtClean="0">
-                <a:solidFill>
-                  <a:srgbClr val="00B050"/>
-                </a:solidFill>
-              </a:rPr>
-              <a:t>sqluser&amp;password</a:t>
-            </a:r>
-            <a:r>
-              <a:rPr lang="de-DE" dirty="0" smtClean="0">
-                <a:solidFill>
-                  <a:srgbClr val="00B050"/>
-                </a:solidFill>
-              </a:rPr>
-              <a:t>=</a:t>
-            </a:r>
-            <a:r>
-              <a:rPr lang="de-DE" dirty="0" err="1" smtClean="0">
-                <a:solidFill>
-                  <a:srgbClr val="00B050"/>
-                </a:solidFill>
-              </a:rPr>
-              <a:t>sqluserpw</a:t>
-            </a:r>
-            <a:r>
-              <a:rPr lang="de-DE" dirty="0">
-                <a:solidFill>
-                  <a:srgbClr val="00B050"/>
-                </a:solidFill>
-              </a:rPr>
-              <a:t>"</a:t>
-            </a:r>
-            <a:r>
-              <a:rPr lang="de-DE" dirty="0"/>
-              <a:t>);</a:t>
-            </a:r>
-          </a:p>
-          <a:p>
-            <a:pPr marL="502920" lvl="1" indent="0">
-              <a:lnSpc>
-                <a:spcPct val="120000"/>
-              </a:lnSpc>
-              <a:spcBef>
-                <a:spcPts val="0"/>
-              </a:spcBef>
-              <a:buNone/>
-            </a:pPr>
-            <a:r>
-              <a:rPr lang="de-DE" dirty="0"/>
-              <a:t>            </a:t>
-            </a:r>
-            <a:r>
-              <a:rPr lang="de-DE" dirty="0" err="1"/>
-              <a:t>statement</a:t>
-            </a:r>
-            <a:r>
-              <a:rPr lang="de-DE" dirty="0"/>
-              <a:t> = </a:t>
-            </a:r>
-            <a:r>
-              <a:rPr lang="de-DE" dirty="0" err="1"/>
-              <a:t>connect.createStatement</a:t>
-            </a:r>
-            <a:r>
-              <a:rPr lang="de-DE" dirty="0"/>
-              <a:t>();</a:t>
-            </a:r>
-          </a:p>
-          <a:p>
-            <a:pPr marL="502920" lvl="1" indent="0">
-              <a:lnSpc>
-                <a:spcPct val="120000"/>
-              </a:lnSpc>
-              <a:spcBef>
-                <a:spcPts val="0"/>
-              </a:spcBef>
-              <a:buNone/>
-            </a:pPr>
-            <a:r>
-              <a:rPr lang="de-DE" dirty="0"/>
-              <a:t>            </a:t>
-            </a:r>
-            <a:r>
-              <a:rPr lang="de-DE" dirty="0" err="1"/>
-              <a:t>resultSet</a:t>
-            </a:r>
-            <a:r>
-              <a:rPr lang="de-DE" dirty="0"/>
-              <a:t> = </a:t>
-            </a:r>
-            <a:r>
-              <a:rPr lang="de-DE" dirty="0" err="1"/>
-              <a:t>statement.executeQuery</a:t>
-            </a:r>
-            <a:r>
-              <a:rPr lang="de-DE" dirty="0"/>
-              <a:t>(</a:t>
-            </a:r>
-            <a:r>
-              <a:rPr lang="de-DE" dirty="0">
-                <a:solidFill>
-                  <a:srgbClr val="00B050"/>
-                </a:solidFill>
-              </a:rPr>
-              <a:t>"</a:t>
-            </a:r>
-            <a:r>
-              <a:rPr lang="de-DE" dirty="0" err="1">
-                <a:solidFill>
-                  <a:srgbClr val="00B050"/>
-                </a:solidFill>
-              </a:rPr>
-              <a:t>select</a:t>
-            </a:r>
-            <a:r>
-              <a:rPr lang="de-DE" dirty="0">
-                <a:solidFill>
-                  <a:srgbClr val="00B050"/>
-                </a:solidFill>
-              </a:rPr>
-              <a:t> * </a:t>
-            </a:r>
-            <a:r>
-              <a:rPr lang="de-DE" dirty="0" err="1">
-                <a:solidFill>
-                  <a:srgbClr val="00B050"/>
-                </a:solidFill>
-              </a:rPr>
-              <a:t>from</a:t>
-            </a:r>
-            <a:r>
-              <a:rPr lang="de-DE" dirty="0">
-                <a:solidFill>
-                  <a:srgbClr val="00B050"/>
-                </a:solidFill>
-              </a:rPr>
-              <a:t> </a:t>
-            </a:r>
-            <a:r>
-              <a:rPr lang="de-DE" dirty="0" err="1">
-                <a:solidFill>
-                  <a:srgbClr val="00B050"/>
-                </a:solidFill>
-              </a:rPr>
-              <a:t>users</a:t>
-            </a:r>
-            <a:r>
-              <a:rPr lang="de-DE" dirty="0" smtClean="0">
-                <a:solidFill>
-                  <a:srgbClr val="00B050"/>
-                </a:solidFill>
-              </a:rPr>
-              <a:t>"</a:t>
-            </a:r>
-            <a:r>
-              <a:rPr lang="de-DE" dirty="0" smtClean="0"/>
-              <a:t>);</a:t>
-            </a:r>
-          </a:p>
-          <a:p>
-            <a:pPr marL="502920" lvl="1" indent="0">
-              <a:lnSpc>
-                <a:spcPct val="120000"/>
-              </a:lnSpc>
-              <a:spcBef>
-                <a:spcPts val="0"/>
-              </a:spcBef>
-              <a:buNone/>
-            </a:pPr>
-            <a:r>
-              <a:rPr lang="de-DE" dirty="0" smtClean="0"/>
-              <a:t>            </a:t>
-            </a:r>
-            <a:r>
-              <a:rPr lang="de-DE" dirty="0"/>
-              <a:t>//Ausgabe von </a:t>
-            </a:r>
-            <a:r>
-              <a:rPr lang="de-DE" dirty="0" err="1"/>
-              <a:t>resultSet</a:t>
-            </a:r>
-            <a:r>
-              <a:rPr lang="de-DE" dirty="0"/>
-              <a:t> </a:t>
-            </a:r>
-            <a:r>
-              <a:rPr lang="de-DE" dirty="0" err="1"/>
-              <a:t>System.out.println</a:t>
-            </a:r>
-            <a:r>
-              <a:rPr lang="de-DE" dirty="0" smtClean="0"/>
-              <a:t>();</a:t>
-            </a:r>
-            <a:endParaRPr lang="de-DE" dirty="0"/>
-          </a:p>
-          <a:p>
-            <a:pPr marL="502920" lvl="1" indent="0">
-              <a:lnSpc>
-                <a:spcPct val="120000"/>
-              </a:lnSpc>
-              <a:spcBef>
-                <a:spcPts val="0"/>
-              </a:spcBef>
-              <a:buNone/>
-            </a:pPr>
-            <a:r>
-              <a:rPr lang="de-DE" dirty="0"/>
-              <a:t>        } </a:t>
-            </a:r>
-            <a:r>
-              <a:rPr lang="de-DE" dirty="0">
-                <a:solidFill>
-                  <a:schemeClr val="accent3"/>
-                </a:solidFill>
-              </a:rPr>
-              <a:t>catch</a:t>
-            </a:r>
-            <a:r>
-              <a:rPr lang="de-DE" dirty="0"/>
-              <a:t> (</a:t>
-            </a:r>
-            <a:r>
-              <a:rPr lang="de-DE" dirty="0" err="1"/>
-              <a:t>Exception</a:t>
-            </a:r>
-            <a:r>
-              <a:rPr lang="de-DE" dirty="0"/>
-              <a:t> e) {</a:t>
-            </a:r>
-          </a:p>
-          <a:p>
-            <a:pPr marL="502920" lvl="1" indent="0">
-              <a:lnSpc>
-                <a:spcPct val="120000"/>
-              </a:lnSpc>
-              <a:spcBef>
-                <a:spcPts val="0"/>
-              </a:spcBef>
-              <a:buNone/>
-            </a:pPr>
-            <a:r>
-              <a:rPr lang="de-DE" dirty="0"/>
-              <a:t>            </a:t>
-            </a:r>
-            <a:r>
-              <a:rPr lang="de-DE" dirty="0" err="1">
-                <a:solidFill>
-                  <a:schemeClr val="accent3"/>
-                </a:solidFill>
-              </a:rPr>
-              <a:t>throw</a:t>
-            </a:r>
-            <a:r>
-              <a:rPr lang="de-DE" dirty="0"/>
-              <a:t> e;</a:t>
-            </a:r>
-          </a:p>
-          <a:p>
-            <a:pPr marL="502920" lvl="1" indent="0">
-              <a:lnSpc>
-                <a:spcPct val="120000"/>
-              </a:lnSpc>
-              <a:spcBef>
-                <a:spcPts val="0"/>
-              </a:spcBef>
-              <a:buNone/>
-            </a:pPr>
-            <a:r>
-              <a:rPr lang="de-DE" dirty="0"/>
-              <a:t>        } </a:t>
-            </a:r>
-            <a:r>
-              <a:rPr lang="de-DE" dirty="0" err="1">
-                <a:solidFill>
-                  <a:schemeClr val="accent3"/>
-                </a:solidFill>
-              </a:rPr>
-              <a:t>finally</a:t>
-            </a:r>
-            <a:r>
-              <a:rPr lang="de-DE" dirty="0"/>
-              <a:t> {</a:t>
-            </a:r>
-          </a:p>
-          <a:p>
-            <a:pPr marL="502920" lvl="1" indent="0">
-              <a:lnSpc>
-                <a:spcPct val="120000"/>
-              </a:lnSpc>
-              <a:spcBef>
-                <a:spcPts val="0"/>
-              </a:spcBef>
-              <a:buNone/>
-            </a:pPr>
-            <a:r>
-              <a:rPr lang="de-DE" dirty="0"/>
-              <a:t>            </a:t>
-            </a:r>
-            <a:r>
-              <a:rPr lang="de-DE" dirty="0" err="1"/>
-              <a:t>resultSet.close</a:t>
-            </a:r>
-            <a:r>
-              <a:rPr lang="de-DE" dirty="0"/>
-              <a:t>();</a:t>
-            </a:r>
-          </a:p>
-          <a:p>
-            <a:pPr marL="502920" lvl="1" indent="0">
-              <a:lnSpc>
-                <a:spcPct val="120000"/>
-              </a:lnSpc>
-              <a:spcBef>
-                <a:spcPts val="0"/>
-              </a:spcBef>
-              <a:buNone/>
-            </a:pPr>
-            <a:r>
-              <a:rPr lang="de-DE" dirty="0"/>
-              <a:t>            </a:t>
-            </a:r>
-            <a:r>
-              <a:rPr lang="de-DE" dirty="0" err="1"/>
-              <a:t>statement.close</a:t>
-            </a:r>
-            <a:r>
-              <a:rPr lang="de-DE" dirty="0"/>
-              <a:t>();</a:t>
-            </a:r>
-          </a:p>
-          <a:p>
-            <a:pPr marL="502920" lvl="1" indent="0">
-              <a:lnSpc>
-                <a:spcPct val="120000"/>
-              </a:lnSpc>
-              <a:spcBef>
-                <a:spcPts val="0"/>
-              </a:spcBef>
-              <a:buNone/>
-            </a:pPr>
-            <a:r>
-              <a:rPr lang="de-DE" dirty="0"/>
-              <a:t>            </a:t>
-            </a:r>
-            <a:r>
-              <a:rPr lang="de-DE" dirty="0" err="1"/>
-              <a:t>connect.close</a:t>
-            </a:r>
-            <a:r>
-              <a:rPr lang="de-DE" dirty="0"/>
-              <a:t>();</a:t>
-            </a:r>
-          </a:p>
-          <a:p>
-            <a:pPr marL="502920" lvl="1" indent="0">
-              <a:lnSpc>
-                <a:spcPct val="120000"/>
-              </a:lnSpc>
-              <a:spcBef>
-                <a:spcPts val="0"/>
-              </a:spcBef>
-              <a:buNone/>
-            </a:pPr>
-            <a:r>
-              <a:rPr lang="de-DE" dirty="0"/>
-              <a:t>        }</a:t>
-            </a:r>
-          </a:p>
-          <a:p>
-            <a:pPr marL="502920" lvl="1" indent="0">
-              <a:lnSpc>
-                <a:spcPct val="120000"/>
-              </a:lnSpc>
-              <a:spcBef>
-                <a:spcPts val="0"/>
-              </a:spcBef>
-              <a:buNone/>
-            </a:pPr>
-            <a:r>
-              <a:rPr lang="de-DE" dirty="0"/>
-              <a:t>    }</a:t>
-            </a:r>
-          </a:p>
-          <a:p>
-            <a:pPr marL="502920" lvl="1" indent="0">
-              <a:lnSpc>
-                <a:spcPct val="120000"/>
-              </a:lnSpc>
-              <a:spcBef>
-                <a:spcPts val="0"/>
-              </a:spcBef>
-              <a:buNone/>
-            </a:pPr>
-            <a:r>
-              <a:rPr lang="de-DE" dirty="0"/>
-              <a:t>} </a:t>
-            </a:r>
-            <a:endParaRPr lang="de-DE" dirty="0" smtClean="0"/>
-          </a:p>
-          <a:p>
-            <a:pPr marL="502920" lvl="1" indent="0">
-              <a:spcBef>
-                <a:spcPts val="0"/>
-              </a:spcBef>
-              <a:buNone/>
-            </a:pPr>
-            <a:endParaRPr lang="de-DE" dirty="0"/>
+              <a:t>der Daten aus einer MySQL Datenbank</a:t>
+            </a:r>
           </a:p>
         </p:txBody>
       </p:sp>
     </p:spTree>
     <p:extLst>
       <p:ext uri="{BB962C8B-B14F-4D97-AF65-F5344CB8AC3E}">
-        <p14:creationId xmlns:p14="http://schemas.microsoft.com/office/powerpoint/2010/main" val="2819354915"/>
+        <p14:creationId xmlns:p14="http://schemas.microsoft.com/office/powerpoint/2010/main" val="3961885630"/>
       </p:ext>
     </p:extLst>
   </p:cSld>
@@ -7726,53 +6553,534 @@
           <a:p>
             <a:r>
               <a:rPr lang="de-DE" dirty="0"/>
-              <a:t>4</a:t>
-            </a:r>
+              <a:t>Syntax </a:t>
+            </a:r>
+            <a:br>
+              <a:rPr lang="de-DE" dirty="0"/>
+            </a:br>
             <a:r>
               <a:rPr lang="de-DE" dirty="0" smtClean="0"/>
-              <a:t>. </a:t>
-            </a:r>
-            <a:r>
-              <a:rPr lang="de-DE" dirty="0"/>
-              <a:t>SQL-Befehle Syntax</a:t>
-            </a:r>
-          </a:p>
-        </p:txBody>
-      </p:sp>
-      <p:sp>
-        <p:nvSpPr>
-          <p:cNvPr id="3" name="Textplatzhalter 2"/>
-          <p:cNvSpPr>
-            <a:spLocks noGrp="1"/>
-          </p:cNvSpPr>
-          <p:nvPr>
-            <p:ph type="body" idx="1"/>
-          </p:nvPr>
-        </p:nvSpPr>
-        <p:spPr/>
-        <p:txBody>
-          <a:bodyPr/>
-          <a:lstStyle/>
-          <a:p>
-            <a:r>
-              <a:rPr lang="de-DE" dirty="0"/>
-              <a:t>Zum </a:t>
-            </a:r>
-            <a:r>
-              <a:rPr lang="de-DE" dirty="0" smtClean="0"/>
-              <a:t>Auslesen, Updaten, Löschen, … </a:t>
-            </a:r>
-            <a:r>
-              <a:rPr lang="de-DE" dirty="0"/>
-              <a:t>der Daten aus einer MySQL Datenbank</a:t>
-            </a:r>
+              <a:t>SQL-Befehl</a:t>
+            </a:r>
+            <a:r>
+              <a:rPr lang="en-US" dirty="0">
+                <a:latin typeface="Corbel"/>
+              </a:rPr>
+              <a:t/>
+            </a:r>
+            <a:br>
+              <a:rPr lang="en-US" dirty="0">
+                <a:latin typeface="Corbel"/>
+              </a:rPr>
+            </a:br>
+            <a:r>
+              <a:rPr lang="de-DE" dirty="0">
+                <a:latin typeface="Corbel"/>
+              </a:rPr>
+              <a:t>SELECT</a:t>
+            </a:r>
+            <a:endParaRPr lang="en-US" dirty="0">
+              <a:latin typeface="Corbel"/>
+            </a:endParaRPr>
+          </a:p>
+        </p:txBody>
+      </p:sp>
+      <p:sp>
+        <p:nvSpPr>
+          <p:cNvPr id="3" name="Inhaltsplatzhalter 2"/>
+          <p:cNvSpPr>
+            <a:spLocks noGrp="1"/>
+          </p:cNvSpPr>
+          <p:nvPr>
+            <p:ph idx="1"/>
+          </p:nvPr>
+        </p:nvSpPr>
+        <p:spPr/>
+        <p:txBody>
+          <a:bodyPr>
+            <a:normAutofit/>
+          </a:bodyPr>
+          <a:lstStyle/>
+          <a:p>
+            <a:pPr marL="0" indent="0">
+              <a:buNone/>
+            </a:pPr>
+            <a:r>
+              <a:rPr lang="en-US" dirty="0">
+                <a:solidFill>
+                  <a:srgbClr val="000000"/>
+                </a:solidFill>
+                <a:latin typeface="Corbel"/>
+              </a:rPr>
+              <a:t>SELECT </a:t>
+            </a:r>
+          </a:p>
+          <a:p>
+            <a:pPr marL="0" indent="0">
+              <a:buNone/>
+            </a:pPr>
+            <a:r>
+              <a:rPr lang="en-US" dirty="0">
+                <a:solidFill>
+                  <a:srgbClr val="000000"/>
+                </a:solidFill>
+                <a:latin typeface="Corbel"/>
+              </a:rPr>
+              <a:t>[ALL | DISTINCT | DISTINCTROW ] </a:t>
+            </a:r>
+            <a:r>
+              <a:rPr lang="de-DE" dirty="0">
+                <a:solidFill>
+                  <a:srgbClr val="000000"/>
+                </a:solidFill>
+                <a:latin typeface="Corbel"/>
+              </a:rPr>
+              <a:t> </a:t>
+            </a:r>
+            <a:endParaRPr lang="en-US" dirty="0">
+              <a:solidFill>
+                <a:srgbClr val="000000"/>
+              </a:solidFill>
+              <a:latin typeface="Corbel"/>
+            </a:endParaRPr>
+          </a:p>
+          <a:p>
+            <a:pPr marL="0" indent="0">
+              <a:buNone/>
+            </a:pPr>
+            <a:r>
+              <a:rPr lang="de-DE" b="1" i="1" dirty="0" err="1">
+                <a:solidFill>
+                  <a:srgbClr val="000000"/>
+                </a:solidFill>
+                <a:latin typeface="Corbel"/>
+              </a:rPr>
+              <a:t>select_expr</a:t>
+            </a:r>
+            <a:r>
+              <a:rPr lang="de-DE" dirty="0">
+                <a:solidFill>
+                  <a:srgbClr val="000000"/>
+                </a:solidFill>
+                <a:latin typeface="Corbel"/>
+              </a:rPr>
+              <a:t> [, </a:t>
+            </a:r>
+            <a:r>
+              <a:rPr lang="de-DE" b="1" i="1" dirty="0" err="1">
+                <a:solidFill>
+                  <a:srgbClr val="000000"/>
+                </a:solidFill>
+                <a:latin typeface="Corbel"/>
+              </a:rPr>
+              <a:t>select_expr</a:t>
+            </a:r>
+            <a:r>
+              <a:rPr lang="de-DE" dirty="0">
+                <a:solidFill>
+                  <a:srgbClr val="000000"/>
+                </a:solidFill>
+                <a:latin typeface="Corbel"/>
+              </a:rPr>
+              <a:t> ...] </a:t>
+            </a:r>
+            <a:endParaRPr lang="en-US" dirty="0">
+              <a:solidFill>
+                <a:srgbClr val="000000"/>
+              </a:solidFill>
+              <a:latin typeface="Corbel"/>
+            </a:endParaRPr>
+          </a:p>
+          <a:p>
+            <a:pPr marL="0" indent="0">
+              <a:buNone/>
+            </a:pPr>
+            <a:r>
+              <a:rPr lang="de-DE" dirty="0">
+                <a:solidFill>
+                  <a:srgbClr val="000000"/>
+                </a:solidFill>
+                <a:latin typeface="Corbel"/>
+              </a:rPr>
+              <a:t>FROM </a:t>
+            </a:r>
+            <a:r>
+              <a:rPr lang="de-DE" b="1" i="1" dirty="0" err="1">
+                <a:solidFill>
+                  <a:srgbClr val="000000"/>
+                </a:solidFill>
+                <a:latin typeface="Corbel"/>
+              </a:rPr>
+              <a:t>table_references</a:t>
+            </a:r>
+            <a:r>
+              <a:rPr lang="de-DE" b="1" i="1" dirty="0">
+                <a:solidFill>
+                  <a:srgbClr val="000000"/>
+                </a:solidFill>
+                <a:latin typeface="Corbel"/>
+              </a:rPr>
+              <a:t> </a:t>
+            </a:r>
+            <a:r>
+              <a:rPr lang="de-DE" b="1" i="1" dirty="0">
+                <a:solidFill>
+                  <a:srgbClr val="000000"/>
+                </a:solidFill>
+                <a:latin typeface="Corbel" charset="0"/>
+              </a:rPr>
+              <a:t>[, </a:t>
+            </a:r>
+            <a:r>
+              <a:rPr lang="de-DE" b="1" i="1" dirty="0" err="1">
+                <a:solidFill>
+                  <a:srgbClr val="000000"/>
+                </a:solidFill>
+                <a:latin typeface="Corbel" charset="0"/>
+              </a:rPr>
+              <a:t>table_expr</a:t>
+            </a:r>
+            <a:r>
+              <a:rPr lang="de-DE" b="1" i="1" dirty="0">
+                <a:solidFill>
+                  <a:srgbClr val="000000"/>
+                </a:solidFill>
+                <a:latin typeface="Corbel" charset="0"/>
+              </a:rPr>
+              <a:t> ...] </a:t>
+            </a:r>
+            <a:r>
+              <a:rPr lang="de-DE" dirty="0">
+                <a:solidFill>
+                  <a:srgbClr val="000000"/>
+                </a:solidFill>
+                <a:latin typeface="Corbel"/>
+              </a:rPr>
+              <a:t> </a:t>
+            </a:r>
+            <a:endParaRPr lang="en-US" dirty="0">
+              <a:solidFill>
+                <a:srgbClr val="000000"/>
+              </a:solidFill>
+              <a:latin typeface="Corbel"/>
+            </a:endParaRPr>
+          </a:p>
+          <a:p>
+            <a:pPr marL="0" indent="0">
+              <a:buNone/>
+            </a:pPr>
+            <a:r>
+              <a:rPr lang="de-DE" dirty="0">
+                <a:solidFill>
+                  <a:srgbClr val="000000"/>
+                </a:solidFill>
+                <a:latin typeface="Corbel"/>
+              </a:rPr>
+              <a:t>[WHERE </a:t>
+            </a:r>
+            <a:r>
+              <a:rPr lang="de-DE" b="1" i="1" dirty="0" err="1">
+                <a:solidFill>
+                  <a:srgbClr val="000000"/>
+                </a:solidFill>
+                <a:latin typeface="Corbel"/>
+              </a:rPr>
+              <a:t>where_condition</a:t>
+            </a:r>
+            <a:r>
+              <a:rPr lang="de-DE" dirty="0">
+                <a:solidFill>
+                  <a:srgbClr val="000000"/>
+                </a:solidFill>
+                <a:latin typeface="Corbel"/>
+              </a:rPr>
+              <a:t>] </a:t>
+            </a:r>
+            <a:endParaRPr lang="en-US" dirty="0">
+              <a:solidFill>
+                <a:srgbClr val="000000"/>
+              </a:solidFill>
+              <a:latin typeface="Corbel"/>
+            </a:endParaRPr>
+          </a:p>
+          <a:p>
+            <a:pPr marL="0" indent="0">
+              <a:buNone/>
+            </a:pPr>
+            <a:r>
+              <a:rPr lang="de-DE" dirty="0">
+                <a:solidFill>
+                  <a:srgbClr val="000000"/>
+                </a:solidFill>
+                <a:latin typeface="Corbel"/>
+              </a:rPr>
+              <a:t>[GROUP BY {</a:t>
+            </a:r>
+            <a:r>
+              <a:rPr lang="de-DE" b="1" i="1" dirty="0">
+                <a:solidFill>
+                  <a:srgbClr val="000000"/>
+                </a:solidFill>
+                <a:latin typeface="Corbel"/>
+              </a:rPr>
+              <a:t>col_name</a:t>
+            </a:r>
+            <a:r>
+              <a:rPr lang="de-DE" dirty="0">
+                <a:solidFill>
+                  <a:srgbClr val="000000"/>
+                </a:solidFill>
+                <a:latin typeface="Corbel"/>
+              </a:rPr>
+              <a:t> | </a:t>
+            </a:r>
+            <a:r>
+              <a:rPr lang="de-DE" b="1" i="1" dirty="0">
+                <a:solidFill>
+                  <a:srgbClr val="000000"/>
+                </a:solidFill>
+                <a:latin typeface="Corbel"/>
+              </a:rPr>
+              <a:t>expr</a:t>
+            </a:r>
+            <a:r>
+              <a:rPr lang="de-DE" dirty="0">
+                <a:solidFill>
+                  <a:srgbClr val="000000"/>
+                </a:solidFill>
+                <a:latin typeface="Corbel"/>
+              </a:rPr>
+              <a:t> | </a:t>
+            </a:r>
+            <a:r>
+              <a:rPr lang="de-DE" b="1" i="1" dirty="0">
+                <a:solidFill>
+                  <a:srgbClr val="000000"/>
+                </a:solidFill>
+                <a:latin typeface="Corbel"/>
+              </a:rPr>
+              <a:t>position</a:t>
+            </a:r>
+            <a:r>
+              <a:rPr lang="en-US" dirty="0">
+                <a:solidFill>
+                  <a:srgbClr val="000000"/>
+                </a:solidFill>
+                <a:latin typeface="Corbel"/>
+              </a:rPr>
+              <a:t>} [ASC | DESC], ...] </a:t>
+            </a:r>
+          </a:p>
+          <a:p>
+            <a:pPr marL="0" indent="0">
+              <a:buNone/>
+            </a:pPr>
+            <a:r>
+              <a:rPr lang="en-US" dirty="0">
+                <a:solidFill>
+                  <a:srgbClr val="000000"/>
+                </a:solidFill>
+                <a:latin typeface="Corbel"/>
+              </a:rPr>
+              <a:t>[HAVING </a:t>
+            </a:r>
+            <a:r>
+              <a:rPr lang="de-DE" b="1" i="1" dirty="0" err="1">
+                <a:solidFill>
+                  <a:srgbClr val="000000"/>
+                </a:solidFill>
+                <a:latin typeface="Corbel"/>
+              </a:rPr>
+              <a:t>where_condition</a:t>
+            </a:r>
+            <a:r>
+              <a:rPr lang="de-DE" dirty="0">
+                <a:solidFill>
+                  <a:srgbClr val="000000"/>
+                </a:solidFill>
+                <a:latin typeface="Corbel"/>
+              </a:rPr>
+              <a:t>] </a:t>
+            </a:r>
+            <a:endParaRPr lang="en-US" dirty="0">
+              <a:solidFill>
+                <a:srgbClr val="000000"/>
+              </a:solidFill>
+              <a:latin typeface="Corbel"/>
+            </a:endParaRPr>
+          </a:p>
+          <a:p>
+            <a:pPr marL="0" indent="0">
+              <a:buNone/>
+            </a:pPr>
+            <a:r>
+              <a:rPr lang="de-DE" dirty="0">
+                <a:solidFill>
+                  <a:srgbClr val="000000"/>
+                </a:solidFill>
+                <a:latin typeface="Corbel"/>
+              </a:rPr>
+              <a:t>[ORDER BY {</a:t>
+            </a:r>
+            <a:r>
+              <a:rPr lang="de-DE" b="1" i="1" dirty="0" err="1">
+                <a:solidFill>
+                  <a:srgbClr val="000000"/>
+                </a:solidFill>
+                <a:latin typeface="Corbel"/>
+              </a:rPr>
+              <a:t>col_name</a:t>
+            </a:r>
+            <a:r>
+              <a:rPr lang="de-DE" dirty="0">
+                <a:solidFill>
+                  <a:srgbClr val="000000"/>
+                </a:solidFill>
+                <a:latin typeface="Corbel"/>
+              </a:rPr>
+              <a:t> | </a:t>
+            </a:r>
+            <a:r>
+              <a:rPr lang="de-DE" b="1" i="1" dirty="0" err="1">
+                <a:solidFill>
+                  <a:srgbClr val="000000"/>
+                </a:solidFill>
+                <a:latin typeface="Corbel"/>
+              </a:rPr>
+              <a:t>expr</a:t>
+            </a:r>
+            <a:r>
+              <a:rPr lang="de-DE" dirty="0">
+                <a:solidFill>
+                  <a:srgbClr val="000000"/>
+                </a:solidFill>
+                <a:latin typeface="Corbel"/>
+              </a:rPr>
+              <a:t> | </a:t>
+            </a:r>
+            <a:r>
+              <a:rPr lang="de-DE" b="1" i="1" dirty="0">
+                <a:solidFill>
+                  <a:srgbClr val="000000"/>
+                </a:solidFill>
+                <a:latin typeface="Corbel"/>
+              </a:rPr>
+              <a:t>position</a:t>
+            </a:r>
+            <a:r>
+              <a:rPr lang="de-DE" dirty="0">
+                <a:solidFill>
+                  <a:srgbClr val="000000"/>
+                </a:solidFill>
+                <a:latin typeface="Corbel"/>
+              </a:rPr>
+              <a:t>} [ASC | DESC], ...] </a:t>
+            </a:r>
+            <a:endParaRPr lang="en-US" dirty="0">
+              <a:solidFill>
+                <a:srgbClr val="000000"/>
+              </a:solidFill>
+              <a:latin typeface="Corbel"/>
+            </a:endParaRPr>
+          </a:p>
+          <a:p>
+            <a:pPr marL="0" indent="0">
+              <a:buNone/>
+            </a:pPr>
+            <a:r>
+              <a:rPr lang="de-DE" dirty="0">
+                <a:solidFill>
+                  <a:srgbClr val="000000"/>
+                </a:solidFill>
+                <a:latin typeface="Corbel"/>
+              </a:rPr>
+              <a:t>[LIMIT {[</a:t>
+            </a:r>
+            <a:r>
+              <a:rPr lang="de-DE" b="1" i="1" dirty="0" err="1">
+                <a:solidFill>
+                  <a:srgbClr val="000000"/>
+                </a:solidFill>
+                <a:latin typeface="Corbel"/>
+              </a:rPr>
+              <a:t>offset</a:t>
+            </a:r>
+            <a:r>
+              <a:rPr lang="de-DE" dirty="0">
+                <a:solidFill>
+                  <a:srgbClr val="000000"/>
+                </a:solidFill>
+                <a:latin typeface="Corbel"/>
+              </a:rPr>
+              <a:t>,] </a:t>
+            </a:r>
+            <a:r>
+              <a:rPr lang="de-DE" b="1" i="1" dirty="0" err="1">
+                <a:solidFill>
+                  <a:srgbClr val="000000"/>
+                </a:solidFill>
+                <a:latin typeface="Corbel"/>
+              </a:rPr>
+              <a:t>row_count</a:t>
+            </a:r>
+            <a:r>
+              <a:rPr lang="de-DE" dirty="0">
+                <a:solidFill>
+                  <a:srgbClr val="000000"/>
+                </a:solidFill>
+                <a:latin typeface="Corbel"/>
+              </a:rPr>
+              <a:t> | </a:t>
+            </a:r>
+            <a:r>
+              <a:rPr lang="de-DE" b="1" i="1" dirty="0" err="1">
+                <a:solidFill>
+                  <a:srgbClr val="000000"/>
+                </a:solidFill>
+                <a:latin typeface="Corbel"/>
+              </a:rPr>
+              <a:t>row_count</a:t>
+            </a:r>
+            <a:r>
+              <a:rPr lang="de-DE" dirty="0">
+                <a:solidFill>
+                  <a:srgbClr val="000000"/>
+                </a:solidFill>
+                <a:latin typeface="Corbel"/>
+              </a:rPr>
+              <a:t> OFFSET </a:t>
+            </a:r>
+            <a:r>
+              <a:rPr lang="de-DE" b="1" i="1" dirty="0" err="1">
+                <a:solidFill>
+                  <a:srgbClr val="000000"/>
+                </a:solidFill>
+                <a:latin typeface="Corbel"/>
+              </a:rPr>
+              <a:t>offset</a:t>
+            </a:r>
+            <a:r>
+              <a:rPr lang="de-DE" dirty="0">
+                <a:solidFill>
+                  <a:srgbClr val="000000"/>
+                </a:solidFill>
+                <a:latin typeface="Corbel"/>
+              </a:rPr>
+              <a:t>}] </a:t>
+            </a:r>
+            <a:endParaRPr lang="de-DE" dirty="0">
+              <a:solidFill>
+                <a:srgbClr val="000000"/>
+              </a:solidFill>
+              <a:latin typeface="Courier New" charset="0"/>
+            </a:endParaRPr>
           </a:p>
         </p:txBody>
       </p:sp>
     </p:spTree>
     <p:extLst>
       <p:ext uri="{BB962C8B-B14F-4D97-AF65-F5344CB8AC3E}">
-        <p14:creationId xmlns:p14="http://schemas.microsoft.com/office/powerpoint/2010/main" val="3961885630"/>
+        <p14:creationId xmlns:p14="http://schemas.microsoft.com/office/powerpoint/2010/main" val="3276058738"/>
       </p:ext>
     </p:extLst>
   </p:cSld>
@@ -7823,11 +7131,18 @@
           <a:p>
             <a:r>
               <a:rPr lang="de-DE" dirty="0"/>
-              <a:t>SQL-Befehle </a:t>
+              <a:t>Syntax </a:t>
             </a:r>
             <a:r>
               <a:rPr lang="de-DE" dirty="0" smtClean="0"/>
-              <a:t>Syntax</a:t>
+              <a:t/>
+            </a:r>
+            <a:br>
+              <a:rPr lang="de-DE" dirty="0" smtClean="0"/>
+            </a:br>
+            <a:r>
+              <a:rPr lang="de-DE" dirty="0" smtClean="0"/>
+              <a:t>SQL-Befehl</a:t>
             </a:r>
             <a:r>
               <a:rPr lang="en-US" dirty="0">
@@ -7844,7 +7159,7 @@
               <a:rPr lang="de-DE" dirty="0">
                 <a:latin typeface="Corbel"/>
               </a:rPr>
-              <a:t>SELECT</a:t>
+              <a:t>UPDATE</a:t>
             </a:r>
             <a:endParaRPr lang="en-US" dirty="0">
               <a:latin typeface="Corbel"/>
@@ -7877,9 +7192,9 @@
                 <a:solidFill>
                   <a:srgbClr val="000000"/>
                 </a:solidFill>
-                <a:latin typeface="Corbel"/>
-              </a:rPr>
-              <a:t>SELECT </a:t>
+                <a:latin typeface="Corbel" charset="0"/>
+              </a:rPr>
+              <a:t>UPDATE  </a:t>
             </a:r>
           </a:p>
           <a:p>
@@ -7887,28 +7202,165 @@
               <a:buNone/>
             </a:pPr>
             <a:r>
+              <a:rPr lang="en-US" b="1" i="1" dirty="0">
+                <a:solidFill>
+                  <a:srgbClr val="000000"/>
+                </a:solidFill>
+                <a:latin typeface="Corbel" charset="0"/>
+              </a:rPr>
+              <a:t>table_reference</a:t>
+            </a:r>
+            <a:r>
               <a:rPr lang="en-US" dirty="0">
                 <a:solidFill>
                   <a:srgbClr val="000000"/>
                 </a:solidFill>
-                <a:latin typeface="Corbel"/>
-              </a:rPr>
-              <a:t>[ALL | DISTINCT | DISTINCTROW ] </a:t>
-            </a:r>
-            <a:r>
-              <a:rPr lang="de-DE" dirty="0">
-                <a:solidFill>
-                  <a:srgbClr val="000000"/>
-                </a:solidFill>
-                <a:latin typeface="Corbel"/>
+                <a:latin typeface="Corbel" charset="0"/>
               </a:rPr>
               <a:t> </a:t>
+            </a:r>
+          </a:p>
+          <a:p>
+            <a:pPr marL="0" indent="0">
+              <a:buNone/>
+            </a:pPr>
+            <a:r>
+              <a:rPr lang="en-US" dirty="0">
+                <a:solidFill>
+                  <a:srgbClr val="000000"/>
+                </a:solidFill>
+                <a:latin typeface="Corbel" charset="0"/>
+              </a:rPr>
+              <a:t>SET </a:t>
+            </a:r>
+          </a:p>
+          <a:p>
+            <a:pPr marL="0" indent="0">
+              <a:buNone/>
+            </a:pPr>
+            <a:r>
+              <a:rPr lang="en-US" b="1" i="1" dirty="0">
+                <a:solidFill>
+                  <a:srgbClr val="000000"/>
+                </a:solidFill>
+                <a:latin typeface="Corbel" charset="0"/>
+              </a:rPr>
+              <a:t>col_name1</a:t>
+            </a:r>
+            <a:r>
+              <a:rPr lang="en-US" dirty="0">
+                <a:solidFill>
+                  <a:srgbClr val="000000"/>
+                </a:solidFill>
+                <a:latin typeface="Corbel" charset="0"/>
+              </a:rPr>
+              <a:t>={</a:t>
+            </a:r>
+            <a:r>
+              <a:rPr lang="en-US" b="1" i="1" dirty="0">
+                <a:solidFill>
+                  <a:srgbClr val="000000"/>
+                </a:solidFill>
+                <a:latin typeface="Corbel" charset="0"/>
+              </a:rPr>
+              <a:t>expr1</a:t>
+            </a:r>
+            <a:r>
+              <a:rPr lang="en-US" dirty="0">
+                <a:solidFill>
+                  <a:srgbClr val="000000"/>
+                </a:solidFill>
+                <a:latin typeface="Corbel" charset="0"/>
+              </a:rPr>
+              <a:t>|DEFAULT} </a:t>
+            </a:r>
+          </a:p>
+          <a:p>
+            <a:pPr marL="0" indent="0">
+              <a:buNone/>
+            </a:pPr>
+            <a:r>
+              <a:rPr lang="en-US" dirty="0">
+                <a:solidFill>
+                  <a:srgbClr val="000000"/>
+                </a:solidFill>
+                <a:latin typeface="Corbel" charset="0"/>
+              </a:rPr>
+              <a:t>[, </a:t>
+            </a:r>
+            <a:r>
+              <a:rPr lang="en-US" b="1" i="1" dirty="0">
+                <a:solidFill>
+                  <a:srgbClr val="000000"/>
+                </a:solidFill>
+                <a:latin typeface="Corbel" charset="0"/>
+              </a:rPr>
+              <a:t>col_name2</a:t>
+            </a:r>
+            <a:r>
+              <a:rPr lang="en-US" dirty="0">
+                <a:solidFill>
+                  <a:srgbClr val="000000"/>
+                </a:solidFill>
+                <a:latin typeface="Corbel" charset="0"/>
+              </a:rPr>
+              <a:t>={</a:t>
+            </a:r>
+            <a:r>
+              <a:rPr lang="en-US" b="1" i="1" dirty="0">
+                <a:solidFill>
+                  <a:srgbClr val="000000"/>
+                </a:solidFill>
+                <a:latin typeface="Corbel" charset="0"/>
+              </a:rPr>
+              <a:t>expr2</a:t>
+            </a:r>
+            <a:r>
+              <a:rPr lang="en-US" dirty="0">
+                <a:solidFill>
+                  <a:srgbClr val="000000"/>
+                </a:solidFill>
+                <a:latin typeface="Corbel" charset="0"/>
+              </a:rPr>
+              <a:t>|DEFAULT} ... ]</a:t>
+            </a:r>
+          </a:p>
+          <a:p>
+            <a:pPr marL="0" indent="0">
+              <a:buNone/>
+            </a:pPr>
+            <a:r>
+              <a:rPr lang="en-US" dirty="0">
+                <a:solidFill>
+                  <a:srgbClr val="000000"/>
+                </a:solidFill>
+                <a:latin typeface="Corbel" charset="0"/>
+              </a:rPr>
+              <a:t>[WHERE </a:t>
+            </a:r>
+            <a:r>
+              <a:rPr lang="de-DE" b="1" i="1" dirty="0" err="1">
+                <a:solidFill>
+                  <a:srgbClr val="000000"/>
+                </a:solidFill>
+                <a:latin typeface="Corbel" charset="0"/>
+              </a:rPr>
+              <a:t>where_condition</a:t>
+            </a:r>
+            <a:r>
+              <a:rPr lang="de-DE" dirty="0">
+                <a:solidFill>
+                  <a:srgbClr val="000000"/>
+                </a:solidFill>
+                <a:latin typeface="Corbel" charset="0"/>
+              </a:rPr>
+              <a:t>] </a:t>
             </a:r>
             <a:endParaRPr lang="en-US" dirty="0">
               <a:solidFill>
                 <a:srgbClr val="000000"/>
               </a:solidFill>
-              <a:latin typeface="Corbel"/>
+              <a:latin typeface="Corbel" charset="0"/>
             </a:endParaRPr>
           </a:p>
           <a:p>
@@ -7916,46 +7368,19 @@
               <a:buNone/>
             </a:pPr>
             <a:r>
-              <a:rPr lang="de-DE" b="1" i="1" dirty="0" err="1">
-                <a:solidFill>
-                  <a:srgbClr val="000000"/>
-                </a:solidFill>
-                <a:latin typeface="Corbel"/>
-              </a:rPr>
-              <a:t>select_expr</a:t>
-            </a:r>
-            <a:r>
-              <a:rPr lang="de-DE" dirty="0">
-                <a:solidFill>
-                  <a:srgbClr val="000000"/>
-                </a:solidFill>
-                <a:latin typeface="Corbel"/>
-              </a:rPr>
-              <a:t> [, </a:t>
-            </a:r>
-            <a:r>
-              <a:rPr lang="de-DE" b="1" i="1" dirty="0" err="1">
-                <a:solidFill>
-                  <a:srgbClr val="000000"/>
-                </a:solidFill>
-                <a:latin typeface="Corbel"/>
-              </a:rPr>
-              <a:t>select_expr</a:t>
-            </a:r>
-            <a:r>
-              <a:rPr lang="de-DE" dirty="0">
-                <a:solidFill>
-                  <a:srgbClr val="000000"/>
-                </a:solidFill>
-                <a:latin typeface="Corbel"/>
-              </a:rPr>
-              <a:t> ...] </a:t>
+              <a:rPr lang="de-DE" dirty="0">
+                <a:solidFill>
+                  <a:srgbClr val="000000"/>
+                </a:solidFill>
+                <a:latin typeface="Corbel" charset="0"/>
+              </a:rPr>
+              <a:t>[ORDER BY ...] </a:t>
             </a:r>
             <a:endParaRPr lang="en-US" dirty="0">
               <a:solidFill>
                 <a:srgbClr val="000000"/>
               </a:solidFill>
-              <a:latin typeface="Corbel"/>
+              <a:latin typeface="Corbel" charset="0"/>
             </a:endParaRPr>
           </a:p>
           <a:p>
@@ -7967,374 +7392,33 @@
                 <a:solidFill>
                   <a:srgbClr val="000000"/>
                 </a:solidFill>
-                <a:latin typeface="Corbel"/>
-              </a:rPr>
-              <a:t>FROM </a:t>
+                <a:latin typeface="Corbel" charset="0"/>
+              </a:rPr>
+              <a:t>[LIMIT </a:t>
             </a:r>
             <a:r>
               <a:rPr lang="de-DE" b="1" i="1" dirty="0" err="1">
                 <a:solidFill>
                   <a:srgbClr val="000000"/>
                 </a:solidFill>
-                <a:latin typeface="Corbel"/>
-              </a:rPr>
-              <a:t>table_references</a:t>
-            </a:r>
-            <a:r>
-              <a:rPr lang="de-DE" b="1" i="1" dirty="0">
-                <a:solidFill>
-                  <a:srgbClr val="000000"/>
-                </a:solidFill>
-                <a:latin typeface="Corbel"/>
-              </a:rPr>
-              <a:t> </a:t>
-            </a:r>
-            <a:r>
-              <a:rPr lang="de-DE" b="1" i="1" dirty="0">
-                <a:solidFill>
-                  <a:srgbClr val="000000"/>
-                </a:solidFill>
-                <a:latin typeface="Corbel" charset="0"/>
-              </a:rPr>
-              <a:t>[, </a:t>
-            </a:r>
-            <a:r>
-              <a:rPr lang="de-DE" b="1" i="1" dirty="0" err="1">
-                <a:solidFill>
-                  <a:srgbClr val="000000"/>
-                </a:solidFill>
-                <a:latin typeface="Corbel" charset="0"/>
-              </a:rPr>
-              <a:t>table_expr</a:t>
-            </a:r>
-            <a:r>
-              <a:rPr lang="de-DE" b="1" i="1" dirty="0">
-                <a:solidFill>
-                  <a:srgbClr val="000000"/>
-                </a:solidFill>
-                <a:latin typeface="Corbel" charset="0"/>
-              </a:rPr>
-              <a:t> ...] </a:t>
-            </a:r>
-            <a:r>
-              <a:rPr lang="de-DE" dirty="0">
-                <a:solidFill>
-                  <a:srgbClr val="000000"/>
-                </a:solidFill>
-                <a:latin typeface="Corbel"/>
-              </a:rPr>
-              <a:t> </a:t>
-            </a:r>
-            <a:endParaRPr lang="en-US" dirty="0">
-              <a:solidFill>
-                <a:srgbClr val="000000"/>
-              </a:solidFill>
-              <a:latin typeface="Corbel"/>
-            </a:endParaRPr>
+                <a:latin typeface="Corbel" charset="0"/>
+              </a:rPr>
+              <a:t>row_count</a:t>
+            </a:r>
+            <a:r>
+              <a:rPr lang="en-US" b="1" i="1" dirty="0">
+                <a:solidFill>
+                  <a:srgbClr val="000000"/>
+                </a:solidFill>
+                <a:latin typeface="Corbel" charset="0"/>
+              </a:rPr>
+              <a:t>]</a:t>
+            </a:r>
           </a:p>
           <a:p>
             <a:pPr marL="0" indent="0">
               <a:buNone/>
             </a:pPr>
-            <a:r>
-              <a:rPr lang="de-DE" dirty="0">
-                <a:solidFill>
-                  <a:srgbClr val="000000"/>
-                </a:solidFill>
-                <a:latin typeface="Corbel"/>
-              </a:rPr>
-              <a:t>[WHERE </a:t>
-            </a:r>
-            <a:r>
-              <a:rPr lang="de-DE" b="1" i="1" dirty="0" err="1">
-                <a:solidFill>
-                  <a:srgbClr val="000000"/>
-                </a:solidFill>
-                <a:latin typeface="Corbel"/>
-              </a:rPr>
-              <a:t>where_condition</a:t>
-            </a:r>
-            <a:r>
-              <a:rPr lang="de-DE" dirty="0">
-                <a:solidFill>
-                  <a:srgbClr val="000000"/>
-                </a:solidFill>
-                <a:latin typeface="Corbel"/>
-              </a:rPr>
-              <a:t>] </a:t>
-            </a:r>
-            <a:endParaRPr lang="en-US" dirty="0">
-              <a:solidFill>
-                <a:srgbClr val="000000"/>
-              </a:solidFill>
-              <a:latin typeface="Corbel"/>
-            </a:endParaRPr>
-          </a:p>
-          <a:p>
-            <a:pPr marL="0" indent="0">
-              <a:buNone/>
-            </a:pPr>
-            <a:r>
-              <a:rPr lang="de-DE" dirty="0">
-                <a:solidFill>
-                  <a:srgbClr val="000000"/>
-                </a:solidFill>
-                <a:latin typeface="Corbel"/>
-              </a:rPr>
-              <a:t>[GROUP BY {</a:t>
-            </a:r>
-            <a:r>
-              <a:rPr lang="de-DE" b="1" i="1" dirty="0">
-                <a:solidFill>
-                  <a:srgbClr val="000000"/>
-                </a:solidFill>
-                <a:latin typeface="Corbel"/>
-              </a:rPr>
-              <a:t>col_name</a:t>
-            </a:r>
-            <a:r>
-              <a:rPr lang="de-DE" dirty="0">
-                <a:solidFill>
-                  <a:srgbClr val="000000"/>
-                </a:solidFill>
-                <a:latin typeface="Corbel"/>
-              </a:rPr>
-              <a:t> | </a:t>
-            </a:r>
-            <a:r>
-              <a:rPr lang="de-DE" b="1" i="1" dirty="0">
-                <a:solidFill>
-                  <a:srgbClr val="000000"/>
-                </a:solidFill>
-                <a:latin typeface="Corbel"/>
-              </a:rPr>
-              <a:t>expr</a:t>
-            </a:r>
-            <a:r>
-              <a:rPr lang="de-DE" dirty="0">
-                <a:solidFill>
-                  <a:srgbClr val="000000"/>
-                </a:solidFill>
-                <a:latin typeface="Corbel"/>
-              </a:rPr>
-              <a:t> | </a:t>
-            </a:r>
-            <a:r>
-              <a:rPr lang="de-DE" b="1" i="1" dirty="0">
-                <a:solidFill>
-                  <a:srgbClr val="000000"/>
-                </a:solidFill>
-                <a:latin typeface="Corbel"/>
-              </a:rPr>
-              <a:t>position</a:t>
-            </a:r>
-            <a:r>
-              <a:rPr lang="en-US" dirty="0">
-                <a:solidFill>
-                  <a:srgbClr val="000000"/>
-                </a:solidFill>
-                <a:latin typeface="Corbel"/>
-              </a:rPr>
-              <a:t>} [ASC | DESC], ...] </a:t>
-            </a:r>
-          </a:p>
-          <a:p>
-            <a:pPr marL="0" indent="0">
-              <a:buNone/>
-            </a:pPr>
-            <a:r>
-              <a:rPr lang="en-US" dirty="0">
-                <a:solidFill>
-                  <a:srgbClr val="000000"/>
-                </a:solidFill>
-                <a:latin typeface="Corbel"/>
-              </a:rPr>
-              <a:t>[HAVING </a:t>
-            </a:r>
-            <a:r>
-              <a:rPr lang="de-DE" b="1" i="1" dirty="0" err="1">
-                <a:solidFill>
-                  <a:srgbClr val="000000"/>
-                </a:solidFill>
-                <a:latin typeface="Corbel"/>
-              </a:rPr>
-              <a:t>where_condition</a:t>
-            </a:r>
-            <a:r>
-              <a:rPr lang="de-DE" dirty="0">
-                <a:solidFill>
-                  <a:srgbClr val="000000"/>
-                </a:solidFill>
-                <a:latin typeface="Corbel"/>
-              </a:rPr>
-              <a:t>] </a:t>
-            </a:r>
-            <a:endParaRPr lang="en-US" dirty="0">
-              <a:solidFill>
-                <a:srgbClr val="000000"/>
-              </a:solidFill>
-              <a:latin typeface="Corbel"/>
-            </a:endParaRPr>
-          </a:p>
-          <a:p>
-            <a:pPr marL="0" indent="0">
-              <a:buNone/>
-            </a:pPr>
-            <a:r>
-              <a:rPr lang="de-DE" dirty="0">
-                <a:solidFill>
-                  <a:srgbClr val="000000"/>
-                </a:solidFill>
-                <a:latin typeface="Corbel"/>
-              </a:rPr>
-              <a:t>[ORDER BY {</a:t>
-            </a:r>
-            <a:r>
-              <a:rPr lang="de-DE" b="1" i="1" dirty="0" err="1">
-                <a:solidFill>
-                  <a:srgbClr val="000000"/>
-                </a:solidFill>
-                <a:latin typeface="Corbel"/>
-              </a:rPr>
-              <a:t>col_name</a:t>
-            </a:r>
-            <a:r>
-              <a:rPr lang="de-DE" dirty="0">
-                <a:solidFill>
-                  <a:srgbClr val="000000"/>
-                </a:solidFill>
-                <a:latin typeface="Corbel"/>
-              </a:rPr>
-              <a:t> | </a:t>
-            </a:r>
-            <a:r>
-              <a:rPr lang="de-DE" b="1" i="1" dirty="0" err="1">
-                <a:solidFill>
-                  <a:srgbClr val="000000"/>
-                </a:solidFill>
-                <a:latin typeface="Corbel"/>
-              </a:rPr>
-              <a:t>expr</a:t>
-            </a:r>
-            <a:r>
-              <a:rPr lang="de-DE" dirty="0">
-                <a:solidFill>
-                  <a:srgbClr val="000000"/>
-                </a:solidFill>
-                <a:latin typeface="Corbel"/>
-              </a:rPr>
-              <a:t> | </a:t>
-            </a:r>
-            <a:r>
-              <a:rPr lang="de-DE" b="1" i="1" dirty="0">
-                <a:solidFill>
-                  <a:srgbClr val="000000"/>
-                </a:solidFill>
-                <a:latin typeface="Corbel"/>
-              </a:rPr>
-              <a:t>position</a:t>
-            </a:r>
-            <a:r>
-              <a:rPr lang="de-DE" dirty="0">
-                <a:solidFill>
-                  <a:srgbClr val="000000"/>
-                </a:solidFill>
-                <a:latin typeface="Corbel"/>
-              </a:rPr>
-              <a:t>} [ASC | DESC], ...] </a:t>
-            </a:r>
-            <a:endParaRPr lang="en-US" dirty="0">
-              <a:solidFill>
-                <a:srgbClr val="000000"/>
-              </a:solidFill>
-              <a:latin typeface="Corbel"/>
-            </a:endParaRPr>
-          </a:p>
-          <a:p>
-            <a:pPr marL="0" indent="0">
-              <a:buNone/>
-            </a:pPr>
-            <a:r>
-              <a:rPr lang="de-DE" dirty="0">
-                <a:solidFill>
-                  <a:srgbClr val="000000"/>
-                </a:solidFill>
-                <a:latin typeface="Corbel"/>
-              </a:rPr>
-              <a:t>[LIMIT {[</a:t>
-            </a:r>
-            <a:r>
-              <a:rPr lang="de-DE" b="1" i="1" dirty="0" err="1">
-                <a:solidFill>
-                  <a:srgbClr val="000000"/>
-                </a:solidFill>
-                <a:latin typeface="Corbel"/>
-              </a:rPr>
-              <a:t>offset</a:t>
-            </a:r>
-            <a:r>
-              <a:rPr lang="de-DE" dirty="0">
-                <a:solidFill>
-                  <a:srgbClr val="000000"/>
-                </a:solidFill>
-                <a:latin typeface="Corbel"/>
-              </a:rPr>
-              <a:t>,] </a:t>
-            </a:r>
-            <a:r>
-              <a:rPr lang="de-DE" b="1" i="1" dirty="0" err="1">
-                <a:solidFill>
-                  <a:srgbClr val="000000"/>
-                </a:solidFill>
-                <a:latin typeface="Corbel"/>
-              </a:rPr>
-              <a:t>row_count</a:t>
-            </a:r>
-            <a:r>
-              <a:rPr lang="de-DE" dirty="0">
-                <a:solidFill>
-                  <a:srgbClr val="000000"/>
-                </a:solidFill>
-                <a:latin typeface="Corbel"/>
-              </a:rPr>
-              <a:t> | </a:t>
-            </a:r>
-            <a:r>
-              <a:rPr lang="de-DE" b="1" i="1" dirty="0" err="1">
-                <a:solidFill>
-                  <a:srgbClr val="000000"/>
-                </a:solidFill>
-                <a:latin typeface="Corbel"/>
-              </a:rPr>
-              <a:t>row_count</a:t>
-            </a:r>
-            <a:r>
-              <a:rPr lang="de-DE" dirty="0">
-                <a:solidFill>
-                  <a:srgbClr val="000000"/>
-                </a:solidFill>
-                <a:latin typeface="Corbel"/>
-              </a:rPr>
-              <a:t> OFFSET </a:t>
-            </a:r>
-            <a:r>
-              <a:rPr lang="de-DE" b="1" i="1" dirty="0" err="1">
-                <a:solidFill>
-                  <a:srgbClr val="000000"/>
-                </a:solidFill>
-                <a:latin typeface="Corbel"/>
-              </a:rPr>
-              <a:t>offset</a:t>
-            </a:r>
-            <a:r>
-              <a:rPr lang="de-DE" dirty="0">
-                <a:solidFill>
-                  <a:srgbClr val="000000"/>
-                </a:solidFill>
-                <a:latin typeface="Corbel"/>
-              </a:rPr>
-              <a:t>}] </a:t>
-            </a:r>
             <a:endParaRPr lang="de-DE" dirty="0">
               <a:solidFill>
                 <a:srgbClr val="000000"/>
@@ -8347,7 +7431,7 @@
     </p:spTree>
     <p:extLst>
       <p:ext uri="{BB962C8B-B14F-4D97-AF65-F5344CB8AC3E}">
-        <p14:creationId xmlns:p14="http://schemas.microsoft.com/office/powerpoint/2010/main" val="3276058738"/>
+        <p14:creationId xmlns:p14="http://schemas.microsoft.com/office/powerpoint/2010/main" val="163622005"/>
       </p:ext>
     </p:extLst>
   </p:cSld>
@@ -8398,28 +7482,24 @@
           <a:p>
             <a:r>
               <a:rPr lang="de-DE" dirty="0"/>
-              <a:t>SQL-Befehle </a:t>
+              <a:t>Syntax </a:t>
             </a:r>
             <a:r>
               <a:rPr lang="de-DE" dirty="0" smtClean="0"/>
-              <a:t>Syntax</a:t>
-            </a:r>
-            <a:r>
-              <a:rPr lang="en-US" dirty="0">
+              <a:t/>
+            </a:r>
+            <a:br>
+              <a:rPr lang="de-DE" dirty="0" smtClean="0"/>
+            </a:br>
+            <a:r>
+              <a:rPr lang="de-DE" dirty="0" smtClean="0"/>
+              <a:t>SQL-Befehl </a:t>
+            </a:r>
+            <a:r>
+              <a:rPr lang="de-DE" dirty="0" smtClean="0">
                 <a:latin typeface="Corbel"/>
               </a:rPr>
-              <a:t/>
-            </a:r>
-            <a:br>
-              <a:rPr lang="en-US" dirty="0">
-                <a:latin typeface="Corbel"/>
-              </a:rPr>
-            </a:br>
-            <a:r>
-              <a:rPr lang="de-DE" dirty="0">
-                <a:latin typeface="Corbel"/>
-              </a:rPr>
-              <a:t>UPDATE</a:t>
+              <a:t>DELETE</a:t>
             </a:r>
             <a:endParaRPr lang="en-US" dirty="0">
               <a:latin typeface="Corbel"/>
@@ -8448,238 +7528,135 @@
               <a:buNone/>
             </a:pPr>
             <a:r>
+              <a:rPr lang="en-US" i="1" dirty="0">
+                <a:solidFill>
+                  <a:srgbClr val="000000"/>
+                </a:solidFill>
+                <a:latin typeface="Corbel" charset="0"/>
+              </a:rPr>
+              <a:t>DELETE </a:t>
+            </a:r>
+          </a:p>
+          <a:p>
+            <a:pPr marL="0" indent="0">
+              <a:buNone/>
+            </a:pPr>
+            <a:r>
+              <a:rPr lang="en-US" i="1" dirty="0">
+                <a:solidFill>
+                  <a:srgbClr val="000000"/>
+                </a:solidFill>
+                <a:latin typeface="Corbel" charset="0"/>
+              </a:rPr>
+              <a:t>FROM </a:t>
+            </a:r>
+          </a:p>
+          <a:p>
+            <a:pPr marL="0" indent="0">
+              <a:buNone/>
+            </a:pPr>
+            <a:r>
+              <a:rPr lang="en-US" b="1" i="1" dirty="0">
+                <a:solidFill>
+                  <a:srgbClr val="000000"/>
+                </a:solidFill>
+                <a:latin typeface="Corbel" charset="0"/>
+              </a:rPr>
+              <a:t>tbl_name</a:t>
+            </a:r>
+          </a:p>
+          <a:p>
+            <a:pPr marL="0" indent="0">
+              <a:buNone/>
+            </a:pPr>
+            <a:r>
+              <a:rPr lang="en-US" i="1" dirty="0">
+                <a:solidFill>
+                  <a:srgbClr val="000000"/>
+                </a:solidFill>
+                <a:latin typeface="Corbel" charset="0"/>
+              </a:rPr>
+              <a:t>[WHERE </a:t>
+            </a:r>
+            <a:r>
+              <a:rPr lang="en-US" b="1" i="1" dirty="0" err="1">
+                <a:solidFill>
+                  <a:srgbClr val="000000"/>
+                </a:solidFill>
+                <a:latin typeface="Corbel" charset="0"/>
+              </a:rPr>
+              <a:t>where</a:t>
+            </a:r>
+            <a:r>
+              <a:rPr lang="en-US" b="1" i="1" dirty="0">
+                <a:solidFill>
+                  <a:srgbClr val="000000"/>
+                </a:solidFill>
+                <a:latin typeface="Corbel" charset="0"/>
+              </a:rPr>
+              <a:t>_condition</a:t>
+            </a:r>
+            <a:r>
+              <a:rPr lang="en-US" i="1" dirty="0">
+                <a:solidFill>
+                  <a:srgbClr val="000000"/>
+                </a:solidFill>
+                <a:latin typeface="Corbel" charset="0"/>
+              </a:rPr>
+              <a:t>] </a:t>
+            </a:r>
+          </a:p>
+          <a:p>
+            <a:pPr marL="0" indent="0">
+              <a:buNone/>
+            </a:pPr>
+            <a:r>
+              <a:rPr lang="en-US" i="1" dirty="0">
+                <a:solidFill>
+                  <a:srgbClr val="000000"/>
+                </a:solidFill>
+                <a:latin typeface="Corbel" charset="0"/>
+              </a:rPr>
+              <a:t>[ORDER BY ...] </a:t>
+            </a:r>
+          </a:p>
+          <a:p>
+            <a:pPr marL="0" indent="0">
+              <a:buNone/>
+            </a:pPr>
+            <a:r>
+              <a:rPr lang="en-US" i="1" dirty="0">
+                <a:solidFill>
+                  <a:srgbClr val="000000"/>
+                </a:solidFill>
+                <a:latin typeface="Corbel" charset="0"/>
+              </a:rPr>
+              <a:t>[LIMIT </a:t>
+            </a:r>
+            <a:r>
+              <a:rPr lang="en-US" b="1" i="1" dirty="0">
+                <a:solidFill>
+                  <a:srgbClr val="000000"/>
+                </a:solidFill>
+                <a:latin typeface="Corbel" charset="0"/>
+              </a:rPr>
+              <a:t>row_count</a:t>
+            </a:r>
+            <a:r>
               <a:rPr lang="en-US" dirty="0">
                 <a:solidFill>
                   <a:srgbClr val="000000"/>
                 </a:solidFill>
                 <a:latin typeface="Corbel" charset="0"/>
               </a:rPr>
-              <a:t>UPDATE  </a:t>
+              <a:t>]</a:t>
             </a:r>
           </a:p>
           <a:p>
             <a:pPr marL="0" indent="0">
               <a:buNone/>
             </a:pPr>
-            <a:r>
-              <a:rPr lang="en-US" b="1" i="1" dirty="0">
-                <a:solidFill>
-                  <a:srgbClr val="000000"/>
-                </a:solidFill>
-                <a:latin typeface="Corbel" charset="0"/>
-              </a:rPr>
-              <a:t>table_reference</a:t>
-            </a:r>
-            <a:r>
-              <a:rPr lang="en-US" dirty="0">
-                <a:solidFill>
-                  <a:srgbClr val="000000"/>
-                </a:solidFill>
-                <a:latin typeface="Corbel" charset="0"/>
-              </a:rPr>
-              <a:t> </a:t>
-            </a:r>
-          </a:p>
-          <a:p>
-            <a:pPr marL="0" indent="0">
-              <a:buNone/>
-            </a:pPr>
-            <a:r>
-              <a:rPr lang="en-US" dirty="0">
-                <a:solidFill>
-                  <a:srgbClr val="000000"/>
-                </a:solidFill>
-                <a:latin typeface="Corbel" charset="0"/>
-              </a:rPr>
-              <a:t>SET </a:t>
-            </a:r>
-          </a:p>
-          <a:p>
-            <a:pPr marL="0" indent="0">
-              <a:buNone/>
-            </a:pPr>
-            <a:r>
-              <a:rPr lang="en-US" b="1" i="1" dirty="0">
-                <a:solidFill>
-                  <a:srgbClr val="000000"/>
-                </a:solidFill>
-                <a:latin typeface="Corbel" charset="0"/>
-              </a:rPr>
-              <a:t>col_name1</a:t>
-            </a:r>
-            <a:r>
-              <a:rPr lang="en-US" dirty="0">
-                <a:solidFill>
-                  <a:srgbClr val="000000"/>
-                </a:solidFill>
-                <a:latin typeface="Corbel" charset="0"/>
-              </a:rPr>
-              <a:t>={</a:t>
-            </a:r>
-            <a:r>
-              <a:rPr lang="en-US" b="1" i="1" dirty="0">
-                <a:solidFill>
-                  <a:srgbClr val="000000"/>
-                </a:solidFill>
-                <a:latin typeface="Corbel" charset="0"/>
-              </a:rPr>
-              <a:t>expr1</a:t>
-            </a:r>
-            <a:r>
-              <a:rPr lang="en-US" dirty="0">
-                <a:solidFill>
-                  <a:srgbClr val="000000"/>
-                </a:solidFill>
-                <a:latin typeface="Corbel" charset="0"/>
-              </a:rPr>
-              <a:t>|DEFAULT} </a:t>
-            </a:r>
-          </a:p>
-          <a:p>
-            <a:pPr marL="0" indent="0">
-              <a:buNone/>
-            </a:pPr>
-            <a:r>
-              <a:rPr lang="en-US" dirty="0">
-                <a:solidFill>
-                  <a:srgbClr val="000000"/>
-                </a:solidFill>
-                <a:latin typeface="Corbel" charset="0"/>
-              </a:rPr>
-              <a:t>[, </a:t>
-            </a:r>
-            <a:r>
-              <a:rPr lang="en-US" b="1" i="1" dirty="0">
-                <a:solidFill>
-                  <a:srgbClr val="000000"/>
-                </a:solidFill>
-                <a:latin typeface="Corbel" charset="0"/>
-              </a:rPr>
-              <a:t>col_name2</a:t>
-            </a:r>
-            <a:r>
-              <a:rPr lang="en-US" dirty="0">
-                <a:solidFill>
-                  <a:srgbClr val="000000"/>
-                </a:solidFill>
-                <a:latin typeface="Corbel" charset="0"/>
-              </a:rPr>
-              <a:t>={</a:t>
-            </a:r>
-            <a:r>
-              <a:rPr lang="en-US" b="1" i="1" dirty="0">
-                <a:solidFill>
-                  <a:srgbClr val="000000"/>
-                </a:solidFill>
-                <a:latin typeface="Corbel" charset="0"/>
-              </a:rPr>
-              <a:t>expr2</a:t>
-            </a:r>
-            <a:r>
-              <a:rPr lang="en-US" dirty="0">
-                <a:solidFill>
-                  <a:srgbClr val="000000"/>
-                </a:solidFill>
-                <a:latin typeface="Corbel" charset="0"/>
-              </a:rPr>
-              <a:t>|DEFAULT} ... ]</a:t>
-            </a:r>
-          </a:p>
-          <a:p>
-            <a:pPr marL="0" indent="0">
-              <a:buNone/>
-            </a:pPr>
-            <a:r>
-              <a:rPr lang="en-US" dirty="0">
-                <a:solidFill>
-                  <a:srgbClr val="000000"/>
-                </a:solidFill>
-                <a:latin typeface="Corbel" charset="0"/>
-              </a:rPr>
-              <a:t>[WHERE </a:t>
-            </a:r>
-            <a:r>
-              <a:rPr lang="de-DE" b="1" i="1" dirty="0" err="1">
-                <a:solidFill>
-                  <a:srgbClr val="000000"/>
-                </a:solidFill>
-                <a:latin typeface="Corbel" charset="0"/>
-              </a:rPr>
-              <a:t>where_condition</a:t>
-            </a:r>
-            <a:r>
-              <a:rPr lang="de-DE" dirty="0">
-                <a:solidFill>
-                  <a:srgbClr val="000000"/>
-                </a:solidFill>
-                <a:latin typeface="Corbel" charset="0"/>
-              </a:rPr>
-              <a:t>] </a:t>
-            </a:r>
             <a:endParaRPr lang="en-US" dirty="0">
-              <a:solidFill>
-                <a:srgbClr val="000000"/>
-              </a:solidFill>
-              <a:latin typeface="Corbel" charset="0"/>
-            </a:endParaRPr>
-          </a:p>
-          <a:p>
-            <a:pPr marL="0" indent="0">
-              <a:buNone/>
-            </a:pPr>
-            <a:r>
-              <a:rPr lang="de-DE" dirty="0">
-                <a:solidFill>
-                  <a:srgbClr val="000000"/>
-                </a:solidFill>
-                <a:latin typeface="Corbel" charset="0"/>
-              </a:rPr>
-              <a:t>[ORDER BY ...] </a:t>
-            </a:r>
-            <a:endParaRPr lang="en-US" dirty="0">
-              <a:solidFill>
-                <a:srgbClr val="000000"/>
-              </a:solidFill>
-              <a:latin typeface="Corbel" charset="0"/>
-            </a:endParaRPr>
-          </a:p>
-          <a:p>
-            <a:pPr marL="0" indent="0">
-              <a:buNone/>
-            </a:pPr>
-            <a:r>
-              <a:rPr lang="de-DE" dirty="0">
-                <a:solidFill>
-                  <a:srgbClr val="000000"/>
-                </a:solidFill>
-                <a:latin typeface="Corbel" charset="0"/>
-              </a:rPr>
-              <a:t>[LIMIT </a:t>
-            </a:r>
-            <a:r>
-              <a:rPr lang="de-DE" b="1" i="1" dirty="0" err="1">
-                <a:solidFill>
-                  <a:srgbClr val="000000"/>
-                </a:solidFill>
-                <a:latin typeface="Corbel" charset="0"/>
-              </a:rPr>
-              <a:t>row_count</a:t>
-            </a:r>
-            <a:r>
-              <a:rPr lang="en-US" b="1" i="1" dirty="0">
-                <a:solidFill>
-                  <a:srgbClr val="000000"/>
-                </a:solidFill>
-                <a:latin typeface="Corbel" charset="0"/>
-              </a:rPr>
-              <a:t>]</a:t>
-            </a:r>
-          </a:p>
-          <a:p>
-            <a:pPr marL="0" indent="0">
-              <a:buNone/>
-            </a:pPr>
-            <a:endParaRPr lang="de-DE" dirty="0">
               <a:solidFill>
                 <a:srgbClr val="000000"/>
               </a:solidFill>
@@ -8691,7 +7668,7 @@
     </p:spTree>
     <p:extLst>
       <p:ext uri="{BB962C8B-B14F-4D97-AF65-F5344CB8AC3E}">
-        <p14:creationId xmlns:p14="http://schemas.microsoft.com/office/powerpoint/2010/main" val="163622005"/>
+        <p14:creationId xmlns:p14="http://schemas.microsoft.com/office/powerpoint/2010/main" val="881333775"/>
       </p:ext>
     </p:extLst>
   </p:cSld>
@@ -8741,28 +7718,24 @@
           <a:lstStyle/>
           <a:p>
             <a:r>
-              <a:rPr lang="de-DE" dirty="0"/>
-              <a:t>SQL-Befehle </a:t>
-            </a:r>
-            <a:r>
-              <a:rPr lang="de-DE" dirty="0" smtClean="0">
-                <a:latin typeface="Corbel"/>
-              </a:rPr>
-              <a:t>Syntax</a:t>
-            </a:r>
-            <a:r>
-              <a:rPr lang="en-US" dirty="0" smtClean="0">
-                <a:latin typeface="Corbel"/>
-              </a:rPr>
-              <a:t> </a:t>
-            </a:r>
-            <a:r>
-              <a:rPr lang="de-DE" dirty="0" smtClean="0">
-                <a:latin typeface="Corbel"/>
-              </a:rPr>
-              <a:t>DELETE</a:t>
-            </a:r>
-            <a:endParaRPr lang="en-US" dirty="0">
+              <a:rPr lang="de-DE" dirty="0" smtClean="0"/>
+              <a:t>Syntax </a:t>
+            </a:r>
+            <a:br>
+              <a:rPr lang="de-DE" dirty="0" smtClean="0"/>
+            </a:br>
+            <a:r>
+              <a:rPr lang="de-DE" dirty="0" smtClean="0"/>
+              <a:t>Eigene</a:t>
+            </a:r>
+            <a:br>
+              <a:rPr lang="de-DE" dirty="0" smtClean="0"/>
+            </a:br>
+            <a:r>
+              <a:rPr lang="de-DE" dirty="0" smtClean="0"/>
+              <a:t>Funktionen</a:t>
+            </a:r>
+            <a:endParaRPr lang="de-DE" dirty="0">
               <a:latin typeface="Corbel"/>
             </a:endParaRPr>
           </a:p>
@@ -8770,7 +7743,7 @@
       </p:sp>
       <p:sp>
         <p:nvSpPr>
-          <p:cNvPr id="3" name="Inhaltsplatzhalter 2"/>
+          <p:cNvPr id="4" name="Inhaltsplatzhalter 3"/>
           <p:cNvSpPr>
             <a:spLocks noGrp="1"/>
           </p:cNvSpPr>
@@ -8780,156 +7753,232 @@
         </p:nvSpPr>
         <p:spPr/>
         <p:txBody>
-          <a:bodyPr>
-            <a:normAutofit/>
-          </a:bodyPr>
+          <a:bodyPr/>
           <a:lstStyle/>
           <a:p>
             <a:pPr marL="0" indent="0">
+              <a:lnSpc>
+                <a:spcPct val="100000"/>
+              </a:lnSpc>
+              <a:spcBef>
+                <a:spcPts val="0"/>
+              </a:spcBef>
               <a:buNone/>
             </a:pPr>
             <a:r>
-              <a:rPr lang="en-US" i="1" dirty="0">
-                <a:solidFill>
-                  <a:srgbClr val="000000"/>
-                </a:solidFill>
-                <a:latin typeface="Corbel" charset="0"/>
-              </a:rPr>
-              <a:t>DELETE </a:t>
+              <a:rPr lang="en-US" dirty="0"/>
+              <a:t>CREATE FUNCTION Hello (s VARCHAR(255))</a:t>
             </a:r>
           </a:p>
           <a:p>
             <a:pPr marL="0" indent="0">
+              <a:lnSpc>
+                <a:spcPct val="100000"/>
+              </a:lnSpc>
+              <a:spcBef>
+                <a:spcPts val="0"/>
+              </a:spcBef>
               <a:buNone/>
             </a:pPr>
             <a:r>
-              <a:rPr lang="en-US" i="1" dirty="0">
-                <a:solidFill>
-                  <a:srgbClr val="000000"/>
-                </a:solidFill>
-                <a:latin typeface="Corbel" charset="0"/>
-              </a:rPr>
-              <a:t>FROM </a:t>
+              <a:rPr lang="en-US" dirty="0"/>
+              <a:t>  RETURNS VARCHAR(255)</a:t>
             </a:r>
           </a:p>
           <a:p>
             <a:pPr marL="0" indent="0">
+              <a:lnSpc>
+                <a:spcPct val="100000"/>
+              </a:lnSpc>
+              <a:spcBef>
+                <a:spcPts val="0"/>
+              </a:spcBef>
               <a:buNone/>
             </a:pPr>
             <a:r>
-              <a:rPr lang="en-US" b="1" i="1" dirty="0">
-                <a:solidFill>
-                  <a:srgbClr val="000000"/>
-                </a:solidFill>
-                <a:latin typeface="Corbel" charset="0"/>
-              </a:rPr>
-              <a:t>tbl_name</a:t>
+              <a:rPr lang="en-US" dirty="0"/>
+              <a:t>  BEGIN</a:t>
             </a:r>
           </a:p>
           <a:p>
             <a:pPr marL="0" indent="0">
+              <a:lnSpc>
+                <a:spcPct val="100000"/>
+              </a:lnSpc>
+              <a:spcBef>
+                <a:spcPts val="0"/>
+              </a:spcBef>
               <a:buNone/>
             </a:pPr>
             <a:r>
-              <a:rPr lang="en-US" i="1" dirty="0">
-                <a:solidFill>
-                  <a:srgbClr val="000000"/>
-                </a:solidFill>
-                <a:latin typeface="Corbel" charset="0"/>
-              </a:rPr>
-              <a:t>[WHERE </a:t>
-            </a:r>
-            <a:r>
-              <a:rPr lang="en-US" b="1" i="1" dirty="0" err="1">
-                <a:solidFill>
-                  <a:srgbClr val="000000"/>
-                </a:solidFill>
-                <a:latin typeface="Corbel" charset="0"/>
-              </a:rPr>
-              <a:t>where</a:t>
-            </a:r>
-            <a:r>
-              <a:rPr lang="en-US" b="1" i="1" dirty="0">
-                <a:solidFill>
-                  <a:srgbClr val="000000"/>
-                </a:solidFill>
-                <a:latin typeface="Corbel" charset="0"/>
-              </a:rPr>
-              <a:t>_condition</a:t>
-            </a:r>
-            <a:r>
-              <a:rPr lang="en-US" i="1" dirty="0">
-                <a:solidFill>
-                  <a:srgbClr val="000000"/>
-                </a:solidFill>
-                <a:latin typeface="Corbel" charset="0"/>
-              </a:rPr>
-              <a:t>] </a:t>
+              <a:rPr lang="en-US" dirty="0"/>
+              <a:t>    select name</a:t>
             </a:r>
           </a:p>
           <a:p>
             <a:pPr marL="0" indent="0">
+              <a:lnSpc>
+                <a:spcPct val="100000"/>
+              </a:lnSpc>
+              <a:spcBef>
+                <a:spcPts val="0"/>
+              </a:spcBef>
               <a:buNone/>
             </a:pPr>
             <a:r>
-              <a:rPr lang="en-US" i="1" dirty="0">
-                <a:solidFill>
-                  <a:srgbClr val="000000"/>
-                </a:solidFill>
-                <a:latin typeface="Corbel" charset="0"/>
-              </a:rPr>
-              <a:t>[ORDER BY ...] </a:t>
+              <a:rPr lang="en-US" dirty="0"/>
+              <a:t>    from users </a:t>
             </a:r>
           </a:p>
           <a:p>
             <a:pPr marL="0" indent="0">
+              <a:lnSpc>
+                <a:spcPct val="100000"/>
+              </a:lnSpc>
+              <a:spcBef>
+                <a:spcPts val="0"/>
+              </a:spcBef>
               <a:buNone/>
             </a:pPr>
             <a:r>
-              <a:rPr lang="en-US" i="1" dirty="0">
-                <a:solidFill>
-                  <a:srgbClr val="000000"/>
-                </a:solidFill>
-                <a:latin typeface="Corbel" charset="0"/>
-              </a:rPr>
-              <a:t>[LIMIT </a:t>
-            </a:r>
-            <a:r>
-              <a:rPr lang="en-US" b="1" i="1" dirty="0">
-                <a:solidFill>
-                  <a:srgbClr val="000000"/>
-                </a:solidFill>
-                <a:latin typeface="Corbel" charset="0"/>
-              </a:rPr>
-              <a:t>row_count</a:t>
-            </a:r>
-            <a:r>
-              <a:rPr lang="en-US" dirty="0">
-                <a:solidFill>
-                  <a:srgbClr val="000000"/>
-                </a:solidFill>
-                <a:latin typeface="Corbel" charset="0"/>
-              </a:rPr>
-              <a:t>]</a:t>
+              <a:rPr lang="en-US" dirty="0"/>
+              <a:t>    where users.name = s;</a:t>
             </a:r>
           </a:p>
           <a:p>
             <a:pPr marL="0" indent="0">
+              <a:lnSpc>
+                <a:spcPct val="100000"/>
+              </a:lnSpc>
+              <a:spcBef>
+                <a:spcPts val="0"/>
+              </a:spcBef>
               <a:buNone/>
             </a:pPr>
-            <a:endParaRPr lang="en-US" dirty="0">
-              <a:solidFill>
-                <a:srgbClr val="000000"/>
-              </a:solidFill>
-              <a:latin typeface="Courier New" charset="0"/>
-            </a:endParaRPr>
+            <a:r>
+              <a:rPr lang="en-US" dirty="0"/>
+              <a:t>    RETURN 'My name is ' + name;</a:t>
+            </a:r>
+          </a:p>
+          <a:p>
+            <a:pPr marL="0" indent="0">
+              <a:lnSpc>
+                <a:spcPct val="100000"/>
+              </a:lnSpc>
+              <a:spcBef>
+                <a:spcPts val="0"/>
+              </a:spcBef>
+              <a:buNone/>
+            </a:pPr>
+            <a:r>
+              <a:rPr lang="en-US" dirty="0"/>
+              <a:t>  </a:t>
+            </a:r>
+            <a:r>
+              <a:rPr lang="en-US" dirty="0" smtClean="0"/>
+              <a:t>END</a:t>
+            </a:r>
+          </a:p>
+          <a:p>
+            <a:pPr marL="0" indent="0">
+              <a:lnSpc>
+                <a:spcPct val="100000"/>
+              </a:lnSpc>
+              <a:spcBef>
+                <a:spcPts val="0"/>
+              </a:spcBef>
+              <a:buNone/>
+            </a:pPr>
+            <a:endParaRPr lang="en-US" dirty="0"/>
+          </a:p>
+          <a:p>
+            <a:pPr>
+              <a:lnSpc>
+                <a:spcPct val="100000"/>
+              </a:lnSpc>
+              <a:spcBef>
+                <a:spcPts val="0"/>
+              </a:spcBef>
+            </a:pPr>
+            <a:r>
+              <a:rPr lang="en-US" dirty="0" err="1" smtClean="0"/>
+              <a:t>Einschränkung</a:t>
+            </a:r>
+            <a:r>
+              <a:rPr lang="en-US" dirty="0" smtClean="0"/>
+              <a:t>:</a:t>
+            </a:r>
+          </a:p>
+          <a:p>
+            <a:pPr lvl="1">
+              <a:lnSpc>
+                <a:spcPct val="100000"/>
+              </a:lnSpc>
+              <a:spcBef>
+                <a:spcPts val="0"/>
+              </a:spcBef>
+            </a:pPr>
+            <a:r>
+              <a:rPr lang="en-US" dirty="0" smtClean="0"/>
+              <a:t>Maximal </a:t>
+            </a:r>
+            <a:r>
+              <a:rPr lang="en-US" dirty="0" err="1" smtClean="0"/>
+              <a:t>ein</a:t>
+            </a:r>
+            <a:r>
+              <a:rPr lang="en-US" dirty="0" smtClean="0"/>
+              <a:t> </a:t>
+            </a:r>
+            <a:r>
+              <a:rPr lang="en-US" dirty="0" err="1"/>
+              <a:t>R</a:t>
+            </a:r>
+            <a:r>
+              <a:rPr lang="en-US" dirty="0" err="1" smtClean="0"/>
+              <a:t>ückgabewert</a:t>
+            </a:r>
+            <a:r>
+              <a:rPr lang="en-US" dirty="0" smtClean="0"/>
+              <a:t>!</a:t>
+            </a:r>
+          </a:p>
+          <a:p>
+            <a:pPr>
+              <a:lnSpc>
+                <a:spcPct val="100000"/>
+              </a:lnSpc>
+              <a:spcBef>
+                <a:spcPts val="0"/>
+              </a:spcBef>
+            </a:pPr>
+            <a:endParaRPr lang="en-US" dirty="0"/>
+          </a:p>
+          <a:p>
+            <a:pPr>
+              <a:lnSpc>
+                <a:spcPct val="100000"/>
+              </a:lnSpc>
+              <a:spcBef>
+                <a:spcPts val="0"/>
+              </a:spcBef>
+            </a:pPr>
+            <a:r>
+              <a:rPr lang="en-US" dirty="0" smtClean="0"/>
+              <a:t>Alternative </a:t>
+            </a:r>
+            <a:r>
+              <a:rPr lang="en-US" dirty="0" err="1" smtClean="0"/>
+              <a:t>Prozeduren</a:t>
+            </a:r>
+            <a:endParaRPr lang="de-DE" dirty="0"/>
           </a:p>
         </p:txBody>
       </p:sp>
     </p:spTree>
     <p:extLst>
       <p:ext uri="{BB962C8B-B14F-4D97-AF65-F5344CB8AC3E}">
-        <p14:creationId xmlns:p14="http://schemas.microsoft.com/office/powerpoint/2010/main" val="881333775"/>
+        <p14:creationId xmlns:p14="http://schemas.microsoft.com/office/powerpoint/2010/main" val="2673824928"/>
       </p:ext>
     </p:extLst>
   </p:cSld>
@@ -9396,13 +8445,14 @@
               <a:buAutoNum type="arabicPeriod"/>
             </a:pPr>
             <a:r>
+              <a:rPr lang="de-DE" dirty="0"/>
+              <a:t>Syntax </a:t>
+            </a:r>
+            <a:r>
               <a:rPr lang="de-DE" dirty="0" smtClean="0"/>
-              <a:t>SQL-Befehle </a:t>
-            </a:r>
-            <a:r>
-              <a:rPr lang="de-DE" dirty="0"/>
-              <a:t>Syntax</a:t>
-            </a:r>
+              <a:t> SQL-Befehle</a:t>
+            </a:r>
+            <a:endParaRPr lang="de-DE" dirty="0"/>
           </a:p>
           <a:p>
             <a:pPr marL="457200" indent="-457200">
@@ -10340,7 +9390,7 @@
       </p:grpSpPr>
       <p:sp>
         <p:nvSpPr>
-          <p:cNvPr id="2" name="Titel 1"/>
+          <p:cNvPr id="5" name="Titel 4"/>
           <p:cNvSpPr>
             <a:spLocks noGrp="1"/>
           </p:cNvSpPr>
@@ -10354,230 +9404,31 @@
           <a:lstStyle/>
           <a:p>
             <a:r>
-              <a:rPr lang="de-DE" dirty="0"/>
-              <a:t>2</a:t>
-            </a:r>
-            <a:r>
               <a:rPr lang="de-DE" dirty="0" smtClean="0"/>
-              <a:t>. </a:t>
-            </a:r>
+              <a:t>3.Einbinden</a:t>
+            </a:r>
+            <a:endParaRPr lang="de-DE" dirty="0"/>
+          </a:p>
+        </p:txBody>
+      </p:sp>
+      <p:sp>
+        <p:nvSpPr>
+          <p:cNvPr id="6" name="Textplatzhalter 5"/>
+          <p:cNvSpPr>
+            <a:spLocks noGrp="1"/>
+          </p:cNvSpPr>
+          <p:nvPr>
+            <p:ph type="body" idx="1"/>
+          </p:nvPr>
+        </p:nvSpPr>
+        <p:spPr/>
+        <p:txBody>
+          <a:bodyPr/>
+          <a:lstStyle/>
+          <a:p>
             <a:r>
               <a:rPr lang="de-DE" dirty="0" smtClean="0"/>
-              <a:t>Features</a:t>
-            </a:r>
-            <a:br>
-              <a:rPr lang="de-DE" dirty="0" smtClean="0"/>
-            </a:br>
-            <a:r>
-              <a:rPr lang="de-DE" dirty="0" smtClean="0"/>
-              <a:t>Eigene Funktionen</a:t>
-            </a:r>
-            <a:endParaRPr lang="de-DE" dirty="0">
-              <a:latin typeface="Corbel"/>
-            </a:endParaRPr>
-          </a:p>
-        </p:txBody>
-      </p:sp>
-      <p:sp>
-        <p:nvSpPr>
-          <p:cNvPr id="4" name="Inhaltsplatzhalter 3"/>
-          <p:cNvSpPr>
-            <a:spLocks noGrp="1"/>
-          </p:cNvSpPr>
-          <p:nvPr>
-            <p:ph idx="1"/>
-          </p:nvPr>
-        </p:nvSpPr>
-        <p:spPr/>
-        <p:txBody>
-          <a:bodyPr/>
-          <a:lstStyle/>
-          <a:p>
-            <a:pPr marL="0" indent="0">
-              <a:lnSpc>
-                <a:spcPct val="100000"/>
-              </a:lnSpc>
-              <a:spcBef>
-                <a:spcPts val="0"/>
-              </a:spcBef>
-              <a:buNone/>
-            </a:pPr>
-            <a:r>
-              <a:rPr lang="en-US" dirty="0"/>
-              <a:t>CREATE FUNCTION Hello (s VARCHAR(255))</a:t>
-            </a:r>
-          </a:p>
-          <a:p>
-            <a:pPr marL="0" indent="0">
-              <a:lnSpc>
-                <a:spcPct val="100000"/>
-              </a:lnSpc>
-              <a:spcBef>
-                <a:spcPts val="0"/>
-              </a:spcBef>
-              <a:buNone/>
-            </a:pPr>
-            <a:r>
-              <a:rPr lang="en-US" dirty="0"/>
-              <a:t>  RETURNS VARCHAR(255)</a:t>
-            </a:r>
-          </a:p>
-          <a:p>
-            <a:pPr marL="0" indent="0">
-              <a:lnSpc>
-                <a:spcPct val="100000"/>
-              </a:lnSpc>
-              <a:spcBef>
-                <a:spcPts val="0"/>
-              </a:spcBef>
-              <a:buNone/>
-            </a:pPr>
-            <a:r>
-              <a:rPr lang="en-US" dirty="0"/>
-              <a:t>  BEGIN</a:t>
-            </a:r>
-          </a:p>
-          <a:p>
-            <a:pPr marL="0" indent="0">
-              <a:lnSpc>
-                <a:spcPct val="100000"/>
-              </a:lnSpc>
-              <a:spcBef>
-                <a:spcPts val="0"/>
-              </a:spcBef>
-              <a:buNone/>
-            </a:pPr>
-            <a:r>
-              <a:rPr lang="en-US" dirty="0"/>
-              <a:t>    select name</a:t>
-            </a:r>
-          </a:p>
-          <a:p>
-            <a:pPr marL="0" indent="0">
-              <a:lnSpc>
-                <a:spcPct val="100000"/>
-              </a:lnSpc>
-              <a:spcBef>
-                <a:spcPts val="0"/>
-              </a:spcBef>
-              <a:buNone/>
-            </a:pPr>
-            <a:r>
-              <a:rPr lang="en-US" dirty="0"/>
-              <a:t>    from users </a:t>
-            </a:r>
-          </a:p>
-          <a:p>
-            <a:pPr marL="0" indent="0">
-              <a:lnSpc>
-                <a:spcPct val="100000"/>
-              </a:lnSpc>
-              <a:spcBef>
-                <a:spcPts val="0"/>
-              </a:spcBef>
-              <a:buNone/>
-            </a:pPr>
-            <a:r>
-              <a:rPr lang="en-US" dirty="0"/>
-              <a:t>    where users.name = s;</a:t>
-            </a:r>
-          </a:p>
-          <a:p>
-            <a:pPr marL="0" indent="0">
-              <a:lnSpc>
-                <a:spcPct val="100000"/>
-              </a:lnSpc>
-              <a:spcBef>
-                <a:spcPts val="0"/>
-              </a:spcBef>
-              <a:buNone/>
-            </a:pPr>
-            <a:r>
-              <a:rPr lang="en-US" dirty="0"/>
-              <a:t>    RETURN 'My name is ' + name;</a:t>
-            </a:r>
-          </a:p>
-          <a:p>
-            <a:pPr marL="0" indent="0">
-              <a:lnSpc>
-                <a:spcPct val="100000"/>
-              </a:lnSpc>
-              <a:spcBef>
-                <a:spcPts val="0"/>
-              </a:spcBef>
-              <a:buNone/>
-            </a:pPr>
-            <a:r>
-              <a:rPr lang="en-US" dirty="0"/>
-              <a:t>  </a:t>
-            </a:r>
-            <a:r>
-              <a:rPr lang="en-US" dirty="0" smtClean="0"/>
-              <a:t>END</a:t>
-            </a:r>
-          </a:p>
-          <a:p>
-            <a:pPr marL="0" indent="0">
-              <a:lnSpc>
-                <a:spcPct val="100000"/>
-              </a:lnSpc>
-              <a:spcBef>
-                <a:spcPts val="0"/>
-              </a:spcBef>
-              <a:buNone/>
-            </a:pPr>
-            <a:endParaRPr lang="en-US" dirty="0"/>
-          </a:p>
-          <a:p>
-            <a:pPr>
-              <a:lnSpc>
-                <a:spcPct val="100000"/>
-              </a:lnSpc>
-              <a:spcBef>
-                <a:spcPts val="0"/>
-              </a:spcBef>
-            </a:pPr>
-            <a:r>
-              <a:rPr lang="en-US" dirty="0" err="1" smtClean="0"/>
-              <a:t>Einschränkung</a:t>
-            </a:r>
-            <a:r>
-              <a:rPr lang="en-US" dirty="0" smtClean="0"/>
-              <a:t>:</a:t>
-            </a:r>
-          </a:p>
-          <a:p>
-            <a:pPr lvl="1">
-              <a:lnSpc>
-                <a:spcPct val="100000"/>
-              </a:lnSpc>
-              <a:spcBef>
-                <a:spcPts val="0"/>
-              </a:spcBef>
-            </a:pPr>
-            <a:r>
-              <a:rPr lang="en-US" dirty="0" smtClean="0"/>
-              <a:t>Maximal </a:t>
-            </a:r>
-            <a:r>
-              <a:rPr lang="en-US" dirty="0" err="1" smtClean="0"/>
-              <a:t>ein</a:t>
-            </a:r>
-            <a:r>
-              <a:rPr lang="en-US" dirty="0" smtClean="0"/>
-              <a:t> </a:t>
-            </a:r>
-            <a:r>
-              <a:rPr lang="en-US" dirty="0" err="1"/>
-              <a:t>R</a:t>
-            </a:r>
-            <a:r>
-              <a:rPr lang="en-US" dirty="0" err="1" smtClean="0"/>
-              <a:t>ückgabewert</a:t>
-            </a:r>
-            <a:r>
-              <a:rPr lang="en-US" dirty="0" smtClean="0"/>
-              <a:t>!</a:t>
+              <a:t>In ein Softwareprojekt</a:t>
             </a:r>
             <a:endParaRPr lang="de-DE" dirty="0"/>
           </a:p>
@@ -10586,7 +9437,7 @@
     </p:spTree>
     <p:extLst>
       <p:ext uri="{BB962C8B-B14F-4D97-AF65-F5344CB8AC3E}">
-        <p14:creationId xmlns:p14="http://schemas.microsoft.com/office/powerpoint/2010/main" val="2673824928"/>
+        <p14:creationId xmlns:p14="http://schemas.microsoft.com/office/powerpoint/2010/main" val="3061392107"/>
       </p:ext>
     </p:extLst>
   </p:cSld>
@@ -10622,7 +9473,7 @@
       </p:grpSpPr>
       <p:sp>
         <p:nvSpPr>
-          <p:cNvPr id="5" name="Titel 4"/>
+          <p:cNvPr id="2" name="Titel 1"/>
           <p:cNvSpPr>
             <a:spLocks noGrp="1"/>
           </p:cNvSpPr>
@@ -10630,7 +9481,12 @@
             <p:ph type="title"/>
           </p:nvPr>
         </p:nvSpPr>
-        <p:spPr/>
+        <p:spPr>
+          <a:xfrm>
+            <a:off x="-1373" y="1123950"/>
+            <a:ext cx="3412911" cy="4600575"/>
+          </a:xfrm>
+        </p:spPr>
         <p:txBody>
           <a:bodyPr/>
           <a:lstStyle/>
@@ -10639,29 +9495,1216 @@
               <a:rPr lang="de-DE" dirty="0" smtClean="0"/>
               <a:t>3.Einbinden</a:t>
             </a:r>
+            <a:br>
+              <a:rPr lang="de-DE" dirty="0" smtClean="0"/>
+            </a:br>
+            <a:r>
+              <a:rPr lang="de-DE" dirty="0" smtClean="0"/>
+              <a:t>mit PHP</a:t>
+            </a:r>
             <a:endParaRPr lang="de-DE" dirty="0"/>
           </a:p>
         </p:txBody>
       </p:sp>
       <p:sp>
         <p:nvSpPr>
-          <p:cNvPr id="6" name="Textplatzhalter 5"/>
-          <p:cNvSpPr>
-            <a:spLocks noGrp="1"/>
-          </p:cNvSpPr>
-          <p:nvPr>
-            <p:ph type="body" idx="1"/>
-          </p:nvPr>
-        </p:nvSpPr>
-        <p:spPr/>
-        <p:txBody>
-          <a:bodyPr/>
+          <p:cNvPr id="3" name="Inhaltsplatzhalter 2"/>
+          <p:cNvSpPr>
+            <a:spLocks noGrp="1"/>
+          </p:cNvSpPr>
+          <p:nvPr>
+            <p:ph idx="1"/>
+          </p:nvPr>
+        </p:nvSpPr>
+        <p:spPr/>
+        <p:txBody>
+          <a:bodyPr>
+            <a:normAutofit lnSpcReduction="10000"/>
+          </a:bodyPr>
           <a:lstStyle/>
           <a:p>
             <a:r>
               <a:rPr lang="de-DE" dirty="0" smtClean="0"/>
-              <a:t>In ein Softwareprojekt</a:t>
-            </a:r>
+              <a:t>In Websites z.B. </a:t>
+            </a:r>
+            <a:r>
+              <a:rPr lang="de-DE" dirty="0"/>
+              <a:t>über </a:t>
+            </a:r>
+            <a:r>
+              <a:rPr lang="de-DE" dirty="0" smtClean="0"/>
+              <a:t>PHP:</a:t>
+            </a:r>
+          </a:p>
+          <a:p>
+            <a:pPr marL="502920" lvl="1" indent="0">
+              <a:buNone/>
+            </a:pPr>
+            <a:r>
+              <a:rPr lang="de-DE" dirty="0">
+                <a:solidFill>
+                  <a:srgbClr val="000000"/>
+                </a:solidFill>
+                <a:latin typeface="Corbel" charset="0"/>
+              </a:rPr>
+              <a:t>&lt;?</a:t>
+            </a:r>
+            <a:r>
+              <a:rPr lang="de-DE" dirty="0" err="1">
+                <a:solidFill>
+                  <a:srgbClr val="000000"/>
+                </a:solidFill>
+                <a:latin typeface="Corbel" charset="0"/>
+              </a:rPr>
+              <a:t>php</a:t>
+            </a:r>
+            <a:r>
+              <a:rPr lang="de-DE" dirty="0">
+                <a:solidFill>
+                  <a:srgbClr val="000000"/>
+                </a:solidFill>
+                <a:latin typeface="Corbel" charset="0"/>
+              </a:rPr>
+              <a:t> </a:t>
+            </a:r>
+          </a:p>
+          <a:p>
+            <a:pPr marL="502920" lvl="1" indent="0">
+              <a:buNone/>
+            </a:pPr>
+            <a:r>
+              <a:rPr lang="de-DE" dirty="0">
+                <a:solidFill>
+                  <a:srgbClr val="000088"/>
+                </a:solidFill>
+                <a:latin typeface="Corbel" charset="0"/>
+              </a:rPr>
+              <a:t>$</a:t>
+            </a:r>
+            <a:r>
+              <a:rPr lang="de-DE" dirty="0" err="1">
+                <a:solidFill>
+                  <a:srgbClr val="000088"/>
+                </a:solidFill>
+                <a:latin typeface="Corbel" charset="0"/>
+              </a:rPr>
+              <a:t>db_link</a:t>
+            </a:r>
+            <a:r>
+              <a:rPr lang="de-DE" dirty="0">
+                <a:solidFill>
+                  <a:srgbClr val="000000"/>
+                </a:solidFill>
+                <a:latin typeface="Corbel" charset="0"/>
+              </a:rPr>
+              <a:t> </a:t>
+            </a:r>
+            <a:r>
+              <a:rPr lang="de-DE" dirty="0">
+                <a:solidFill>
+                  <a:srgbClr val="339933"/>
+                </a:solidFill>
+                <a:latin typeface="Corbel" charset="0"/>
+              </a:rPr>
+              <a:t>=</a:t>
+            </a:r>
+            <a:r>
+              <a:rPr lang="de-DE" dirty="0">
+                <a:solidFill>
+                  <a:srgbClr val="000000"/>
+                </a:solidFill>
+                <a:latin typeface="Corbel" charset="0"/>
+              </a:rPr>
+              <a:t> </a:t>
+            </a:r>
+            <a:r>
+              <a:rPr lang="de-DE" dirty="0" err="1">
+                <a:solidFill>
+                  <a:srgbClr val="990000"/>
+                </a:solidFill>
+                <a:latin typeface="Corbel" charset="0"/>
+              </a:rPr>
+              <a:t>mysqli_connect</a:t>
+            </a:r>
+            <a:r>
+              <a:rPr lang="de-DE" dirty="0">
+                <a:solidFill>
+                  <a:srgbClr val="000000"/>
+                </a:solidFill>
+                <a:latin typeface="Corbel" charset="0"/>
+              </a:rPr>
+              <a:t> </a:t>
+            </a:r>
+            <a:r>
+              <a:rPr lang="de-DE" dirty="0">
+                <a:solidFill>
+                  <a:srgbClr val="009900"/>
+                </a:solidFill>
+                <a:latin typeface="Corbel" charset="0"/>
+              </a:rPr>
+              <a:t>(</a:t>
+            </a:r>
+            <a:r>
+              <a:rPr lang="de-DE" dirty="0">
+                <a:solidFill>
+                  <a:srgbClr val="000000"/>
+                </a:solidFill>
+                <a:latin typeface="Corbel" charset="0"/>
+              </a:rPr>
+              <a:t> </a:t>
+            </a:r>
+          </a:p>
+          <a:p>
+            <a:pPr marL="502920" lvl="1" indent="0">
+              <a:buNone/>
+            </a:pPr>
+            <a:r>
+              <a:rPr lang="de-DE" dirty="0">
+                <a:solidFill>
+                  <a:srgbClr val="000000"/>
+                </a:solidFill>
+                <a:latin typeface="Corbel" charset="0"/>
+              </a:rPr>
+              <a:t>MYSQL_HOST</a:t>
+            </a:r>
+            <a:r>
+              <a:rPr lang="de-DE" dirty="0">
+                <a:solidFill>
+                  <a:srgbClr val="339933"/>
+                </a:solidFill>
+                <a:latin typeface="Corbel" charset="0"/>
+              </a:rPr>
+              <a:t>,</a:t>
+            </a:r>
+            <a:r>
+              <a:rPr lang="de-DE" dirty="0">
+                <a:solidFill>
+                  <a:srgbClr val="000000"/>
+                </a:solidFill>
+                <a:latin typeface="Corbel" charset="0"/>
+              </a:rPr>
+              <a:t> </a:t>
+            </a:r>
+          </a:p>
+          <a:p>
+            <a:pPr marL="502920" lvl="1" indent="0">
+              <a:buNone/>
+            </a:pPr>
+            <a:r>
+              <a:rPr lang="de-DE" dirty="0">
+                <a:solidFill>
+                  <a:srgbClr val="000000"/>
+                </a:solidFill>
+                <a:latin typeface="Corbel" charset="0"/>
+              </a:rPr>
+              <a:t>MYSQL_BENUTZER</a:t>
+            </a:r>
+            <a:r>
+              <a:rPr lang="de-DE" dirty="0">
+                <a:solidFill>
+                  <a:srgbClr val="339933"/>
+                </a:solidFill>
+                <a:latin typeface="Corbel" charset="0"/>
+              </a:rPr>
+              <a:t>,</a:t>
+            </a:r>
+            <a:r>
+              <a:rPr lang="de-DE" dirty="0">
+                <a:solidFill>
+                  <a:srgbClr val="000000"/>
+                </a:solidFill>
+                <a:latin typeface="Corbel" charset="0"/>
+              </a:rPr>
+              <a:t> </a:t>
+            </a:r>
+          </a:p>
+          <a:p>
+            <a:pPr marL="502920" lvl="1" indent="0">
+              <a:buNone/>
+            </a:pPr>
+            <a:r>
+              <a:rPr lang="de-DE" dirty="0">
+                <a:solidFill>
+                  <a:srgbClr val="000000"/>
+                </a:solidFill>
+                <a:latin typeface="Corbel" charset="0"/>
+              </a:rPr>
+              <a:t>MYSQL_KENNWORT</a:t>
+            </a:r>
+            <a:r>
+              <a:rPr lang="de-DE" dirty="0">
+                <a:solidFill>
+                  <a:srgbClr val="339933"/>
+                </a:solidFill>
+                <a:latin typeface="Corbel" charset="0"/>
+              </a:rPr>
+              <a:t>,</a:t>
+            </a:r>
+            <a:r>
+              <a:rPr lang="de-DE" dirty="0">
+                <a:solidFill>
+                  <a:srgbClr val="000000"/>
+                </a:solidFill>
+                <a:latin typeface="Corbel" charset="0"/>
+              </a:rPr>
+              <a:t> </a:t>
+            </a:r>
+          </a:p>
+          <a:p>
+            <a:pPr marL="502920" lvl="1" indent="0">
+              <a:buNone/>
+            </a:pPr>
+            <a:r>
+              <a:rPr lang="de-DE" dirty="0">
+                <a:solidFill>
+                  <a:srgbClr val="000000"/>
+                </a:solidFill>
+                <a:latin typeface="Corbel" charset="0"/>
+              </a:rPr>
+              <a:t>MYSQL_DATENBANK </a:t>
+            </a:r>
+            <a:r>
+              <a:rPr lang="de-DE" dirty="0">
+                <a:solidFill>
+                  <a:srgbClr val="009900"/>
+                </a:solidFill>
+                <a:latin typeface="Corbel" charset="0"/>
+              </a:rPr>
+              <a:t>)</a:t>
+            </a:r>
+            <a:r>
+              <a:rPr lang="de-DE" dirty="0">
+                <a:solidFill>
+                  <a:srgbClr val="339933"/>
+                </a:solidFill>
+                <a:latin typeface="Corbel" charset="0"/>
+              </a:rPr>
+              <a:t>;                       //Datenbankverbindung aufbauen</a:t>
+            </a:r>
+            <a:r>
+              <a:rPr lang="de-DE" dirty="0">
+                <a:solidFill>
+                  <a:srgbClr val="000000"/>
+                </a:solidFill>
+                <a:latin typeface="Corbel" charset="0"/>
+              </a:rPr>
+              <a:t> </a:t>
+            </a:r>
+          </a:p>
+          <a:p>
+            <a:pPr marL="502920" lvl="1" indent="0">
+              <a:buNone/>
+            </a:pPr>
+            <a:r>
+              <a:rPr lang="de-DE" dirty="0">
+                <a:solidFill>
+                  <a:srgbClr val="000088"/>
+                </a:solidFill>
+                <a:latin typeface="Corbel" charset="0"/>
+              </a:rPr>
+              <a:t>$</a:t>
+            </a:r>
+            <a:r>
+              <a:rPr lang="de-DE" dirty="0" err="1">
+                <a:solidFill>
+                  <a:srgbClr val="000088"/>
+                </a:solidFill>
+                <a:latin typeface="Corbel" charset="0"/>
+              </a:rPr>
+              <a:t>sql</a:t>
+            </a:r>
+            <a:r>
+              <a:rPr lang="de-DE" dirty="0">
+                <a:solidFill>
+                  <a:srgbClr val="000000"/>
+                </a:solidFill>
+                <a:latin typeface="Corbel" charset="0"/>
+              </a:rPr>
+              <a:t> </a:t>
+            </a:r>
+            <a:r>
+              <a:rPr lang="de-DE" dirty="0">
+                <a:solidFill>
+                  <a:srgbClr val="339933"/>
+                </a:solidFill>
+                <a:latin typeface="Corbel" charset="0"/>
+              </a:rPr>
+              <a:t>=</a:t>
+            </a:r>
+            <a:r>
+              <a:rPr lang="de-DE" dirty="0">
+                <a:solidFill>
+                  <a:srgbClr val="000000"/>
+                </a:solidFill>
+                <a:latin typeface="Corbel" charset="0"/>
+              </a:rPr>
+              <a:t> </a:t>
+            </a:r>
+            <a:r>
+              <a:rPr lang="de-DE" dirty="0">
+                <a:solidFill>
+                  <a:srgbClr val="0000FF"/>
+                </a:solidFill>
+                <a:latin typeface="Corbel" charset="0"/>
+              </a:rPr>
+              <a:t>"SELECT * FROM </a:t>
+            </a:r>
+            <a:r>
+              <a:rPr lang="de-DE" dirty="0" err="1">
+                <a:solidFill>
+                  <a:srgbClr val="0000FF"/>
+                </a:solidFill>
+                <a:latin typeface="Corbel" charset="0"/>
+              </a:rPr>
+              <a:t>users</a:t>
+            </a:r>
+            <a:r>
+              <a:rPr lang="de-DE" dirty="0">
+                <a:solidFill>
+                  <a:srgbClr val="0000FF"/>
+                </a:solidFill>
+                <a:latin typeface="Corbel" charset="0"/>
+              </a:rPr>
+              <a:t>"</a:t>
+            </a:r>
+            <a:r>
+              <a:rPr lang="de-DE" dirty="0">
+                <a:solidFill>
+                  <a:srgbClr val="339933"/>
+                </a:solidFill>
+                <a:latin typeface="Corbel" charset="0"/>
+              </a:rPr>
+              <a:t>;  </a:t>
+            </a:r>
+            <a:r>
+              <a:rPr lang="de-DE" dirty="0" smtClean="0">
+                <a:solidFill>
+                  <a:srgbClr val="339933"/>
+                </a:solidFill>
+                <a:latin typeface="Corbel" charset="0"/>
+              </a:rPr>
+              <a:t>       //</a:t>
+            </a:r>
+            <a:r>
+              <a:rPr lang="de-DE" dirty="0">
+                <a:solidFill>
+                  <a:srgbClr val="339933"/>
+                </a:solidFill>
+                <a:latin typeface="Corbel" charset="0"/>
+              </a:rPr>
+              <a:t>SQL-Query definieren</a:t>
+            </a:r>
+            <a:r>
+              <a:rPr lang="de-DE" dirty="0">
+                <a:solidFill>
+                  <a:srgbClr val="000000"/>
+                </a:solidFill>
+                <a:latin typeface="Corbel" charset="0"/>
+              </a:rPr>
+              <a:t> </a:t>
+            </a:r>
+          </a:p>
+          <a:p>
+            <a:pPr marL="502920" lvl="1" indent="0">
+              <a:buNone/>
+            </a:pPr>
+            <a:r>
+              <a:rPr lang="de-DE" dirty="0">
+                <a:solidFill>
+                  <a:srgbClr val="000088"/>
+                </a:solidFill>
+                <a:latin typeface="Corbel" charset="0"/>
+              </a:rPr>
+              <a:t>$</a:t>
+            </a:r>
+            <a:r>
+              <a:rPr lang="de-DE" dirty="0" err="1">
+                <a:solidFill>
+                  <a:srgbClr val="000088"/>
+                </a:solidFill>
+                <a:latin typeface="Corbel" charset="0"/>
+              </a:rPr>
+              <a:t>db_erg</a:t>
+            </a:r>
+            <a:r>
+              <a:rPr lang="de-DE" dirty="0">
+                <a:solidFill>
+                  <a:srgbClr val="000000"/>
+                </a:solidFill>
+                <a:latin typeface="Corbel" charset="0"/>
+              </a:rPr>
+              <a:t> </a:t>
+            </a:r>
+            <a:r>
+              <a:rPr lang="de-DE" dirty="0">
+                <a:solidFill>
+                  <a:srgbClr val="339933"/>
+                </a:solidFill>
+                <a:latin typeface="Corbel" charset="0"/>
+              </a:rPr>
+              <a:t>=</a:t>
+            </a:r>
+            <a:r>
+              <a:rPr lang="de-DE" dirty="0">
+                <a:solidFill>
+                  <a:srgbClr val="000000"/>
+                </a:solidFill>
+                <a:latin typeface="Corbel" charset="0"/>
+              </a:rPr>
+              <a:t> </a:t>
+            </a:r>
+            <a:r>
+              <a:rPr lang="de-DE" dirty="0" err="1">
+                <a:solidFill>
+                  <a:srgbClr val="990000"/>
+                </a:solidFill>
+                <a:latin typeface="Corbel" charset="0"/>
+              </a:rPr>
+              <a:t>mysqli_query</a:t>
+            </a:r>
+            <a:r>
+              <a:rPr lang="de-DE" dirty="0">
+                <a:solidFill>
+                  <a:srgbClr val="009900"/>
+                </a:solidFill>
+                <a:latin typeface="Corbel" charset="0"/>
+              </a:rPr>
+              <a:t>(</a:t>
+            </a:r>
+            <a:r>
+              <a:rPr lang="de-DE" dirty="0">
+                <a:solidFill>
+                  <a:srgbClr val="000000"/>
+                </a:solidFill>
+                <a:latin typeface="Corbel" charset="0"/>
+              </a:rPr>
+              <a:t> </a:t>
+            </a:r>
+            <a:r>
+              <a:rPr lang="de-DE" dirty="0">
+                <a:solidFill>
+                  <a:srgbClr val="000088"/>
+                </a:solidFill>
+                <a:latin typeface="Corbel" charset="0"/>
+              </a:rPr>
+              <a:t>$</a:t>
+            </a:r>
+            <a:r>
+              <a:rPr lang="de-DE" dirty="0" err="1">
+                <a:solidFill>
+                  <a:srgbClr val="000088"/>
+                </a:solidFill>
+                <a:latin typeface="Corbel" charset="0"/>
+              </a:rPr>
+              <a:t>db_link</a:t>
+            </a:r>
+            <a:r>
+              <a:rPr lang="de-DE" dirty="0">
+                <a:solidFill>
+                  <a:srgbClr val="000088"/>
+                </a:solidFill>
+                <a:latin typeface="Corbel" charset="0"/>
+              </a:rPr>
+              <a:t>, $</a:t>
+            </a:r>
+            <a:r>
+              <a:rPr lang="de-DE" dirty="0" err="1">
+                <a:solidFill>
+                  <a:srgbClr val="000088"/>
+                </a:solidFill>
+                <a:latin typeface="Corbel" charset="0"/>
+              </a:rPr>
+              <a:t>sql</a:t>
+            </a:r>
+            <a:r>
+              <a:rPr lang="de-DE" dirty="0">
+                <a:solidFill>
+                  <a:srgbClr val="000000"/>
+                </a:solidFill>
+                <a:latin typeface="Corbel" charset="0"/>
+              </a:rPr>
+              <a:t> </a:t>
+            </a:r>
+            <a:r>
+              <a:rPr lang="de-DE" dirty="0">
+                <a:solidFill>
+                  <a:srgbClr val="009900"/>
+                </a:solidFill>
+                <a:latin typeface="Corbel" charset="0"/>
+              </a:rPr>
+              <a:t>)</a:t>
+            </a:r>
+            <a:r>
+              <a:rPr lang="de-DE" dirty="0">
+                <a:solidFill>
+                  <a:srgbClr val="339933"/>
+                </a:solidFill>
+                <a:latin typeface="Corbel" charset="0"/>
+              </a:rPr>
+              <a:t>; //Query ausführen</a:t>
+            </a:r>
+            <a:r>
+              <a:rPr lang="de-DE" dirty="0">
+                <a:solidFill>
+                  <a:srgbClr val="000000"/>
+                </a:solidFill>
+                <a:latin typeface="Corbel" charset="0"/>
+              </a:rPr>
+              <a:t> </a:t>
+            </a:r>
+          </a:p>
+          <a:p>
+            <a:pPr marL="502920" lvl="1" indent="0">
+              <a:buNone/>
+            </a:pPr>
+            <a:r>
+              <a:rPr lang="de-DE" dirty="0" err="1">
+                <a:solidFill>
+                  <a:srgbClr val="B1B100"/>
+                </a:solidFill>
+                <a:latin typeface="Corbel" charset="0"/>
+              </a:rPr>
+              <a:t>if</a:t>
+            </a:r>
+            <a:r>
+              <a:rPr lang="de-DE" dirty="0">
+                <a:solidFill>
+                  <a:srgbClr val="000000"/>
+                </a:solidFill>
+                <a:latin typeface="Corbel" charset="0"/>
+              </a:rPr>
+              <a:t> </a:t>
+            </a:r>
+            <a:r>
+              <a:rPr lang="de-DE" dirty="0">
+                <a:solidFill>
+                  <a:srgbClr val="009900"/>
+                </a:solidFill>
+                <a:latin typeface="Corbel" charset="0"/>
+              </a:rPr>
+              <a:t>(</a:t>
+            </a:r>
+            <a:r>
+              <a:rPr lang="de-DE" dirty="0" err="1">
+                <a:solidFill>
+                  <a:srgbClr val="990000"/>
+                </a:solidFill>
+                <a:latin typeface="Corbel" charset="0"/>
+              </a:rPr>
+              <a:t>mysqli_connect_errno</a:t>
+            </a:r>
+            <a:r>
+              <a:rPr lang="de-DE" dirty="0">
+                <a:solidFill>
+                  <a:srgbClr val="990000"/>
+                </a:solidFill>
+                <a:latin typeface="Corbel" charset="0"/>
+              </a:rPr>
+              <a:t>()</a:t>
+            </a:r>
+            <a:r>
+              <a:rPr lang="de-DE" dirty="0">
+                <a:solidFill>
+                  <a:srgbClr val="000000"/>
+                </a:solidFill>
+                <a:latin typeface="Corbel" charset="0"/>
+              </a:rPr>
+              <a:t> </a:t>
+            </a:r>
+            <a:r>
+              <a:rPr lang="de-DE" dirty="0">
+                <a:solidFill>
+                  <a:srgbClr val="009900"/>
+                </a:solidFill>
+                <a:latin typeface="Corbel" charset="0"/>
+              </a:rPr>
+              <a:t>)</a:t>
+            </a:r>
+            <a:r>
+              <a:rPr lang="de-DE" dirty="0">
+                <a:solidFill>
+                  <a:srgbClr val="000000"/>
+                </a:solidFill>
+                <a:latin typeface="Corbel" charset="0"/>
+              </a:rPr>
+              <a:t> </a:t>
+            </a:r>
+            <a:r>
+              <a:rPr lang="de-DE" dirty="0">
+                <a:solidFill>
+                  <a:srgbClr val="009900"/>
+                </a:solidFill>
+                <a:latin typeface="Corbel" charset="0"/>
+              </a:rPr>
+              <a:t>{</a:t>
+            </a:r>
+            <a:r>
+              <a:rPr lang="de-DE" dirty="0">
+                <a:solidFill>
+                  <a:srgbClr val="000000"/>
+                </a:solidFill>
+                <a:latin typeface="Corbel" charset="0"/>
+              </a:rPr>
+              <a:t> </a:t>
+            </a:r>
+            <a:r>
+              <a:rPr lang="de-DE" dirty="0">
+                <a:solidFill>
+                  <a:srgbClr val="B1B100"/>
+                </a:solidFill>
+                <a:latin typeface="Corbel" charset="0"/>
+              </a:rPr>
+              <a:t>echo</a:t>
+            </a:r>
+            <a:r>
+              <a:rPr lang="de-DE" dirty="0">
+                <a:solidFill>
+                  <a:srgbClr val="000000"/>
+                </a:solidFill>
+                <a:latin typeface="Corbel" charset="0"/>
+              </a:rPr>
+              <a:t> </a:t>
+            </a:r>
+            <a:r>
+              <a:rPr lang="de-DE" dirty="0">
+                <a:solidFill>
+                  <a:srgbClr val="0000FF"/>
+                </a:solidFill>
+                <a:latin typeface="Corbel" charset="0"/>
+              </a:rPr>
+              <a:t>'Ungültige Abfrage: '</a:t>
+            </a:r>
+            <a:r>
+              <a:rPr lang="de-DE" dirty="0">
+                <a:solidFill>
+                  <a:srgbClr val="000000"/>
+                </a:solidFill>
+                <a:latin typeface="Corbel" charset="0"/>
+              </a:rPr>
+              <a:t> </a:t>
+            </a:r>
+            <a:r>
+              <a:rPr lang="de-DE" dirty="0">
+                <a:solidFill>
+                  <a:srgbClr val="339933"/>
+                </a:solidFill>
+                <a:latin typeface="Corbel" charset="0"/>
+              </a:rPr>
+              <a:t>.</a:t>
+            </a:r>
+            <a:r>
+              <a:rPr lang="de-DE" dirty="0">
+                <a:solidFill>
+                  <a:srgbClr val="000000"/>
+                </a:solidFill>
+                <a:latin typeface="Corbel" charset="0"/>
+              </a:rPr>
+              <a:t> </a:t>
+            </a:r>
+            <a:r>
+              <a:rPr lang="de-DE" dirty="0" err="1">
+                <a:solidFill>
+                  <a:srgbClr val="990000"/>
+                </a:solidFill>
+                <a:latin typeface="Corbel" charset="0"/>
+              </a:rPr>
+              <a:t>mysqli_error</a:t>
+            </a:r>
+            <a:r>
+              <a:rPr lang="de-DE" dirty="0">
+                <a:solidFill>
+                  <a:srgbClr val="009900"/>
+                </a:solidFill>
+                <a:latin typeface="Corbel" charset="0"/>
+              </a:rPr>
+              <a:t>())</a:t>
+            </a:r>
+            <a:r>
+              <a:rPr lang="de-DE" dirty="0">
+                <a:solidFill>
+                  <a:srgbClr val="339933"/>
+                </a:solidFill>
+                <a:latin typeface="Corbel" charset="0"/>
+              </a:rPr>
+              <a:t>;</a:t>
+            </a:r>
+            <a:r>
+              <a:rPr lang="de-DE" dirty="0">
+                <a:solidFill>
+                  <a:srgbClr val="000000"/>
+                </a:solidFill>
+                <a:latin typeface="Corbel" charset="0"/>
+              </a:rPr>
+              <a:t> </a:t>
+            </a:r>
+            <a:r>
+              <a:rPr lang="de-DE" dirty="0">
+                <a:solidFill>
+                  <a:srgbClr val="009900"/>
+                </a:solidFill>
+                <a:latin typeface="Corbel" charset="0"/>
+              </a:rPr>
+              <a:t>} //Query erfolgreich?</a:t>
+            </a:r>
+            <a:r>
+              <a:rPr lang="de-DE" dirty="0">
+                <a:solidFill>
+                  <a:srgbClr val="000000"/>
+                </a:solidFill>
+                <a:latin typeface="Corbel" charset="0"/>
+              </a:rPr>
+              <a:t>   </a:t>
+            </a:r>
+          </a:p>
+          <a:p>
+            <a:pPr marL="502920" lvl="1" indent="0">
+              <a:buNone/>
+            </a:pPr>
+            <a:r>
+              <a:rPr lang="de-DE" dirty="0" err="1">
+                <a:solidFill>
+                  <a:srgbClr val="B1B100"/>
+                </a:solidFill>
+                <a:latin typeface="Corbel" charset="0"/>
+              </a:rPr>
+              <a:t>while</a:t>
+            </a:r>
+            <a:r>
+              <a:rPr lang="de-DE" dirty="0">
+                <a:solidFill>
+                  <a:srgbClr val="000000"/>
+                </a:solidFill>
+                <a:latin typeface="Corbel" charset="0"/>
+              </a:rPr>
+              <a:t> </a:t>
+            </a:r>
+            <a:r>
+              <a:rPr lang="de-DE" dirty="0">
+                <a:solidFill>
+                  <a:srgbClr val="009900"/>
+                </a:solidFill>
+                <a:latin typeface="Corbel" charset="0"/>
+              </a:rPr>
+              <a:t>(</a:t>
+            </a:r>
+            <a:r>
+              <a:rPr lang="de-DE" dirty="0">
+                <a:solidFill>
+                  <a:srgbClr val="000088"/>
+                </a:solidFill>
+                <a:latin typeface="Corbel" charset="0"/>
+              </a:rPr>
+              <a:t>$</a:t>
+            </a:r>
+            <a:r>
+              <a:rPr lang="de-DE" dirty="0" err="1">
+                <a:solidFill>
+                  <a:srgbClr val="000088"/>
+                </a:solidFill>
+                <a:latin typeface="Corbel" charset="0"/>
+              </a:rPr>
+              <a:t>zeile</a:t>
+            </a:r>
+            <a:r>
+              <a:rPr lang="de-DE" dirty="0">
+                <a:solidFill>
+                  <a:srgbClr val="000000"/>
+                </a:solidFill>
+                <a:latin typeface="Corbel" charset="0"/>
+              </a:rPr>
+              <a:t> </a:t>
+            </a:r>
+            <a:r>
+              <a:rPr lang="de-DE" dirty="0">
+                <a:solidFill>
+                  <a:srgbClr val="339933"/>
+                </a:solidFill>
+                <a:latin typeface="Corbel" charset="0"/>
+              </a:rPr>
+              <a:t>=</a:t>
+            </a:r>
+            <a:r>
+              <a:rPr lang="de-DE" dirty="0">
+                <a:solidFill>
+                  <a:srgbClr val="000000"/>
+                </a:solidFill>
+                <a:latin typeface="Corbel" charset="0"/>
+              </a:rPr>
+              <a:t> </a:t>
+            </a:r>
+            <a:r>
+              <a:rPr lang="de-DE" dirty="0" err="1">
+                <a:solidFill>
+                  <a:srgbClr val="990000"/>
+                </a:solidFill>
+                <a:latin typeface="Corbel" charset="0"/>
+              </a:rPr>
+              <a:t>mysqli_fetch_array</a:t>
+            </a:r>
+            <a:r>
+              <a:rPr lang="de-DE" dirty="0">
+                <a:solidFill>
+                  <a:srgbClr val="009900"/>
+                </a:solidFill>
+                <a:latin typeface="Corbel" charset="0"/>
+              </a:rPr>
+              <a:t>(</a:t>
+            </a:r>
+            <a:r>
+              <a:rPr lang="de-DE" dirty="0">
+                <a:solidFill>
+                  <a:srgbClr val="000000"/>
+                </a:solidFill>
+                <a:latin typeface="Corbel" charset="0"/>
+              </a:rPr>
+              <a:t> </a:t>
+            </a:r>
+            <a:r>
+              <a:rPr lang="de-DE" dirty="0">
+                <a:solidFill>
+                  <a:srgbClr val="000088"/>
+                </a:solidFill>
+                <a:latin typeface="Corbel" charset="0"/>
+              </a:rPr>
+              <a:t>$</a:t>
+            </a:r>
+            <a:r>
+              <a:rPr lang="de-DE" dirty="0" err="1">
+                <a:solidFill>
+                  <a:srgbClr val="000088"/>
+                </a:solidFill>
+                <a:latin typeface="Corbel" charset="0"/>
+              </a:rPr>
+              <a:t>db_erg</a:t>
+            </a:r>
+            <a:r>
+              <a:rPr lang="de-DE" dirty="0">
+                <a:solidFill>
+                  <a:srgbClr val="339933"/>
+                </a:solidFill>
+                <a:latin typeface="Corbel" charset="0"/>
+              </a:rPr>
+              <a:t>,</a:t>
+            </a:r>
+            <a:r>
+              <a:rPr lang="de-DE" dirty="0">
+                <a:solidFill>
+                  <a:srgbClr val="000000"/>
+                </a:solidFill>
+                <a:latin typeface="Corbel" charset="0"/>
+              </a:rPr>
+              <a:t> MYSQLI_ASSOC</a:t>
+            </a:r>
+            <a:r>
+              <a:rPr lang="de-DE" dirty="0">
+                <a:solidFill>
+                  <a:srgbClr val="009900"/>
+                </a:solidFill>
+                <a:latin typeface="Corbel" charset="0"/>
+              </a:rPr>
+              <a:t>))</a:t>
+            </a:r>
+            <a:r>
+              <a:rPr lang="de-DE" dirty="0">
+                <a:solidFill>
+                  <a:srgbClr val="000000"/>
+                </a:solidFill>
+                <a:latin typeface="Corbel" charset="0"/>
+              </a:rPr>
+              <a:t> </a:t>
+            </a:r>
+            <a:r>
+              <a:rPr lang="de-DE" dirty="0">
+                <a:solidFill>
+                  <a:srgbClr val="009900"/>
+                </a:solidFill>
+                <a:latin typeface="Corbel" charset="0"/>
+              </a:rPr>
+              <a:t>{</a:t>
+            </a:r>
+            <a:r>
+              <a:rPr lang="de-DE" dirty="0">
+                <a:solidFill>
+                  <a:srgbClr val="000000"/>
+                </a:solidFill>
+                <a:latin typeface="Corbel" charset="0"/>
+              </a:rPr>
+              <a:t>  </a:t>
+            </a:r>
+          </a:p>
+          <a:p>
+            <a:pPr marL="502920" lvl="1" indent="0">
+              <a:buNone/>
+            </a:pPr>
+            <a:r>
+              <a:rPr lang="de-DE" dirty="0">
+                <a:solidFill>
+                  <a:srgbClr val="B1B100"/>
+                </a:solidFill>
+                <a:latin typeface="Corbel" charset="0"/>
+              </a:rPr>
+              <a:t>echo</a:t>
+            </a:r>
+            <a:r>
+              <a:rPr lang="de-DE" dirty="0">
+                <a:solidFill>
+                  <a:srgbClr val="000000"/>
+                </a:solidFill>
+                <a:latin typeface="Corbel" charset="0"/>
+              </a:rPr>
+              <a:t> </a:t>
+            </a:r>
+            <a:r>
+              <a:rPr lang="de-DE" dirty="0">
+                <a:solidFill>
+                  <a:srgbClr val="000088"/>
+                </a:solidFill>
+                <a:latin typeface="Corbel" charset="0"/>
+              </a:rPr>
+              <a:t>$</a:t>
+            </a:r>
+            <a:r>
+              <a:rPr lang="de-DE" dirty="0" err="1">
+                <a:solidFill>
+                  <a:srgbClr val="000088"/>
+                </a:solidFill>
+                <a:latin typeface="Corbel" charset="0"/>
+              </a:rPr>
+              <a:t>zeile</a:t>
+            </a:r>
+            <a:r>
+              <a:rPr lang="de-DE" dirty="0">
+                <a:solidFill>
+                  <a:srgbClr val="009900"/>
+                </a:solidFill>
+                <a:latin typeface="Corbel" charset="0"/>
+              </a:rPr>
+              <a:t>[</a:t>
+            </a:r>
+            <a:r>
+              <a:rPr lang="de-DE" dirty="0">
+                <a:solidFill>
+                  <a:srgbClr val="0000FF"/>
+                </a:solidFill>
+                <a:latin typeface="Corbel" charset="0"/>
+              </a:rPr>
+              <a:t>'SPALTENNAME'</a:t>
+            </a:r>
+            <a:r>
+              <a:rPr lang="de-DE" dirty="0">
+                <a:solidFill>
+                  <a:srgbClr val="009900"/>
+                </a:solidFill>
+                <a:latin typeface="Corbel" charset="0"/>
+              </a:rPr>
+              <a:t>]</a:t>
+            </a:r>
+            <a:r>
+              <a:rPr lang="de-DE" dirty="0">
+                <a:solidFill>
+                  <a:srgbClr val="000000"/>
+                </a:solidFill>
+                <a:latin typeface="Corbel" charset="0"/>
+              </a:rPr>
+              <a:t> </a:t>
+            </a:r>
+            <a:r>
+              <a:rPr lang="de-DE" dirty="0">
+                <a:solidFill>
+                  <a:srgbClr val="339933"/>
+                </a:solidFill>
+                <a:latin typeface="Corbel" charset="0"/>
+              </a:rPr>
+              <a:t>;</a:t>
+            </a:r>
+            <a:r>
+              <a:rPr lang="de-DE" dirty="0">
+                <a:solidFill>
+                  <a:srgbClr val="000000"/>
+                </a:solidFill>
+                <a:latin typeface="Corbel" charset="0"/>
+              </a:rPr>
+              <a:t>  </a:t>
+            </a:r>
+          </a:p>
+          <a:p>
+            <a:pPr marL="502920" lvl="1" indent="0">
+              <a:buNone/>
+            </a:pPr>
+            <a:r>
+              <a:rPr lang="de-DE" dirty="0" err="1">
+                <a:solidFill>
+                  <a:srgbClr val="990000"/>
+                </a:solidFill>
+                <a:latin typeface="Corbel" charset="0"/>
+              </a:rPr>
+              <a:t>mysqli_free_result</a:t>
+            </a:r>
+            <a:r>
+              <a:rPr lang="de-DE" dirty="0">
+                <a:solidFill>
+                  <a:srgbClr val="009900"/>
+                </a:solidFill>
+                <a:latin typeface="Corbel" charset="0"/>
+              </a:rPr>
+              <a:t>(</a:t>
+            </a:r>
+            <a:r>
+              <a:rPr lang="de-DE" dirty="0">
+                <a:solidFill>
+                  <a:srgbClr val="000000"/>
+                </a:solidFill>
+                <a:latin typeface="Corbel" charset="0"/>
+              </a:rPr>
+              <a:t> </a:t>
+            </a:r>
+            <a:r>
+              <a:rPr lang="de-DE" dirty="0">
+                <a:solidFill>
+                  <a:srgbClr val="000088"/>
+                </a:solidFill>
+                <a:latin typeface="Corbel" charset="0"/>
+              </a:rPr>
+              <a:t>$</a:t>
+            </a:r>
+            <a:r>
+              <a:rPr lang="de-DE" dirty="0" err="1">
+                <a:solidFill>
+                  <a:srgbClr val="000088"/>
+                </a:solidFill>
+                <a:latin typeface="Corbel" charset="0"/>
+              </a:rPr>
+              <a:t>db_erg</a:t>
+            </a:r>
+            <a:r>
+              <a:rPr lang="de-DE" dirty="0">
+                <a:solidFill>
+                  <a:srgbClr val="000000"/>
+                </a:solidFill>
+                <a:latin typeface="Corbel" charset="0"/>
+              </a:rPr>
+              <a:t> </a:t>
+            </a:r>
+            <a:r>
+              <a:rPr lang="de-DE" dirty="0">
+                <a:solidFill>
+                  <a:srgbClr val="009900"/>
+                </a:solidFill>
+                <a:latin typeface="Corbel" charset="0"/>
+              </a:rPr>
+              <a:t>)</a:t>
+            </a:r>
+            <a:r>
+              <a:rPr lang="de-DE" dirty="0">
+                <a:solidFill>
+                  <a:srgbClr val="339933"/>
+                </a:solidFill>
+                <a:latin typeface="Corbel" charset="0"/>
+              </a:rPr>
+              <a:t>;            //Speicher freigeben</a:t>
+            </a:r>
+          </a:p>
+          <a:p>
+            <a:pPr marL="502920" lvl="1" indent="0">
+              <a:buNone/>
+            </a:pPr>
+            <a:r>
+              <a:rPr lang="de-DE" dirty="0" err="1">
+                <a:solidFill>
+                  <a:srgbClr val="990000"/>
+                </a:solidFill>
+                <a:latin typeface="Corbel" charset="0"/>
+              </a:rPr>
+              <a:t>mysqli_close</a:t>
+            </a:r>
+            <a:r>
+              <a:rPr lang="de-DE" dirty="0">
+                <a:solidFill>
+                  <a:srgbClr val="009900"/>
+                </a:solidFill>
+                <a:latin typeface="Corbel" charset="0"/>
+              </a:rPr>
+              <a:t>(</a:t>
+            </a:r>
+            <a:r>
+              <a:rPr lang="de-DE" dirty="0">
+                <a:solidFill>
+                  <a:srgbClr val="990000"/>
+                </a:solidFill>
+                <a:latin typeface="Corbel" charset="0"/>
+              </a:rPr>
+              <a:t> </a:t>
+            </a:r>
+            <a:r>
+              <a:rPr lang="de-DE" dirty="0">
+                <a:solidFill>
+                  <a:srgbClr val="000088"/>
+                </a:solidFill>
+                <a:latin typeface="Corbel" charset="0"/>
+              </a:rPr>
+              <a:t>$</a:t>
+            </a:r>
+            <a:r>
+              <a:rPr lang="de-DE" dirty="0" err="1">
+                <a:solidFill>
+                  <a:srgbClr val="000088"/>
+                </a:solidFill>
+                <a:latin typeface="Corbel" charset="0"/>
+              </a:rPr>
+              <a:t>db_link</a:t>
+            </a:r>
+            <a:r>
+              <a:rPr lang="de-DE" dirty="0">
+                <a:solidFill>
+                  <a:srgbClr val="000088"/>
+                </a:solidFill>
+                <a:latin typeface="Corbel" charset="0"/>
+              </a:rPr>
+              <a:t> </a:t>
+            </a:r>
+            <a:r>
+              <a:rPr lang="de-DE" dirty="0">
+                <a:solidFill>
+                  <a:srgbClr val="009900"/>
+                </a:solidFill>
+                <a:latin typeface="Corbel" charset="0"/>
+              </a:rPr>
+              <a:t>)</a:t>
+            </a:r>
+            <a:r>
+              <a:rPr lang="de-DE" dirty="0">
+                <a:solidFill>
+                  <a:srgbClr val="339933"/>
+                </a:solidFill>
+                <a:latin typeface="Corbel" charset="0"/>
+              </a:rPr>
+              <a:t>;                       //Datenbankverbindung schließen</a:t>
+            </a:r>
+            <a:r>
+              <a:rPr lang="de-DE" dirty="0">
+                <a:solidFill>
+                  <a:srgbClr val="000000"/>
+                </a:solidFill>
+                <a:latin typeface="Corbel" charset="0"/>
+              </a:rPr>
+              <a:t>  </a:t>
+            </a:r>
+          </a:p>
+          <a:p>
+            <a:pPr marL="502920" lvl="1" indent="0">
+              <a:buNone/>
+            </a:pPr>
+            <a:r>
+              <a:rPr lang="de-DE" dirty="0">
+                <a:solidFill>
+                  <a:srgbClr val="000000"/>
+                </a:solidFill>
+                <a:latin typeface="Corbel" charset="0"/>
+              </a:rPr>
+              <a:t>?&gt;</a:t>
+            </a:r>
+          </a:p>
+          <a:p>
             <a:endParaRPr lang="de-DE" dirty="0"/>
           </a:p>
         </p:txBody>
@@ -10669,7 +10712,7 @@
     </p:spTree>
     <p:extLst>
       <p:ext uri="{BB962C8B-B14F-4D97-AF65-F5344CB8AC3E}">
-        <p14:creationId xmlns:p14="http://schemas.microsoft.com/office/powerpoint/2010/main" val="3061392107"/>
+        <p14:creationId xmlns:p14="http://schemas.microsoft.com/office/powerpoint/2010/main" val="1567986222"/>
       </p:ext>
     </p:extLst>
   </p:cSld>
